--- a/Mor presi.pptx
+++ b/Mor presi.pptx
@@ -352,7 +352,7 @@
             </a:pPr>
             <a:fld id="{AD3F0D3D-35E2-4A02-AEA5-1E37B718E2E6}" type="datetime4">
               <a:rPr lang="de-DE" smtClean="0"/>
-              <a:t>18. Januar 2023</a:t>
+              <a:t>23. Januar 2023</a:t>
             </a:fld>
             <a:endParaRPr lang="de-DE"/>
           </a:p>
@@ -767,7 +767,7 @@
             </a:pPr>
             <a:fld id="{6B5962C4-58D5-4433-97D5-012F56D2057C}" type="datetime4">
               <a:rPr lang="de-DE" smtClean="0"/>
-              <a:t>18. Januar 2023</a:t>
+              <a:t>23. Januar 2023</a:t>
             </a:fld>
             <a:endParaRPr lang="de-DE"/>
           </a:p>
@@ -1397,7 +1397,6 @@
               <a:bodyPr/>
               <a:lstStyle/>
               <a:p>
-                <a:pPr/>
                 <a:r>
                   <a:rPr lang="de-DE" dirty="0"/>
                   <a:t>RBM begriff recherchieren</a:t>
@@ -1454,7 +1453,7 @@
             </a:pPr>
             <a:fld id="{6B5962C4-58D5-4433-97D5-012F56D2057C}" type="datetime4">
               <a:rPr lang="de-DE" smtClean="0"/>
-              <a:t>18. Januar 2023</a:t>
+              <a:t>23. Januar 2023</a:t>
             </a:fld>
             <a:endParaRPr lang="de-DE"/>
           </a:p>
@@ -1602,7 +1601,7 @@
             </a:pPr>
             <a:fld id="{6B5962C4-58D5-4433-97D5-012F56D2057C}" type="datetime4">
               <a:rPr lang="de-DE" smtClean="0"/>
-              <a:t>20. Januar 2023</a:t>
+              <a:t>23. Januar 2023</a:t>
             </a:fld>
             <a:endParaRPr lang="de-DE"/>
           </a:p>
@@ -1770,7 +1769,7 @@
             </a:pPr>
             <a:fld id="{6B5962C4-58D5-4433-97D5-012F56D2057C}" type="datetime4">
               <a:rPr lang="de-DE" smtClean="0"/>
-              <a:t>20. Januar 2023</a:t>
+              <a:t>23. Januar 2023</a:t>
             </a:fld>
             <a:endParaRPr lang="de-DE"/>
           </a:p>
@@ -2002,7 +2001,7 @@
             </a:pPr>
             <a:fld id="{6B5962C4-58D5-4433-97D5-012F56D2057C}" type="datetime4">
               <a:rPr lang="de-DE" smtClean="0"/>
-              <a:t>20. Januar 2023</a:t>
+              <a:t>23. Januar 2023</a:t>
             </a:fld>
             <a:endParaRPr lang="de-DE"/>
           </a:p>
@@ -2170,7 +2169,7 @@
             </a:pPr>
             <a:fld id="{6B5962C4-58D5-4433-97D5-012F56D2057C}" type="datetime4">
               <a:rPr lang="de-DE" smtClean="0"/>
-              <a:t>18. Januar 2023</a:t>
+              <a:t>23. Januar 2023</a:t>
             </a:fld>
             <a:endParaRPr lang="de-DE"/>
           </a:p>
@@ -2318,7 +2317,7 @@
             </a:pPr>
             <a:fld id="{6B5962C4-58D5-4433-97D5-012F56D2057C}" type="datetime4">
               <a:rPr lang="de-DE" smtClean="0"/>
-              <a:t>19. Januar 2023</a:t>
+              <a:t>23. Januar 2023</a:t>
             </a:fld>
             <a:endParaRPr lang="de-DE"/>
           </a:p>
@@ -2466,7 +2465,7 @@
             </a:pPr>
             <a:fld id="{6B5962C4-58D5-4433-97D5-012F56D2057C}" type="datetime4">
               <a:rPr lang="de-DE" smtClean="0"/>
-              <a:t>19. Januar 2023</a:t>
+              <a:t>23. Januar 2023</a:t>
             </a:fld>
             <a:endParaRPr lang="de-DE"/>
           </a:p>
@@ -5544,7 +5543,7 @@
             </a:r>
             <a:r>
               <a:rPr lang="de-DE" dirty="0"/>
-              <a:t> - WG Transition </a:t>
+              <a:t> – WG Transition </a:t>
             </a:r>
           </a:p>
         </p:txBody>
@@ -6503,7 +6502,7 @@
             </a:r>
             <a:r>
               <a:rPr lang="de-DE" dirty="0"/>
-              <a:t> - WG Transition </a:t>
+              <a:t> – WG Transition </a:t>
             </a:r>
           </a:p>
         </p:txBody>
@@ -7408,8 +7407,8 @@
           </p:cxnSp>
         </p:grpSp>
       </p:grpSp>
-      <mc:AlternateContent xmlns:mc="http://schemas.openxmlformats.org/markup-compatibility/2006">
-        <mc:Choice xmlns:a14="http://schemas.microsoft.com/office/drawing/2010/main" Requires="a14">
+      <mc:AlternateContent xmlns:mc="http://schemas.openxmlformats.org/markup-compatibility/2006" xmlns:a14="http://schemas.microsoft.com/office/drawing/2010/main">
+        <mc:Choice Requires="a14">
           <p:sp>
             <p:nvSpPr>
               <p:cNvPr id="7" name="Inhaltsplatzhalter 2">
@@ -7542,7 +7541,7 @@
             </p:txBody>
           </p:sp>
         </mc:Choice>
-        <mc:Fallback>
+        <mc:Fallback xmlns="">
           <p:sp>
             <p:nvSpPr>
               <p:cNvPr id="7" name="Inhaltsplatzhalter 2">
@@ -8036,8 +8035,8 @@
           </a:prstGeom>
         </p:spPr>
       </p:pic>
-      <mc:AlternateContent xmlns:mc="http://schemas.openxmlformats.org/markup-compatibility/2006">
-        <mc:Choice xmlns:a14="http://schemas.microsoft.com/office/drawing/2010/main" Requires="a14">
+      <mc:AlternateContent xmlns:mc="http://schemas.openxmlformats.org/markup-compatibility/2006" xmlns:a14="http://schemas.microsoft.com/office/drawing/2010/main">
+        <mc:Choice Requires="a14">
           <p:sp>
             <p:nvSpPr>
               <p:cNvPr id="7" name="Inhaltsplatzhalter 2">
@@ -8320,7 +8319,7 @@
             </p:txBody>
           </p:sp>
         </mc:Choice>
-        <mc:Fallback>
+        <mc:Fallback xmlns="">
           <p:sp>
             <p:nvSpPr>
               <p:cNvPr id="7" name="Inhaltsplatzhalter 2">
@@ -8707,6 +8706,26 @@
                   <a:t> </a:t>
                 </a:r>
               </a:p>
+              <a:p>
+                <a:pPr lvl="2"/>
+                <a:r>
+                  <a:rPr lang="de-DE" dirty="0"/>
+                  <a:t>20…100 </a:t>
+                </a:r>
+                <a:r>
+                  <a:rPr lang="de-DE" dirty="0" err="1"/>
+                  <a:t>basis</a:t>
+                </a:r>
+                <a:r>
+                  <a:rPr lang="de-DE" dirty="0"/>
+                  <a:t> </a:t>
+                </a:r>
+                <a:r>
+                  <a:rPr lang="de-DE" dirty="0" err="1"/>
+                  <a:t>functions</a:t>
+                </a:r>
+                <a:endParaRPr lang="de-DE" dirty="0"/>
+              </a:p>
             </p:txBody>
           </p:sp>
         </mc:Choice>
@@ -9200,11 +9219,11 @@
             </a:r>
             <a:r>
               <a:rPr lang="de-DE" dirty="0"/>
-              <a:t> slow in </a:t>
-            </a:r>
-            <a:r>
-              <a:rPr lang="de-DE" dirty="0" err="1"/>
-              <a:t>python</a:t>
+              <a:t> slow </a:t>
+            </a:r>
+            <a:r>
+              <a:rPr lang="de-DE"/>
+              <a:t>inP</a:t>
             </a:r>
             <a:endParaRPr lang="de-DE" dirty="0"/>
           </a:p>
@@ -11582,12 +11601,170 @@
           </a:p>
         </p:txBody>
       </p:sp>
+      <p:grpSp>
+        <p:nvGrpSpPr>
+          <p:cNvPr id="11" name="Gruppieren 10">
+            <a:extLst>
+              <a:ext uri="{FF2B5EF4-FFF2-40B4-BE49-F238E27FC236}">
+                <a16:creationId xmlns:a16="http://schemas.microsoft.com/office/drawing/2014/main" id="{1ABF49EF-C1BC-94A5-07C7-39332E71463E}"/>
+              </a:ext>
+            </a:extLst>
+          </p:cNvPr>
+          <p:cNvGrpSpPr/>
+          <p:nvPr/>
+        </p:nvGrpSpPr>
+        <p:grpSpPr>
+          <a:xfrm>
+            <a:off x="1586948" y="3389071"/>
+            <a:ext cx="5970103" cy="2176789"/>
+            <a:chOff x="258081" y="3736487"/>
+            <a:chExt cx="5970103" cy="2711764"/>
+          </a:xfrm>
+        </p:grpSpPr>
+        <p:pic>
+          <p:nvPicPr>
+            <p:cNvPr id="8" name="Grafik 7">
+              <a:extLst>
+                <a:ext uri="{FF2B5EF4-FFF2-40B4-BE49-F238E27FC236}">
+                  <a16:creationId xmlns:a16="http://schemas.microsoft.com/office/drawing/2014/main" id="{DAFBA319-AEA3-9AFC-8D8E-BB0FB8AA6F11}"/>
+                </a:ext>
+              </a:extLst>
+            </p:cNvPr>
+            <p:cNvPicPr>
+              <a:picLocks noChangeAspect="1"/>
+            </p:cNvPicPr>
+            <p:nvPr/>
+          </p:nvPicPr>
+          <p:blipFill rotWithShape="1">
+            <a:blip r:embed="rId2"/>
+            <a:srcRect t="2143" r="6295"/>
+            <a:stretch/>
+          </p:blipFill>
+          <p:spPr>
+            <a:xfrm>
+              <a:off x="258081" y="3825695"/>
+              <a:ext cx="5878694" cy="2622556"/>
+            </a:xfrm>
+            <a:prstGeom prst="rect">
+              <a:avLst/>
+            </a:prstGeom>
+          </p:spPr>
+        </p:pic>
+        <p:sp>
+          <p:nvSpPr>
+            <p:cNvPr id="9" name="Rechteck 8">
+              <a:extLst>
+                <a:ext uri="{FF2B5EF4-FFF2-40B4-BE49-F238E27FC236}">
+                  <a16:creationId xmlns:a16="http://schemas.microsoft.com/office/drawing/2014/main" id="{1D99344D-6A47-7A58-C509-5DBD3E4BF830}"/>
+                </a:ext>
+              </a:extLst>
+            </p:cNvPr>
+            <p:cNvSpPr/>
+            <p:nvPr/>
+          </p:nvSpPr>
+          <p:spPr>
+            <a:xfrm>
+              <a:off x="5904148" y="3736487"/>
+              <a:ext cx="324036" cy="213219"/>
+            </a:xfrm>
+            <a:prstGeom prst="rect">
+              <a:avLst/>
+            </a:prstGeom>
+            <a:solidFill>
+              <a:schemeClr val="bg1"/>
+            </a:solidFill>
+            <a:ln>
+              <a:solidFill>
+                <a:schemeClr val="bg1"/>
+              </a:solidFill>
+            </a:ln>
+          </p:spPr>
+          <p:style>
+            <a:lnRef idx="2">
+              <a:schemeClr val="accent1">
+                <a:shade val="50000"/>
+              </a:schemeClr>
+            </a:lnRef>
+            <a:fillRef idx="1">
+              <a:schemeClr val="accent1"/>
+            </a:fillRef>
+            <a:effectRef idx="0">
+              <a:schemeClr val="accent1"/>
+            </a:effectRef>
+            <a:fontRef idx="minor">
+              <a:schemeClr val="lt1"/>
+            </a:fontRef>
+          </p:style>
+          <p:txBody>
+            <a:bodyPr rtlCol="0" anchor="ctr"/>
+            <a:lstStyle/>
+            <a:p>
+              <a:pPr algn="ctr"/>
+              <a:endParaRPr lang="de-DE"/>
+            </a:p>
+          </p:txBody>
+        </p:sp>
+        <p:sp>
+          <p:nvSpPr>
+            <p:cNvPr id="10" name="Rechteck 9">
+              <a:extLst>
+                <a:ext uri="{FF2B5EF4-FFF2-40B4-BE49-F238E27FC236}">
+                  <a16:creationId xmlns:a16="http://schemas.microsoft.com/office/drawing/2014/main" id="{D7C81CFC-313B-067F-3C0C-433494066A0C}"/>
+                </a:ext>
+              </a:extLst>
+            </p:cNvPr>
+            <p:cNvSpPr/>
+            <p:nvPr/>
+          </p:nvSpPr>
+          <p:spPr>
+            <a:xfrm>
+              <a:off x="6072177" y="4038914"/>
+              <a:ext cx="156007" cy="213219"/>
+            </a:xfrm>
+            <a:prstGeom prst="rect">
+              <a:avLst/>
+            </a:prstGeom>
+            <a:solidFill>
+              <a:schemeClr val="bg1"/>
+            </a:solidFill>
+            <a:ln>
+              <a:solidFill>
+                <a:schemeClr val="bg1"/>
+              </a:solidFill>
+            </a:ln>
+          </p:spPr>
+          <p:style>
+            <a:lnRef idx="2">
+              <a:schemeClr val="accent1">
+                <a:shade val="50000"/>
+              </a:schemeClr>
+            </a:lnRef>
+            <a:fillRef idx="1">
+              <a:schemeClr val="accent1"/>
+            </a:fillRef>
+            <a:effectRef idx="0">
+              <a:schemeClr val="accent1"/>
+            </a:effectRef>
+            <a:fontRef idx="minor">
+              <a:schemeClr val="lt1"/>
+            </a:fontRef>
+          </p:style>
+          <p:txBody>
+            <a:bodyPr rtlCol="0" anchor="ctr"/>
+            <a:lstStyle/>
+            <a:p>
+              <a:pPr algn="ctr"/>
+              <a:endParaRPr lang="de-DE"/>
+            </a:p>
+          </p:txBody>
+        </p:sp>
+      </p:grpSp>
       <p:pic>
         <p:nvPicPr>
-          <p:cNvPr id="8" name="Grafik 7">
+          <p:cNvPr id="12" name="Grafik 11">
             <a:extLst>
               <a:ext uri="{FF2B5EF4-FFF2-40B4-BE49-F238E27FC236}">
-                <a16:creationId xmlns:a16="http://schemas.microsoft.com/office/drawing/2014/main" id="{DAFBA319-AEA3-9AFC-8D8E-BB0FB8AA6F11}"/>
+                <a16:creationId xmlns:a16="http://schemas.microsoft.com/office/drawing/2014/main" id="{12782725-0AF8-CF5F-38C2-6470D3B01341}"/>
               </a:ext>
             </a:extLst>
           </p:cNvPr>
@@ -11597,59 +11774,20 @@
           <p:nvPr/>
         </p:nvPicPr>
         <p:blipFill rotWithShape="1">
-          <a:blip r:embed="rId2"/>
-          <a:srcRect t="2143" r="6295"/>
+          <a:blip r:embed="rId3"/>
+          <a:srcRect l="4720" t="32786" r="4720" b="31880"/>
           <a:stretch/>
         </p:blipFill>
         <p:spPr>
           <a:xfrm>
-            <a:off x="258081" y="3825695"/>
-            <a:ext cx="5878694" cy="2622556"/>
+            <a:off x="2312181" y="5667925"/>
+            <a:ext cx="4504140" cy="763235"/>
           </a:xfrm>
           <a:prstGeom prst="rect">
             <a:avLst/>
           </a:prstGeom>
         </p:spPr>
       </p:pic>
-      <p:sp>
-        <p:nvSpPr>
-          <p:cNvPr id="7" name="Textfeld 6">
-            <a:extLst>
-              <a:ext uri="{FF2B5EF4-FFF2-40B4-BE49-F238E27FC236}">
-                <a16:creationId xmlns:a16="http://schemas.microsoft.com/office/drawing/2014/main" id="{6137C554-38C2-4687-3570-059FD17EE6B9}"/>
-              </a:ext>
-            </a:extLst>
-          </p:cNvPr>
-          <p:cNvSpPr txBox="1"/>
-          <p:nvPr/>
-        </p:nvSpPr>
-        <p:spPr>
-          <a:xfrm>
-            <a:off x="6588224" y="4113076"/>
-            <a:ext cx="1127232" cy="369332"/>
-          </a:xfrm>
-          <a:prstGeom prst="rect">
-            <a:avLst/>
-          </a:prstGeom>
-          <a:noFill/>
-        </p:spPr>
-        <p:txBody>
-          <a:bodyPr wrap="none" rtlCol="0">
-            <a:spAutoFit/>
-          </a:bodyPr>
-          <a:lstStyle/>
-          <a:p>
-            <a:r>
-              <a:rPr lang="de-DE" dirty="0">
-                <a:solidFill>
-                  <a:srgbClr val="FF0000"/>
-                </a:solidFill>
-              </a:rPr>
-              <a:t>+Struktur</a:t>
-            </a:r>
-          </a:p>
-        </p:txBody>
-      </p:sp>
     </p:spTree>
     <p:extLst>
       <p:ext uri="{BB962C8B-B14F-4D97-AF65-F5344CB8AC3E}">
@@ -11905,7 +12043,42 @@
               <a:rPr lang="de-DE" dirty="0" err="1"/>
               <a:t>expansions</a:t>
             </a:r>
-            <a:endParaRPr lang="de-DE" dirty="0"/>
+            <a:r>
+              <a:rPr lang="de-DE" dirty="0"/>
+              <a:t> </a:t>
+            </a:r>
+            <a:r>
+              <a:rPr lang="de-DE" dirty="0" err="1"/>
+              <a:t>of</a:t>
+            </a:r>
+            <a:r>
+              <a:rPr lang="de-DE" dirty="0"/>
+              <a:t> </a:t>
+            </a:r>
+            <a:r>
+              <a:rPr lang="de-DE" dirty="0" err="1"/>
+              <a:t>the</a:t>
+            </a:r>
+            <a:r>
+              <a:rPr lang="de-DE" dirty="0"/>
+              <a:t> </a:t>
+            </a:r>
+            <a:r>
+              <a:rPr lang="de-DE" dirty="0" err="1"/>
+              <a:t>weak</a:t>
+            </a:r>
+            <a:r>
+              <a:rPr lang="de-DE" dirty="0"/>
+              <a:t> </a:t>
+            </a:r>
+            <a:r>
+              <a:rPr lang="de-DE" dirty="0" err="1"/>
+              <a:t>formulation</a:t>
+            </a:r>
+            <a:r>
+              <a:rPr lang="de-DE" dirty="0"/>
+              <a:t> </a:t>
+            </a:r>
           </a:p>
           <a:p>
             <a:pPr lvl="1"/>
@@ -12140,8 +12313,8 @@
           </a:p>
         </p:txBody>
       </p:sp>
-      <mc:AlternateContent xmlns:mc="http://schemas.openxmlformats.org/markup-compatibility/2006">
-        <mc:Choice xmlns:a14="http://schemas.microsoft.com/office/drawing/2010/main" Requires="a14">
+      <mc:AlternateContent xmlns:mc="http://schemas.openxmlformats.org/markup-compatibility/2006" xmlns:a14="http://schemas.microsoft.com/office/drawing/2010/main">
+        <mc:Choice Requires="a14">
           <p:sp>
             <p:nvSpPr>
               <p:cNvPr id="3" name="Inhaltsplatzhalter 2">
@@ -12662,7 +12835,7 @@
             </p:txBody>
           </p:sp>
         </mc:Choice>
-        <mc:Fallback>
+        <mc:Fallback xmlns="">
           <p:sp>
             <p:nvSpPr>
               <p:cNvPr id="3" name="Inhaltsplatzhalter 2">
@@ -12848,8 +13021,8 @@
           </a:p>
         </p:txBody>
       </p:sp>
-      <mc:AlternateContent xmlns:mc="http://schemas.openxmlformats.org/markup-compatibility/2006">
-        <mc:Choice xmlns:a14="http://schemas.microsoft.com/office/drawing/2010/main" Requires="a14">
+      <mc:AlternateContent xmlns:mc="http://schemas.openxmlformats.org/markup-compatibility/2006" xmlns:a14="http://schemas.microsoft.com/office/drawing/2010/main">
+        <mc:Choice Requires="a14">
           <p:sp>
             <p:nvSpPr>
               <p:cNvPr id="3" name="Inhaltsplatzhalter 2">
@@ -13195,7 +13368,7 @@
             </p:txBody>
           </p:sp>
         </mc:Choice>
-        <mc:Fallback>
+        <mc:Fallback xmlns="">
           <p:sp>
             <p:nvSpPr>
               <p:cNvPr id="3" name="Inhaltsplatzhalter 2">
@@ -13907,7 +14080,7 @@
             </a:r>
             <a:r>
               <a:rPr lang="de-DE" dirty="0" err="1"/>
-              <a:t>waveguide</a:t>
+              <a:t>Waveguide</a:t>
             </a:r>
             <a:endParaRPr lang="de-DE" dirty="0"/>
           </a:p>

--- a/Mor presi.pptx
+++ b/Mor presi.pptx
@@ -5,38 +5,39 @@
     <p:sldMasterId id="2147483648" r:id="rId1"/>
   </p:sldMasterIdLst>
   <p:notesMasterIdLst>
-    <p:notesMasterId r:id="rId23"/>
+    <p:notesMasterId r:id="rId24"/>
   </p:notesMasterIdLst>
   <p:handoutMasterIdLst>
-    <p:handoutMasterId r:id="rId24"/>
+    <p:handoutMasterId r:id="rId25"/>
   </p:handoutMasterIdLst>
   <p:sldIdLst>
     <p:sldId id="260" r:id="rId2"/>
-    <p:sldId id="325" r:id="rId3"/>
-    <p:sldId id="314" r:id="rId4"/>
-    <p:sldId id="315" r:id="rId5"/>
-    <p:sldId id="316" r:id="rId6"/>
-    <p:sldId id="317" r:id="rId7"/>
-    <p:sldId id="318" r:id="rId8"/>
-    <p:sldId id="331" r:id="rId9"/>
-    <p:sldId id="327" r:id="rId10"/>
-    <p:sldId id="332" r:id="rId11"/>
-    <p:sldId id="333" r:id="rId12"/>
-    <p:sldId id="334" r:id="rId13"/>
-    <p:sldId id="330" r:id="rId14"/>
-    <p:sldId id="335" r:id="rId15"/>
-    <p:sldId id="337" r:id="rId16"/>
-    <p:sldId id="336" r:id="rId17"/>
-    <p:sldId id="302" r:id="rId18"/>
-    <p:sldId id="324" r:id="rId19"/>
-    <p:sldId id="329" r:id="rId20"/>
-    <p:sldId id="319" r:id="rId21"/>
-    <p:sldId id="328" r:id="rId22"/>
+    <p:sldId id="697" r:id="rId3"/>
+    <p:sldId id="696" r:id="rId4"/>
+    <p:sldId id="314" r:id="rId5"/>
+    <p:sldId id="315" r:id="rId6"/>
+    <p:sldId id="316" r:id="rId7"/>
+    <p:sldId id="317" r:id="rId8"/>
+    <p:sldId id="318" r:id="rId9"/>
+    <p:sldId id="331" r:id="rId10"/>
+    <p:sldId id="327" r:id="rId11"/>
+    <p:sldId id="332" r:id="rId12"/>
+    <p:sldId id="333" r:id="rId13"/>
+    <p:sldId id="334" r:id="rId14"/>
+    <p:sldId id="330" r:id="rId15"/>
+    <p:sldId id="335" r:id="rId16"/>
+    <p:sldId id="337" r:id="rId17"/>
+    <p:sldId id="336" r:id="rId18"/>
+    <p:sldId id="302" r:id="rId19"/>
+    <p:sldId id="324" r:id="rId20"/>
+    <p:sldId id="329" r:id="rId21"/>
+    <p:sldId id="319" r:id="rId22"/>
+    <p:sldId id="328" r:id="rId23"/>
   </p:sldIdLst>
   <p:sldSz cx="9144000" cy="6858000" type="screen4x3"/>
   <p:notesSz cx="6797675" cy="9926638"/>
   <p:custDataLst>
-    <p:tags r:id="rId25"/>
+    <p:tags r:id="rId26"/>
   </p:custDataLst>
   <p:defaultTextStyle>
     <a:defPPr>
@@ -169,7 +170,8 @@
         <p14:section name="Standardabschnitt" id="{DDB226C0-B986-42EB-A7C8-F98F8C7D74C8}">
           <p14:sldIdLst>
             <p14:sldId id="260"/>
-            <p14:sldId id="325"/>
+            <p14:sldId id="697"/>
+            <p14:sldId id="696"/>
             <p14:sldId id="314"/>
             <p14:sldId id="315"/>
             <p14:sldId id="316"/>
@@ -205,7 +207,7 @@
             <a:srgbClr val="A4A3A4"/>
           </p15:clr>
         </p15:guide>
-        <p15:guide id="4" orient="horz" pos="119" userDrawn="1">
+        <p15:guide id="4" orient="horz" pos="73" userDrawn="1">
           <p15:clr>
             <a:srgbClr val="A4A3A4"/>
           </p15:clr>
@@ -1508,7 +1510,7 @@
               <a:pPr>
                 <a:defRPr/>
               </a:pPr>
-              <a:t>5</a:t>
+              <a:t>6</a:t>
             </a:fld>
             <a:endParaRPr lang="de-DE"/>
           </a:p>
@@ -1656,7 +1658,7 @@
               <a:pPr>
                 <a:defRPr/>
               </a:pPr>
-              <a:t>8</a:t>
+              <a:t>9</a:t>
             </a:fld>
             <a:endParaRPr lang="de-DE"/>
           </a:p>
@@ -1824,7 +1826,7 @@
               <a:pPr>
                 <a:defRPr/>
               </a:pPr>
-              <a:t>11</a:t>
+              <a:t>12</a:t>
             </a:fld>
             <a:endParaRPr lang="de-DE"/>
           </a:p>
@@ -2056,7 +2058,7 @@
               <a:pPr>
                 <a:defRPr/>
               </a:pPr>
-              <a:t>12</a:t>
+              <a:t>13</a:t>
             </a:fld>
             <a:endParaRPr lang="de-DE"/>
           </a:p>
@@ -2224,7 +2226,7 @@
               <a:pPr>
                 <a:defRPr/>
               </a:pPr>
-              <a:t>18</a:t>
+              <a:t>19</a:t>
             </a:fld>
             <a:endParaRPr lang="de-DE"/>
           </a:p>
@@ -2372,7 +2374,7 @@
               <a:pPr>
                 <a:defRPr/>
               </a:pPr>
-              <a:t>20</a:t>
+              <a:t>21</a:t>
             </a:fld>
             <a:endParaRPr lang="de-DE"/>
           </a:p>
@@ -2520,7 +2522,7 @@
               <a:pPr>
                 <a:defRPr/>
               </a:pPr>
-              <a:t>21</a:t>
+              <a:t>22</a:t>
             </a:fld>
             <a:endParaRPr lang="de-DE"/>
           </a:p>
@@ -4526,6 +4528,36 @@
           <a:chExt cx="0" cy="0"/>
         </a:xfrm>
       </p:grpSpPr>
+      <p:pic>
+        <p:nvPicPr>
+          <p:cNvPr id="52" name="Grafik 51">
+            <a:extLst>
+              <a:ext uri="{FF2B5EF4-FFF2-40B4-BE49-F238E27FC236}">
+                <a16:creationId xmlns:a16="http://schemas.microsoft.com/office/drawing/2014/main" id="{E2659806-2DB2-01DD-CB42-37303635CF04}"/>
+              </a:ext>
+            </a:extLst>
+          </p:cNvPr>
+          <p:cNvPicPr>
+            <a:picLocks noChangeAspect="1"/>
+          </p:cNvPicPr>
+          <p:nvPr/>
+        </p:nvPicPr>
+        <p:blipFill>
+          <a:blip r:embed="rId2"/>
+          <a:stretch>
+            <a:fillRect/>
+          </a:stretch>
+        </p:blipFill>
+        <p:spPr>
+          <a:xfrm>
+            <a:off x="1670443" y="2680321"/>
+            <a:ext cx="4894541" cy="3727731"/>
+          </a:xfrm>
+          <a:prstGeom prst="rect">
+            <a:avLst/>
+          </a:prstGeom>
+        </p:spPr>
+      </p:pic>
       <p:sp>
         <p:nvSpPr>
           <p:cNvPr id="2" name="Titel 1">
@@ -4553,7 +4585,7 @@
             </a:r>
             <a:r>
               <a:rPr lang="de-DE" dirty="0"/>
-              <a:t> – WG Transition Mesh</a:t>
+              <a:t> – WG Transition</a:t>
             </a:r>
           </a:p>
         </p:txBody>
@@ -4583,6 +4615,1093 @@
               <a:rPr lang="de-DE" smtClean="0"/>
               <a:pPr/>
               <a:t>10</a:t>
+            </a:fld>
+            <a:endParaRPr lang="de-DE" dirty="0"/>
+          </a:p>
+        </p:txBody>
+      </p:sp>
+      <p:sp>
+        <p:nvSpPr>
+          <p:cNvPr id="5" name="Fußzeilenplatzhalter 4">
+            <a:extLst>
+              <a:ext uri="{FF2B5EF4-FFF2-40B4-BE49-F238E27FC236}">
+                <a16:creationId xmlns:a16="http://schemas.microsoft.com/office/drawing/2014/main" id="{CDA1D5BE-A18C-8529-13E9-8A7AB1AF115C}"/>
+              </a:ext>
+            </a:extLst>
+          </p:cNvPr>
+          <p:cNvSpPr>
+            <a:spLocks noGrp="1"/>
+          </p:cNvSpPr>
+          <p:nvPr>
+            <p:ph type="ftr" sz="quarter" idx="3"/>
+          </p:nvPr>
+        </p:nvSpPr>
+        <p:spPr/>
+        <p:txBody>
+          <a:bodyPr/>
+          <a:lstStyle/>
+          <a:p>
+            <a:r>
+              <a:rPr lang="en-US"/>
+              <a:t>TU Darmstadt | Institut für Teilchenbeschleunigung und Elektromagnetische Felder (TEMF) | Frederik Quetscher</a:t>
+            </a:r>
+            <a:endParaRPr lang="en-US" dirty="0"/>
+          </a:p>
+        </p:txBody>
+      </p:sp>
+      <p:sp>
+        <p:nvSpPr>
+          <p:cNvPr id="6" name="Datumsplatzhalter 5">
+            <a:extLst>
+              <a:ext uri="{FF2B5EF4-FFF2-40B4-BE49-F238E27FC236}">
+                <a16:creationId xmlns:a16="http://schemas.microsoft.com/office/drawing/2014/main" id="{4C7C9944-DC49-8066-1C85-B642DD74EBA1}"/>
+              </a:ext>
+            </a:extLst>
+          </p:cNvPr>
+          <p:cNvSpPr>
+            <a:spLocks noGrp="1"/>
+          </p:cNvSpPr>
+          <p:nvPr>
+            <p:ph type="dt" sz="half" idx="2"/>
+          </p:nvPr>
+        </p:nvSpPr>
+        <p:spPr/>
+        <p:txBody>
+          <a:bodyPr/>
+          <a:lstStyle/>
+          <a:p>
+            <a:r>
+              <a:rPr lang="de-DE"/>
+              <a:t>22.9.2022</a:t>
+            </a:r>
+            <a:endParaRPr lang="de-DE" dirty="0"/>
+          </a:p>
+        </p:txBody>
+      </p:sp>
+      <p:grpSp>
+        <p:nvGrpSpPr>
+          <p:cNvPr id="3" name="Gruppieren 2">
+            <a:extLst>
+              <a:ext uri="{FF2B5EF4-FFF2-40B4-BE49-F238E27FC236}">
+                <a16:creationId xmlns:a16="http://schemas.microsoft.com/office/drawing/2014/main" id="{3309F9C6-8360-07CA-11D4-C46F62D70B72}"/>
+              </a:ext>
+            </a:extLst>
+          </p:cNvPr>
+          <p:cNvGrpSpPr/>
+          <p:nvPr/>
+        </p:nvGrpSpPr>
+        <p:grpSpPr>
+          <a:xfrm>
+            <a:off x="2470404" y="3531878"/>
+            <a:ext cx="4087700" cy="2210670"/>
+            <a:chOff x="2614375" y="2953461"/>
+            <a:chExt cx="5053784" cy="2672663"/>
+          </a:xfrm>
+        </p:grpSpPr>
+        <p:sp>
+          <p:nvSpPr>
+            <p:cNvPr id="9" name="Textfeld 8">
+              <a:extLst>
+                <a:ext uri="{FF2B5EF4-FFF2-40B4-BE49-F238E27FC236}">
+                  <a16:creationId xmlns:a16="http://schemas.microsoft.com/office/drawing/2014/main" id="{07B915B8-4199-98DF-94B9-BADE643D4467}"/>
+                </a:ext>
+              </a:extLst>
+            </p:cNvPr>
+            <p:cNvSpPr txBox="1"/>
+            <p:nvPr/>
+          </p:nvSpPr>
+          <p:spPr>
+            <a:xfrm>
+              <a:off x="2699791" y="2953461"/>
+              <a:ext cx="865881" cy="446516"/>
+            </a:xfrm>
+            <a:prstGeom prst="rect">
+              <a:avLst/>
+            </a:prstGeom>
+            <a:noFill/>
+          </p:spPr>
+          <p:txBody>
+            <a:bodyPr wrap="square" rtlCol="0">
+              <a:spAutoFit/>
+            </a:bodyPr>
+            <a:lstStyle/>
+            <a:p>
+              <a:r>
+                <a:rPr lang="de-DE" dirty="0"/>
+                <a:t>Port</a:t>
+              </a:r>
+            </a:p>
+          </p:txBody>
+        </p:sp>
+        <p:sp>
+          <p:nvSpPr>
+            <p:cNvPr id="10" name="Textfeld 9">
+              <a:extLst>
+                <a:ext uri="{FF2B5EF4-FFF2-40B4-BE49-F238E27FC236}">
+                  <a16:creationId xmlns:a16="http://schemas.microsoft.com/office/drawing/2014/main" id="{50704DE3-584D-4CE7-9461-00786F7BAC3B}"/>
+                </a:ext>
+              </a:extLst>
+            </p:cNvPr>
+            <p:cNvSpPr txBox="1"/>
+            <p:nvPr/>
+          </p:nvSpPr>
+          <p:spPr>
+            <a:xfrm>
+              <a:off x="6866922" y="5179608"/>
+              <a:ext cx="801237" cy="446516"/>
+            </a:xfrm>
+            <a:prstGeom prst="rect">
+              <a:avLst/>
+            </a:prstGeom>
+            <a:noFill/>
+          </p:spPr>
+          <p:txBody>
+            <a:bodyPr wrap="square" rtlCol="0">
+              <a:spAutoFit/>
+            </a:bodyPr>
+            <a:lstStyle/>
+            <a:p>
+              <a:r>
+                <a:rPr lang="de-DE" dirty="0"/>
+                <a:t>Port</a:t>
+              </a:r>
+            </a:p>
+          </p:txBody>
+        </p:sp>
+        <p:sp>
+          <p:nvSpPr>
+            <p:cNvPr id="11" name="Textfeld 10">
+              <a:extLst>
+                <a:ext uri="{FF2B5EF4-FFF2-40B4-BE49-F238E27FC236}">
+                  <a16:creationId xmlns:a16="http://schemas.microsoft.com/office/drawing/2014/main" id="{91FE499A-B139-F0A2-29F9-96F3A378E93C}"/>
+                </a:ext>
+              </a:extLst>
+            </p:cNvPr>
+            <p:cNvSpPr txBox="1"/>
+            <p:nvPr/>
+          </p:nvSpPr>
+          <p:spPr>
+            <a:xfrm>
+              <a:off x="4752020" y="3739182"/>
+              <a:ext cx="1484443" cy="781404"/>
+            </a:xfrm>
+            <a:prstGeom prst="rect">
+              <a:avLst/>
+            </a:prstGeom>
+            <a:noFill/>
+          </p:spPr>
+          <p:txBody>
+            <a:bodyPr wrap="square" rtlCol="0">
+              <a:spAutoFit/>
+            </a:bodyPr>
+            <a:lstStyle/>
+            <a:p>
+              <a:pPr algn="ctr"/>
+              <a:r>
+                <a:rPr lang="de-DE" dirty="0"/>
+                <a:t>Resistive Wall</a:t>
+              </a:r>
+            </a:p>
+          </p:txBody>
+        </p:sp>
+        <p:sp>
+          <p:nvSpPr>
+            <p:cNvPr id="12" name="Textfeld 11">
+              <a:extLst>
+                <a:ext uri="{FF2B5EF4-FFF2-40B4-BE49-F238E27FC236}">
+                  <a16:creationId xmlns:a16="http://schemas.microsoft.com/office/drawing/2014/main" id="{56CAAF0A-5704-95BA-5EBF-F187B136E434}"/>
+                </a:ext>
+              </a:extLst>
+            </p:cNvPr>
+            <p:cNvSpPr txBox="1"/>
+            <p:nvPr/>
+          </p:nvSpPr>
+          <p:spPr>
+            <a:xfrm>
+              <a:off x="2614375" y="3643217"/>
+              <a:ext cx="1040325" cy="446516"/>
+            </a:xfrm>
+            <a:prstGeom prst="rect">
+              <a:avLst/>
+            </a:prstGeom>
+            <a:noFill/>
+          </p:spPr>
+          <p:txBody>
+            <a:bodyPr wrap="square" rtlCol="0">
+              <a:spAutoFit/>
+            </a:bodyPr>
+            <a:lstStyle/>
+            <a:p>
+              <a:pPr algn="ctr"/>
+              <a:r>
+                <a:rPr lang="de-DE" dirty="0"/>
+                <a:t>Beam</a:t>
+              </a:r>
+            </a:p>
+          </p:txBody>
+        </p:sp>
+      </p:grpSp>
+      <p:grpSp>
+        <p:nvGrpSpPr>
+          <p:cNvPr id="48" name="Gruppieren 47">
+            <a:extLst>
+              <a:ext uri="{FF2B5EF4-FFF2-40B4-BE49-F238E27FC236}">
+                <a16:creationId xmlns:a16="http://schemas.microsoft.com/office/drawing/2014/main" id="{7BB159C9-1660-2313-77A5-6523A0095088}"/>
+              </a:ext>
+            </a:extLst>
+          </p:cNvPr>
+          <p:cNvGrpSpPr/>
+          <p:nvPr/>
+        </p:nvGrpSpPr>
+        <p:grpSpPr>
+          <a:xfrm>
+            <a:off x="2675150" y="1534440"/>
+            <a:ext cx="2879562" cy="1113934"/>
+            <a:chOff x="2591780" y="1528344"/>
+            <a:chExt cx="2879562" cy="1113934"/>
+          </a:xfrm>
+        </p:grpSpPr>
+        <p:grpSp>
+          <p:nvGrpSpPr>
+            <p:cNvPr id="20" name="Gruppieren 19">
+              <a:extLst>
+                <a:ext uri="{FF2B5EF4-FFF2-40B4-BE49-F238E27FC236}">
+                  <a16:creationId xmlns:a16="http://schemas.microsoft.com/office/drawing/2014/main" id="{39DDE4CA-41E4-9FE5-6750-FE7FD9C22031}"/>
+                </a:ext>
+              </a:extLst>
+            </p:cNvPr>
+            <p:cNvGrpSpPr/>
+            <p:nvPr/>
+          </p:nvGrpSpPr>
+          <p:grpSpPr>
+            <a:xfrm>
+              <a:off x="3059832" y="1528344"/>
+              <a:ext cx="1872207" cy="1112208"/>
+              <a:chOff x="3385337" y="1528344"/>
+              <a:chExt cx="1293205" cy="1112208"/>
+            </a:xfrm>
+          </p:grpSpPr>
+          <p:sp>
+            <p:nvSpPr>
+              <p:cNvPr id="13" name="Rechteck 12">
+                <a:extLst>
+                  <a:ext uri="{FF2B5EF4-FFF2-40B4-BE49-F238E27FC236}">
+                    <a16:creationId xmlns:a16="http://schemas.microsoft.com/office/drawing/2014/main" id="{22FB64B5-F5BF-C909-C1CC-51838E0CBC06}"/>
+                  </a:ext>
+                </a:extLst>
+              </p:cNvPr>
+              <p:cNvSpPr/>
+              <p:nvPr/>
+            </p:nvSpPr>
+            <p:spPr>
+              <a:xfrm>
+                <a:off x="3385337" y="1529173"/>
+                <a:ext cx="1293204" cy="1106464"/>
+              </a:xfrm>
+              <a:prstGeom prst="rect">
+                <a:avLst/>
+              </a:prstGeom>
+              <a:ln>
+                <a:solidFill>
+                  <a:schemeClr val="bg1"/>
+                </a:solidFill>
+              </a:ln>
+            </p:spPr>
+            <p:style>
+              <a:lnRef idx="2">
+                <a:schemeClr val="accent1">
+                  <a:shade val="50000"/>
+                </a:schemeClr>
+              </a:lnRef>
+              <a:fillRef idx="1">
+                <a:schemeClr val="accent1"/>
+              </a:fillRef>
+              <a:effectRef idx="0">
+                <a:schemeClr val="accent1"/>
+              </a:effectRef>
+              <a:fontRef idx="minor">
+                <a:schemeClr val="lt1"/>
+              </a:fontRef>
+            </p:style>
+            <p:txBody>
+              <a:bodyPr rtlCol="0" anchor="ctr"/>
+              <a:lstStyle/>
+              <a:p>
+                <a:pPr algn="ctr"/>
+                <a:endParaRPr lang="de-DE">
+                  <a:solidFill>
+                    <a:srgbClr val="FFC000"/>
+                  </a:solidFill>
+                </a:endParaRPr>
+              </a:p>
+            </p:txBody>
+          </p:sp>
+          <p:cxnSp>
+            <p:nvCxnSpPr>
+              <p:cNvPr id="14" name="Gerader Verbinder 13">
+                <a:extLst>
+                  <a:ext uri="{FF2B5EF4-FFF2-40B4-BE49-F238E27FC236}">
+                    <a16:creationId xmlns:a16="http://schemas.microsoft.com/office/drawing/2014/main" id="{E69DB7CB-0F24-3B67-BFC2-20AA38AA50FA}"/>
+                  </a:ext>
+                </a:extLst>
+              </p:cNvPr>
+              <p:cNvCxnSpPr>
+                <a:cxnSpLocks/>
+              </p:cNvCxnSpPr>
+              <p:nvPr/>
+            </p:nvCxnSpPr>
+            <p:spPr>
+              <a:xfrm>
+                <a:off x="3387470" y="1528344"/>
+                <a:ext cx="0" cy="1105634"/>
+              </a:xfrm>
+              <a:prstGeom prst="line">
+                <a:avLst/>
+              </a:prstGeom>
+              <a:ln>
+                <a:solidFill>
+                  <a:schemeClr val="bg1">
+                    <a:lumMod val="50000"/>
+                  </a:schemeClr>
+                </a:solidFill>
+                <a:prstDash val="dash"/>
+              </a:ln>
+            </p:spPr>
+            <p:style>
+              <a:lnRef idx="2">
+                <a:schemeClr val="dk1"/>
+              </a:lnRef>
+              <a:fillRef idx="0">
+                <a:schemeClr val="dk1"/>
+              </a:fillRef>
+              <a:effectRef idx="1">
+                <a:schemeClr val="dk1"/>
+              </a:effectRef>
+              <a:fontRef idx="minor">
+                <a:schemeClr val="tx1"/>
+              </a:fontRef>
+            </p:style>
+          </p:cxnSp>
+          <p:cxnSp>
+            <p:nvCxnSpPr>
+              <p:cNvPr id="15" name="Gerader Verbinder 14">
+                <a:extLst>
+                  <a:ext uri="{FF2B5EF4-FFF2-40B4-BE49-F238E27FC236}">
+                    <a16:creationId xmlns:a16="http://schemas.microsoft.com/office/drawing/2014/main" id="{A14C9177-F930-CE30-23B6-DFD1FECB611D}"/>
+                  </a:ext>
+                </a:extLst>
+              </p:cNvPr>
+              <p:cNvCxnSpPr>
+                <a:cxnSpLocks/>
+              </p:cNvCxnSpPr>
+              <p:nvPr/>
+            </p:nvCxnSpPr>
+            <p:spPr>
+              <a:xfrm>
+                <a:off x="4678542" y="1534918"/>
+                <a:ext cx="0" cy="1105634"/>
+              </a:xfrm>
+              <a:prstGeom prst="line">
+                <a:avLst/>
+              </a:prstGeom>
+              <a:ln>
+                <a:solidFill>
+                  <a:schemeClr val="bg1">
+                    <a:lumMod val="50000"/>
+                  </a:schemeClr>
+                </a:solidFill>
+                <a:prstDash val="dash"/>
+              </a:ln>
+            </p:spPr>
+            <p:style>
+              <a:lnRef idx="2">
+                <a:schemeClr val="dk1"/>
+              </a:lnRef>
+              <a:fillRef idx="0">
+                <a:schemeClr val="dk1"/>
+              </a:fillRef>
+              <a:effectRef idx="1">
+                <a:schemeClr val="dk1"/>
+              </a:effectRef>
+              <a:fontRef idx="minor">
+                <a:schemeClr val="tx1"/>
+              </a:fontRef>
+            </p:style>
+          </p:cxnSp>
+        </p:grpSp>
+        <p:sp>
+          <p:nvSpPr>
+            <p:cNvPr id="47" name="Rechteck 46">
+              <a:extLst>
+                <a:ext uri="{FF2B5EF4-FFF2-40B4-BE49-F238E27FC236}">
+                  <a16:creationId xmlns:a16="http://schemas.microsoft.com/office/drawing/2014/main" id="{64BED592-ECDD-0831-0257-4A8FC719B42D}"/>
+                </a:ext>
+              </a:extLst>
+            </p:cNvPr>
+            <p:cNvSpPr/>
+            <p:nvPr/>
+          </p:nvSpPr>
+          <p:spPr>
+            <a:xfrm>
+              <a:off x="3563903" y="2403934"/>
+              <a:ext cx="864081" cy="238344"/>
+            </a:xfrm>
+            <a:prstGeom prst="rect">
+              <a:avLst/>
+            </a:prstGeom>
+            <a:solidFill>
+              <a:schemeClr val="bg1"/>
+            </a:solidFill>
+            <a:ln>
+              <a:solidFill>
+                <a:schemeClr val="bg1"/>
+              </a:solidFill>
+            </a:ln>
+          </p:spPr>
+          <p:style>
+            <a:lnRef idx="2">
+              <a:schemeClr val="accent1">
+                <a:shade val="50000"/>
+              </a:schemeClr>
+            </a:lnRef>
+            <a:fillRef idx="1">
+              <a:schemeClr val="accent1"/>
+            </a:fillRef>
+            <a:effectRef idx="0">
+              <a:schemeClr val="accent1"/>
+            </a:effectRef>
+            <a:fontRef idx="minor">
+              <a:schemeClr val="lt1"/>
+            </a:fontRef>
+          </p:style>
+          <p:txBody>
+            <a:bodyPr rtlCol="0" anchor="ctr"/>
+            <a:lstStyle/>
+            <a:p>
+              <a:pPr algn="ctr"/>
+              <a:endParaRPr lang="de-DE"/>
+            </a:p>
+          </p:txBody>
+        </p:sp>
+        <p:sp>
+          <p:nvSpPr>
+            <p:cNvPr id="46" name="Rechteck 45">
+              <a:extLst>
+                <a:ext uri="{FF2B5EF4-FFF2-40B4-BE49-F238E27FC236}">
+                  <a16:creationId xmlns:a16="http://schemas.microsoft.com/office/drawing/2014/main" id="{BFF8AF1B-6A1B-FF68-9A3C-EBBC8F7AE31D}"/>
+                </a:ext>
+              </a:extLst>
+            </p:cNvPr>
+            <p:cNvSpPr/>
+            <p:nvPr/>
+          </p:nvSpPr>
+          <p:spPr>
+            <a:xfrm>
+              <a:off x="3563888" y="1528345"/>
+              <a:ext cx="864081" cy="238344"/>
+            </a:xfrm>
+            <a:prstGeom prst="rect">
+              <a:avLst/>
+            </a:prstGeom>
+            <a:solidFill>
+              <a:schemeClr val="bg1"/>
+            </a:solidFill>
+            <a:ln>
+              <a:solidFill>
+                <a:schemeClr val="bg1"/>
+              </a:solidFill>
+            </a:ln>
+          </p:spPr>
+          <p:style>
+            <a:lnRef idx="2">
+              <a:schemeClr val="accent1">
+                <a:shade val="50000"/>
+              </a:schemeClr>
+            </a:lnRef>
+            <a:fillRef idx="1">
+              <a:schemeClr val="accent1"/>
+            </a:fillRef>
+            <a:effectRef idx="0">
+              <a:schemeClr val="accent1"/>
+            </a:effectRef>
+            <a:fontRef idx="minor">
+              <a:schemeClr val="lt1"/>
+            </a:fontRef>
+          </p:style>
+          <p:txBody>
+            <a:bodyPr rtlCol="0" anchor="ctr"/>
+            <a:lstStyle/>
+            <a:p>
+              <a:pPr algn="ctr"/>
+              <a:endParaRPr lang="de-DE"/>
+            </a:p>
+          </p:txBody>
+        </p:sp>
+        <p:cxnSp>
+          <p:nvCxnSpPr>
+            <p:cNvPr id="18" name="Gerade Verbindung mit Pfeil 17">
+              <a:extLst>
+                <a:ext uri="{FF2B5EF4-FFF2-40B4-BE49-F238E27FC236}">
+                  <a16:creationId xmlns:a16="http://schemas.microsoft.com/office/drawing/2014/main" id="{E0048044-1D23-D16F-3E02-5AF544D5721C}"/>
+                </a:ext>
+              </a:extLst>
+            </p:cNvPr>
+            <p:cNvCxnSpPr>
+              <a:cxnSpLocks/>
+            </p:cNvCxnSpPr>
+            <p:nvPr/>
+          </p:nvCxnSpPr>
+          <p:spPr>
+            <a:xfrm>
+              <a:off x="2591780" y="2082405"/>
+              <a:ext cx="2879562" cy="0"/>
+            </a:xfrm>
+            <a:prstGeom prst="straightConnector1">
+              <a:avLst/>
+            </a:prstGeom>
+            <a:ln>
+              <a:solidFill>
+                <a:srgbClr val="FF0000"/>
+              </a:solidFill>
+              <a:tailEnd type="triangle"/>
+            </a:ln>
+            <a:effectLst/>
+          </p:spPr>
+          <p:style>
+            <a:lnRef idx="2">
+              <a:schemeClr val="accent1"/>
+            </a:lnRef>
+            <a:fillRef idx="0">
+              <a:schemeClr val="accent1"/>
+            </a:fillRef>
+            <a:effectRef idx="1">
+              <a:schemeClr val="accent1"/>
+            </a:effectRef>
+            <a:fontRef idx="minor">
+              <a:schemeClr val="tx1"/>
+            </a:fontRef>
+          </p:style>
+        </p:cxnSp>
+        <p:grpSp>
+          <p:nvGrpSpPr>
+            <p:cNvPr id="39" name="Gruppieren 38">
+              <a:extLst>
+                <a:ext uri="{FF2B5EF4-FFF2-40B4-BE49-F238E27FC236}">
+                  <a16:creationId xmlns:a16="http://schemas.microsoft.com/office/drawing/2014/main" id="{50CE5F3D-DBE6-CF15-F9F4-165E1F9CB642}"/>
+                </a:ext>
+              </a:extLst>
+            </p:cNvPr>
+            <p:cNvGrpSpPr/>
+            <p:nvPr/>
+          </p:nvGrpSpPr>
+          <p:grpSpPr>
+            <a:xfrm>
+              <a:off x="2644740" y="1528344"/>
+              <a:ext cx="2700298" cy="251046"/>
+              <a:chOff x="2591781" y="1528344"/>
+              <a:chExt cx="2700298" cy="251046"/>
+            </a:xfrm>
+          </p:grpSpPr>
+          <p:cxnSp>
+            <p:nvCxnSpPr>
+              <p:cNvPr id="16" name="Gerader Verbinder 15">
+                <a:extLst>
+                  <a:ext uri="{FF2B5EF4-FFF2-40B4-BE49-F238E27FC236}">
+                    <a16:creationId xmlns:a16="http://schemas.microsoft.com/office/drawing/2014/main" id="{DA95D073-784E-EA49-4DB0-471273B4B0A6}"/>
+                  </a:ext>
+                </a:extLst>
+              </p:cNvPr>
+              <p:cNvCxnSpPr>
+                <a:cxnSpLocks/>
+              </p:cNvCxnSpPr>
+              <p:nvPr/>
+            </p:nvCxnSpPr>
+            <p:spPr>
+              <a:xfrm>
+                <a:off x="2591781" y="1530249"/>
+                <a:ext cx="900099" cy="0"/>
+              </a:xfrm>
+              <a:prstGeom prst="line">
+                <a:avLst/>
+              </a:prstGeom>
+              <a:effectLst/>
+            </p:spPr>
+            <p:style>
+              <a:lnRef idx="2">
+                <a:schemeClr val="dk1"/>
+              </a:lnRef>
+              <a:fillRef idx="0">
+                <a:schemeClr val="dk1"/>
+              </a:fillRef>
+              <a:effectRef idx="1">
+                <a:schemeClr val="dk1"/>
+              </a:effectRef>
+              <a:fontRef idx="minor">
+                <a:schemeClr val="tx1"/>
+              </a:fontRef>
+            </p:style>
+          </p:cxnSp>
+          <p:cxnSp>
+            <p:nvCxnSpPr>
+              <p:cNvPr id="23" name="Gerader Verbinder 22">
+                <a:extLst>
+                  <a:ext uri="{FF2B5EF4-FFF2-40B4-BE49-F238E27FC236}">
+                    <a16:creationId xmlns:a16="http://schemas.microsoft.com/office/drawing/2014/main" id="{FA3B05C8-8866-030A-228F-883A31953B42}"/>
+                  </a:ext>
+                </a:extLst>
+              </p:cNvPr>
+              <p:cNvCxnSpPr>
+                <a:cxnSpLocks/>
+              </p:cNvCxnSpPr>
+              <p:nvPr/>
+            </p:nvCxnSpPr>
+            <p:spPr>
+              <a:xfrm>
+                <a:off x="4391980" y="1529203"/>
+                <a:ext cx="900099" cy="0"/>
+              </a:xfrm>
+              <a:prstGeom prst="line">
+                <a:avLst/>
+              </a:prstGeom>
+              <a:effectLst/>
+            </p:spPr>
+            <p:style>
+              <a:lnRef idx="2">
+                <a:schemeClr val="dk1"/>
+              </a:lnRef>
+              <a:fillRef idx="0">
+                <a:schemeClr val="dk1"/>
+              </a:fillRef>
+              <a:effectRef idx="1">
+                <a:schemeClr val="dk1"/>
+              </a:effectRef>
+              <a:fontRef idx="minor">
+                <a:schemeClr val="tx1"/>
+              </a:fontRef>
+            </p:style>
+          </p:cxnSp>
+          <p:cxnSp>
+            <p:nvCxnSpPr>
+              <p:cNvPr id="24" name="Gerader Verbinder 23">
+                <a:extLst>
+                  <a:ext uri="{FF2B5EF4-FFF2-40B4-BE49-F238E27FC236}">
+                    <a16:creationId xmlns:a16="http://schemas.microsoft.com/office/drawing/2014/main" id="{201DAB10-1DD7-7FCB-FB45-79FEEEF59C13}"/>
+                  </a:ext>
+                </a:extLst>
+              </p:cNvPr>
+              <p:cNvCxnSpPr>
+                <a:cxnSpLocks/>
+              </p:cNvCxnSpPr>
+              <p:nvPr/>
+            </p:nvCxnSpPr>
+            <p:spPr>
+              <a:xfrm>
+                <a:off x="3491880" y="1772816"/>
+                <a:ext cx="900100" cy="0"/>
+              </a:xfrm>
+              <a:prstGeom prst="line">
+                <a:avLst/>
+              </a:prstGeom>
+              <a:effectLst/>
+            </p:spPr>
+            <p:style>
+              <a:lnRef idx="2">
+                <a:schemeClr val="dk1"/>
+              </a:lnRef>
+              <a:fillRef idx="0">
+                <a:schemeClr val="dk1"/>
+              </a:fillRef>
+              <a:effectRef idx="1">
+                <a:schemeClr val="dk1"/>
+              </a:effectRef>
+              <a:fontRef idx="minor">
+                <a:schemeClr val="tx1"/>
+              </a:fontRef>
+            </p:style>
+          </p:cxnSp>
+          <p:cxnSp>
+            <p:nvCxnSpPr>
+              <p:cNvPr id="28" name="Gerader Verbinder 27">
+                <a:extLst>
+                  <a:ext uri="{FF2B5EF4-FFF2-40B4-BE49-F238E27FC236}">
+                    <a16:creationId xmlns:a16="http://schemas.microsoft.com/office/drawing/2014/main" id="{072DE827-4D92-9855-3231-356D0E356151}"/>
+                  </a:ext>
+                </a:extLst>
+              </p:cNvPr>
+              <p:cNvCxnSpPr>
+                <a:cxnSpLocks/>
+              </p:cNvCxnSpPr>
+              <p:nvPr/>
+            </p:nvCxnSpPr>
+            <p:spPr>
+              <a:xfrm flipV="1">
+                <a:off x="3491880" y="1530249"/>
+                <a:ext cx="0" cy="244472"/>
+              </a:xfrm>
+              <a:prstGeom prst="line">
+                <a:avLst/>
+              </a:prstGeom>
+              <a:effectLst/>
+            </p:spPr>
+            <p:style>
+              <a:lnRef idx="2">
+                <a:schemeClr val="dk1"/>
+              </a:lnRef>
+              <a:fillRef idx="0">
+                <a:schemeClr val="dk1"/>
+              </a:fillRef>
+              <a:effectRef idx="1">
+                <a:schemeClr val="dk1"/>
+              </a:effectRef>
+              <a:fontRef idx="minor">
+                <a:schemeClr val="tx1"/>
+              </a:fontRef>
+            </p:style>
+          </p:cxnSp>
+          <p:cxnSp>
+            <p:nvCxnSpPr>
+              <p:cNvPr id="31" name="Gerader Verbinder 30">
+                <a:extLst>
+                  <a:ext uri="{FF2B5EF4-FFF2-40B4-BE49-F238E27FC236}">
+                    <a16:creationId xmlns:a16="http://schemas.microsoft.com/office/drawing/2014/main" id="{A3642BEF-1F78-F5E6-02E6-EF419879B2E9}"/>
+                  </a:ext>
+                </a:extLst>
+              </p:cNvPr>
+              <p:cNvCxnSpPr>
+                <a:cxnSpLocks/>
+              </p:cNvCxnSpPr>
+              <p:nvPr/>
+            </p:nvCxnSpPr>
+            <p:spPr>
+              <a:xfrm flipH="1" flipV="1">
+                <a:off x="4391980" y="1528344"/>
+                <a:ext cx="15" cy="251046"/>
+              </a:xfrm>
+              <a:prstGeom prst="line">
+                <a:avLst/>
+              </a:prstGeom>
+              <a:effectLst/>
+            </p:spPr>
+            <p:style>
+              <a:lnRef idx="2">
+                <a:schemeClr val="dk1"/>
+              </a:lnRef>
+              <a:fillRef idx="0">
+                <a:schemeClr val="dk1"/>
+              </a:fillRef>
+              <a:effectRef idx="1">
+                <a:schemeClr val="dk1"/>
+              </a:effectRef>
+              <a:fontRef idx="minor">
+                <a:schemeClr val="tx1"/>
+              </a:fontRef>
+            </p:style>
+          </p:cxnSp>
+        </p:grpSp>
+        <p:grpSp>
+          <p:nvGrpSpPr>
+            <p:cNvPr id="40" name="Gruppieren 39">
+              <a:extLst>
+                <a:ext uri="{FF2B5EF4-FFF2-40B4-BE49-F238E27FC236}">
+                  <a16:creationId xmlns:a16="http://schemas.microsoft.com/office/drawing/2014/main" id="{40527A8D-87D2-49A4-7AC2-9532533C8669}"/>
+                </a:ext>
+              </a:extLst>
+            </p:cNvPr>
+            <p:cNvGrpSpPr/>
+            <p:nvPr/>
+          </p:nvGrpSpPr>
+          <p:grpSpPr>
+            <a:xfrm flipV="1">
+              <a:off x="2644740" y="2385866"/>
+              <a:ext cx="2700298" cy="251046"/>
+              <a:chOff x="2591781" y="1528344"/>
+              <a:chExt cx="2700298" cy="251046"/>
+            </a:xfrm>
+          </p:grpSpPr>
+          <p:cxnSp>
+            <p:nvCxnSpPr>
+              <p:cNvPr id="41" name="Gerader Verbinder 40">
+                <a:extLst>
+                  <a:ext uri="{FF2B5EF4-FFF2-40B4-BE49-F238E27FC236}">
+                    <a16:creationId xmlns:a16="http://schemas.microsoft.com/office/drawing/2014/main" id="{BDD66C5F-52AE-53BC-0596-2BCC79B4FB30}"/>
+                  </a:ext>
+                </a:extLst>
+              </p:cNvPr>
+              <p:cNvCxnSpPr>
+                <a:cxnSpLocks/>
+              </p:cNvCxnSpPr>
+              <p:nvPr/>
+            </p:nvCxnSpPr>
+            <p:spPr>
+              <a:xfrm>
+                <a:off x="2591781" y="1530249"/>
+                <a:ext cx="900099" cy="0"/>
+              </a:xfrm>
+              <a:prstGeom prst="line">
+                <a:avLst/>
+              </a:prstGeom>
+              <a:effectLst/>
+            </p:spPr>
+            <p:style>
+              <a:lnRef idx="2">
+                <a:schemeClr val="dk1"/>
+              </a:lnRef>
+              <a:fillRef idx="0">
+                <a:schemeClr val="dk1"/>
+              </a:fillRef>
+              <a:effectRef idx="1">
+                <a:schemeClr val="dk1"/>
+              </a:effectRef>
+              <a:fontRef idx="minor">
+                <a:schemeClr val="tx1"/>
+              </a:fontRef>
+            </p:style>
+          </p:cxnSp>
+          <p:cxnSp>
+            <p:nvCxnSpPr>
+              <p:cNvPr id="42" name="Gerader Verbinder 41">
+                <a:extLst>
+                  <a:ext uri="{FF2B5EF4-FFF2-40B4-BE49-F238E27FC236}">
+                    <a16:creationId xmlns:a16="http://schemas.microsoft.com/office/drawing/2014/main" id="{EB625CE2-92D3-F6A4-1B9B-04047212F250}"/>
+                  </a:ext>
+                </a:extLst>
+              </p:cNvPr>
+              <p:cNvCxnSpPr>
+                <a:cxnSpLocks/>
+              </p:cNvCxnSpPr>
+              <p:nvPr/>
+            </p:nvCxnSpPr>
+            <p:spPr>
+              <a:xfrm>
+                <a:off x="4391980" y="1529203"/>
+                <a:ext cx="900099" cy="0"/>
+              </a:xfrm>
+              <a:prstGeom prst="line">
+                <a:avLst/>
+              </a:prstGeom>
+              <a:effectLst/>
+            </p:spPr>
+            <p:style>
+              <a:lnRef idx="2">
+                <a:schemeClr val="dk1"/>
+              </a:lnRef>
+              <a:fillRef idx="0">
+                <a:schemeClr val="dk1"/>
+              </a:fillRef>
+              <a:effectRef idx="1">
+                <a:schemeClr val="dk1"/>
+              </a:effectRef>
+              <a:fontRef idx="minor">
+                <a:schemeClr val="tx1"/>
+              </a:fontRef>
+            </p:style>
+          </p:cxnSp>
+          <p:cxnSp>
+            <p:nvCxnSpPr>
+              <p:cNvPr id="43" name="Gerader Verbinder 42">
+                <a:extLst>
+                  <a:ext uri="{FF2B5EF4-FFF2-40B4-BE49-F238E27FC236}">
+                    <a16:creationId xmlns:a16="http://schemas.microsoft.com/office/drawing/2014/main" id="{85F10597-BEA4-7EE5-2366-5A5C4BAC10B5}"/>
+                  </a:ext>
+                </a:extLst>
+              </p:cNvPr>
+              <p:cNvCxnSpPr>
+                <a:cxnSpLocks/>
+              </p:cNvCxnSpPr>
+              <p:nvPr/>
+            </p:nvCxnSpPr>
+            <p:spPr>
+              <a:xfrm>
+                <a:off x="3491880" y="1772816"/>
+                <a:ext cx="900100" cy="0"/>
+              </a:xfrm>
+              <a:prstGeom prst="line">
+                <a:avLst/>
+              </a:prstGeom>
+              <a:effectLst/>
+            </p:spPr>
+            <p:style>
+              <a:lnRef idx="2">
+                <a:schemeClr val="dk1"/>
+              </a:lnRef>
+              <a:fillRef idx="0">
+                <a:schemeClr val="dk1"/>
+              </a:fillRef>
+              <a:effectRef idx="1">
+                <a:schemeClr val="dk1"/>
+              </a:effectRef>
+              <a:fontRef idx="minor">
+                <a:schemeClr val="tx1"/>
+              </a:fontRef>
+            </p:style>
+          </p:cxnSp>
+          <p:cxnSp>
+            <p:nvCxnSpPr>
+              <p:cNvPr id="44" name="Gerader Verbinder 43">
+                <a:extLst>
+                  <a:ext uri="{FF2B5EF4-FFF2-40B4-BE49-F238E27FC236}">
+                    <a16:creationId xmlns:a16="http://schemas.microsoft.com/office/drawing/2014/main" id="{87BCF431-621E-0932-B4F7-727E111EB088}"/>
+                  </a:ext>
+                </a:extLst>
+              </p:cNvPr>
+              <p:cNvCxnSpPr>
+                <a:cxnSpLocks/>
+              </p:cNvCxnSpPr>
+              <p:nvPr/>
+            </p:nvCxnSpPr>
+            <p:spPr>
+              <a:xfrm flipV="1">
+                <a:off x="3491880" y="1530249"/>
+                <a:ext cx="0" cy="244472"/>
+              </a:xfrm>
+              <a:prstGeom prst="line">
+                <a:avLst/>
+              </a:prstGeom>
+              <a:effectLst/>
+            </p:spPr>
+            <p:style>
+              <a:lnRef idx="2">
+                <a:schemeClr val="dk1"/>
+              </a:lnRef>
+              <a:fillRef idx="0">
+                <a:schemeClr val="dk1"/>
+              </a:fillRef>
+              <a:effectRef idx="1">
+                <a:schemeClr val="dk1"/>
+              </a:effectRef>
+              <a:fontRef idx="minor">
+                <a:schemeClr val="tx1"/>
+              </a:fontRef>
+            </p:style>
+          </p:cxnSp>
+          <p:cxnSp>
+            <p:nvCxnSpPr>
+              <p:cNvPr id="45" name="Gerader Verbinder 44">
+                <a:extLst>
+                  <a:ext uri="{FF2B5EF4-FFF2-40B4-BE49-F238E27FC236}">
+                    <a16:creationId xmlns:a16="http://schemas.microsoft.com/office/drawing/2014/main" id="{F0B57686-7DFC-9C85-3BDF-B51288DFD1BB}"/>
+                  </a:ext>
+                </a:extLst>
+              </p:cNvPr>
+              <p:cNvCxnSpPr>
+                <a:cxnSpLocks/>
+              </p:cNvCxnSpPr>
+              <p:nvPr/>
+            </p:nvCxnSpPr>
+            <p:spPr>
+              <a:xfrm flipH="1" flipV="1">
+                <a:off x="4391980" y="1528344"/>
+                <a:ext cx="15" cy="251046"/>
+              </a:xfrm>
+              <a:prstGeom prst="line">
+                <a:avLst/>
+              </a:prstGeom>
+              <a:effectLst/>
+            </p:spPr>
+            <p:style>
+              <a:lnRef idx="2">
+                <a:schemeClr val="dk1"/>
+              </a:lnRef>
+              <a:fillRef idx="0">
+                <a:schemeClr val="dk1"/>
+              </a:fillRef>
+              <a:effectRef idx="1">
+                <a:schemeClr val="dk1"/>
+              </a:effectRef>
+              <a:fontRef idx="minor">
+                <a:schemeClr val="tx1"/>
+              </a:fontRef>
+            </p:style>
+          </p:cxnSp>
+        </p:grpSp>
+      </p:grpSp>
+    </p:spTree>
+    <p:extLst>
+      <p:ext uri="{BB962C8B-B14F-4D97-AF65-F5344CB8AC3E}">
+        <p14:creationId xmlns:p14="http://schemas.microsoft.com/office/powerpoint/2010/main" val="1750342334"/>
+      </p:ext>
+    </p:extLst>
+  </p:cSld>
+  <p:clrMapOvr>
+    <a:masterClrMapping/>
+  </p:clrMapOvr>
+</p:sld>
+</file>
+
+<file path=ppt/slides/slide11.xml><?xml version="1.0" encoding="utf-8"?>
+<p:sld xmlns:a="http://schemas.openxmlformats.org/drawingml/2006/main" xmlns:r="http://schemas.openxmlformats.org/officeDocument/2006/relationships" xmlns:p="http://schemas.openxmlformats.org/presentationml/2006/main">
+  <p:cSld>
+    <p:spTree>
+      <p:nvGrpSpPr>
+        <p:cNvPr id="1" name=""/>
+        <p:cNvGrpSpPr/>
+        <p:nvPr/>
+      </p:nvGrpSpPr>
+      <p:grpSpPr>
+        <a:xfrm>
+          <a:off x="0" y="0"/>
+          <a:ext cx="0" cy="0"/>
+          <a:chOff x="0" y="0"/>
+          <a:chExt cx="0" cy="0"/>
+        </a:xfrm>
+      </p:grpSpPr>
+      <p:sp>
+        <p:nvSpPr>
+          <p:cNvPr id="2" name="Titel 1">
+            <a:extLst>
+              <a:ext uri="{FF2B5EF4-FFF2-40B4-BE49-F238E27FC236}">
+                <a16:creationId xmlns:a16="http://schemas.microsoft.com/office/drawing/2014/main" id="{07080679-BD84-B529-0A15-B98EC5F14C92}"/>
+              </a:ext>
+            </a:extLst>
+          </p:cNvPr>
+          <p:cNvSpPr>
+            <a:spLocks noGrp="1"/>
+          </p:cNvSpPr>
+          <p:nvPr>
+            <p:ph type="title"/>
+          </p:nvPr>
+        </p:nvSpPr>
+        <p:spPr/>
+        <p:txBody>
+          <a:bodyPr/>
+          <a:lstStyle/>
+          <a:p>
+            <a:r>
+              <a:rPr lang="de-DE" dirty="0" err="1"/>
+              <a:t>Results</a:t>
+            </a:r>
+            <a:r>
+              <a:rPr lang="de-DE" dirty="0"/>
+              <a:t> – WG Transition Mesh</a:t>
+            </a:r>
+          </a:p>
+        </p:txBody>
+      </p:sp>
+      <p:sp>
+        <p:nvSpPr>
+          <p:cNvPr id="4" name="Foliennummernplatzhalter 3">
+            <a:extLst>
+              <a:ext uri="{FF2B5EF4-FFF2-40B4-BE49-F238E27FC236}">
+                <a16:creationId xmlns:a16="http://schemas.microsoft.com/office/drawing/2014/main" id="{043E8030-0C5E-2FE1-A642-2B202110315C}"/>
+              </a:ext>
+            </a:extLst>
+          </p:cNvPr>
+          <p:cNvSpPr>
+            <a:spLocks noGrp="1"/>
+          </p:cNvSpPr>
+          <p:nvPr>
+            <p:ph type="sldNum" sz="quarter" idx="4"/>
+          </p:nvPr>
+        </p:nvSpPr>
+        <p:spPr/>
+        <p:txBody>
+          <a:bodyPr/>
+          <a:lstStyle/>
+          <a:p>
+            <a:fld id="{429C9586-58E4-4FC0-AB55-F3088F3AED5E}" type="slidenum">
+              <a:rPr lang="de-DE" smtClean="0"/>
+              <a:pPr/>
+              <a:t>11</a:t>
             </a:fld>
             <a:endParaRPr lang="de-DE" dirty="0"/>
           </a:p>
@@ -5464,7 +6583,7 @@
 </p:sld>
 </file>
 
-<file path=ppt/slides/slide11.xml><?xml version="1.0" encoding="utf-8"?>
+<file path=ppt/slides/slide12.xml><?xml version="1.0" encoding="utf-8"?>
 <p:sld xmlns:a="http://schemas.openxmlformats.org/drawingml/2006/main" xmlns:r="http://schemas.openxmlformats.org/officeDocument/2006/relationships" xmlns:p="http://schemas.openxmlformats.org/presentationml/2006/main">
   <p:cSld>
     <p:spTree>
@@ -5572,7 +6691,7 @@
             <a:fld id="{429C9586-58E4-4FC0-AB55-F3088F3AED5E}" type="slidenum">
               <a:rPr lang="de-DE" smtClean="0"/>
               <a:pPr/>
-              <a:t>11</a:t>
+              <a:t>12</a:t>
             </a:fld>
             <a:endParaRPr lang="de-DE" dirty="0"/>
           </a:p>
@@ -6423,7 +7542,7 @@
 </p:sld>
 </file>
 
-<file path=ppt/slides/slide12.xml><?xml version="1.0" encoding="utf-8"?>
+<file path=ppt/slides/slide13.xml><?xml version="1.0" encoding="utf-8"?>
 <p:sld xmlns:a="http://schemas.openxmlformats.org/drawingml/2006/main" xmlns:r="http://schemas.openxmlformats.org/officeDocument/2006/relationships" xmlns:p="http://schemas.openxmlformats.org/presentationml/2006/main">
   <p:cSld>
     <p:spTree>
@@ -6531,7 +7650,7 @@
             <a:fld id="{429C9586-58E4-4FC0-AB55-F3088F3AED5E}" type="slidenum">
               <a:rPr lang="de-DE" smtClean="0"/>
               <a:pPr/>
-              <a:t>12</a:t>
+              <a:t>13</a:t>
             </a:fld>
             <a:endParaRPr lang="de-DE" dirty="0"/>
           </a:p>
@@ -7598,7 +8717,7 @@
 </p:sld>
 </file>
 
-<file path=ppt/slides/slide13.xml><?xml version="1.0" encoding="utf-8"?>
+<file path=ppt/slides/slide14.xml><?xml version="1.0" encoding="utf-8"?>
 <p:sld xmlns:a="http://schemas.openxmlformats.org/drawingml/2006/main" xmlns:r="http://schemas.openxmlformats.org/officeDocument/2006/relationships" xmlns:p="http://schemas.openxmlformats.org/presentationml/2006/main">
   <p:cSld>
     <p:spTree>
@@ -7676,7 +8795,7 @@
             <a:fld id="{429C9586-58E4-4FC0-AB55-F3088F3AED5E}" type="slidenum">
               <a:rPr lang="de-DE" smtClean="0"/>
               <a:pPr/>
-              <a:t>13</a:t>
+              <a:t>14</a:t>
             </a:fld>
             <a:endParaRPr lang="de-DE" dirty="0"/>
           </a:p>
@@ -7823,7 +8942,7 @@
 </p:sld>
 </file>
 
-<file path=ppt/slides/slide14.xml><?xml version="1.0" encoding="utf-8"?>
+<file path=ppt/slides/slide15.xml><?xml version="1.0" encoding="utf-8"?>
 <p:sld xmlns:a="http://schemas.openxmlformats.org/drawingml/2006/main" xmlns:r="http://schemas.openxmlformats.org/officeDocument/2006/relationships" xmlns:p="http://schemas.openxmlformats.org/presentationml/2006/main">
   <p:cSld>
     <p:spTree>
@@ -7901,7 +9020,7 @@
             <a:fld id="{429C9586-58E4-4FC0-AB55-F3088F3AED5E}" type="slidenum">
               <a:rPr lang="de-DE" smtClean="0"/>
               <a:pPr/>
-              <a:t>14</a:t>
+              <a:t>15</a:t>
             </a:fld>
             <a:endParaRPr lang="de-DE" dirty="0"/>
           </a:p>
@@ -8418,7 +9537,7 @@
 </p:sld>
 </file>
 
-<file path=ppt/slides/slide15.xml><?xml version="1.0" encoding="utf-8"?>
+<file path=ppt/slides/slide16.xml><?xml version="1.0" encoding="utf-8"?>
 <p:sld xmlns:a="http://schemas.openxmlformats.org/drawingml/2006/main" xmlns:r="http://schemas.openxmlformats.org/officeDocument/2006/relationships" xmlns:p="http://schemas.openxmlformats.org/presentationml/2006/main">
   <p:cSld>
     <p:spTree>
@@ -8581,7 +9700,26 @@
                   <a:rPr lang="de-DE" dirty="0" err="1"/>
                   <a:t>ports</a:t>
                 </a:r>
-                <a:endParaRPr lang="de-DE" dirty="0"/>
+                <a:r>
+                  <a:rPr lang="de-DE" dirty="0"/>
+                  <a:t> (</a:t>
+                </a:r>
+                <a:r>
+                  <a:rPr lang="de-DE" dirty="0" err="1"/>
+                  <a:t>patially</a:t>
+                </a:r>
+                <a:r>
+                  <a:rPr lang="de-DE" dirty="0"/>
+                  <a:t> </a:t>
+                </a:r>
+                <a:r>
+                  <a:rPr lang="de-DE" dirty="0" err="1"/>
+                  <a:t>solved</a:t>
+                </a:r>
+                <a:r>
+                  <a:rPr lang="de-DE" dirty="0"/>
+                  <a:t>)</a:t>
+                </a:r>
               </a:p>
               <a:p>
                 <a:pPr lvl="1"/>
@@ -8726,6 +9864,44 @@
                 </a:r>
                 <a:endParaRPr lang="de-DE" dirty="0"/>
               </a:p>
+              <a:p>
+                <a:r>
+                  <a:rPr lang="de-DE" dirty="0"/>
+                  <a:t>Fully </a:t>
+                </a:r>
+                <a:r>
+                  <a:rPr lang="de-DE" dirty="0" err="1"/>
+                  <a:t>exploit</a:t>
+                </a:r>
+                <a:r>
+                  <a:rPr lang="de-DE" dirty="0"/>
+                  <a:t> </a:t>
+                </a:r>
+                <a:r>
+                  <a:rPr lang="de-DE" dirty="0" err="1"/>
+                  <a:t>sparsity</a:t>
+                </a:r>
+                <a:r>
+                  <a:rPr lang="de-DE" dirty="0"/>
+                  <a:t> (</a:t>
+                </a:r>
+                <a:r>
+                  <a:rPr lang="de-DE" dirty="0" err="1"/>
+                  <a:t>partially</a:t>
+                </a:r>
+                <a:r>
+                  <a:rPr lang="de-DE" dirty="0"/>
+                  <a:t> </a:t>
+                </a:r>
+                <a:r>
+                  <a:rPr lang="de-DE" dirty="0" err="1"/>
+                  <a:t>done</a:t>
+                </a:r>
+                <a:r>
+                  <a:rPr lang="de-DE" dirty="0"/>
+                  <a:t>)</a:t>
+                </a:r>
+              </a:p>
             </p:txBody>
           </p:sp>
         </mc:Choice>
@@ -8793,7 +9969,7 @@
             <a:fld id="{429C9586-58E4-4FC0-AB55-F3088F3AED5E}" type="slidenum">
               <a:rPr lang="de-DE" smtClean="0"/>
               <a:pPr/>
-              <a:t>15</a:t>
+              <a:t>16</a:t>
             </a:fld>
             <a:endParaRPr lang="de-DE" dirty="0"/>
           </a:p>
@@ -8870,7 +10046,7 @@
 </p:sld>
 </file>
 
-<file path=ppt/slides/slide16.xml><?xml version="1.0" encoding="utf-8"?>
+<file path=ppt/slides/slide17.xml><?xml version="1.0" encoding="utf-8"?>
 <p:sld xmlns:a="http://schemas.openxmlformats.org/drawingml/2006/main" xmlns:r="http://schemas.openxmlformats.org/officeDocument/2006/relationships" xmlns:p="http://schemas.openxmlformats.org/presentationml/2006/main">
   <p:cSld>
     <p:spTree>
@@ -9099,6 +10275,14 @@
             </a:r>
             <a:r>
               <a:rPr lang="de-DE" dirty="0"/>
+              <a:t>) (in </a:t>
+            </a:r>
+            <a:r>
+              <a:rPr lang="de-DE" dirty="0" err="1"/>
+              <a:t>progress</a:t>
+            </a:r>
+            <a:r>
+              <a:rPr lang="de-DE" dirty="0"/>
               <a:t>)</a:t>
             </a:r>
           </a:p>
@@ -9154,6 +10338,34 @@
             <a:endParaRPr lang="de-DE" dirty="0"/>
           </a:p>
           <a:p>
+            <a:pPr lvl="1"/>
+            <a:r>
+              <a:rPr lang="de-DE" dirty="0"/>
+              <a:t>Memory </a:t>
+            </a:r>
+            <a:r>
+              <a:rPr lang="de-DE" dirty="0" err="1"/>
+              <a:t>cost</a:t>
+            </a:r>
+            <a:r>
+              <a:rPr lang="de-DE" dirty="0"/>
+              <a:t> / </a:t>
+            </a:r>
+            <a:r>
+              <a:rPr lang="de-DE" dirty="0" err="1"/>
+              <a:t>runtime</a:t>
+            </a:r>
+            <a:r>
+              <a:rPr lang="de-DE" dirty="0"/>
+              <a:t> </a:t>
+            </a:r>
+            <a:r>
+              <a:rPr lang="de-DE"/>
+              <a:t>tradeoff</a:t>
+            </a:r>
+            <a:endParaRPr lang="de-DE" dirty="0"/>
+          </a:p>
+          <a:p>
             <a:r>
               <a:rPr lang="de-DE" dirty="0"/>
               <a:t>Implementation in C++</a:t>
@@ -9219,13 +10431,8 @@
             </a:r>
             <a:r>
               <a:rPr lang="de-DE" dirty="0"/>
-              <a:t> slow </a:t>
-            </a:r>
-            <a:r>
-              <a:rPr lang="de-DE"/>
-              <a:t>inP</a:t>
-            </a:r>
-            <a:endParaRPr lang="de-DE" dirty="0"/>
+              <a:t> slow in Python</a:t>
+            </a:r>
           </a:p>
           <a:p>
             <a:pPr lvl="1"/>
@@ -9281,7 +10488,7 @@
             <a:fld id="{429C9586-58E4-4FC0-AB55-F3088F3AED5E}" type="slidenum">
               <a:rPr lang="de-DE" smtClean="0"/>
               <a:pPr/>
-              <a:t>16</a:t>
+              <a:t>17</a:t>
             </a:fld>
             <a:endParaRPr lang="de-DE" dirty="0"/>
           </a:p>
@@ -9358,7 +10565,7 @@
 </p:sld>
 </file>
 
-<file path=ppt/slides/slide17.xml><?xml version="1.0" encoding="utf-8"?>
+<file path=ppt/slides/slide18.xml><?xml version="1.0" encoding="utf-8"?>
 <p:sld xmlns:a="http://schemas.openxmlformats.org/drawingml/2006/main" xmlns:r="http://schemas.openxmlformats.org/officeDocument/2006/relationships" xmlns:p="http://schemas.openxmlformats.org/presentationml/2006/main">
   <p:cSld>
     <p:spTree>
@@ -9449,7 +10656,7 @@
             <a:fld id="{429C9586-58E4-4FC0-AB55-F3088F3AED5E}" type="slidenum">
               <a:rPr lang="de-DE" smtClean="0"/>
               <a:pPr/>
-              <a:t>17</a:t>
+              <a:t>18</a:t>
             </a:fld>
             <a:endParaRPr lang="de-DE" dirty="0"/>
           </a:p>
@@ -9580,7 +10787,7 @@
 </p:sld>
 </file>
 
-<file path=ppt/slides/slide18.xml><?xml version="1.0" encoding="utf-8"?>
+<file path=ppt/slides/slide19.xml><?xml version="1.0" encoding="utf-8"?>
 <p:sld xmlns:a="http://schemas.openxmlformats.org/drawingml/2006/main" xmlns:r="http://schemas.openxmlformats.org/officeDocument/2006/relationships" xmlns:p="http://schemas.openxmlformats.org/presentationml/2006/main" show="0">
   <p:cSld>
     <p:spTree>
@@ -9694,7 +10901,7 @@
             <a:fld id="{429C9586-58E4-4FC0-AB55-F3088F3AED5E}" type="slidenum">
               <a:rPr lang="de-DE" smtClean="0"/>
               <a:pPr/>
-              <a:t>18</a:t>
+              <a:t>19</a:t>
             </a:fld>
             <a:endParaRPr lang="de-DE" dirty="0"/>
           </a:p>
@@ -9847,7 +11054,2525 @@
 </p:sld>
 </file>
 
-<file path=ppt/slides/slide19.xml><?xml version="1.0" encoding="utf-8"?>
+<file path=ppt/slides/slide2.xml><?xml version="1.0" encoding="utf-8"?>
+<p:sld xmlns:a="http://schemas.openxmlformats.org/drawingml/2006/main" xmlns:r="http://schemas.openxmlformats.org/officeDocument/2006/relationships" xmlns:p="http://schemas.openxmlformats.org/presentationml/2006/main">
+  <p:cSld>
+    <p:spTree>
+      <p:nvGrpSpPr>
+        <p:cNvPr id="1" name=""/>
+        <p:cNvGrpSpPr/>
+        <p:nvPr/>
+      </p:nvGrpSpPr>
+      <p:grpSpPr>
+        <a:xfrm>
+          <a:off x="0" y="0"/>
+          <a:ext cx="0" cy="0"/>
+          <a:chOff x="0" y="0"/>
+          <a:chExt cx="0" cy="0"/>
+        </a:xfrm>
+      </p:grpSpPr>
+      <p:sp>
+        <p:nvSpPr>
+          <p:cNvPr id="2" name="Titel 1">
+            <a:extLst>
+              <a:ext uri="{FF2B5EF4-FFF2-40B4-BE49-F238E27FC236}">
+                <a16:creationId xmlns:a16="http://schemas.microsoft.com/office/drawing/2014/main" id="{CF58FBE3-9981-9717-BF37-469DF7BB878E}"/>
+              </a:ext>
+            </a:extLst>
+          </p:cNvPr>
+          <p:cNvSpPr>
+            <a:spLocks noGrp="1"/>
+          </p:cNvSpPr>
+          <p:nvPr>
+            <p:ph type="title"/>
+          </p:nvPr>
+        </p:nvSpPr>
+        <p:spPr/>
+        <p:txBody>
+          <a:bodyPr/>
+          <a:lstStyle/>
+          <a:p>
+            <a:r>
+              <a:rPr lang="en-US" dirty="0"/>
+              <a:t>The FELIS Code</a:t>
+            </a:r>
+            <a:endParaRPr lang="de-DE" dirty="0"/>
+          </a:p>
+        </p:txBody>
+      </p:sp>
+      <p:sp>
+        <p:nvSpPr>
+          <p:cNvPr id="4" name="Foliennummernplatzhalter 3">
+            <a:extLst>
+              <a:ext uri="{FF2B5EF4-FFF2-40B4-BE49-F238E27FC236}">
+                <a16:creationId xmlns:a16="http://schemas.microsoft.com/office/drawing/2014/main" id="{C43FA76D-95CF-1823-A56D-1D0B76A8BCB5}"/>
+              </a:ext>
+            </a:extLst>
+          </p:cNvPr>
+          <p:cNvSpPr>
+            <a:spLocks noGrp="1"/>
+          </p:cNvSpPr>
+          <p:nvPr>
+            <p:ph type="sldNum" sz="quarter" idx="4"/>
+          </p:nvPr>
+        </p:nvSpPr>
+        <p:spPr/>
+        <p:txBody>
+          <a:bodyPr/>
+          <a:lstStyle/>
+          <a:p>
+            <a:fld id="{429C9586-58E4-4FC0-AB55-F3088F3AED5E}" type="slidenum">
+              <a:rPr lang="de-DE" smtClean="0"/>
+              <a:pPr/>
+              <a:t>2</a:t>
+            </a:fld>
+            <a:endParaRPr lang="de-DE" dirty="0"/>
+          </a:p>
+        </p:txBody>
+      </p:sp>
+      <p:sp>
+        <p:nvSpPr>
+          <p:cNvPr id="5" name="Fußzeilenplatzhalter 4">
+            <a:extLst>
+              <a:ext uri="{FF2B5EF4-FFF2-40B4-BE49-F238E27FC236}">
+                <a16:creationId xmlns:a16="http://schemas.microsoft.com/office/drawing/2014/main" id="{E9AA9101-061E-F7D4-00C3-619F874194BC}"/>
+              </a:ext>
+            </a:extLst>
+          </p:cNvPr>
+          <p:cNvSpPr>
+            <a:spLocks noGrp="1"/>
+          </p:cNvSpPr>
+          <p:nvPr>
+            <p:ph type="ftr" sz="quarter" idx="3"/>
+          </p:nvPr>
+        </p:nvSpPr>
+        <p:spPr/>
+        <p:txBody>
+          <a:bodyPr/>
+          <a:lstStyle/>
+          <a:p>
+            <a:r>
+              <a:rPr lang="en-US"/>
+              <a:t>TU Darmstadt | Institut für Teilchenbeschleunigung und Elektromagnetische Felder (TEMF) | Frederik Quetscher</a:t>
+            </a:r>
+            <a:endParaRPr lang="en-US" dirty="0"/>
+          </a:p>
+        </p:txBody>
+      </p:sp>
+      <p:sp>
+        <p:nvSpPr>
+          <p:cNvPr id="6" name="Datumsplatzhalter 5">
+            <a:extLst>
+              <a:ext uri="{FF2B5EF4-FFF2-40B4-BE49-F238E27FC236}">
+                <a16:creationId xmlns:a16="http://schemas.microsoft.com/office/drawing/2014/main" id="{BDA65F56-8426-9360-C71D-EB233B18B2C6}"/>
+              </a:ext>
+            </a:extLst>
+          </p:cNvPr>
+          <p:cNvSpPr>
+            <a:spLocks noGrp="1"/>
+          </p:cNvSpPr>
+          <p:nvPr>
+            <p:ph type="dt" sz="half" idx="2"/>
+          </p:nvPr>
+        </p:nvSpPr>
+        <p:spPr/>
+        <p:txBody>
+          <a:bodyPr/>
+          <a:lstStyle/>
+          <a:p>
+            <a:r>
+              <a:rPr lang="de-DE"/>
+              <a:t>22.9.2022</a:t>
+            </a:r>
+            <a:endParaRPr lang="de-DE" dirty="0"/>
+          </a:p>
+        </p:txBody>
+      </p:sp>
+      <mc:AlternateContent xmlns:mc="http://schemas.openxmlformats.org/markup-compatibility/2006">
+        <mc:Choice xmlns:a14="http://schemas.microsoft.com/office/drawing/2010/main" Requires="a14">
+          <p:sp>
+            <p:nvSpPr>
+              <p:cNvPr id="7" name="Rectangle 3">
+                <a:extLst>
+                  <a:ext uri="{FF2B5EF4-FFF2-40B4-BE49-F238E27FC236}">
+                    <a16:creationId xmlns:a16="http://schemas.microsoft.com/office/drawing/2014/main" id="{AA6CE6A4-5091-4463-0D76-A1CC55C44C17}"/>
+                  </a:ext>
+                </a:extLst>
+              </p:cNvPr>
+              <p:cNvSpPr txBox="1">
+                <a:spLocks noChangeArrowheads="1"/>
+              </p:cNvSpPr>
+              <p:nvPr/>
+            </p:nvSpPr>
+            <p:spPr bwMode="auto">
+              <a:xfrm>
+                <a:off x="250825" y="1594753"/>
+                <a:ext cx="8793529" cy="4789487"/>
+              </a:xfrm>
+              <a:prstGeom prst="rect">
+                <a:avLst/>
+              </a:prstGeom>
+              <a:noFill/>
+              <a:ln w="9525">
+                <a:noFill/>
+                <a:miter lim="800000"/>
+                <a:headEnd/>
+                <a:tailEnd/>
+              </a:ln>
+            </p:spPr>
+            <p:txBody>
+              <a:bodyPr vert="horz" wrap="square" lIns="91440" tIns="45720" rIns="91440" bIns="45720" numCol="1" anchor="t" anchorCtr="0" compatLnSpc="1">
+                <a:prstTxWarp prst="textNoShape">
+                  <a:avLst/>
+                </a:prstTxWarp>
+              </a:bodyPr>
+              <a:lstStyle>
+                <a:lvl1pPr marL="179388" indent="-179388" algn="l" rtl="0" eaLnBrk="0" fontAlgn="base" hangingPunct="0">
+                  <a:spcBef>
+                    <a:spcPct val="20000"/>
+                  </a:spcBef>
+                  <a:spcAft>
+                    <a:spcPct val="0"/>
+                  </a:spcAft>
+                  <a:buFont typeface="Arial" charset="0"/>
+                  <a:buChar char="▪"/>
+                  <a:defRPr sz="2400">
+                    <a:solidFill>
+                      <a:schemeClr val="tx1"/>
+                    </a:solidFill>
+                    <a:latin typeface="+mn-lt"/>
+                    <a:ea typeface="+mn-ea"/>
+                    <a:cs typeface="+mn-cs"/>
+                  </a:defRPr>
+                </a:lvl1pPr>
+                <a:lvl2pPr marL="349250" indent="-168275" algn="l" rtl="0" eaLnBrk="0" fontAlgn="base" hangingPunct="0">
+                  <a:spcBef>
+                    <a:spcPct val="20000"/>
+                  </a:spcBef>
+                  <a:spcAft>
+                    <a:spcPct val="0"/>
+                  </a:spcAft>
+                  <a:buChar char="-"/>
+                  <a:defRPr sz="2000">
+                    <a:solidFill>
+                      <a:schemeClr val="tx1"/>
+                    </a:solidFill>
+                    <a:latin typeface="+mn-lt"/>
+                  </a:defRPr>
+                </a:lvl2pPr>
+                <a:lvl3pPr marL="538163" indent="-187325" algn="l" rtl="0" eaLnBrk="0" fontAlgn="base" hangingPunct="0">
+                  <a:spcBef>
+                    <a:spcPct val="20000"/>
+                  </a:spcBef>
+                  <a:spcAft>
+                    <a:spcPct val="0"/>
+                  </a:spcAft>
+                  <a:buChar char="•"/>
+                  <a:defRPr sz="1800">
+                    <a:solidFill>
+                      <a:schemeClr val="tx1"/>
+                    </a:solidFill>
+                    <a:latin typeface="+mn-lt"/>
+                  </a:defRPr>
+                </a:lvl3pPr>
+                <a:lvl4pPr marL="717550" indent="-173038" algn="l" rtl="0" eaLnBrk="0" fontAlgn="base" hangingPunct="0">
+                  <a:spcBef>
+                    <a:spcPct val="20000"/>
+                  </a:spcBef>
+                  <a:spcAft>
+                    <a:spcPct val="0"/>
+                  </a:spcAft>
+                  <a:defRPr sz="1800">
+                    <a:solidFill>
+                      <a:schemeClr val="tx1"/>
+                    </a:solidFill>
+                    <a:latin typeface="+mn-lt"/>
+                  </a:defRPr>
+                </a:lvl4pPr>
+                <a:lvl5pPr marL="908050" indent="-188913" algn="l" rtl="0" eaLnBrk="0" fontAlgn="base" hangingPunct="0">
+                  <a:spcBef>
+                    <a:spcPct val="20000"/>
+                  </a:spcBef>
+                  <a:spcAft>
+                    <a:spcPct val="0"/>
+                  </a:spcAft>
+                  <a:buChar char="-"/>
+                  <a:defRPr sz="1800">
+                    <a:solidFill>
+                      <a:schemeClr val="tx1"/>
+                    </a:solidFill>
+                    <a:latin typeface="+mn-lt"/>
+                  </a:defRPr>
+                </a:lvl5pPr>
+                <a:lvl6pPr marL="1365250" indent="-188913" algn="l" rtl="0" fontAlgn="base">
+                  <a:spcBef>
+                    <a:spcPct val="20000"/>
+                  </a:spcBef>
+                  <a:spcAft>
+                    <a:spcPct val="0"/>
+                  </a:spcAft>
+                  <a:buChar char="-"/>
+                  <a:defRPr sz="2000">
+                    <a:solidFill>
+                      <a:schemeClr val="tx1"/>
+                    </a:solidFill>
+                    <a:latin typeface="+mn-lt"/>
+                  </a:defRPr>
+                </a:lvl6pPr>
+                <a:lvl7pPr marL="1822450" indent="-188913" algn="l" rtl="0" fontAlgn="base">
+                  <a:spcBef>
+                    <a:spcPct val="20000"/>
+                  </a:spcBef>
+                  <a:spcAft>
+                    <a:spcPct val="0"/>
+                  </a:spcAft>
+                  <a:buChar char="-"/>
+                  <a:defRPr sz="2000">
+                    <a:solidFill>
+                      <a:schemeClr val="tx1"/>
+                    </a:solidFill>
+                    <a:latin typeface="+mn-lt"/>
+                  </a:defRPr>
+                </a:lvl7pPr>
+                <a:lvl8pPr marL="2279650" indent="-188913" algn="l" rtl="0" fontAlgn="base">
+                  <a:spcBef>
+                    <a:spcPct val="20000"/>
+                  </a:spcBef>
+                  <a:spcAft>
+                    <a:spcPct val="0"/>
+                  </a:spcAft>
+                  <a:buChar char="-"/>
+                  <a:defRPr sz="2000">
+                    <a:solidFill>
+                      <a:schemeClr val="tx1"/>
+                    </a:solidFill>
+                    <a:latin typeface="+mn-lt"/>
+                  </a:defRPr>
+                </a:lvl8pPr>
+                <a:lvl9pPr marL="2736850" indent="-188913" algn="l" rtl="0" fontAlgn="base">
+                  <a:spcBef>
+                    <a:spcPct val="20000"/>
+                  </a:spcBef>
+                  <a:spcAft>
+                    <a:spcPct val="0"/>
+                  </a:spcAft>
+                  <a:buChar char="-"/>
+                  <a:defRPr sz="2000">
+                    <a:solidFill>
+                      <a:schemeClr val="tx1"/>
+                    </a:solidFill>
+                    <a:latin typeface="+mn-lt"/>
+                  </a:defRPr>
+                </a:lvl9pPr>
+              </a:lstStyle>
+              <a:p>
+                <a:pPr marL="269875" indent="-269875" eaLnBrk="1" hangingPunct="1">
+                  <a:spcBef>
+                    <a:spcPts val="0"/>
+                  </a:spcBef>
+                </a:pPr>
+                <a:r>
+                  <a:rPr lang="en-US" kern="0" dirty="0">
+                    <a:latin typeface="Arial (Textkörper)"/>
+                  </a:rPr>
+                  <a:t>The frequency domain problem</a:t>
+                </a:r>
+              </a:p>
+              <a:p>
+                <a:pPr marL="269875" indent="-269875" eaLnBrk="1" hangingPunct="1">
+                  <a:spcBef>
+                    <a:spcPts val="0"/>
+                  </a:spcBef>
+                </a:pPr>
+                <a:endParaRPr lang="en-US" sz="2200" kern="0" dirty="0">
+                  <a:latin typeface="Arial (Textkörper)"/>
+                </a:endParaRPr>
+              </a:p>
+              <a:p>
+                <a:pPr marL="269875" indent="-269875" eaLnBrk="1" hangingPunct="1">
+                  <a:spcBef>
+                    <a:spcPts val="0"/>
+                  </a:spcBef>
+                </a:pPr>
+                <a:endParaRPr lang="en-US" sz="2200" kern="0" dirty="0">
+                  <a:latin typeface="Arial (Textkörper)"/>
+                </a:endParaRPr>
+              </a:p>
+              <a:p>
+                <a:pPr marL="269875" indent="-269875" eaLnBrk="1" hangingPunct="1">
+                  <a:spcBef>
+                    <a:spcPts val="0"/>
+                  </a:spcBef>
+                </a:pPr>
+                <a:endParaRPr lang="en-US" sz="2200" kern="0" dirty="0">
+                  <a:latin typeface="Arial (Textkörper)"/>
+                </a:endParaRPr>
+              </a:p>
+              <a:p>
+                <a:pPr marL="269875" indent="-269875" eaLnBrk="1" hangingPunct="1">
+                  <a:spcBef>
+                    <a:spcPts val="600"/>
+                  </a:spcBef>
+                </a:pPr>
+                <a:r>
+                  <a:rPr lang="en-US" kern="0" dirty="0">
+                    <a:latin typeface="+mj-lt"/>
+                  </a:rPr>
+                  <a:t>Discretization with high order FE: find</a:t>
+                </a:r>
+                <a14:m>
+                  <m:oMath xmlns:m="http://schemas.openxmlformats.org/officeDocument/2006/math">
+                    <m:r>
+                      <a:rPr lang="de-DE" kern="0" smtClean="0">
+                        <a:latin typeface="Cambria Math" panose="02040503050406030204" pitchFamily="18" charset="0"/>
+                        <a:ea typeface="Cambria Math" panose="02040503050406030204" pitchFamily="18" charset="0"/>
+                      </a:rPr>
+                      <m:t> </m:t>
+                    </m:r>
+                    <m:sSub>
+                      <m:sSubPr>
+                        <m:ctrlPr>
+                          <a:rPr lang="en-US" i="1" kern="0">
+                            <a:latin typeface="Cambria Math" panose="02040503050406030204" pitchFamily="18" charset="0"/>
+                            <a:ea typeface="Cambria Math" panose="02040503050406030204" pitchFamily="18" charset="0"/>
+                          </a:rPr>
+                        </m:ctrlPr>
+                      </m:sSubPr>
+                      <m:e>
+                        <m:r>
+                          <a:rPr lang="de-DE" i="1" kern="0" smtClean="0">
+                            <a:latin typeface="Cambria Math" panose="02040503050406030204" pitchFamily="18" charset="0"/>
+                            <a:ea typeface="Cambria Math" panose="02040503050406030204" pitchFamily="18" charset="0"/>
+                          </a:rPr>
+                          <m:t>𝑒</m:t>
+                        </m:r>
+                      </m:e>
+                      <m:sub>
+                        <m:r>
+                          <a:rPr lang="de-DE" i="1" kern="0">
+                            <a:latin typeface="Cambria Math" panose="02040503050406030204" pitchFamily="18" charset="0"/>
+                            <a:ea typeface="Cambria Math" panose="02040503050406030204" pitchFamily="18" charset="0"/>
+                          </a:rPr>
+                          <m:t>h</m:t>
+                        </m:r>
+                      </m:sub>
+                    </m:sSub>
+                    <m:r>
+                      <a:rPr lang="de-DE" i="1" kern="0" smtClean="0">
+                        <a:latin typeface="Cambria Math" panose="02040503050406030204" pitchFamily="18" charset="0"/>
+                        <a:ea typeface="Cambria Math" panose="02040503050406030204" pitchFamily="18" charset="0"/>
+                      </a:rPr>
+                      <m:t>∈</m:t>
+                    </m:r>
+                    <m:r>
+                      <a:rPr lang="de-DE" i="1" kern="0" smtClean="0">
+                        <a:latin typeface="Cambria Math" panose="02040503050406030204" pitchFamily="18" charset="0"/>
+                        <a:ea typeface="Cambria Math" panose="02040503050406030204" pitchFamily="18" charset="0"/>
+                      </a:rPr>
+                      <m:t>𝐻</m:t>
+                    </m:r>
+                    <m:r>
+                      <a:rPr lang="de-DE" i="1" kern="0" smtClean="0">
+                        <a:latin typeface="Cambria Math" panose="02040503050406030204" pitchFamily="18" charset="0"/>
+                        <a:ea typeface="Cambria Math" panose="02040503050406030204" pitchFamily="18" charset="0"/>
+                      </a:rPr>
+                      <m:t>(</m:t>
+                    </m:r>
+                    <m:r>
+                      <a:rPr lang="de-DE" i="1" kern="0" smtClean="0">
+                        <a:latin typeface="Cambria Math" panose="02040503050406030204" pitchFamily="18" charset="0"/>
+                        <a:ea typeface="Cambria Math" panose="02040503050406030204" pitchFamily="18" charset="0"/>
+                      </a:rPr>
+                      <m:t>𝑐𝑢𝑟𝑙</m:t>
+                    </m:r>
+                    <m:r>
+                      <a:rPr lang="de-DE" i="1" kern="0" smtClean="0">
+                        <a:latin typeface="Cambria Math" panose="02040503050406030204" pitchFamily="18" charset="0"/>
+                        <a:ea typeface="Cambria Math" panose="02040503050406030204" pitchFamily="18" charset="0"/>
+                      </a:rPr>
+                      <m:t>)</m:t>
+                    </m:r>
+                  </m:oMath>
+                </a14:m>
+                <a:r>
+                  <a:rPr lang="en-US" kern="0" dirty="0">
+                    <a:latin typeface="+mj-lt"/>
+                  </a:rPr>
+                  <a:t> such that:</a:t>
+                </a:r>
+              </a:p>
+              <a:p>
+                <a:pPr marL="439737" lvl="1" indent="-269875" eaLnBrk="1" hangingPunct="1">
+                  <a:spcBef>
+                    <a:spcPts val="0"/>
+                  </a:spcBef>
+                </a:pPr>
+                <a:endParaRPr lang="en-US" sz="1800" kern="0" dirty="0">
+                  <a:latin typeface="Arial (Textkörper)"/>
+                </a:endParaRPr>
+              </a:p>
+              <a:p>
+                <a:pPr marL="439737" lvl="1" indent="-269875" eaLnBrk="1" hangingPunct="1">
+                  <a:spcBef>
+                    <a:spcPts val="0"/>
+                  </a:spcBef>
+                </a:pPr>
+                <a:endParaRPr lang="en-US" sz="1800" kern="0" dirty="0">
+                  <a:latin typeface="Arial (Textkörper)"/>
+                </a:endParaRPr>
+              </a:p>
+              <a:p>
+                <a:pPr marL="439737" lvl="1" indent="-269875" eaLnBrk="1" hangingPunct="1">
+                  <a:spcBef>
+                    <a:spcPts val="0"/>
+                  </a:spcBef>
+                </a:pPr>
+                <a:endParaRPr lang="en-US" sz="1800" kern="0" dirty="0">
+                  <a:latin typeface="Arial (Textkörper)"/>
+                </a:endParaRPr>
+              </a:p>
+              <a:p>
+                <a:pPr marL="439737" lvl="1" indent="-269875" eaLnBrk="1" hangingPunct="1">
+                  <a:spcBef>
+                    <a:spcPts val="0"/>
+                  </a:spcBef>
+                </a:pPr>
+                <a:endParaRPr lang="en-US" sz="1800" kern="0" dirty="0">
+                  <a:latin typeface="Arial (Textkörper)"/>
+                </a:endParaRPr>
+              </a:p>
+              <a:p>
+                <a:pPr marL="439737" lvl="1" indent="-269875" eaLnBrk="1" hangingPunct="1">
+                  <a:spcBef>
+                    <a:spcPts val="0"/>
+                  </a:spcBef>
+                </a:pPr>
+                <a:endParaRPr lang="en-US" sz="1800" kern="0" dirty="0">
+                  <a:latin typeface="Arial (Textkörper)"/>
+                </a:endParaRPr>
+              </a:p>
+              <a:p>
+                <a:pPr marL="269875" indent="-269875" eaLnBrk="1" hangingPunct="1">
+                  <a:spcBef>
+                    <a:spcPts val="1000"/>
+                  </a:spcBef>
+                </a:pPr>
+                <a:endParaRPr lang="en-US" sz="2200" kern="0" dirty="0">
+                  <a:latin typeface="Arial (Textkörper)"/>
+                </a:endParaRPr>
+              </a:p>
+            </p:txBody>
+          </p:sp>
+        </mc:Choice>
+        <mc:Fallback>
+          <p:sp>
+            <p:nvSpPr>
+              <p:cNvPr id="7" name="Rectangle 3">
+                <a:extLst>
+                  <a:ext uri="{FF2B5EF4-FFF2-40B4-BE49-F238E27FC236}">
+                    <a16:creationId xmlns:a16="http://schemas.microsoft.com/office/drawing/2014/main" id="{AA6CE6A4-5091-4463-0D76-A1CC55C44C17}"/>
+                  </a:ext>
+                </a:extLst>
+              </p:cNvPr>
+              <p:cNvSpPr txBox="1">
+                <a:spLocks noRot="1" noChangeAspect="1" noMove="1" noResize="1" noEditPoints="1" noAdjustHandles="1" noChangeArrowheads="1" noChangeShapeType="1" noTextEdit="1"/>
+              </p:cNvSpPr>
+              <p:nvPr/>
+            </p:nvSpPr>
+            <p:spPr bwMode="auto">
+              <a:xfrm>
+                <a:off x="250825" y="1594753"/>
+                <a:ext cx="8793529" cy="4789487"/>
+              </a:xfrm>
+              <a:prstGeom prst="rect">
+                <a:avLst/>
+              </a:prstGeom>
+              <a:blipFill>
+                <a:blip r:embed="rId2"/>
+                <a:stretch>
+                  <a:fillRect l="-901" t="-892"/>
+                </a:stretch>
+              </a:blipFill>
+              <a:ln w="9525">
+                <a:noFill/>
+                <a:miter lim="800000"/>
+                <a:headEnd/>
+                <a:tailEnd/>
+              </a:ln>
+            </p:spPr>
+            <p:txBody>
+              <a:bodyPr/>
+              <a:lstStyle/>
+              <a:p>
+                <a:r>
+                  <a:rPr lang="de-DE">
+                    <a:noFill/>
+                  </a:rPr>
+                  <a:t> </a:t>
+                </a:r>
+              </a:p>
+            </p:txBody>
+          </p:sp>
+        </mc:Fallback>
+      </mc:AlternateContent>
+      <mc:AlternateContent xmlns:mc="http://schemas.openxmlformats.org/markup-compatibility/2006">
+        <mc:Choice xmlns:a14="http://schemas.microsoft.com/office/drawing/2010/main" Requires="a14">
+          <p:sp>
+            <p:nvSpPr>
+              <p:cNvPr id="8" name="Rechteck 7">
+                <a:extLst>
+                  <a:ext uri="{FF2B5EF4-FFF2-40B4-BE49-F238E27FC236}">
+                    <a16:creationId xmlns:a16="http://schemas.microsoft.com/office/drawing/2014/main" id="{B89CAFCE-1C40-2BFD-2A70-C3DF3B343339}"/>
+                  </a:ext>
+                </a:extLst>
+              </p:cNvPr>
+              <p:cNvSpPr/>
+              <p:nvPr/>
+            </p:nvSpPr>
+            <p:spPr>
+              <a:xfrm>
+                <a:off x="601662" y="2251780"/>
+                <a:ext cx="8289925" cy="543654"/>
+              </a:xfrm>
+              <a:prstGeom prst="rect">
+                <a:avLst/>
+              </a:prstGeom>
+              <a:solidFill>
+                <a:schemeClr val="accent1">
+                  <a:alpha val="50000"/>
+                </a:schemeClr>
+              </a:solidFill>
+              <a:ln w="12700">
+                <a:solidFill>
+                  <a:schemeClr val="tx1"/>
+                </a:solidFill>
+              </a:ln>
+            </p:spPr>
+            <p:txBody>
+              <a:bodyPr wrap="none" anchor="t" anchorCtr="0">
+                <a:noAutofit/>
+              </a:bodyPr>
+              <a:lstStyle/>
+              <a:p>
+                <a:pPr/>
+                <a14:m>
+                  <m:oMathPara xmlns:m="http://schemas.openxmlformats.org/officeDocument/2006/math">
+                    <m:oMathParaPr>
+                      <m:jc m:val="left"/>
+                    </m:oMathParaPr>
+                    <m:oMath xmlns:m="http://schemas.openxmlformats.org/officeDocument/2006/math">
+                      <m:r>
+                        <a:rPr lang="en-US" i="1" smtClean="0">
+                          <a:latin typeface="Cambria Math" panose="02040503050406030204" pitchFamily="18" charset="0"/>
+                          <a:ea typeface="Cambria Math" panose="02040503050406030204" pitchFamily="18" charset="0"/>
+                        </a:rPr>
+                        <m:t>𝛻</m:t>
+                      </m:r>
+                      <m:r>
+                        <a:rPr lang="en-US" i="1" smtClean="0">
+                          <a:latin typeface="Cambria Math" panose="02040503050406030204" pitchFamily="18" charset="0"/>
+                          <a:ea typeface="Cambria Math" panose="02040503050406030204" pitchFamily="18" charset="0"/>
+                        </a:rPr>
+                        <m:t>×</m:t>
+                      </m:r>
+                      <m:sSup>
+                        <m:sSupPr>
+                          <m:ctrlPr>
+                            <a:rPr lang="en-US" i="1" smtClean="0">
+                              <a:latin typeface="Cambria Math" panose="02040503050406030204" pitchFamily="18" charset="0"/>
+                              <a:ea typeface="Cambria Math" panose="02040503050406030204" pitchFamily="18" charset="0"/>
+                            </a:rPr>
+                          </m:ctrlPr>
+                        </m:sSupPr>
+                        <m:e>
+                          <m:r>
+                            <a:rPr lang="de-DE" i="1">
+                              <a:latin typeface="Cambria Math" panose="02040503050406030204" pitchFamily="18" charset="0"/>
+                              <a:ea typeface="Cambria Math" panose="02040503050406030204" pitchFamily="18" charset="0"/>
+                            </a:rPr>
+                            <m:t>𝜇</m:t>
+                          </m:r>
+                        </m:e>
+                        <m:sup>
+                          <m:r>
+                            <a:rPr lang="de-DE" b="0" i="1" smtClean="0">
+                              <a:latin typeface="Cambria Math" panose="02040503050406030204" pitchFamily="18" charset="0"/>
+                              <a:ea typeface="Cambria Math" panose="02040503050406030204" pitchFamily="18" charset="0"/>
+                            </a:rPr>
+                            <m:t>−1</m:t>
+                          </m:r>
+                        </m:sup>
+                      </m:sSup>
+                      <m:r>
+                        <a:rPr lang="en-US" i="1">
+                          <a:latin typeface="Cambria Math" panose="02040503050406030204" pitchFamily="18" charset="0"/>
+                          <a:ea typeface="Cambria Math" panose="02040503050406030204" pitchFamily="18" charset="0"/>
+                        </a:rPr>
+                        <m:t>𝛻</m:t>
+                      </m:r>
+                      <m:r>
+                        <a:rPr lang="en-US" i="1">
+                          <a:latin typeface="Cambria Math" panose="02040503050406030204" pitchFamily="18" charset="0"/>
+                          <a:ea typeface="Cambria Math" panose="02040503050406030204" pitchFamily="18" charset="0"/>
+                        </a:rPr>
+                        <m:t>×</m:t>
+                      </m:r>
+                      <m:r>
+                        <a:rPr lang="de-DE" i="1">
+                          <a:latin typeface="Cambria Math" panose="02040503050406030204" pitchFamily="18" charset="0"/>
+                          <a:ea typeface="Cambria Math" panose="02040503050406030204" pitchFamily="18" charset="0"/>
+                        </a:rPr>
+                        <m:t>𝐸</m:t>
+                      </m:r>
+                      <m:r>
+                        <a:rPr lang="de-DE" b="0" i="1" smtClean="0">
+                          <a:latin typeface="Cambria Math" panose="02040503050406030204" pitchFamily="18" charset="0"/>
+                          <a:ea typeface="Cambria Math" panose="02040503050406030204" pitchFamily="18" charset="0"/>
+                        </a:rPr>
+                        <m:t>−</m:t>
+                      </m:r>
+                      <m:sSubSup>
+                        <m:sSubSupPr>
+                          <m:ctrlPr>
+                            <a:rPr lang="de-DE" b="0" i="1" smtClean="0">
+                              <a:latin typeface="Cambria Math" panose="02040503050406030204" pitchFamily="18" charset="0"/>
+                              <a:ea typeface="Cambria Math" panose="02040503050406030204" pitchFamily="18" charset="0"/>
+                            </a:rPr>
+                          </m:ctrlPr>
+                        </m:sSubSupPr>
+                        <m:e>
+                          <m:r>
+                            <a:rPr lang="de-DE" b="0" i="1" smtClean="0">
+                              <a:latin typeface="Cambria Math" panose="02040503050406030204" pitchFamily="18" charset="0"/>
+                              <a:ea typeface="Cambria Math" panose="02040503050406030204" pitchFamily="18" charset="0"/>
+                            </a:rPr>
+                            <m:t>𝑘</m:t>
+                          </m:r>
+                        </m:e>
+                        <m:sub>
+                          <m:r>
+                            <a:rPr lang="de-DE" b="0" i="1" smtClean="0">
+                              <a:latin typeface="Cambria Math" panose="02040503050406030204" pitchFamily="18" charset="0"/>
+                              <a:ea typeface="Cambria Math" panose="02040503050406030204" pitchFamily="18" charset="0"/>
+                            </a:rPr>
+                            <m:t>0</m:t>
+                          </m:r>
+                        </m:sub>
+                        <m:sup>
+                          <m:r>
+                            <a:rPr lang="de-DE" b="0" i="1" smtClean="0">
+                              <a:latin typeface="Cambria Math" panose="02040503050406030204" pitchFamily="18" charset="0"/>
+                              <a:ea typeface="Cambria Math" panose="02040503050406030204" pitchFamily="18" charset="0"/>
+                            </a:rPr>
+                            <m:t>2</m:t>
+                          </m:r>
+                        </m:sup>
+                      </m:sSubSup>
+                      <m:r>
+                        <a:rPr lang="en-US" i="1">
+                          <a:latin typeface="Cambria Math" panose="02040503050406030204" pitchFamily="18" charset="0"/>
+                          <a:ea typeface="Cambria Math" panose="02040503050406030204" pitchFamily="18" charset="0"/>
+                        </a:rPr>
+                        <m:t>𝜀</m:t>
+                      </m:r>
+                      <m:r>
+                        <a:rPr lang="de-DE" i="1">
+                          <a:latin typeface="Cambria Math" panose="02040503050406030204" pitchFamily="18" charset="0"/>
+                          <a:ea typeface="Cambria Math" panose="02040503050406030204" pitchFamily="18" charset="0"/>
+                        </a:rPr>
+                        <m:t>𝐸</m:t>
+                      </m:r>
+                      <m:r>
+                        <a:rPr lang="de-DE" b="0" i="1" smtClean="0">
+                          <a:latin typeface="Cambria Math" panose="02040503050406030204" pitchFamily="18" charset="0"/>
+                          <a:ea typeface="Cambria Math" panose="02040503050406030204" pitchFamily="18" charset="0"/>
+                        </a:rPr>
+                        <m:t>=−</m:t>
+                      </m:r>
+                      <m:r>
+                        <a:rPr lang="de-DE" b="0" i="1" smtClean="0">
+                          <a:latin typeface="Cambria Math" panose="02040503050406030204" pitchFamily="18" charset="0"/>
+                          <a:ea typeface="Cambria Math" panose="02040503050406030204" pitchFamily="18" charset="0"/>
+                        </a:rPr>
+                        <m:t>𝑗</m:t>
+                      </m:r>
+                      <m:sSub>
+                        <m:sSubPr>
+                          <m:ctrlPr>
+                            <a:rPr lang="de-DE" b="0" i="1" smtClean="0">
+                              <a:latin typeface="Cambria Math" panose="02040503050406030204" pitchFamily="18" charset="0"/>
+                              <a:ea typeface="Cambria Math" panose="02040503050406030204" pitchFamily="18" charset="0"/>
+                            </a:rPr>
+                          </m:ctrlPr>
+                        </m:sSubPr>
+                        <m:e>
+                          <m:r>
+                            <a:rPr lang="de-DE" b="0" i="1" smtClean="0">
+                              <a:latin typeface="Cambria Math" panose="02040503050406030204" pitchFamily="18" charset="0"/>
+                              <a:ea typeface="Cambria Math" panose="02040503050406030204" pitchFamily="18" charset="0"/>
+                            </a:rPr>
+                            <m:t>𝑘</m:t>
+                          </m:r>
+                        </m:e>
+                        <m:sub>
+                          <m:r>
+                            <a:rPr lang="de-DE" b="0" i="1" smtClean="0">
+                              <a:latin typeface="Cambria Math" panose="02040503050406030204" pitchFamily="18" charset="0"/>
+                              <a:ea typeface="Cambria Math" panose="02040503050406030204" pitchFamily="18" charset="0"/>
+                            </a:rPr>
+                            <m:t>0</m:t>
+                          </m:r>
+                        </m:sub>
+                      </m:sSub>
+                      <m:sSub>
+                        <m:sSubPr>
+                          <m:ctrlPr>
+                            <a:rPr lang="de-DE" i="1">
+                              <a:latin typeface="Cambria Math" panose="02040503050406030204" pitchFamily="18" charset="0"/>
+                              <a:ea typeface="Cambria Math" panose="02040503050406030204" pitchFamily="18" charset="0"/>
+                            </a:rPr>
+                          </m:ctrlPr>
+                        </m:sSubPr>
+                        <m:e>
+                          <m:r>
+                            <a:rPr lang="de-DE" b="0" i="1" smtClean="0">
+                              <a:latin typeface="Cambria Math" panose="02040503050406030204" pitchFamily="18" charset="0"/>
+                              <a:ea typeface="Cambria Math" panose="02040503050406030204" pitchFamily="18" charset="0"/>
+                            </a:rPr>
+                            <m:t>𝑍</m:t>
+                          </m:r>
+                        </m:e>
+                        <m:sub>
+                          <m:r>
+                            <a:rPr lang="de-DE" i="1">
+                              <a:latin typeface="Cambria Math" panose="02040503050406030204" pitchFamily="18" charset="0"/>
+                              <a:ea typeface="Cambria Math" panose="02040503050406030204" pitchFamily="18" charset="0"/>
+                            </a:rPr>
+                            <m:t>0</m:t>
+                          </m:r>
+                        </m:sub>
+                      </m:sSub>
+                      <m:sSub>
+                        <m:sSubPr>
+                          <m:ctrlPr>
+                            <a:rPr lang="de-DE" b="1" i="1" smtClean="0">
+                              <a:solidFill>
+                                <a:srgbClr val="C00000"/>
+                              </a:solidFill>
+                              <a:latin typeface="Cambria Math" panose="02040503050406030204" pitchFamily="18" charset="0"/>
+                              <a:ea typeface="Cambria Math" panose="02040503050406030204" pitchFamily="18" charset="0"/>
+                            </a:rPr>
+                          </m:ctrlPr>
+                        </m:sSubPr>
+                        <m:e>
+                          <m:r>
+                            <a:rPr lang="de-DE" b="1" i="1" smtClean="0">
+                              <a:solidFill>
+                                <a:srgbClr val="C00000"/>
+                              </a:solidFill>
+                              <a:latin typeface="Cambria Math" panose="02040503050406030204" pitchFamily="18" charset="0"/>
+                              <a:ea typeface="Cambria Math" panose="02040503050406030204" pitchFamily="18" charset="0"/>
+                            </a:rPr>
+                            <m:t>𝑱</m:t>
+                          </m:r>
+                        </m:e>
+                        <m:sub>
+                          <m:r>
+                            <a:rPr lang="de-DE" b="1" i="1" smtClean="0">
+                              <a:solidFill>
+                                <a:srgbClr val="C00000"/>
+                              </a:solidFill>
+                              <a:latin typeface="Cambria Math" panose="02040503050406030204" pitchFamily="18" charset="0"/>
+                              <a:ea typeface="Cambria Math" panose="02040503050406030204" pitchFamily="18" charset="0"/>
+                            </a:rPr>
+                            <m:t>𝒔</m:t>
+                          </m:r>
+                          <m:r>
+                            <a:rPr lang="de-DE" b="1" i="1" smtClean="0">
+                              <a:solidFill>
+                                <a:srgbClr val="C00000"/>
+                              </a:solidFill>
+                              <a:latin typeface="Cambria Math" panose="02040503050406030204" pitchFamily="18" charset="0"/>
+                              <a:ea typeface="Cambria Math" panose="02040503050406030204" pitchFamily="18" charset="0"/>
+                            </a:rPr>
+                            <m:t> </m:t>
+                          </m:r>
+                        </m:sub>
+                      </m:sSub>
+                      <m:r>
+                        <a:rPr lang="de-DE" b="0" i="1" smtClean="0">
+                          <a:latin typeface="Cambria Math" panose="02040503050406030204" pitchFamily="18" charset="0"/>
+                          <a:ea typeface="Cambria Math" panose="02040503050406030204" pitchFamily="18" charset="0"/>
+                        </a:rPr>
+                        <m:t>           </m:t>
+                      </m:r>
+                      <m:sSub>
+                        <m:sSubPr>
+                          <m:ctrlPr>
+                            <a:rPr lang="de-DE" i="1">
+                              <a:latin typeface="Cambria Math" panose="02040503050406030204" pitchFamily="18" charset="0"/>
+                              <a:ea typeface="Cambria Math" panose="02040503050406030204" pitchFamily="18" charset="0"/>
+                            </a:rPr>
+                          </m:ctrlPr>
+                        </m:sSubPr>
+                        <m:e>
+                          <m:r>
+                            <a:rPr lang="de-DE" b="0" i="1" smtClean="0">
+                              <a:latin typeface="Cambria Math" panose="02040503050406030204" pitchFamily="18" charset="0"/>
+                              <a:ea typeface="Cambria Math" panose="02040503050406030204" pitchFamily="18" charset="0"/>
+                            </a:rPr>
+                            <m:t> </m:t>
+                          </m:r>
+                          <m:r>
+                            <a:rPr lang="de-DE" i="1">
+                              <a:latin typeface="Cambria Math" panose="02040503050406030204" pitchFamily="18" charset="0"/>
+                              <a:ea typeface="Cambria Math" panose="02040503050406030204" pitchFamily="18" charset="0"/>
+                            </a:rPr>
+                            <m:t>𝐽</m:t>
+                          </m:r>
+                        </m:e>
+                        <m:sub>
+                          <m:r>
+                            <a:rPr lang="de-DE" i="1">
+                              <a:latin typeface="Cambria Math" panose="02040503050406030204" pitchFamily="18" charset="0"/>
+                              <a:ea typeface="Cambria Math" panose="02040503050406030204" pitchFamily="18" charset="0"/>
+                            </a:rPr>
+                            <m:t>𝑠</m:t>
+                          </m:r>
+                        </m:sub>
+                      </m:sSub>
+                      <m:d>
+                        <m:dPr>
+                          <m:ctrlPr>
+                            <a:rPr lang="de-DE" i="1" smtClean="0">
+                              <a:latin typeface="Cambria Math" panose="02040503050406030204" pitchFamily="18" charset="0"/>
+                              <a:ea typeface="Cambria Math" panose="02040503050406030204" pitchFamily="18" charset="0"/>
+                            </a:rPr>
+                          </m:ctrlPr>
+                        </m:dPr>
+                        <m:e>
+                          <m:r>
+                            <a:rPr lang="de-DE" i="1">
+                              <a:latin typeface="Cambria Math" panose="02040503050406030204" pitchFamily="18" charset="0"/>
+                              <a:ea typeface="Cambria Math" panose="02040503050406030204" pitchFamily="18" charset="0"/>
+                            </a:rPr>
+                            <m:t>𝑥</m:t>
+                          </m:r>
+                          <m:r>
+                            <a:rPr lang="de-DE" i="1">
+                              <a:latin typeface="Cambria Math" panose="02040503050406030204" pitchFamily="18" charset="0"/>
+                              <a:ea typeface="Cambria Math" panose="02040503050406030204" pitchFamily="18" charset="0"/>
+                            </a:rPr>
+                            <m:t>,</m:t>
+                          </m:r>
+                          <m:r>
+                            <a:rPr lang="de-DE" i="1">
+                              <a:latin typeface="Cambria Math" panose="02040503050406030204" pitchFamily="18" charset="0"/>
+                              <a:ea typeface="Cambria Math" panose="02040503050406030204" pitchFamily="18" charset="0"/>
+                            </a:rPr>
+                            <m:t>𝑦</m:t>
+                          </m:r>
+                          <m:r>
+                            <a:rPr lang="de-DE" i="1">
+                              <a:latin typeface="Cambria Math" panose="02040503050406030204" pitchFamily="18" charset="0"/>
+                              <a:ea typeface="Cambria Math" panose="02040503050406030204" pitchFamily="18" charset="0"/>
+                            </a:rPr>
+                            <m:t>,</m:t>
+                          </m:r>
+                          <m:r>
+                            <a:rPr lang="de-DE" i="1">
+                              <a:latin typeface="Cambria Math" panose="02040503050406030204" pitchFamily="18" charset="0"/>
+                              <a:ea typeface="Cambria Math" panose="02040503050406030204" pitchFamily="18" charset="0"/>
+                            </a:rPr>
+                            <m:t>𝑧</m:t>
+                          </m:r>
+                          <m:r>
+                            <a:rPr lang="de-DE" i="1">
+                              <a:latin typeface="Cambria Math" panose="02040503050406030204" pitchFamily="18" charset="0"/>
+                              <a:ea typeface="Cambria Math" panose="02040503050406030204" pitchFamily="18" charset="0"/>
+                            </a:rPr>
+                            <m:t>,</m:t>
+                          </m:r>
+                          <m:r>
+                            <a:rPr lang="de-DE" i="1">
+                              <a:latin typeface="Cambria Math" panose="02040503050406030204" pitchFamily="18" charset="0"/>
+                              <a:ea typeface="Cambria Math" panose="02040503050406030204" pitchFamily="18" charset="0"/>
+                            </a:rPr>
+                            <m:t>𝜔</m:t>
+                          </m:r>
+                        </m:e>
+                      </m:d>
+                      <m:r>
+                        <a:rPr lang="de-DE" i="1">
+                          <a:latin typeface="Cambria Math" panose="02040503050406030204" pitchFamily="18" charset="0"/>
+                          <a:ea typeface="Cambria Math" panose="02040503050406030204" pitchFamily="18" charset="0"/>
+                        </a:rPr>
+                        <m:t>=</m:t>
+                      </m:r>
+                      <m:sSub>
+                        <m:sSubPr>
+                          <m:ctrlPr>
+                            <a:rPr lang="de-DE" i="1">
+                              <a:latin typeface="Cambria Math" panose="02040503050406030204" pitchFamily="18" charset="0"/>
+                              <a:ea typeface="Cambria Math" panose="02040503050406030204" pitchFamily="18" charset="0"/>
+                            </a:rPr>
+                          </m:ctrlPr>
+                        </m:sSubPr>
+                        <m:e>
+                          <m:r>
+                            <a:rPr lang="de-DE" i="1">
+                              <a:latin typeface="Cambria Math" panose="02040503050406030204" pitchFamily="18" charset="0"/>
+                              <a:ea typeface="Cambria Math" panose="02040503050406030204" pitchFamily="18" charset="0"/>
+                            </a:rPr>
+                            <m:t>𝑣</m:t>
+                          </m:r>
+                        </m:e>
+                        <m:sub>
+                          <m:r>
+                            <a:rPr lang="de-DE" i="1">
+                              <a:latin typeface="Cambria Math" panose="02040503050406030204" pitchFamily="18" charset="0"/>
+                              <a:ea typeface="Cambria Math" panose="02040503050406030204" pitchFamily="18" charset="0"/>
+                            </a:rPr>
+                            <m:t>𝑝</m:t>
+                          </m:r>
+                        </m:sub>
+                      </m:sSub>
+                      <m:r>
+                        <a:rPr lang="de-DE" i="1">
+                          <a:latin typeface="Cambria Math" panose="02040503050406030204" pitchFamily="18" charset="0"/>
+                          <a:ea typeface="Cambria Math" panose="02040503050406030204" pitchFamily="18" charset="0"/>
+                        </a:rPr>
+                        <m:t>𝛿</m:t>
+                      </m:r>
+                      <m:d>
+                        <m:dPr>
+                          <m:ctrlPr>
+                            <a:rPr lang="de-DE" i="1">
+                              <a:latin typeface="Cambria Math" panose="02040503050406030204" pitchFamily="18" charset="0"/>
+                              <a:ea typeface="Cambria Math" panose="02040503050406030204" pitchFamily="18" charset="0"/>
+                            </a:rPr>
+                          </m:ctrlPr>
+                        </m:dPr>
+                        <m:e>
+                          <m:r>
+                            <a:rPr lang="de-DE" i="1">
+                              <a:latin typeface="Cambria Math" panose="02040503050406030204" pitchFamily="18" charset="0"/>
+                              <a:ea typeface="Cambria Math" panose="02040503050406030204" pitchFamily="18" charset="0"/>
+                            </a:rPr>
+                            <m:t>𝑥</m:t>
+                          </m:r>
+                          <m:r>
+                            <a:rPr lang="de-DE" i="1">
+                              <a:latin typeface="Cambria Math" panose="02040503050406030204" pitchFamily="18" charset="0"/>
+                              <a:ea typeface="Cambria Math" panose="02040503050406030204" pitchFamily="18" charset="0"/>
+                            </a:rPr>
+                            <m:t>−</m:t>
+                          </m:r>
+                          <m:sSub>
+                            <m:sSubPr>
+                              <m:ctrlPr>
+                                <a:rPr lang="de-DE" i="1">
+                                  <a:latin typeface="Cambria Math" panose="02040503050406030204" pitchFamily="18" charset="0"/>
+                                  <a:ea typeface="Cambria Math" panose="02040503050406030204" pitchFamily="18" charset="0"/>
+                                </a:rPr>
+                              </m:ctrlPr>
+                            </m:sSubPr>
+                            <m:e>
+                              <m:r>
+                                <a:rPr lang="de-DE" i="1">
+                                  <a:latin typeface="Cambria Math" panose="02040503050406030204" pitchFamily="18" charset="0"/>
+                                  <a:ea typeface="Cambria Math" panose="02040503050406030204" pitchFamily="18" charset="0"/>
+                                </a:rPr>
+                                <m:t>𝑥</m:t>
+                              </m:r>
+                            </m:e>
+                            <m:sub>
+                              <m:r>
+                                <a:rPr lang="de-DE" i="1">
+                                  <a:latin typeface="Cambria Math" panose="02040503050406030204" pitchFamily="18" charset="0"/>
+                                  <a:ea typeface="Cambria Math" panose="02040503050406030204" pitchFamily="18" charset="0"/>
+                                </a:rPr>
+                                <m:t>0</m:t>
+                              </m:r>
+                            </m:sub>
+                          </m:sSub>
+                        </m:e>
+                      </m:d>
+                      <m:r>
+                        <a:rPr lang="de-DE" i="1">
+                          <a:latin typeface="Cambria Math" panose="02040503050406030204" pitchFamily="18" charset="0"/>
+                          <a:ea typeface="Cambria Math" panose="02040503050406030204" pitchFamily="18" charset="0"/>
+                        </a:rPr>
+                        <m:t>𝛿</m:t>
+                      </m:r>
+                      <m:d>
+                        <m:dPr>
+                          <m:ctrlPr>
+                            <a:rPr lang="de-DE" i="1">
+                              <a:latin typeface="Cambria Math" panose="02040503050406030204" pitchFamily="18" charset="0"/>
+                              <a:ea typeface="Cambria Math" panose="02040503050406030204" pitchFamily="18" charset="0"/>
+                            </a:rPr>
+                          </m:ctrlPr>
+                        </m:dPr>
+                        <m:e>
+                          <m:r>
+                            <a:rPr lang="de-DE" i="1">
+                              <a:latin typeface="Cambria Math" panose="02040503050406030204" pitchFamily="18" charset="0"/>
+                              <a:ea typeface="Cambria Math" panose="02040503050406030204" pitchFamily="18" charset="0"/>
+                            </a:rPr>
+                            <m:t>𝑦</m:t>
+                          </m:r>
+                          <m:r>
+                            <a:rPr lang="de-DE" i="1">
+                              <a:latin typeface="Cambria Math" panose="02040503050406030204" pitchFamily="18" charset="0"/>
+                              <a:ea typeface="Cambria Math" panose="02040503050406030204" pitchFamily="18" charset="0"/>
+                            </a:rPr>
+                            <m:t>−</m:t>
+                          </m:r>
+                          <m:sSub>
+                            <m:sSubPr>
+                              <m:ctrlPr>
+                                <a:rPr lang="de-DE" i="1">
+                                  <a:latin typeface="Cambria Math" panose="02040503050406030204" pitchFamily="18" charset="0"/>
+                                  <a:ea typeface="Cambria Math" panose="02040503050406030204" pitchFamily="18" charset="0"/>
+                                </a:rPr>
+                              </m:ctrlPr>
+                            </m:sSubPr>
+                            <m:e>
+                              <m:r>
+                                <a:rPr lang="de-DE" i="1">
+                                  <a:latin typeface="Cambria Math" panose="02040503050406030204" pitchFamily="18" charset="0"/>
+                                  <a:ea typeface="Cambria Math" panose="02040503050406030204" pitchFamily="18" charset="0"/>
+                                </a:rPr>
+                                <m:t>𝑦</m:t>
+                              </m:r>
+                            </m:e>
+                            <m:sub>
+                              <m:r>
+                                <a:rPr lang="de-DE" i="1">
+                                  <a:latin typeface="Cambria Math" panose="02040503050406030204" pitchFamily="18" charset="0"/>
+                                  <a:ea typeface="Cambria Math" panose="02040503050406030204" pitchFamily="18" charset="0"/>
+                                </a:rPr>
+                                <m:t>0</m:t>
+                              </m:r>
+                            </m:sub>
+                          </m:sSub>
+                        </m:e>
+                      </m:d>
+                      <m:sSup>
+                        <m:sSupPr>
+                          <m:ctrlPr>
+                            <a:rPr lang="de-DE" i="1">
+                              <a:latin typeface="Cambria Math" panose="02040503050406030204" pitchFamily="18" charset="0"/>
+                              <a:ea typeface="Cambria Math" panose="02040503050406030204" pitchFamily="18" charset="0"/>
+                            </a:rPr>
+                          </m:ctrlPr>
+                        </m:sSupPr>
+                        <m:e>
+                          <m:r>
+                            <a:rPr lang="de-DE" i="1">
+                              <a:latin typeface="Cambria Math" panose="02040503050406030204" pitchFamily="18" charset="0"/>
+                              <a:ea typeface="Cambria Math" panose="02040503050406030204" pitchFamily="18" charset="0"/>
+                            </a:rPr>
+                            <m:t>𝑒</m:t>
+                          </m:r>
+                        </m:e>
+                        <m:sup>
+                          <m:r>
+                            <a:rPr lang="de-DE" b="0" i="1" smtClean="0">
+                              <a:latin typeface="Cambria Math" panose="02040503050406030204" pitchFamily="18" charset="0"/>
+                              <a:ea typeface="Cambria Math" panose="02040503050406030204" pitchFamily="18" charset="0"/>
+                            </a:rPr>
+                            <m:t>−</m:t>
+                          </m:r>
+                          <m:r>
+                            <a:rPr lang="de-DE" i="1">
+                              <a:latin typeface="Cambria Math" panose="02040503050406030204" pitchFamily="18" charset="0"/>
+                              <a:ea typeface="Cambria Math" panose="02040503050406030204" pitchFamily="18" charset="0"/>
+                            </a:rPr>
+                            <m:t>𝑖</m:t>
+                          </m:r>
+                          <m:f>
+                            <m:fPr>
+                              <m:ctrlPr>
+                                <a:rPr lang="de-DE" i="1">
+                                  <a:latin typeface="Cambria Math" panose="02040503050406030204" pitchFamily="18" charset="0"/>
+                                  <a:ea typeface="Cambria Math" panose="02040503050406030204" pitchFamily="18" charset="0"/>
+                                </a:rPr>
+                              </m:ctrlPr>
+                            </m:fPr>
+                            <m:num>
+                              <m:r>
+                                <a:rPr lang="el-GR" i="1">
+                                  <a:latin typeface="Cambria Math" panose="02040503050406030204" pitchFamily="18" charset="0"/>
+                                  <a:ea typeface="Cambria Math" panose="02040503050406030204" pitchFamily="18" charset="0"/>
+                                </a:rPr>
+                                <m:t>𝜔</m:t>
+                              </m:r>
+                            </m:num>
+                            <m:den>
+                              <m:r>
+                                <a:rPr lang="de-DE" i="1">
+                                  <a:latin typeface="Cambria Math" panose="02040503050406030204" pitchFamily="18" charset="0"/>
+                                  <a:ea typeface="Cambria Math" panose="02040503050406030204" pitchFamily="18" charset="0"/>
+                                </a:rPr>
+                                <m:t>𝑣</m:t>
+                              </m:r>
+                            </m:den>
+                          </m:f>
+                          <m:r>
+                            <a:rPr lang="de-DE" i="1">
+                              <a:latin typeface="Cambria Math" panose="02040503050406030204" pitchFamily="18" charset="0"/>
+                              <a:ea typeface="Cambria Math" panose="02040503050406030204" pitchFamily="18" charset="0"/>
+                            </a:rPr>
+                            <m:t>𝑧</m:t>
+                          </m:r>
+                        </m:sup>
+                      </m:sSup>
+                    </m:oMath>
+                  </m:oMathPara>
+                </a14:m>
+                <a:endParaRPr lang="en-US" dirty="0"/>
+              </a:p>
+            </p:txBody>
+          </p:sp>
+        </mc:Choice>
+        <mc:Fallback>
+          <p:sp>
+            <p:nvSpPr>
+              <p:cNvPr id="8" name="Rechteck 7">
+                <a:extLst>
+                  <a:ext uri="{FF2B5EF4-FFF2-40B4-BE49-F238E27FC236}">
+                    <a16:creationId xmlns:a16="http://schemas.microsoft.com/office/drawing/2014/main" id="{B89CAFCE-1C40-2BFD-2A70-C3DF3B343339}"/>
+                  </a:ext>
+                </a:extLst>
+              </p:cNvPr>
+              <p:cNvSpPr>
+                <a:spLocks noRot="1" noChangeAspect="1" noMove="1" noResize="1" noEditPoints="1" noAdjustHandles="1" noChangeArrowheads="1" noChangeShapeType="1" noTextEdit="1"/>
+              </p:cNvSpPr>
+              <p:nvPr/>
+            </p:nvSpPr>
+            <p:spPr>
+              <a:xfrm>
+                <a:off x="601662" y="2251780"/>
+                <a:ext cx="8289925" cy="543654"/>
+              </a:xfrm>
+              <a:prstGeom prst="rect">
+                <a:avLst/>
+              </a:prstGeom>
+              <a:blipFill>
+                <a:blip r:embed="rId3"/>
+                <a:stretch>
+                  <a:fillRect/>
+                </a:stretch>
+              </a:blipFill>
+              <a:ln w="12700">
+                <a:solidFill>
+                  <a:schemeClr val="tx1"/>
+                </a:solidFill>
+              </a:ln>
+            </p:spPr>
+            <p:txBody>
+              <a:bodyPr/>
+              <a:lstStyle/>
+              <a:p>
+                <a:r>
+                  <a:rPr lang="de-DE">
+                    <a:noFill/>
+                  </a:rPr>
+                  <a:t> </a:t>
+                </a:r>
+              </a:p>
+            </p:txBody>
+          </p:sp>
+        </mc:Fallback>
+      </mc:AlternateContent>
+      <p:grpSp>
+        <p:nvGrpSpPr>
+          <p:cNvPr id="9" name="Gruppieren 8">
+            <a:extLst>
+              <a:ext uri="{FF2B5EF4-FFF2-40B4-BE49-F238E27FC236}">
+                <a16:creationId xmlns:a16="http://schemas.microsoft.com/office/drawing/2014/main" id="{DA9C966C-14D1-391F-D5B9-6C8C221AF742}"/>
+              </a:ext>
+            </a:extLst>
+          </p:cNvPr>
+          <p:cNvGrpSpPr/>
+          <p:nvPr/>
+        </p:nvGrpSpPr>
+        <p:grpSpPr>
+          <a:xfrm>
+            <a:off x="458524" y="3622970"/>
+            <a:ext cx="8187691" cy="1397850"/>
+            <a:chOff x="511281" y="4134992"/>
+            <a:chExt cx="8187691" cy="1397850"/>
+          </a:xfrm>
+        </p:grpSpPr>
+        <mc:AlternateContent xmlns:mc="http://schemas.openxmlformats.org/markup-compatibility/2006" xmlns:a14="http://schemas.microsoft.com/office/drawing/2010/main">
+          <mc:Choice Requires="a14">
+            <p:sp>
+              <p:nvSpPr>
+                <p:cNvPr id="10" name="Rechteck 9">
+                  <a:extLst>
+                    <a:ext uri="{FF2B5EF4-FFF2-40B4-BE49-F238E27FC236}">
+                      <a16:creationId xmlns:a16="http://schemas.microsoft.com/office/drawing/2014/main" id="{96CE1C20-0F31-19A3-3D7B-11DAA0426EED}"/>
+                    </a:ext>
+                  </a:extLst>
+                </p:cNvPr>
+                <p:cNvSpPr/>
+                <p:nvPr/>
+              </p:nvSpPr>
+              <p:spPr>
+                <a:xfrm>
+                  <a:off x="511281" y="4134992"/>
+                  <a:ext cx="8187691" cy="818879"/>
+                </a:xfrm>
+                <a:prstGeom prst="rect">
+                  <a:avLst/>
+                </a:prstGeom>
+              </p:spPr>
+              <p:txBody>
+                <a:bodyPr wrap="none">
+                  <a:spAutoFit/>
+                </a:bodyPr>
+                <a:lstStyle/>
+                <a:p>
+                  <a:pPr/>
+                  <a14:m>
+                    <m:oMathPara xmlns:m="http://schemas.openxmlformats.org/officeDocument/2006/math">
+                      <m:oMathParaPr>
+                        <m:jc m:val="centerGroup"/>
+                      </m:oMathParaPr>
+                      <m:oMath xmlns:m="http://schemas.openxmlformats.org/officeDocument/2006/math">
+                        <m:r>
+                          <a:rPr lang="de-DE" b="0" i="1" smtClean="0">
+                            <a:latin typeface="Cambria Math" panose="02040503050406030204" pitchFamily="18" charset="0"/>
+                            <a:ea typeface="Cambria Math" panose="02040503050406030204" pitchFamily="18" charset="0"/>
+                          </a:rPr>
+                          <m:t>𝐵</m:t>
+                        </m:r>
+                        <m:d>
+                          <m:dPr>
+                            <m:ctrlPr>
+                              <a:rPr lang="de-DE" i="1" smtClean="0">
+                                <a:latin typeface="Cambria Math" panose="02040503050406030204" pitchFamily="18" charset="0"/>
+                                <a:ea typeface="Cambria Math" panose="02040503050406030204" pitchFamily="18" charset="0"/>
+                              </a:rPr>
+                            </m:ctrlPr>
+                          </m:dPr>
+                          <m:e>
+                            <m:sSub>
+                              <m:sSubPr>
+                                <m:ctrlPr>
+                                  <a:rPr lang="en-US" i="1">
+                                    <a:latin typeface="Cambria Math" panose="02040503050406030204" pitchFamily="18" charset="0"/>
+                                    <a:ea typeface="Cambria Math" panose="02040503050406030204" pitchFamily="18" charset="0"/>
+                                  </a:rPr>
+                                </m:ctrlPr>
+                              </m:sSubPr>
+                              <m:e>
+                                <m:r>
+                                  <a:rPr lang="de-DE" b="0" i="1">
+                                    <a:latin typeface="Cambria Math" panose="02040503050406030204" pitchFamily="18" charset="0"/>
+                                    <a:ea typeface="Cambria Math" panose="02040503050406030204" pitchFamily="18" charset="0"/>
+                                  </a:rPr>
+                                  <m:t>𝑒</m:t>
+                                </m:r>
+                              </m:e>
+                              <m:sub>
+                                <m:r>
+                                  <a:rPr lang="de-DE" b="0" i="1">
+                                    <a:latin typeface="Cambria Math" panose="02040503050406030204" pitchFamily="18" charset="0"/>
+                                    <a:ea typeface="Cambria Math" panose="02040503050406030204" pitchFamily="18" charset="0"/>
+                                  </a:rPr>
+                                  <m:t>h</m:t>
+                                </m:r>
+                              </m:sub>
+                            </m:sSub>
+                            <m:r>
+                              <a:rPr lang="de-DE" b="0" i="1" smtClean="0">
+                                <a:latin typeface="Cambria Math" panose="02040503050406030204" pitchFamily="18" charset="0"/>
+                                <a:ea typeface="Cambria Math" panose="02040503050406030204" pitchFamily="18" charset="0"/>
+                              </a:rPr>
+                              <m:t>,</m:t>
+                            </m:r>
+                            <m:sSub>
+                              <m:sSubPr>
+                                <m:ctrlPr>
+                                  <a:rPr lang="en-US" i="1">
+                                    <a:latin typeface="Cambria Math" panose="02040503050406030204" pitchFamily="18" charset="0"/>
+                                    <a:ea typeface="Cambria Math" panose="02040503050406030204" pitchFamily="18" charset="0"/>
+                                  </a:rPr>
+                                </m:ctrlPr>
+                              </m:sSubPr>
+                              <m:e>
+                                <m:r>
+                                  <a:rPr lang="de-DE" b="0" i="1">
+                                    <a:latin typeface="Cambria Math" panose="02040503050406030204" pitchFamily="18" charset="0"/>
+                                    <a:ea typeface="Cambria Math" panose="02040503050406030204" pitchFamily="18" charset="0"/>
+                                  </a:rPr>
+                                  <m:t>𝑣</m:t>
+                                </m:r>
+                              </m:e>
+                              <m:sub>
+                                <m:r>
+                                  <a:rPr lang="de-DE" b="0" i="1">
+                                    <a:latin typeface="Cambria Math" panose="02040503050406030204" pitchFamily="18" charset="0"/>
+                                    <a:ea typeface="Cambria Math" panose="02040503050406030204" pitchFamily="18" charset="0"/>
+                                  </a:rPr>
+                                  <m:t>h</m:t>
+                                </m:r>
+                              </m:sub>
+                            </m:sSub>
+                          </m:e>
+                        </m:d>
+                        <m:r>
+                          <a:rPr lang="de-DE" b="0" i="1" smtClean="0">
+                            <a:latin typeface="Cambria Math" panose="02040503050406030204" pitchFamily="18" charset="0"/>
+                            <a:ea typeface="Cambria Math" panose="02040503050406030204" pitchFamily="18" charset="0"/>
+                          </a:rPr>
+                          <m:t>=</m:t>
+                        </m:r>
+                        <m:nary>
+                          <m:naryPr>
+                            <m:limLoc m:val="undOvr"/>
+                            <m:subHide m:val="on"/>
+                            <m:supHide m:val="on"/>
+                            <m:ctrlPr>
+                              <a:rPr lang="en-US" i="1" smtClean="0">
+                                <a:latin typeface="Cambria Math" panose="02040503050406030204" pitchFamily="18" charset="0"/>
+                                <a:ea typeface="Cambria Math" panose="02040503050406030204" pitchFamily="18" charset="0"/>
+                              </a:rPr>
+                            </m:ctrlPr>
+                          </m:naryPr>
+                          <m:sub/>
+                          <m:sup/>
+                          <m:e>
+                            <m:r>
+                              <a:rPr lang="de-DE" b="0" i="1" smtClean="0">
+                                <a:latin typeface="Cambria Math" panose="02040503050406030204" pitchFamily="18" charset="0"/>
+                                <a:ea typeface="Cambria Math" panose="02040503050406030204" pitchFamily="18" charset="0"/>
+                              </a:rPr>
+                              <m:t>𝑑𝑉</m:t>
+                            </m:r>
+                            <m:sSup>
+                              <m:sSupPr>
+                                <m:ctrlPr>
+                                  <a:rPr lang="en-US" i="1">
+                                    <a:latin typeface="Cambria Math" panose="02040503050406030204" pitchFamily="18" charset="0"/>
+                                    <a:ea typeface="Cambria Math" panose="02040503050406030204" pitchFamily="18" charset="0"/>
+                                  </a:rPr>
+                                </m:ctrlPr>
+                              </m:sSupPr>
+                              <m:e>
+                                <m:r>
+                                  <a:rPr lang="de-DE" b="0" i="1">
+                                    <a:latin typeface="Cambria Math" panose="02040503050406030204" pitchFamily="18" charset="0"/>
+                                    <a:ea typeface="Cambria Math" panose="02040503050406030204" pitchFamily="18" charset="0"/>
+                                  </a:rPr>
+                                  <m:t>𝜇</m:t>
+                                </m:r>
+                              </m:e>
+                              <m:sup>
+                                <m:r>
+                                  <a:rPr lang="de-DE" b="0" i="1">
+                                    <a:latin typeface="Cambria Math" panose="02040503050406030204" pitchFamily="18" charset="0"/>
+                                    <a:ea typeface="Cambria Math" panose="02040503050406030204" pitchFamily="18" charset="0"/>
+                                  </a:rPr>
+                                  <m:t>−1</m:t>
+                                </m:r>
+                              </m:sup>
+                            </m:sSup>
+                            <m:r>
+                              <a:rPr lang="de-DE" b="0" i="1" smtClean="0">
+                                <a:latin typeface="Cambria Math" panose="02040503050406030204" pitchFamily="18" charset="0"/>
+                                <a:ea typeface="Cambria Math" panose="02040503050406030204" pitchFamily="18" charset="0"/>
+                              </a:rPr>
+                              <m:t> </m:t>
+                            </m:r>
+                            <m:r>
+                              <a:rPr lang="en-US" b="0" i="1">
+                                <a:latin typeface="Cambria Math" panose="02040503050406030204" pitchFamily="18" charset="0"/>
+                                <a:ea typeface="Cambria Math" panose="02040503050406030204" pitchFamily="18" charset="0"/>
+                              </a:rPr>
+                              <m:t>𝛻</m:t>
+                            </m:r>
+                            <m:r>
+                              <a:rPr lang="en-US" b="0" i="1">
+                                <a:latin typeface="Cambria Math" panose="02040503050406030204" pitchFamily="18" charset="0"/>
+                                <a:ea typeface="Cambria Math" panose="02040503050406030204" pitchFamily="18" charset="0"/>
+                              </a:rPr>
+                              <m:t>×</m:t>
+                            </m:r>
+                            <m:sSub>
+                              <m:sSubPr>
+                                <m:ctrlPr>
+                                  <a:rPr lang="en-US" i="1">
+                                    <a:latin typeface="Cambria Math" panose="02040503050406030204" pitchFamily="18" charset="0"/>
+                                    <a:ea typeface="Cambria Math" panose="02040503050406030204" pitchFamily="18" charset="0"/>
+                                  </a:rPr>
+                                </m:ctrlPr>
+                              </m:sSubPr>
+                              <m:e>
+                                <m:r>
+                                  <a:rPr lang="de-DE" b="0" i="1">
+                                    <a:latin typeface="Cambria Math" panose="02040503050406030204" pitchFamily="18" charset="0"/>
+                                    <a:ea typeface="Cambria Math" panose="02040503050406030204" pitchFamily="18" charset="0"/>
+                                  </a:rPr>
+                                  <m:t>𝑒</m:t>
+                                </m:r>
+                              </m:e>
+                              <m:sub>
+                                <m:r>
+                                  <a:rPr lang="de-DE" b="0" i="1">
+                                    <a:latin typeface="Cambria Math" panose="02040503050406030204" pitchFamily="18" charset="0"/>
+                                    <a:ea typeface="Cambria Math" panose="02040503050406030204" pitchFamily="18" charset="0"/>
+                                  </a:rPr>
+                                  <m:t>h</m:t>
+                                </m:r>
+                              </m:sub>
+                            </m:sSub>
+                            <m:r>
+                              <a:rPr lang="de-DE" b="0" i="1" smtClean="0">
+                                <a:latin typeface="Cambria Math" panose="02040503050406030204" pitchFamily="18" charset="0"/>
+                                <a:ea typeface="Cambria Math" panose="02040503050406030204" pitchFamily="18" charset="0"/>
+                              </a:rPr>
+                              <m:t>∙</m:t>
+                            </m:r>
+                            <m:r>
+                              <a:rPr lang="en-US" b="0" i="1">
+                                <a:latin typeface="Cambria Math" panose="02040503050406030204" pitchFamily="18" charset="0"/>
+                                <a:ea typeface="Cambria Math" panose="02040503050406030204" pitchFamily="18" charset="0"/>
+                              </a:rPr>
+                              <m:t>𝛻</m:t>
+                            </m:r>
+                            <m:r>
+                              <a:rPr lang="en-US" b="0" i="1">
+                                <a:latin typeface="Cambria Math" panose="02040503050406030204" pitchFamily="18" charset="0"/>
+                                <a:ea typeface="Cambria Math" panose="02040503050406030204" pitchFamily="18" charset="0"/>
+                              </a:rPr>
+                              <m:t>×</m:t>
+                            </m:r>
+                            <m:sSub>
+                              <m:sSubPr>
+                                <m:ctrlPr>
+                                  <a:rPr lang="en-US" i="1" smtClean="0">
+                                    <a:latin typeface="Cambria Math" panose="02040503050406030204" pitchFamily="18" charset="0"/>
+                                    <a:ea typeface="Cambria Math" panose="02040503050406030204" pitchFamily="18" charset="0"/>
+                                  </a:rPr>
+                                </m:ctrlPr>
+                              </m:sSubPr>
+                              <m:e>
+                                <m:r>
+                                  <a:rPr lang="de-DE" b="0" i="1" smtClean="0">
+                                    <a:latin typeface="Cambria Math" panose="02040503050406030204" pitchFamily="18" charset="0"/>
+                                    <a:ea typeface="Cambria Math" panose="02040503050406030204" pitchFamily="18" charset="0"/>
+                                  </a:rPr>
+                                  <m:t>𝑣</m:t>
+                                </m:r>
+                              </m:e>
+                              <m:sub>
+                                <m:r>
+                                  <a:rPr lang="de-DE" b="0" i="1" smtClean="0">
+                                    <a:latin typeface="Cambria Math" panose="02040503050406030204" pitchFamily="18" charset="0"/>
+                                    <a:ea typeface="Cambria Math" panose="02040503050406030204" pitchFamily="18" charset="0"/>
+                                  </a:rPr>
+                                  <m:t>h</m:t>
+                                </m:r>
+                              </m:sub>
+                            </m:sSub>
+                          </m:e>
+                        </m:nary>
+                        <m:r>
+                          <a:rPr lang="de-DE" b="0" i="1" smtClean="0">
+                            <a:latin typeface="Cambria Math" panose="02040503050406030204" pitchFamily="18" charset="0"/>
+                            <a:ea typeface="Cambria Math" panose="02040503050406030204" pitchFamily="18" charset="0"/>
+                          </a:rPr>
+                          <m:t>−</m:t>
+                        </m:r>
+                        <m:sSubSup>
+                          <m:sSubSupPr>
+                            <m:ctrlPr>
+                              <a:rPr lang="de-DE" i="1">
+                                <a:latin typeface="Cambria Math" panose="02040503050406030204" pitchFamily="18" charset="0"/>
+                                <a:ea typeface="Cambria Math" panose="02040503050406030204" pitchFamily="18" charset="0"/>
+                              </a:rPr>
+                            </m:ctrlPr>
+                          </m:sSubSupPr>
+                          <m:e>
+                            <m:r>
+                              <a:rPr lang="de-DE" b="0" i="1">
+                                <a:latin typeface="Cambria Math" panose="02040503050406030204" pitchFamily="18" charset="0"/>
+                                <a:ea typeface="Cambria Math" panose="02040503050406030204" pitchFamily="18" charset="0"/>
+                              </a:rPr>
+                              <m:t>𝑘</m:t>
+                            </m:r>
+                          </m:e>
+                          <m:sub>
+                            <m:r>
+                              <a:rPr lang="de-DE" b="0" i="1">
+                                <a:latin typeface="Cambria Math" panose="02040503050406030204" pitchFamily="18" charset="0"/>
+                                <a:ea typeface="Cambria Math" panose="02040503050406030204" pitchFamily="18" charset="0"/>
+                              </a:rPr>
+                              <m:t>0</m:t>
+                            </m:r>
+                          </m:sub>
+                          <m:sup>
+                            <m:r>
+                              <a:rPr lang="de-DE" b="0" i="1">
+                                <a:latin typeface="Cambria Math" panose="02040503050406030204" pitchFamily="18" charset="0"/>
+                                <a:ea typeface="Cambria Math" panose="02040503050406030204" pitchFamily="18" charset="0"/>
+                              </a:rPr>
+                              <m:t>2</m:t>
+                            </m:r>
+                          </m:sup>
+                        </m:sSubSup>
+                        <m:nary>
+                          <m:naryPr>
+                            <m:limLoc m:val="undOvr"/>
+                            <m:subHide m:val="on"/>
+                            <m:supHide m:val="on"/>
+                            <m:ctrlPr>
+                              <a:rPr lang="en-US" i="1">
+                                <a:latin typeface="Cambria Math" panose="02040503050406030204" pitchFamily="18" charset="0"/>
+                                <a:ea typeface="Cambria Math" panose="02040503050406030204" pitchFamily="18" charset="0"/>
+                              </a:rPr>
+                            </m:ctrlPr>
+                          </m:naryPr>
+                          <m:sub/>
+                          <m:sup/>
+                          <m:e>
+                            <m:r>
+                              <a:rPr lang="de-DE" b="0" i="1">
+                                <a:latin typeface="Cambria Math" panose="02040503050406030204" pitchFamily="18" charset="0"/>
+                                <a:ea typeface="Cambria Math" panose="02040503050406030204" pitchFamily="18" charset="0"/>
+                              </a:rPr>
+                              <m:t>𝑑𝑉</m:t>
+                            </m:r>
+                            <m:r>
+                              <a:rPr lang="en-US" b="0" i="1">
+                                <a:latin typeface="Cambria Math" panose="02040503050406030204" pitchFamily="18" charset="0"/>
+                                <a:ea typeface="Cambria Math" panose="02040503050406030204" pitchFamily="18" charset="0"/>
+                              </a:rPr>
+                              <m:t>𝜀</m:t>
+                            </m:r>
+                            <m:sSub>
+                              <m:sSubPr>
+                                <m:ctrlPr>
+                                  <a:rPr lang="en-US" i="1">
+                                    <a:latin typeface="Cambria Math" panose="02040503050406030204" pitchFamily="18" charset="0"/>
+                                    <a:ea typeface="Cambria Math" panose="02040503050406030204" pitchFamily="18" charset="0"/>
+                                  </a:rPr>
+                                </m:ctrlPr>
+                              </m:sSubPr>
+                              <m:e>
+                                <m:r>
+                                  <a:rPr lang="de-DE" b="0" i="1">
+                                    <a:latin typeface="Cambria Math" panose="02040503050406030204" pitchFamily="18" charset="0"/>
+                                    <a:ea typeface="Cambria Math" panose="02040503050406030204" pitchFamily="18" charset="0"/>
+                                  </a:rPr>
+                                  <m:t>𝑒</m:t>
+                                </m:r>
+                              </m:e>
+                              <m:sub>
+                                <m:r>
+                                  <a:rPr lang="de-DE" b="0" i="1">
+                                    <a:latin typeface="Cambria Math" panose="02040503050406030204" pitchFamily="18" charset="0"/>
+                                    <a:ea typeface="Cambria Math" panose="02040503050406030204" pitchFamily="18" charset="0"/>
+                                  </a:rPr>
+                                  <m:t>h</m:t>
+                                </m:r>
+                              </m:sub>
+                            </m:sSub>
+                            <m:r>
+                              <a:rPr lang="de-DE" b="0" i="1">
+                                <a:latin typeface="Cambria Math" panose="02040503050406030204" pitchFamily="18" charset="0"/>
+                                <a:ea typeface="Cambria Math" panose="02040503050406030204" pitchFamily="18" charset="0"/>
+                              </a:rPr>
+                              <m:t>∙</m:t>
+                            </m:r>
+                            <m:sSub>
+                              <m:sSubPr>
+                                <m:ctrlPr>
+                                  <a:rPr lang="en-US" i="1">
+                                    <a:latin typeface="Cambria Math" panose="02040503050406030204" pitchFamily="18" charset="0"/>
+                                    <a:ea typeface="Cambria Math" panose="02040503050406030204" pitchFamily="18" charset="0"/>
+                                  </a:rPr>
+                                </m:ctrlPr>
+                              </m:sSubPr>
+                              <m:e>
+                                <m:r>
+                                  <a:rPr lang="de-DE" b="0" i="1">
+                                    <a:latin typeface="Cambria Math" panose="02040503050406030204" pitchFamily="18" charset="0"/>
+                                    <a:ea typeface="Cambria Math" panose="02040503050406030204" pitchFamily="18" charset="0"/>
+                                  </a:rPr>
+                                  <m:t>𝑣</m:t>
+                                </m:r>
+                              </m:e>
+                              <m:sub>
+                                <m:r>
+                                  <a:rPr lang="de-DE" b="0" i="1">
+                                    <a:latin typeface="Cambria Math" panose="02040503050406030204" pitchFamily="18" charset="0"/>
+                                    <a:ea typeface="Cambria Math" panose="02040503050406030204" pitchFamily="18" charset="0"/>
+                                  </a:rPr>
+                                  <m:t>h</m:t>
+                                </m:r>
+                              </m:sub>
+                            </m:sSub>
+                          </m:e>
+                        </m:nary>
+                        <m:r>
+                          <a:rPr lang="de-DE" b="0" i="1" smtClean="0">
+                            <a:latin typeface="Cambria Math" panose="02040503050406030204" pitchFamily="18" charset="0"/>
+                            <a:ea typeface="Cambria Math" panose="02040503050406030204" pitchFamily="18" charset="0"/>
+                          </a:rPr>
+                          <m:t>=</m:t>
+                        </m:r>
+                        <m:r>
+                          <a:rPr lang="de-DE" b="0" i="1">
+                            <a:latin typeface="Cambria Math" panose="02040503050406030204" pitchFamily="18" charset="0"/>
+                            <a:ea typeface="Cambria Math" panose="02040503050406030204" pitchFamily="18" charset="0"/>
+                          </a:rPr>
+                          <m:t>−</m:t>
+                        </m:r>
+                        <m:r>
+                          <a:rPr lang="de-DE" b="0" i="1">
+                            <a:latin typeface="Cambria Math" panose="02040503050406030204" pitchFamily="18" charset="0"/>
+                            <a:ea typeface="Cambria Math" panose="02040503050406030204" pitchFamily="18" charset="0"/>
+                          </a:rPr>
+                          <m:t>𝑗</m:t>
+                        </m:r>
+                        <m:sSub>
+                          <m:sSubPr>
+                            <m:ctrlPr>
+                              <a:rPr lang="de-DE" i="1">
+                                <a:latin typeface="Cambria Math" panose="02040503050406030204" pitchFamily="18" charset="0"/>
+                                <a:ea typeface="Cambria Math" panose="02040503050406030204" pitchFamily="18" charset="0"/>
+                              </a:rPr>
+                            </m:ctrlPr>
+                          </m:sSubPr>
+                          <m:e>
+                            <m:r>
+                              <a:rPr lang="de-DE" b="0" i="1">
+                                <a:latin typeface="Cambria Math" panose="02040503050406030204" pitchFamily="18" charset="0"/>
+                                <a:ea typeface="Cambria Math" panose="02040503050406030204" pitchFamily="18" charset="0"/>
+                              </a:rPr>
+                              <m:t>𝑘</m:t>
+                            </m:r>
+                          </m:e>
+                          <m:sub>
+                            <m:r>
+                              <a:rPr lang="de-DE" b="0" i="1">
+                                <a:latin typeface="Cambria Math" panose="02040503050406030204" pitchFamily="18" charset="0"/>
+                                <a:ea typeface="Cambria Math" panose="02040503050406030204" pitchFamily="18" charset="0"/>
+                              </a:rPr>
+                              <m:t>0</m:t>
+                            </m:r>
+                          </m:sub>
+                        </m:sSub>
+                        <m:sSub>
+                          <m:sSubPr>
+                            <m:ctrlPr>
+                              <a:rPr lang="de-DE" i="1">
+                                <a:latin typeface="Cambria Math" panose="02040503050406030204" pitchFamily="18" charset="0"/>
+                                <a:ea typeface="Cambria Math" panose="02040503050406030204" pitchFamily="18" charset="0"/>
+                              </a:rPr>
+                            </m:ctrlPr>
+                          </m:sSubPr>
+                          <m:e>
+                            <m:r>
+                              <a:rPr lang="de-DE" b="0" i="1">
+                                <a:latin typeface="Cambria Math" panose="02040503050406030204" pitchFamily="18" charset="0"/>
+                                <a:ea typeface="Cambria Math" panose="02040503050406030204" pitchFamily="18" charset="0"/>
+                              </a:rPr>
+                              <m:t>𝑍</m:t>
+                            </m:r>
+                          </m:e>
+                          <m:sub>
+                            <m:r>
+                              <a:rPr lang="de-DE" b="0" i="1">
+                                <a:latin typeface="Cambria Math" panose="02040503050406030204" pitchFamily="18" charset="0"/>
+                                <a:ea typeface="Cambria Math" panose="02040503050406030204" pitchFamily="18" charset="0"/>
+                              </a:rPr>
+                              <m:t>0</m:t>
+                            </m:r>
+                          </m:sub>
+                        </m:sSub>
+                        <m:nary>
+                          <m:naryPr>
+                            <m:limLoc m:val="undOvr"/>
+                            <m:subHide m:val="on"/>
+                            <m:supHide m:val="on"/>
+                            <m:ctrlPr>
+                              <a:rPr lang="en-US" i="1">
+                                <a:latin typeface="Cambria Math" panose="02040503050406030204" pitchFamily="18" charset="0"/>
+                                <a:ea typeface="Cambria Math" panose="02040503050406030204" pitchFamily="18" charset="0"/>
+                              </a:rPr>
+                            </m:ctrlPr>
+                          </m:naryPr>
+                          <m:sub/>
+                          <m:sup/>
+                          <m:e>
+                            <m:r>
+                              <a:rPr lang="de-DE" b="0" i="1">
+                                <a:latin typeface="Cambria Math" panose="02040503050406030204" pitchFamily="18" charset="0"/>
+                                <a:ea typeface="Cambria Math" panose="02040503050406030204" pitchFamily="18" charset="0"/>
+                              </a:rPr>
+                              <m:t>𝑑𝑉</m:t>
+                            </m:r>
+                            <m:r>
+                              <a:rPr lang="de-DE" b="0" i="1">
+                                <a:latin typeface="Cambria Math" panose="02040503050406030204" pitchFamily="18" charset="0"/>
+                                <a:ea typeface="Cambria Math" panose="02040503050406030204" pitchFamily="18" charset="0"/>
+                              </a:rPr>
+                              <m:t> </m:t>
+                            </m:r>
+                            <m:sSub>
+                              <m:sSubPr>
+                                <m:ctrlPr>
+                                  <a:rPr lang="de-DE" i="1">
+                                    <a:latin typeface="Cambria Math" panose="02040503050406030204" pitchFamily="18" charset="0"/>
+                                    <a:ea typeface="Cambria Math" panose="02040503050406030204" pitchFamily="18" charset="0"/>
+                                  </a:rPr>
+                                </m:ctrlPr>
+                              </m:sSubPr>
+                              <m:e>
+                                <m:r>
+                                  <a:rPr lang="de-DE" b="0" i="1" smtClean="0">
+                                    <a:latin typeface="Cambria Math" panose="02040503050406030204" pitchFamily="18" charset="0"/>
+                                    <a:ea typeface="Cambria Math" panose="02040503050406030204" pitchFamily="18" charset="0"/>
+                                  </a:rPr>
+                                  <m:t>𝑗</m:t>
+                                </m:r>
+                              </m:e>
+                              <m:sub>
+                                <m:r>
+                                  <a:rPr lang="de-DE" b="0" i="1" smtClean="0">
+                                    <a:latin typeface="Cambria Math" panose="02040503050406030204" pitchFamily="18" charset="0"/>
+                                    <a:ea typeface="Cambria Math" panose="02040503050406030204" pitchFamily="18" charset="0"/>
+                                  </a:rPr>
+                                  <m:t>h</m:t>
+                                </m:r>
+                              </m:sub>
+                            </m:sSub>
+                            <m:r>
+                              <a:rPr lang="de-DE" b="0" i="1">
+                                <a:latin typeface="Cambria Math" panose="02040503050406030204" pitchFamily="18" charset="0"/>
+                                <a:ea typeface="Cambria Math" panose="02040503050406030204" pitchFamily="18" charset="0"/>
+                              </a:rPr>
+                              <m:t>∙</m:t>
+                            </m:r>
+                            <m:sSub>
+                              <m:sSubPr>
+                                <m:ctrlPr>
+                                  <a:rPr lang="en-US" i="1">
+                                    <a:latin typeface="Cambria Math" panose="02040503050406030204" pitchFamily="18" charset="0"/>
+                                    <a:ea typeface="Cambria Math" panose="02040503050406030204" pitchFamily="18" charset="0"/>
+                                  </a:rPr>
+                                </m:ctrlPr>
+                              </m:sSubPr>
+                              <m:e>
+                                <m:r>
+                                  <a:rPr lang="de-DE" b="0" i="1">
+                                    <a:latin typeface="Cambria Math" panose="02040503050406030204" pitchFamily="18" charset="0"/>
+                                    <a:ea typeface="Cambria Math" panose="02040503050406030204" pitchFamily="18" charset="0"/>
+                                  </a:rPr>
+                                  <m:t>𝑣</m:t>
+                                </m:r>
+                              </m:e>
+                              <m:sub>
+                                <m:r>
+                                  <a:rPr lang="de-DE" b="0" i="1">
+                                    <a:latin typeface="Cambria Math" panose="02040503050406030204" pitchFamily="18" charset="0"/>
+                                    <a:ea typeface="Cambria Math" panose="02040503050406030204" pitchFamily="18" charset="0"/>
+                                  </a:rPr>
+                                  <m:t>h</m:t>
+                                </m:r>
+                              </m:sub>
+                            </m:sSub>
+                            <m:r>
+                              <a:rPr lang="de-DE" b="0" i="1">
+                                <a:latin typeface="Cambria Math" panose="02040503050406030204" pitchFamily="18" charset="0"/>
+                                <a:ea typeface="Cambria Math" panose="02040503050406030204" pitchFamily="18" charset="0"/>
+                              </a:rPr>
+                              <m:t> </m:t>
+                            </m:r>
+                          </m:e>
+                        </m:nary>
+                      </m:oMath>
+                    </m:oMathPara>
+                  </a14:m>
+                  <a:endParaRPr lang="en-US" dirty="0"/>
+                </a:p>
+              </p:txBody>
+            </p:sp>
+          </mc:Choice>
+          <mc:Fallback xmlns="">
+            <p:sp>
+              <p:nvSpPr>
+                <p:cNvPr id="8" name="Rechteck 7"/>
+                <p:cNvSpPr>
+                  <a:spLocks noRot="1" noChangeAspect="1" noMove="1" noResize="1" noEditPoints="1" noAdjustHandles="1" noChangeArrowheads="1" noChangeShapeType="1" noTextEdit="1"/>
+                </p:cNvSpPr>
+                <p:nvPr/>
+              </p:nvSpPr>
+              <p:spPr>
+                <a:xfrm>
+                  <a:off x="511281" y="4134992"/>
+                  <a:ext cx="8187691" cy="818879"/>
+                </a:xfrm>
+                <a:prstGeom prst="rect">
+                  <a:avLst/>
+                </a:prstGeom>
+                <a:blipFill rotWithShape="0">
+                  <a:blip r:embed="rId12"/>
+                  <a:stretch>
+                    <a:fillRect/>
+                  </a:stretch>
+                </a:blipFill>
+              </p:spPr>
+              <p:txBody>
+                <a:bodyPr/>
+                <a:lstStyle/>
+                <a:p>
+                  <a:r>
+                    <a:rPr lang="en-US">
+                      <a:noFill/>
+                    </a:rPr>
+                    <a:t> </a:t>
+                  </a:r>
+                </a:p>
+              </p:txBody>
+            </p:sp>
+          </mc:Fallback>
+        </mc:AlternateContent>
+        <mc:AlternateContent xmlns:mc="http://schemas.openxmlformats.org/markup-compatibility/2006">
+          <mc:Choice xmlns:a14="http://schemas.microsoft.com/office/drawing/2010/main" Requires="a14">
+            <p:sp>
+              <p:nvSpPr>
+                <p:cNvPr id="11" name="Rechteck 10">
+                  <a:extLst>
+                    <a:ext uri="{FF2B5EF4-FFF2-40B4-BE49-F238E27FC236}">
+                      <a16:creationId xmlns:a16="http://schemas.microsoft.com/office/drawing/2014/main" id="{E83354E9-DBB9-AC5C-A9E9-1747BB867FF2}"/>
+                    </a:ext>
+                  </a:extLst>
+                </p:cNvPr>
+                <p:cNvSpPr/>
+                <p:nvPr/>
+              </p:nvSpPr>
+              <p:spPr>
+                <a:xfrm>
+                  <a:off x="511281" y="4872340"/>
+                  <a:ext cx="4755020" cy="660502"/>
+                </a:xfrm>
+                <a:prstGeom prst="rect">
+                  <a:avLst/>
+                </a:prstGeom>
+              </p:spPr>
+              <p:txBody>
+                <a:bodyPr wrap="none">
+                  <a:spAutoFit/>
+                </a:bodyPr>
+                <a:lstStyle/>
+                <a:p>
+                  <a:pPr/>
+                  <a14:m>
+                    <m:oMathPara xmlns:m="http://schemas.openxmlformats.org/officeDocument/2006/math">
+                      <m:oMathParaPr>
+                        <m:jc m:val="left"/>
+                      </m:oMathParaPr>
+                      <m:oMath xmlns:m="http://schemas.openxmlformats.org/officeDocument/2006/math">
+                        <m:r>
+                          <a:rPr lang="de-DE" b="0" i="1" smtClean="0">
+                            <a:latin typeface="Cambria Math" panose="02040503050406030204" pitchFamily="18" charset="0"/>
+                            <a:ea typeface="Cambria Math" panose="02040503050406030204" pitchFamily="18" charset="0"/>
+                          </a:rPr>
+                          <m:t>+</m:t>
+                        </m:r>
+                        <m:nary>
+                          <m:naryPr>
+                            <m:chr m:val="∮"/>
+                            <m:ctrlPr>
+                              <a:rPr lang="de-DE" i="1" smtClean="0">
+                                <a:solidFill>
+                                  <a:srgbClr val="C00000"/>
+                                </a:solidFill>
+                                <a:latin typeface="Cambria Math" panose="02040503050406030204" pitchFamily="18" charset="0"/>
+                                <a:ea typeface="Cambria Math" panose="02040503050406030204" pitchFamily="18" charset="0"/>
+                              </a:rPr>
+                            </m:ctrlPr>
+                          </m:naryPr>
+                          <m:sub>
+                            <m:r>
+                              <m:rPr>
+                                <m:brk m:alnAt="23"/>
+                              </m:rPr>
+                              <a:rPr lang="de-DE" b="0" i="1" smtClean="0">
+                                <a:solidFill>
+                                  <a:srgbClr val="C00000"/>
+                                </a:solidFill>
+                                <a:latin typeface="Cambria Math" panose="02040503050406030204" pitchFamily="18" charset="0"/>
+                                <a:ea typeface="Cambria Math" panose="02040503050406030204" pitchFamily="18" charset="0"/>
+                              </a:rPr>
+                              <m:t>𝑆</m:t>
+                            </m:r>
+                          </m:sub>
+                          <m:sup>
+                            <m:r>
+                              <a:rPr lang="de-DE" b="0" i="1" smtClean="0">
+                                <a:solidFill>
+                                  <a:srgbClr val="C00000"/>
+                                </a:solidFill>
+                                <a:latin typeface="Cambria Math" panose="02040503050406030204" pitchFamily="18" charset="0"/>
+                                <a:ea typeface="Cambria Math" panose="02040503050406030204" pitchFamily="18" charset="0"/>
+                              </a:rPr>
+                              <m:t> </m:t>
+                            </m:r>
+                          </m:sup>
+                          <m:e>
+                            <m:r>
+                              <a:rPr lang="de-DE" b="0" i="1" smtClean="0">
+                                <a:solidFill>
+                                  <a:srgbClr val="C00000"/>
+                                </a:solidFill>
+                                <a:latin typeface="Cambria Math" panose="02040503050406030204" pitchFamily="18" charset="0"/>
+                                <a:ea typeface="Cambria Math" panose="02040503050406030204" pitchFamily="18" charset="0"/>
+                              </a:rPr>
+                              <m:t>𝑑𝑆</m:t>
+                            </m:r>
+                            <m:r>
+                              <a:rPr lang="de-DE" b="0" i="1" smtClean="0">
+                                <a:solidFill>
+                                  <a:srgbClr val="C00000"/>
+                                </a:solidFill>
+                                <a:latin typeface="Cambria Math" panose="02040503050406030204" pitchFamily="18" charset="0"/>
+                                <a:ea typeface="Cambria Math" panose="02040503050406030204" pitchFamily="18" charset="0"/>
+                              </a:rPr>
+                              <m:t> </m:t>
+                            </m:r>
+                          </m:e>
+                        </m:nary>
+                        <m:r>
+                          <a:rPr lang="de-DE" b="0" i="1" smtClean="0">
+                            <a:solidFill>
+                              <a:srgbClr val="C00000"/>
+                            </a:solidFill>
+                            <a:latin typeface="Cambria Math" panose="02040503050406030204" pitchFamily="18" charset="0"/>
+                            <a:ea typeface="Cambria Math" panose="02040503050406030204" pitchFamily="18" charset="0"/>
+                          </a:rPr>
+                          <m:t>𝑛</m:t>
+                        </m:r>
+                        <m:r>
+                          <a:rPr lang="de-DE" b="0" i="1">
+                            <a:solidFill>
+                              <a:srgbClr val="C00000"/>
+                            </a:solidFill>
+                            <a:latin typeface="Cambria Math" panose="02040503050406030204" pitchFamily="18" charset="0"/>
+                            <a:ea typeface="Cambria Math" panose="02040503050406030204" pitchFamily="18" charset="0"/>
+                          </a:rPr>
+                          <m:t>∙</m:t>
+                        </m:r>
+                        <m:d>
+                          <m:dPr>
+                            <m:begChr m:val="["/>
+                            <m:endChr m:val="]"/>
+                            <m:ctrlPr>
+                              <a:rPr lang="de-DE" i="1" smtClean="0">
+                                <a:solidFill>
+                                  <a:srgbClr val="C00000"/>
+                                </a:solidFill>
+                                <a:latin typeface="Cambria Math" panose="02040503050406030204" pitchFamily="18" charset="0"/>
+                                <a:ea typeface="Cambria Math" panose="02040503050406030204" pitchFamily="18" charset="0"/>
+                              </a:rPr>
+                            </m:ctrlPr>
+                          </m:dPr>
+                          <m:e>
+                            <m:sSub>
+                              <m:sSubPr>
+                                <m:ctrlPr>
+                                  <a:rPr lang="en-US" i="1">
+                                    <a:solidFill>
+                                      <a:srgbClr val="C00000"/>
+                                    </a:solidFill>
+                                    <a:latin typeface="Cambria Math" panose="02040503050406030204" pitchFamily="18" charset="0"/>
+                                    <a:ea typeface="Cambria Math" panose="02040503050406030204" pitchFamily="18" charset="0"/>
+                                  </a:rPr>
+                                </m:ctrlPr>
+                              </m:sSubPr>
+                              <m:e>
+                                <m:r>
+                                  <a:rPr lang="de-DE" b="0" i="1">
+                                    <a:solidFill>
+                                      <a:srgbClr val="C00000"/>
+                                    </a:solidFill>
+                                    <a:latin typeface="Cambria Math" panose="02040503050406030204" pitchFamily="18" charset="0"/>
+                                    <a:ea typeface="Cambria Math" panose="02040503050406030204" pitchFamily="18" charset="0"/>
+                                  </a:rPr>
+                                  <m:t>𝑣</m:t>
+                                </m:r>
+                              </m:e>
+                              <m:sub>
+                                <m:r>
+                                  <a:rPr lang="de-DE" b="0" i="1">
+                                    <a:solidFill>
+                                      <a:srgbClr val="C00000"/>
+                                    </a:solidFill>
+                                    <a:latin typeface="Cambria Math" panose="02040503050406030204" pitchFamily="18" charset="0"/>
+                                    <a:ea typeface="Cambria Math" panose="02040503050406030204" pitchFamily="18" charset="0"/>
+                                  </a:rPr>
+                                  <m:t>h</m:t>
+                                </m:r>
+                              </m:sub>
+                            </m:sSub>
+                            <m:r>
+                              <a:rPr lang="en-US" b="0" i="1">
+                                <a:solidFill>
+                                  <a:srgbClr val="C00000"/>
+                                </a:solidFill>
+                                <a:latin typeface="Cambria Math" panose="02040503050406030204" pitchFamily="18" charset="0"/>
+                                <a:ea typeface="Cambria Math" panose="02040503050406030204" pitchFamily="18" charset="0"/>
+                              </a:rPr>
+                              <m:t>×</m:t>
+                            </m:r>
+                            <m:sSup>
+                              <m:sSupPr>
+                                <m:ctrlPr>
+                                  <a:rPr lang="en-US" i="1">
+                                    <a:solidFill>
+                                      <a:srgbClr val="C00000"/>
+                                    </a:solidFill>
+                                    <a:latin typeface="Cambria Math" panose="02040503050406030204" pitchFamily="18" charset="0"/>
+                                    <a:ea typeface="Cambria Math" panose="02040503050406030204" pitchFamily="18" charset="0"/>
+                                  </a:rPr>
+                                </m:ctrlPr>
+                              </m:sSupPr>
+                              <m:e>
+                                <m:r>
+                                  <a:rPr lang="de-DE" b="0" i="1">
+                                    <a:solidFill>
+                                      <a:srgbClr val="C00000"/>
+                                    </a:solidFill>
+                                    <a:latin typeface="Cambria Math" panose="02040503050406030204" pitchFamily="18" charset="0"/>
+                                    <a:ea typeface="Cambria Math" panose="02040503050406030204" pitchFamily="18" charset="0"/>
+                                  </a:rPr>
+                                  <m:t>𝜇</m:t>
+                                </m:r>
+                              </m:e>
+                              <m:sup>
+                                <m:r>
+                                  <a:rPr lang="de-DE" b="0" i="1">
+                                    <a:solidFill>
+                                      <a:srgbClr val="C00000"/>
+                                    </a:solidFill>
+                                    <a:latin typeface="Cambria Math" panose="02040503050406030204" pitchFamily="18" charset="0"/>
+                                    <a:ea typeface="Cambria Math" panose="02040503050406030204" pitchFamily="18" charset="0"/>
+                                  </a:rPr>
+                                  <m:t>−1</m:t>
+                                </m:r>
+                              </m:sup>
+                            </m:sSup>
+                            <m:r>
+                              <a:rPr lang="de-DE" b="0" i="1">
+                                <a:solidFill>
+                                  <a:srgbClr val="C00000"/>
+                                </a:solidFill>
+                                <a:latin typeface="Cambria Math" panose="02040503050406030204" pitchFamily="18" charset="0"/>
+                                <a:ea typeface="Cambria Math" panose="02040503050406030204" pitchFamily="18" charset="0"/>
+                              </a:rPr>
+                              <m:t> </m:t>
+                            </m:r>
+                            <m:r>
+                              <a:rPr lang="en-US" b="0" i="1">
+                                <a:solidFill>
+                                  <a:srgbClr val="C00000"/>
+                                </a:solidFill>
+                                <a:latin typeface="Cambria Math" panose="02040503050406030204" pitchFamily="18" charset="0"/>
+                                <a:ea typeface="Cambria Math" panose="02040503050406030204" pitchFamily="18" charset="0"/>
+                              </a:rPr>
+                              <m:t>𝛻</m:t>
+                            </m:r>
+                            <m:r>
+                              <a:rPr lang="en-US" b="0" i="1">
+                                <a:solidFill>
+                                  <a:srgbClr val="C00000"/>
+                                </a:solidFill>
+                                <a:latin typeface="Cambria Math" panose="02040503050406030204" pitchFamily="18" charset="0"/>
+                                <a:ea typeface="Cambria Math" panose="02040503050406030204" pitchFamily="18" charset="0"/>
+                              </a:rPr>
+                              <m:t>×</m:t>
+                            </m:r>
+                            <m:sSub>
+                              <m:sSubPr>
+                                <m:ctrlPr>
+                                  <a:rPr lang="en-US" i="1">
+                                    <a:solidFill>
+                                      <a:srgbClr val="C00000"/>
+                                    </a:solidFill>
+                                    <a:latin typeface="Cambria Math" panose="02040503050406030204" pitchFamily="18" charset="0"/>
+                                    <a:ea typeface="Cambria Math" panose="02040503050406030204" pitchFamily="18" charset="0"/>
+                                  </a:rPr>
+                                </m:ctrlPr>
+                              </m:sSubPr>
+                              <m:e>
+                                <m:r>
+                                  <a:rPr lang="de-DE" b="0" i="1">
+                                    <a:solidFill>
+                                      <a:srgbClr val="C00000"/>
+                                    </a:solidFill>
+                                    <a:latin typeface="Cambria Math" panose="02040503050406030204" pitchFamily="18" charset="0"/>
+                                    <a:ea typeface="Cambria Math" panose="02040503050406030204" pitchFamily="18" charset="0"/>
+                                  </a:rPr>
+                                  <m:t>𝑒</m:t>
+                                </m:r>
+                              </m:e>
+                              <m:sub>
+                                <m:r>
+                                  <a:rPr lang="de-DE" b="0" i="1">
+                                    <a:solidFill>
+                                      <a:srgbClr val="C00000"/>
+                                    </a:solidFill>
+                                    <a:latin typeface="Cambria Math" panose="02040503050406030204" pitchFamily="18" charset="0"/>
+                                    <a:ea typeface="Cambria Math" panose="02040503050406030204" pitchFamily="18" charset="0"/>
+                                  </a:rPr>
+                                  <m:t>h</m:t>
+                                </m:r>
+                              </m:sub>
+                            </m:sSub>
+                          </m:e>
+                        </m:d>
+                        <m:r>
+                          <a:rPr lang="de-DE" b="0" i="1" smtClean="0">
+                            <a:latin typeface="Cambria Math" panose="02040503050406030204" pitchFamily="18" charset="0"/>
+                            <a:ea typeface="Cambria Math" panose="02040503050406030204" pitchFamily="18" charset="0"/>
+                          </a:rPr>
+                          <m:t>                                 </m:t>
+                        </m:r>
+                      </m:oMath>
+                    </m:oMathPara>
+                  </a14:m>
+                  <a:endParaRPr lang="en-US" dirty="0"/>
+                </a:p>
+              </p:txBody>
+            </p:sp>
+          </mc:Choice>
+          <mc:Fallback>
+            <p:sp>
+              <p:nvSpPr>
+                <p:cNvPr id="11" name="Rechteck 10">
+                  <a:extLst>
+                    <a:ext uri="{FF2B5EF4-FFF2-40B4-BE49-F238E27FC236}">
+                      <a16:creationId xmlns:a16="http://schemas.microsoft.com/office/drawing/2014/main" id="{E83354E9-DBB9-AC5C-A9E9-1747BB867FF2}"/>
+                    </a:ext>
+                  </a:extLst>
+                </p:cNvPr>
+                <p:cNvSpPr>
+                  <a:spLocks noRot="1" noChangeAspect="1" noMove="1" noResize="1" noEditPoints="1" noAdjustHandles="1" noChangeArrowheads="1" noChangeShapeType="1" noTextEdit="1"/>
+                </p:cNvSpPr>
+                <p:nvPr/>
+              </p:nvSpPr>
+              <p:spPr>
+                <a:xfrm>
+                  <a:off x="511281" y="4872340"/>
+                  <a:ext cx="4755020" cy="660502"/>
+                </a:xfrm>
+                <a:prstGeom prst="rect">
+                  <a:avLst/>
+                </a:prstGeom>
+                <a:blipFill>
+                  <a:blip r:embed="rId13"/>
+                  <a:stretch>
+                    <a:fillRect/>
+                  </a:stretch>
+                </a:blipFill>
+              </p:spPr>
+              <p:txBody>
+                <a:bodyPr/>
+                <a:lstStyle/>
+                <a:p>
+                  <a:r>
+                    <a:rPr lang="de-DE">
+                      <a:noFill/>
+                    </a:rPr>
+                    <a:t> </a:t>
+                  </a:r>
+                </a:p>
+              </p:txBody>
+            </p:sp>
+          </mc:Fallback>
+        </mc:AlternateContent>
+      </p:grpSp>
+      <p:sp>
+        <p:nvSpPr>
+          <p:cNvPr id="12" name="Geschweifte Klammer rechts 11">
+            <a:extLst>
+              <a:ext uri="{FF2B5EF4-FFF2-40B4-BE49-F238E27FC236}">
+                <a16:creationId xmlns:a16="http://schemas.microsoft.com/office/drawing/2014/main" id="{CFBA7188-7585-8529-F689-B8B225D81C79}"/>
+              </a:ext>
+            </a:extLst>
+          </p:cNvPr>
+          <p:cNvSpPr/>
+          <p:nvPr/>
+        </p:nvSpPr>
+        <p:spPr>
+          <a:xfrm rot="5400000">
+            <a:off x="1921605" y="3904959"/>
+            <a:ext cx="286050" cy="2723475"/>
+          </a:xfrm>
+          <a:prstGeom prst="rightBrace">
+            <a:avLst>
+              <a:gd name="adj1" fmla="val 28333"/>
+              <a:gd name="adj2" fmla="val 50000"/>
+            </a:avLst>
+          </a:prstGeom>
+          <a:ln w="15875">
+            <a:solidFill>
+              <a:srgbClr val="C00000"/>
+            </a:solidFill>
+          </a:ln>
+        </p:spPr>
+        <p:style>
+          <a:lnRef idx="1">
+            <a:schemeClr val="accent1"/>
+          </a:lnRef>
+          <a:fillRef idx="0">
+            <a:schemeClr val="accent1"/>
+          </a:fillRef>
+          <a:effectRef idx="0">
+            <a:schemeClr val="accent1"/>
+          </a:effectRef>
+          <a:fontRef idx="minor">
+            <a:schemeClr val="tx1"/>
+          </a:fontRef>
+        </p:style>
+        <p:txBody>
+          <a:bodyPr rtlCol="0" anchor="ctr"/>
+          <a:lstStyle/>
+          <a:p>
+            <a:pPr algn="ctr"/>
+            <a:endParaRPr lang="en-US"/>
+          </a:p>
+        </p:txBody>
+      </p:sp>
+      <p:sp>
+        <p:nvSpPr>
+          <p:cNvPr id="13" name="Text Box 3">
+            <a:extLst>
+              <a:ext uri="{FF2B5EF4-FFF2-40B4-BE49-F238E27FC236}">
+                <a16:creationId xmlns:a16="http://schemas.microsoft.com/office/drawing/2014/main" id="{9AD22EFC-C57C-412A-BFBB-94E5A5BC0FEB}"/>
+              </a:ext>
+            </a:extLst>
+          </p:cNvPr>
+          <p:cNvSpPr txBox="1">
+            <a:spLocks noChangeArrowheads="1"/>
+          </p:cNvSpPr>
+          <p:nvPr/>
+        </p:nvSpPr>
+        <p:spPr bwMode="auto">
+          <a:xfrm>
+            <a:off x="967448" y="5409633"/>
+            <a:ext cx="2194363" cy="318924"/>
+          </a:xfrm>
+          <a:prstGeom prst="rect">
+            <a:avLst/>
+          </a:prstGeom>
+          <a:noFill/>
+          <a:ln>
+            <a:noFill/>
+          </a:ln>
+          <a:extLst>
+            <a:ext uri="{909E8E84-426E-40DD-AFC4-6F175D3DCCD1}">
+              <a14:hiddenFill xmlns:a14="http://schemas.microsoft.com/office/drawing/2010/main">
+                <a:solidFill>
+                  <a:srgbClr val="FFFFFF"/>
+                </a:solidFill>
+              </a14:hiddenFill>
+            </a:ext>
+            <a:ext uri="{91240B29-F687-4F45-9708-019B960494DF}">
+              <a14:hiddenLine xmlns:a14="http://schemas.microsoft.com/office/drawing/2010/main" w="15875">
+                <a:solidFill>
+                  <a:srgbClr val="000000"/>
+                </a:solidFill>
+                <a:miter lim="800000"/>
+                <a:headEnd/>
+                <a:tailEnd/>
+              </a14:hiddenLine>
+            </a:ext>
+          </a:extLst>
+        </p:spPr>
+        <p:txBody>
+          <a:bodyPr wrap="square" lIns="72000" tIns="36000" rIns="72000" bIns="36000">
+            <a:spAutoFit/>
+          </a:bodyPr>
+          <a:lstStyle>
+            <a:lvl1pPr eaLnBrk="0" hangingPunct="0">
+              <a:defRPr>
+                <a:solidFill>
+                  <a:schemeClr val="tx1"/>
+                </a:solidFill>
+                <a:latin typeface="Arial" charset="0"/>
+              </a:defRPr>
+            </a:lvl1pPr>
+            <a:lvl2pPr marL="742950" indent="-285750" eaLnBrk="0" hangingPunct="0">
+              <a:defRPr>
+                <a:solidFill>
+                  <a:schemeClr val="tx1"/>
+                </a:solidFill>
+                <a:latin typeface="Arial" charset="0"/>
+              </a:defRPr>
+            </a:lvl2pPr>
+            <a:lvl3pPr marL="1143000" indent="-228600" eaLnBrk="0" hangingPunct="0">
+              <a:defRPr>
+                <a:solidFill>
+                  <a:schemeClr val="tx1"/>
+                </a:solidFill>
+                <a:latin typeface="Arial" charset="0"/>
+              </a:defRPr>
+            </a:lvl3pPr>
+            <a:lvl4pPr marL="1600200" indent="-228600" eaLnBrk="0" hangingPunct="0">
+              <a:defRPr>
+                <a:solidFill>
+                  <a:schemeClr val="tx1"/>
+                </a:solidFill>
+                <a:latin typeface="Arial" charset="0"/>
+              </a:defRPr>
+            </a:lvl4pPr>
+            <a:lvl5pPr marL="2057400" indent="-228600" eaLnBrk="0" hangingPunct="0">
+              <a:defRPr>
+                <a:solidFill>
+                  <a:schemeClr val="tx1"/>
+                </a:solidFill>
+                <a:latin typeface="Arial" charset="0"/>
+              </a:defRPr>
+            </a:lvl5pPr>
+            <a:lvl6pPr marL="2514600" indent="-228600" eaLnBrk="0" fontAlgn="base" hangingPunct="0">
+              <a:spcBef>
+                <a:spcPct val="0"/>
+              </a:spcBef>
+              <a:spcAft>
+                <a:spcPct val="0"/>
+              </a:spcAft>
+              <a:defRPr>
+                <a:solidFill>
+                  <a:schemeClr val="tx1"/>
+                </a:solidFill>
+                <a:latin typeface="Arial" charset="0"/>
+              </a:defRPr>
+            </a:lvl6pPr>
+            <a:lvl7pPr marL="2971800" indent="-228600" eaLnBrk="0" fontAlgn="base" hangingPunct="0">
+              <a:spcBef>
+                <a:spcPct val="0"/>
+              </a:spcBef>
+              <a:spcAft>
+                <a:spcPct val="0"/>
+              </a:spcAft>
+              <a:defRPr>
+                <a:solidFill>
+                  <a:schemeClr val="tx1"/>
+                </a:solidFill>
+                <a:latin typeface="Arial" charset="0"/>
+              </a:defRPr>
+            </a:lvl7pPr>
+            <a:lvl8pPr marL="3429000" indent="-228600" eaLnBrk="0" fontAlgn="base" hangingPunct="0">
+              <a:spcBef>
+                <a:spcPct val="0"/>
+              </a:spcBef>
+              <a:spcAft>
+                <a:spcPct val="0"/>
+              </a:spcAft>
+              <a:defRPr>
+                <a:solidFill>
+                  <a:schemeClr val="tx1"/>
+                </a:solidFill>
+                <a:latin typeface="Arial" charset="0"/>
+              </a:defRPr>
+            </a:lvl8pPr>
+            <a:lvl9pPr marL="3886200" indent="-228600" eaLnBrk="0" fontAlgn="base" hangingPunct="0">
+              <a:spcBef>
+                <a:spcPct val="0"/>
+              </a:spcBef>
+              <a:spcAft>
+                <a:spcPct val="0"/>
+              </a:spcAft>
+              <a:defRPr>
+                <a:solidFill>
+                  <a:schemeClr val="tx1"/>
+                </a:solidFill>
+                <a:latin typeface="Arial" charset="0"/>
+              </a:defRPr>
+            </a:lvl9pPr>
+          </a:lstStyle>
+          <a:p>
+            <a:pPr algn="ctr">
+              <a:spcBef>
+                <a:spcPts val="300"/>
+              </a:spcBef>
+              <a:buClr>
+                <a:schemeClr val="tx1"/>
+              </a:buClr>
+              <a:buSzPct val="125000"/>
+              <a:buFont typeface="Symbol" pitchFamily="18" charset="2"/>
+              <a:buNone/>
+            </a:pPr>
+            <a:r>
+              <a:rPr lang="en-US" sz="1600" b="1" dirty="0">
+                <a:solidFill>
+                  <a:srgbClr val="C00000"/>
+                </a:solidFill>
+              </a:rPr>
+              <a:t>boundary term</a:t>
+            </a:r>
+          </a:p>
+        </p:txBody>
+      </p:sp>
+      <p:pic>
+        <p:nvPicPr>
+          <p:cNvPr id="14" name="Grafik 13">
+            <a:extLst>
+              <a:ext uri="{FF2B5EF4-FFF2-40B4-BE49-F238E27FC236}">
+                <a16:creationId xmlns:a16="http://schemas.microsoft.com/office/drawing/2014/main" id="{E3122C94-0C70-97AD-9927-261B4DB0BEBE}"/>
+              </a:ext>
+            </a:extLst>
+          </p:cNvPr>
+          <p:cNvPicPr>
+            <a:picLocks noChangeAspect="1"/>
+          </p:cNvPicPr>
+          <p:nvPr/>
+        </p:nvPicPr>
+        <p:blipFill>
+          <a:blip r:embed="rId14" cstate="print">
+            <a:extLst>
+              <a:ext uri="{28A0092B-C50C-407E-A947-70E740481C1C}">
+                <a14:useLocalDpi xmlns:a14="http://schemas.microsoft.com/office/drawing/2010/main" val="0"/>
+              </a:ext>
+            </a:extLst>
+          </a:blip>
+          <a:stretch>
+            <a:fillRect/>
+          </a:stretch>
+        </p:blipFill>
+        <p:spPr>
+          <a:xfrm>
+            <a:off x="3749543" y="4874535"/>
+            <a:ext cx="5150501" cy="1493433"/>
+          </a:xfrm>
+          <a:prstGeom prst="rect">
+            <a:avLst/>
+          </a:prstGeom>
+        </p:spPr>
+      </p:pic>
+    </p:spTree>
+    <p:extLst>
+      <p:ext uri="{BB962C8B-B14F-4D97-AF65-F5344CB8AC3E}">
+        <p14:creationId xmlns:p14="http://schemas.microsoft.com/office/powerpoint/2010/main" val="3863236633"/>
+      </p:ext>
+    </p:extLst>
+  </p:cSld>
+  <p:clrMapOvr>
+    <a:masterClrMapping/>
+  </p:clrMapOvr>
+</p:sld>
+</file>
+
+<file path=ppt/slides/slide20.xml><?xml version="1.0" encoding="utf-8"?>
 <p:sld xmlns:a="http://schemas.openxmlformats.org/drawingml/2006/main" xmlns:r="http://schemas.openxmlformats.org/officeDocument/2006/relationships" xmlns:p="http://schemas.openxmlformats.org/presentationml/2006/main" show="0">
   <p:cSld>
     <p:spTree>
@@ -9925,7 +13650,7 @@
             <a:fld id="{429C9586-58E4-4FC0-AB55-F3088F3AED5E}" type="slidenum">
               <a:rPr lang="de-DE" smtClean="0"/>
               <a:pPr/>
-              <a:t>19</a:t>
+              <a:t>20</a:t>
             </a:fld>
             <a:endParaRPr lang="de-DE" dirty="0"/>
           </a:p>
@@ -10109,178 +13834,7 @@
 </p:sld>
 </file>
 
-<file path=ppt/slides/slide2.xml><?xml version="1.0" encoding="utf-8"?>
-<p:sld xmlns:a="http://schemas.openxmlformats.org/drawingml/2006/main" xmlns:r="http://schemas.openxmlformats.org/officeDocument/2006/relationships" xmlns:p="http://schemas.openxmlformats.org/presentationml/2006/main">
-  <p:cSld>
-    <p:spTree>
-      <p:nvGrpSpPr>
-        <p:cNvPr id="1" name=""/>
-        <p:cNvGrpSpPr/>
-        <p:nvPr/>
-      </p:nvGrpSpPr>
-      <p:grpSpPr>
-        <a:xfrm>
-          <a:off x="0" y="0"/>
-          <a:ext cx="0" cy="0"/>
-          <a:chOff x="0" y="0"/>
-          <a:chExt cx="0" cy="0"/>
-        </a:xfrm>
-      </p:grpSpPr>
-      <p:sp>
-        <p:nvSpPr>
-          <p:cNvPr id="2" name="Titel 1">
-            <a:extLst>
-              <a:ext uri="{FF2B5EF4-FFF2-40B4-BE49-F238E27FC236}">
-                <a16:creationId xmlns:a16="http://schemas.microsoft.com/office/drawing/2014/main" id="{16CB0531-DCFF-A541-8704-BFF492EB7912}"/>
-              </a:ext>
-            </a:extLst>
-          </p:cNvPr>
-          <p:cNvSpPr>
-            <a:spLocks noGrp="1"/>
-          </p:cNvSpPr>
-          <p:nvPr>
-            <p:ph type="title"/>
-          </p:nvPr>
-        </p:nvSpPr>
-        <p:spPr/>
-        <p:txBody>
-          <a:bodyPr/>
-          <a:lstStyle/>
-          <a:p>
-            <a:r>
-              <a:rPr lang="de-DE" dirty="0"/>
-              <a:t>FELIS??</a:t>
-            </a:r>
-          </a:p>
-        </p:txBody>
-      </p:sp>
-      <p:sp>
-        <p:nvSpPr>
-          <p:cNvPr id="3" name="Inhaltsplatzhalter 2">
-            <a:extLst>
-              <a:ext uri="{FF2B5EF4-FFF2-40B4-BE49-F238E27FC236}">
-                <a16:creationId xmlns:a16="http://schemas.microsoft.com/office/drawing/2014/main" id="{4541E3BB-3958-D798-0891-021BCC15AD2F}"/>
-              </a:ext>
-            </a:extLst>
-          </p:cNvPr>
-          <p:cNvSpPr>
-            <a:spLocks noGrp="1"/>
-          </p:cNvSpPr>
-          <p:nvPr>
-            <p:ph idx="1"/>
-          </p:nvPr>
-        </p:nvSpPr>
-        <p:spPr/>
-        <p:txBody>
-          <a:bodyPr/>
-          <a:lstStyle/>
-          <a:p>
-            <a:endParaRPr lang="de-DE"/>
-          </a:p>
-        </p:txBody>
-      </p:sp>
-      <p:sp>
-        <p:nvSpPr>
-          <p:cNvPr id="4" name="Foliennummernplatzhalter 3">
-            <a:extLst>
-              <a:ext uri="{FF2B5EF4-FFF2-40B4-BE49-F238E27FC236}">
-                <a16:creationId xmlns:a16="http://schemas.microsoft.com/office/drawing/2014/main" id="{9417435A-4F7C-173E-EDC1-46E166604BE4}"/>
-              </a:ext>
-            </a:extLst>
-          </p:cNvPr>
-          <p:cNvSpPr>
-            <a:spLocks noGrp="1"/>
-          </p:cNvSpPr>
-          <p:nvPr>
-            <p:ph type="sldNum" sz="quarter" idx="4"/>
-          </p:nvPr>
-        </p:nvSpPr>
-        <p:spPr/>
-        <p:txBody>
-          <a:bodyPr/>
-          <a:lstStyle/>
-          <a:p>
-            <a:fld id="{429C9586-58E4-4FC0-AB55-F3088F3AED5E}" type="slidenum">
-              <a:rPr lang="de-DE" smtClean="0"/>
-              <a:pPr/>
-              <a:t>2</a:t>
-            </a:fld>
-            <a:endParaRPr lang="de-DE" dirty="0"/>
-          </a:p>
-        </p:txBody>
-      </p:sp>
-      <p:sp>
-        <p:nvSpPr>
-          <p:cNvPr id="5" name="Fußzeilenplatzhalter 4">
-            <a:extLst>
-              <a:ext uri="{FF2B5EF4-FFF2-40B4-BE49-F238E27FC236}">
-                <a16:creationId xmlns:a16="http://schemas.microsoft.com/office/drawing/2014/main" id="{7B3C33FA-087A-9410-E522-9D80C7FA0658}"/>
-              </a:ext>
-            </a:extLst>
-          </p:cNvPr>
-          <p:cNvSpPr>
-            <a:spLocks noGrp="1"/>
-          </p:cNvSpPr>
-          <p:nvPr>
-            <p:ph type="ftr" sz="quarter" idx="3"/>
-          </p:nvPr>
-        </p:nvSpPr>
-        <p:spPr/>
-        <p:txBody>
-          <a:bodyPr/>
-          <a:lstStyle/>
-          <a:p>
-            <a:r>
-              <a:rPr lang="en-US"/>
-              <a:t>TU Darmstadt | Institut für Teilchenbeschleunigung und Elektromagnetische Felder (TEMF) | Frederik Quetscher</a:t>
-            </a:r>
-            <a:endParaRPr lang="en-US" dirty="0"/>
-          </a:p>
-        </p:txBody>
-      </p:sp>
-      <p:sp>
-        <p:nvSpPr>
-          <p:cNvPr id="6" name="Datumsplatzhalter 5">
-            <a:extLst>
-              <a:ext uri="{FF2B5EF4-FFF2-40B4-BE49-F238E27FC236}">
-                <a16:creationId xmlns:a16="http://schemas.microsoft.com/office/drawing/2014/main" id="{00E2804C-E20D-482F-59A4-F655F9382965}"/>
-              </a:ext>
-            </a:extLst>
-          </p:cNvPr>
-          <p:cNvSpPr>
-            <a:spLocks noGrp="1"/>
-          </p:cNvSpPr>
-          <p:nvPr>
-            <p:ph type="dt" sz="half" idx="2"/>
-          </p:nvPr>
-        </p:nvSpPr>
-        <p:spPr/>
-        <p:txBody>
-          <a:bodyPr/>
-          <a:lstStyle/>
-          <a:p>
-            <a:r>
-              <a:rPr lang="de-DE"/>
-              <a:t>22.9.2022</a:t>
-            </a:r>
-            <a:endParaRPr lang="de-DE" dirty="0"/>
-          </a:p>
-        </p:txBody>
-      </p:sp>
-    </p:spTree>
-    <p:extLst>
-      <p:ext uri="{BB962C8B-B14F-4D97-AF65-F5344CB8AC3E}">
-        <p14:creationId xmlns:p14="http://schemas.microsoft.com/office/powerpoint/2010/main" val="2630216972"/>
-      </p:ext>
-    </p:extLst>
-  </p:cSld>
-  <p:clrMapOvr>
-    <a:masterClrMapping/>
-  </p:clrMapOvr>
-</p:sld>
-</file>
-
-<file path=ppt/slides/slide20.xml><?xml version="1.0" encoding="utf-8"?>
+<file path=ppt/slides/slide21.xml><?xml version="1.0" encoding="utf-8"?>
 <p:sld xmlns:a="http://schemas.openxmlformats.org/drawingml/2006/main" xmlns:r="http://schemas.openxmlformats.org/officeDocument/2006/relationships" xmlns:p="http://schemas.openxmlformats.org/presentationml/2006/main" show="0">
   <p:cSld>
     <p:spTree>
@@ -10393,7 +13947,7 @@
             <a:fld id="{429C9586-58E4-4FC0-AB55-F3088F3AED5E}" type="slidenum">
               <a:rPr lang="de-DE" smtClean="0"/>
               <a:pPr/>
-              <a:t>20</a:t>
+              <a:t>21</a:t>
             </a:fld>
             <a:endParaRPr lang="de-DE" dirty="0"/>
           </a:p>
@@ -10739,7 +14293,7 @@
 </p:sld>
 </file>
 
-<file path=ppt/slides/slide21.xml><?xml version="1.0" encoding="utf-8"?>
+<file path=ppt/slides/slide22.xml><?xml version="1.0" encoding="utf-8"?>
 <p:sld xmlns:a="http://schemas.openxmlformats.org/drawingml/2006/main" xmlns:r="http://schemas.openxmlformats.org/officeDocument/2006/relationships" xmlns:p="http://schemas.openxmlformats.org/presentationml/2006/main" show="0">
   <p:cSld>
     <p:spTree>
@@ -10852,7 +14406,7 @@
             <a:fld id="{429C9586-58E4-4FC0-AB55-F3088F3AED5E}" type="slidenum">
               <a:rPr lang="de-DE" smtClean="0"/>
               <a:pPr/>
-              <a:t>21</a:t>
+              <a:t>22</a:t>
             </a:fld>
             <a:endParaRPr lang="de-DE" dirty="0"/>
           </a:p>
@@ -11275,6 +14829,2918 @@
           <p:cNvPr id="2" name="Titel 1">
             <a:extLst>
               <a:ext uri="{FF2B5EF4-FFF2-40B4-BE49-F238E27FC236}">
+                <a16:creationId xmlns:a16="http://schemas.microsoft.com/office/drawing/2014/main" id="{07AD6240-4370-5F5D-D8FF-B4361B7EF260}"/>
+              </a:ext>
+            </a:extLst>
+          </p:cNvPr>
+          <p:cNvSpPr>
+            <a:spLocks noGrp="1"/>
+          </p:cNvSpPr>
+          <p:nvPr>
+            <p:ph type="title"/>
+          </p:nvPr>
+        </p:nvSpPr>
+        <p:spPr/>
+        <p:txBody>
+          <a:bodyPr/>
+          <a:lstStyle/>
+          <a:p>
+            <a:r>
+              <a:rPr lang="en-US" dirty="0"/>
+              <a:t>The FELIS Code</a:t>
+            </a:r>
+            <a:endParaRPr lang="de-DE" dirty="0"/>
+          </a:p>
+        </p:txBody>
+      </p:sp>
+      <p:sp>
+        <p:nvSpPr>
+          <p:cNvPr id="4" name="Foliennummernplatzhalter 3">
+            <a:extLst>
+              <a:ext uri="{FF2B5EF4-FFF2-40B4-BE49-F238E27FC236}">
+                <a16:creationId xmlns:a16="http://schemas.microsoft.com/office/drawing/2014/main" id="{75F97243-4648-5822-EB1C-99632D0EE04E}"/>
+              </a:ext>
+            </a:extLst>
+          </p:cNvPr>
+          <p:cNvSpPr>
+            <a:spLocks noGrp="1"/>
+          </p:cNvSpPr>
+          <p:nvPr>
+            <p:ph type="sldNum" sz="quarter" idx="4"/>
+          </p:nvPr>
+        </p:nvSpPr>
+        <p:spPr/>
+        <p:txBody>
+          <a:bodyPr/>
+          <a:lstStyle/>
+          <a:p>
+            <a:fld id="{429C9586-58E4-4FC0-AB55-F3088F3AED5E}" type="slidenum">
+              <a:rPr lang="de-DE" smtClean="0"/>
+              <a:pPr/>
+              <a:t>3</a:t>
+            </a:fld>
+            <a:endParaRPr lang="de-DE" dirty="0"/>
+          </a:p>
+        </p:txBody>
+      </p:sp>
+      <p:sp>
+        <p:nvSpPr>
+          <p:cNvPr id="5" name="Fußzeilenplatzhalter 4">
+            <a:extLst>
+              <a:ext uri="{FF2B5EF4-FFF2-40B4-BE49-F238E27FC236}">
+                <a16:creationId xmlns:a16="http://schemas.microsoft.com/office/drawing/2014/main" id="{3BD71D85-7BB4-EBA4-31AF-6E046F691CB6}"/>
+              </a:ext>
+            </a:extLst>
+          </p:cNvPr>
+          <p:cNvSpPr>
+            <a:spLocks noGrp="1"/>
+          </p:cNvSpPr>
+          <p:nvPr>
+            <p:ph type="ftr" sz="quarter" idx="3"/>
+          </p:nvPr>
+        </p:nvSpPr>
+        <p:spPr/>
+        <p:txBody>
+          <a:bodyPr/>
+          <a:lstStyle/>
+          <a:p>
+            <a:r>
+              <a:rPr lang="en-US"/>
+              <a:t>TU Darmstadt | Institut für Teilchenbeschleunigung und Elektromagnetische Felder (TEMF) | Frederik Quetscher</a:t>
+            </a:r>
+            <a:endParaRPr lang="en-US" dirty="0"/>
+          </a:p>
+        </p:txBody>
+      </p:sp>
+      <p:sp>
+        <p:nvSpPr>
+          <p:cNvPr id="6" name="Datumsplatzhalter 5">
+            <a:extLst>
+              <a:ext uri="{FF2B5EF4-FFF2-40B4-BE49-F238E27FC236}">
+                <a16:creationId xmlns:a16="http://schemas.microsoft.com/office/drawing/2014/main" id="{640BBC21-904B-4738-7F19-5B12A61BA180}"/>
+              </a:ext>
+            </a:extLst>
+          </p:cNvPr>
+          <p:cNvSpPr>
+            <a:spLocks noGrp="1"/>
+          </p:cNvSpPr>
+          <p:nvPr>
+            <p:ph type="dt" sz="half" idx="2"/>
+          </p:nvPr>
+        </p:nvSpPr>
+        <p:spPr/>
+        <p:txBody>
+          <a:bodyPr/>
+          <a:lstStyle/>
+          <a:p>
+            <a:r>
+              <a:rPr lang="de-DE"/>
+              <a:t>22.9.2022</a:t>
+            </a:r>
+            <a:endParaRPr lang="de-DE" dirty="0"/>
+          </a:p>
+        </p:txBody>
+      </p:sp>
+      <p:sp>
+        <p:nvSpPr>
+          <p:cNvPr id="7" name="Rectangle 3">
+            <a:extLst>
+              <a:ext uri="{FF2B5EF4-FFF2-40B4-BE49-F238E27FC236}">
+                <a16:creationId xmlns:a16="http://schemas.microsoft.com/office/drawing/2014/main" id="{2A03FB63-FF66-2051-CDDF-8BED23E26155}"/>
+              </a:ext>
+            </a:extLst>
+          </p:cNvPr>
+          <p:cNvSpPr txBox="1">
+            <a:spLocks noChangeArrowheads="1"/>
+          </p:cNvSpPr>
+          <p:nvPr/>
+        </p:nvSpPr>
+        <p:spPr bwMode="auto">
+          <a:xfrm>
+            <a:off x="250825" y="1593923"/>
+            <a:ext cx="8640763" cy="4789487"/>
+          </a:xfrm>
+          <a:prstGeom prst="rect">
+            <a:avLst/>
+          </a:prstGeom>
+          <a:noFill/>
+          <a:ln w="9525">
+            <a:noFill/>
+            <a:miter lim="800000"/>
+            <a:headEnd/>
+            <a:tailEnd/>
+          </a:ln>
+        </p:spPr>
+        <p:txBody>
+          <a:bodyPr vert="horz" wrap="square" lIns="91440" tIns="45720" rIns="91440" bIns="45720" numCol="1" anchor="t" anchorCtr="0" compatLnSpc="1">
+            <a:prstTxWarp prst="textNoShape">
+              <a:avLst/>
+            </a:prstTxWarp>
+          </a:bodyPr>
+          <a:lstStyle>
+            <a:lvl1pPr marL="179388" indent="-179388" algn="l" rtl="0" eaLnBrk="0" fontAlgn="base" hangingPunct="0">
+              <a:spcBef>
+                <a:spcPct val="20000"/>
+              </a:spcBef>
+              <a:spcAft>
+                <a:spcPct val="0"/>
+              </a:spcAft>
+              <a:buFont typeface="Arial" charset="0"/>
+              <a:buChar char="▪"/>
+              <a:defRPr sz="2400">
+                <a:solidFill>
+                  <a:schemeClr val="tx1"/>
+                </a:solidFill>
+                <a:latin typeface="+mn-lt"/>
+                <a:ea typeface="+mn-ea"/>
+                <a:cs typeface="+mn-cs"/>
+              </a:defRPr>
+            </a:lvl1pPr>
+            <a:lvl2pPr marL="349250" indent="-168275" algn="l" rtl="0" eaLnBrk="0" fontAlgn="base" hangingPunct="0">
+              <a:spcBef>
+                <a:spcPct val="20000"/>
+              </a:spcBef>
+              <a:spcAft>
+                <a:spcPct val="0"/>
+              </a:spcAft>
+              <a:buChar char="-"/>
+              <a:defRPr sz="2000">
+                <a:solidFill>
+                  <a:schemeClr val="tx1"/>
+                </a:solidFill>
+                <a:latin typeface="+mn-lt"/>
+              </a:defRPr>
+            </a:lvl2pPr>
+            <a:lvl3pPr marL="538163" indent="-187325" algn="l" rtl="0" eaLnBrk="0" fontAlgn="base" hangingPunct="0">
+              <a:spcBef>
+                <a:spcPct val="20000"/>
+              </a:spcBef>
+              <a:spcAft>
+                <a:spcPct val="0"/>
+              </a:spcAft>
+              <a:buChar char="•"/>
+              <a:defRPr sz="1800">
+                <a:solidFill>
+                  <a:schemeClr val="tx1"/>
+                </a:solidFill>
+                <a:latin typeface="+mn-lt"/>
+              </a:defRPr>
+            </a:lvl3pPr>
+            <a:lvl4pPr marL="717550" indent="-173038" algn="l" rtl="0" eaLnBrk="0" fontAlgn="base" hangingPunct="0">
+              <a:spcBef>
+                <a:spcPct val="20000"/>
+              </a:spcBef>
+              <a:spcAft>
+                <a:spcPct val="0"/>
+              </a:spcAft>
+              <a:defRPr sz="1800">
+                <a:solidFill>
+                  <a:schemeClr val="tx1"/>
+                </a:solidFill>
+                <a:latin typeface="+mn-lt"/>
+              </a:defRPr>
+            </a:lvl4pPr>
+            <a:lvl5pPr marL="908050" indent="-188913" algn="l" rtl="0" eaLnBrk="0" fontAlgn="base" hangingPunct="0">
+              <a:spcBef>
+                <a:spcPct val="20000"/>
+              </a:spcBef>
+              <a:spcAft>
+                <a:spcPct val="0"/>
+              </a:spcAft>
+              <a:buChar char="-"/>
+              <a:defRPr sz="1800">
+                <a:solidFill>
+                  <a:schemeClr val="tx1"/>
+                </a:solidFill>
+                <a:latin typeface="+mn-lt"/>
+              </a:defRPr>
+            </a:lvl5pPr>
+            <a:lvl6pPr marL="1365250" indent="-188913" algn="l" rtl="0" fontAlgn="base">
+              <a:spcBef>
+                <a:spcPct val="20000"/>
+              </a:spcBef>
+              <a:spcAft>
+                <a:spcPct val="0"/>
+              </a:spcAft>
+              <a:buChar char="-"/>
+              <a:defRPr sz="2000">
+                <a:solidFill>
+                  <a:schemeClr val="tx1"/>
+                </a:solidFill>
+                <a:latin typeface="+mn-lt"/>
+              </a:defRPr>
+            </a:lvl6pPr>
+            <a:lvl7pPr marL="1822450" indent="-188913" algn="l" rtl="0" fontAlgn="base">
+              <a:spcBef>
+                <a:spcPct val="20000"/>
+              </a:spcBef>
+              <a:spcAft>
+                <a:spcPct val="0"/>
+              </a:spcAft>
+              <a:buChar char="-"/>
+              <a:defRPr sz="2000">
+                <a:solidFill>
+                  <a:schemeClr val="tx1"/>
+                </a:solidFill>
+                <a:latin typeface="+mn-lt"/>
+              </a:defRPr>
+            </a:lvl7pPr>
+            <a:lvl8pPr marL="2279650" indent="-188913" algn="l" rtl="0" fontAlgn="base">
+              <a:spcBef>
+                <a:spcPct val="20000"/>
+              </a:spcBef>
+              <a:spcAft>
+                <a:spcPct val="0"/>
+              </a:spcAft>
+              <a:buChar char="-"/>
+              <a:defRPr sz="2000">
+                <a:solidFill>
+                  <a:schemeClr val="tx1"/>
+                </a:solidFill>
+                <a:latin typeface="+mn-lt"/>
+              </a:defRPr>
+            </a:lvl8pPr>
+            <a:lvl9pPr marL="2736850" indent="-188913" algn="l" rtl="0" fontAlgn="base">
+              <a:spcBef>
+                <a:spcPct val="20000"/>
+              </a:spcBef>
+              <a:spcAft>
+                <a:spcPct val="0"/>
+              </a:spcAft>
+              <a:buChar char="-"/>
+              <a:defRPr sz="2000">
+                <a:solidFill>
+                  <a:schemeClr val="tx1"/>
+                </a:solidFill>
+                <a:latin typeface="+mn-lt"/>
+              </a:defRPr>
+            </a:lvl9pPr>
+          </a:lstStyle>
+          <a:p>
+            <a:pPr marL="269875" indent="-269875" eaLnBrk="1" hangingPunct="1">
+              <a:spcBef>
+                <a:spcPts val="0"/>
+              </a:spcBef>
+            </a:pPr>
+            <a:r>
+              <a:rPr lang="en-US" kern="0" dirty="0">
+                <a:latin typeface="Arial (Textkörper)"/>
+              </a:rPr>
+              <a:t>Full weak formulation including boundary conditions</a:t>
+            </a:r>
+          </a:p>
+          <a:p>
+            <a:pPr marL="0" indent="0" eaLnBrk="1" hangingPunct="1">
+              <a:spcBef>
+                <a:spcPts val="0"/>
+              </a:spcBef>
+              <a:buFont typeface="Arial" charset="0"/>
+              <a:buNone/>
+            </a:pPr>
+            <a:endParaRPr lang="en-US" sz="2200" kern="0" dirty="0">
+              <a:latin typeface="Arial (Textkörper)"/>
+            </a:endParaRPr>
+          </a:p>
+          <a:p>
+            <a:pPr marL="269875" indent="-269875" eaLnBrk="1" hangingPunct="1">
+              <a:spcBef>
+                <a:spcPts val="1000"/>
+              </a:spcBef>
+            </a:pPr>
+            <a:endParaRPr lang="en-US" sz="2200" kern="0" dirty="0">
+              <a:latin typeface="Arial (Textkörper)"/>
+            </a:endParaRPr>
+          </a:p>
+        </p:txBody>
+      </p:sp>
+      <mc:AlternateContent xmlns:mc="http://schemas.openxmlformats.org/markup-compatibility/2006">
+        <mc:Choice xmlns:a14="http://schemas.microsoft.com/office/drawing/2010/main" Requires="a14">
+          <p:sp>
+            <p:nvSpPr>
+              <p:cNvPr id="8" name="Rechteck 7">
+                <a:extLst>
+                  <a:ext uri="{FF2B5EF4-FFF2-40B4-BE49-F238E27FC236}">
+                    <a16:creationId xmlns:a16="http://schemas.microsoft.com/office/drawing/2014/main" id="{13F6D017-D70C-6003-80DE-170382B36D97}"/>
+                  </a:ext>
+                </a:extLst>
+              </p:cNvPr>
+              <p:cNvSpPr/>
+              <p:nvPr/>
+            </p:nvSpPr>
+            <p:spPr>
+              <a:xfrm>
+                <a:off x="483360" y="2176487"/>
+                <a:ext cx="8744088" cy="3826625"/>
+              </a:xfrm>
+              <a:prstGeom prst="rect">
+                <a:avLst/>
+              </a:prstGeom>
+            </p:spPr>
+            <p:txBody>
+              <a:bodyPr wrap="square">
+                <a:spAutoFit/>
+              </a:bodyPr>
+              <a:lstStyle/>
+              <a:p>
+                <a:pPr>
+                  <a:lnSpc>
+                    <a:spcPct val="114000"/>
+                  </a:lnSpc>
+                  <a:spcBef>
+                    <a:spcPts val="3600"/>
+                  </a:spcBef>
+                </a:pPr>
+                <a14:m>
+                  <m:oMathPara xmlns:m="http://schemas.openxmlformats.org/officeDocument/2006/math">
+                    <m:oMathParaPr>
+                      <m:jc m:val="left"/>
+                    </m:oMathParaPr>
+                    <m:oMath xmlns:m="http://schemas.openxmlformats.org/officeDocument/2006/math">
+                      <m:nary>
+                        <m:naryPr>
+                          <m:limLoc m:val="undOvr"/>
+                          <m:subHide m:val="on"/>
+                          <m:supHide m:val="on"/>
+                          <m:ctrlPr>
+                            <a:rPr lang="en-US" i="1" smtClean="0">
+                              <a:latin typeface="Cambria Math" panose="02040503050406030204" pitchFamily="18" charset="0"/>
+                              <a:ea typeface="Cambria Math" panose="02040503050406030204" pitchFamily="18" charset="0"/>
+                            </a:rPr>
+                          </m:ctrlPr>
+                        </m:naryPr>
+                        <m:sub/>
+                        <m:sup/>
+                        <m:e>
+                          <m:r>
+                            <a:rPr lang="de-DE" i="1">
+                              <a:latin typeface="Cambria Math" panose="02040503050406030204" pitchFamily="18" charset="0"/>
+                              <a:ea typeface="Cambria Math" panose="02040503050406030204" pitchFamily="18" charset="0"/>
+                            </a:rPr>
+                            <m:t>𝑑𝑉</m:t>
+                          </m:r>
+                          <m:sSup>
+                            <m:sSupPr>
+                              <m:ctrlPr>
+                                <a:rPr lang="en-US" i="1">
+                                  <a:latin typeface="Cambria Math" panose="02040503050406030204" pitchFamily="18" charset="0"/>
+                                  <a:ea typeface="Cambria Math" panose="02040503050406030204" pitchFamily="18" charset="0"/>
+                                </a:rPr>
+                              </m:ctrlPr>
+                            </m:sSupPr>
+                            <m:e>
+                              <m:r>
+                                <a:rPr lang="de-DE" i="1">
+                                  <a:latin typeface="Cambria Math" panose="02040503050406030204" pitchFamily="18" charset="0"/>
+                                  <a:ea typeface="Cambria Math" panose="02040503050406030204" pitchFamily="18" charset="0"/>
+                                </a:rPr>
+                                <m:t>𝜇</m:t>
+                              </m:r>
+                            </m:e>
+                            <m:sup>
+                              <m:r>
+                                <a:rPr lang="de-DE" i="1">
+                                  <a:latin typeface="Cambria Math" panose="02040503050406030204" pitchFamily="18" charset="0"/>
+                                  <a:ea typeface="Cambria Math" panose="02040503050406030204" pitchFamily="18" charset="0"/>
+                                </a:rPr>
+                                <m:t>−1</m:t>
+                              </m:r>
+                            </m:sup>
+                          </m:sSup>
+                          <m:r>
+                            <a:rPr lang="de-DE" i="1">
+                              <a:latin typeface="Cambria Math" panose="02040503050406030204" pitchFamily="18" charset="0"/>
+                              <a:ea typeface="Cambria Math" panose="02040503050406030204" pitchFamily="18" charset="0"/>
+                            </a:rPr>
+                            <m:t> </m:t>
+                          </m:r>
+                          <m:r>
+                            <a:rPr lang="en-US" i="1">
+                              <a:latin typeface="Cambria Math" panose="02040503050406030204" pitchFamily="18" charset="0"/>
+                              <a:ea typeface="Cambria Math" panose="02040503050406030204" pitchFamily="18" charset="0"/>
+                            </a:rPr>
+                            <m:t>𝛻</m:t>
+                          </m:r>
+                          <m:r>
+                            <a:rPr lang="en-US" i="1">
+                              <a:latin typeface="Cambria Math" panose="02040503050406030204" pitchFamily="18" charset="0"/>
+                              <a:ea typeface="Cambria Math" panose="02040503050406030204" pitchFamily="18" charset="0"/>
+                            </a:rPr>
+                            <m:t>×</m:t>
+                          </m:r>
+                          <m:sSub>
+                            <m:sSubPr>
+                              <m:ctrlPr>
+                                <a:rPr lang="en-US" i="1">
+                                  <a:latin typeface="Cambria Math" panose="02040503050406030204" pitchFamily="18" charset="0"/>
+                                  <a:ea typeface="Cambria Math" panose="02040503050406030204" pitchFamily="18" charset="0"/>
+                                </a:rPr>
+                              </m:ctrlPr>
+                            </m:sSubPr>
+                            <m:e>
+                              <m:r>
+                                <a:rPr lang="de-DE" i="1">
+                                  <a:latin typeface="Cambria Math" panose="02040503050406030204" pitchFamily="18" charset="0"/>
+                                  <a:ea typeface="Cambria Math" panose="02040503050406030204" pitchFamily="18" charset="0"/>
+                                </a:rPr>
+                                <m:t>𝑒</m:t>
+                              </m:r>
+                            </m:e>
+                            <m:sub>
+                              <m:r>
+                                <a:rPr lang="de-DE" i="1">
+                                  <a:latin typeface="Cambria Math" panose="02040503050406030204" pitchFamily="18" charset="0"/>
+                                  <a:ea typeface="Cambria Math" panose="02040503050406030204" pitchFamily="18" charset="0"/>
+                                </a:rPr>
+                                <m:t>h</m:t>
+                              </m:r>
+                            </m:sub>
+                          </m:sSub>
+                          <m:r>
+                            <a:rPr lang="de-DE" i="1">
+                              <a:latin typeface="Cambria Math" panose="02040503050406030204" pitchFamily="18" charset="0"/>
+                              <a:ea typeface="Cambria Math" panose="02040503050406030204" pitchFamily="18" charset="0"/>
+                            </a:rPr>
+                            <m:t>∙</m:t>
+                          </m:r>
+                          <m:r>
+                            <a:rPr lang="en-US" i="1">
+                              <a:latin typeface="Cambria Math" panose="02040503050406030204" pitchFamily="18" charset="0"/>
+                              <a:ea typeface="Cambria Math" panose="02040503050406030204" pitchFamily="18" charset="0"/>
+                            </a:rPr>
+                            <m:t>𝛻</m:t>
+                          </m:r>
+                          <m:r>
+                            <a:rPr lang="en-US" i="1">
+                              <a:latin typeface="Cambria Math" panose="02040503050406030204" pitchFamily="18" charset="0"/>
+                              <a:ea typeface="Cambria Math" panose="02040503050406030204" pitchFamily="18" charset="0"/>
+                            </a:rPr>
+                            <m:t>×</m:t>
+                          </m:r>
+                          <m:sSub>
+                            <m:sSubPr>
+                              <m:ctrlPr>
+                                <a:rPr lang="en-US" i="1">
+                                  <a:latin typeface="Cambria Math" panose="02040503050406030204" pitchFamily="18" charset="0"/>
+                                  <a:ea typeface="Cambria Math" panose="02040503050406030204" pitchFamily="18" charset="0"/>
+                                </a:rPr>
+                              </m:ctrlPr>
+                            </m:sSubPr>
+                            <m:e>
+                              <m:r>
+                                <a:rPr lang="de-DE" i="1">
+                                  <a:latin typeface="Cambria Math" panose="02040503050406030204" pitchFamily="18" charset="0"/>
+                                  <a:ea typeface="Cambria Math" panose="02040503050406030204" pitchFamily="18" charset="0"/>
+                                </a:rPr>
+                                <m:t>𝑣</m:t>
+                              </m:r>
+                            </m:e>
+                            <m:sub>
+                              <m:r>
+                                <a:rPr lang="de-DE" i="1">
+                                  <a:latin typeface="Cambria Math" panose="02040503050406030204" pitchFamily="18" charset="0"/>
+                                  <a:ea typeface="Cambria Math" panose="02040503050406030204" pitchFamily="18" charset="0"/>
+                                </a:rPr>
+                                <m:t>h</m:t>
+                              </m:r>
+                            </m:sub>
+                          </m:sSub>
+                        </m:e>
+                      </m:nary>
+                      <m:r>
+                        <a:rPr lang="de-DE" i="1">
+                          <a:latin typeface="Cambria Math" panose="02040503050406030204" pitchFamily="18" charset="0"/>
+                          <a:ea typeface="Cambria Math" panose="02040503050406030204" pitchFamily="18" charset="0"/>
+                        </a:rPr>
+                        <m:t>−</m:t>
+                      </m:r>
+                      <m:sSubSup>
+                        <m:sSubSupPr>
+                          <m:ctrlPr>
+                            <a:rPr lang="de-DE" i="1">
+                              <a:latin typeface="Cambria Math" panose="02040503050406030204" pitchFamily="18" charset="0"/>
+                              <a:ea typeface="Cambria Math" panose="02040503050406030204" pitchFamily="18" charset="0"/>
+                            </a:rPr>
+                          </m:ctrlPr>
+                        </m:sSubSupPr>
+                        <m:e>
+                          <m:r>
+                            <a:rPr lang="de-DE" i="1">
+                              <a:latin typeface="Cambria Math" panose="02040503050406030204" pitchFamily="18" charset="0"/>
+                              <a:ea typeface="Cambria Math" panose="02040503050406030204" pitchFamily="18" charset="0"/>
+                            </a:rPr>
+                            <m:t>𝑘</m:t>
+                          </m:r>
+                        </m:e>
+                        <m:sub>
+                          <m:r>
+                            <a:rPr lang="de-DE" i="1">
+                              <a:latin typeface="Cambria Math" panose="02040503050406030204" pitchFamily="18" charset="0"/>
+                              <a:ea typeface="Cambria Math" panose="02040503050406030204" pitchFamily="18" charset="0"/>
+                            </a:rPr>
+                            <m:t>0</m:t>
+                          </m:r>
+                        </m:sub>
+                        <m:sup>
+                          <m:r>
+                            <a:rPr lang="de-DE" i="1">
+                              <a:latin typeface="Cambria Math" panose="02040503050406030204" pitchFamily="18" charset="0"/>
+                              <a:ea typeface="Cambria Math" panose="02040503050406030204" pitchFamily="18" charset="0"/>
+                            </a:rPr>
+                            <m:t>2</m:t>
+                          </m:r>
+                        </m:sup>
+                      </m:sSubSup>
+                      <m:nary>
+                        <m:naryPr>
+                          <m:limLoc m:val="undOvr"/>
+                          <m:subHide m:val="on"/>
+                          <m:supHide m:val="on"/>
+                          <m:ctrlPr>
+                            <a:rPr lang="en-US" i="1">
+                              <a:latin typeface="Cambria Math" panose="02040503050406030204" pitchFamily="18" charset="0"/>
+                              <a:ea typeface="Cambria Math" panose="02040503050406030204" pitchFamily="18" charset="0"/>
+                            </a:rPr>
+                          </m:ctrlPr>
+                        </m:naryPr>
+                        <m:sub/>
+                        <m:sup/>
+                        <m:e>
+                          <m:r>
+                            <a:rPr lang="de-DE" i="1">
+                              <a:latin typeface="Cambria Math" panose="02040503050406030204" pitchFamily="18" charset="0"/>
+                              <a:ea typeface="Cambria Math" panose="02040503050406030204" pitchFamily="18" charset="0"/>
+                            </a:rPr>
+                            <m:t>𝑑𝑉</m:t>
+                          </m:r>
+                          <m:r>
+                            <a:rPr lang="en-US" i="1">
+                              <a:latin typeface="Cambria Math" panose="02040503050406030204" pitchFamily="18" charset="0"/>
+                              <a:ea typeface="Cambria Math" panose="02040503050406030204" pitchFamily="18" charset="0"/>
+                            </a:rPr>
+                            <m:t>𝜀</m:t>
+                          </m:r>
+                          <m:sSub>
+                            <m:sSubPr>
+                              <m:ctrlPr>
+                                <a:rPr lang="en-US" i="1">
+                                  <a:latin typeface="Cambria Math" panose="02040503050406030204" pitchFamily="18" charset="0"/>
+                                  <a:ea typeface="Cambria Math" panose="02040503050406030204" pitchFamily="18" charset="0"/>
+                                </a:rPr>
+                              </m:ctrlPr>
+                            </m:sSubPr>
+                            <m:e>
+                              <m:r>
+                                <a:rPr lang="de-DE" i="1">
+                                  <a:latin typeface="Cambria Math" panose="02040503050406030204" pitchFamily="18" charset="0"/>
+                                  <a:ea typeface="Cambria Math" panose="02040503050406030204" pitchFamily="18" charset="0"/>
+                                </a:rPr>
+                                <m:t> </m:t>
+                              </m:r>
+                              <m:r>
+                                <a:rPr lang="de-DE" i="1">
+                                  <a:latin typeface="Cambria Math" panose="02040503050406030204" pitchFamily="18" charset="0"/>
+                                  <a:ea typeface="Cambria Math" panose="02040503050406030204" pitchFamily="18" charset="0"/>
+                                </a:rPr>
+                                <m:t>𝑒</m:t>
+                              </m:r>
+                            </m:e>
+                            <m:sub>
+                              <m:r>
+                                <a:rPr lang="de-DE" i="1">
+                                  <a:latin typeface="Cambria Math" panose="02040503050406030204" pitchFamily="18" charset="0"/>
+                                  <a:ea typeface="Cambria Math" panose="02040503050406030204" pitchFamily="18" charset="0"/>
+                                </a:rPr>
+                                <m:t>h</m:t>
+                              </m:r>
+                            </m:sub>
+                          </m:sSub>
+                          <m:r>
+                            <a:rPr lang="de-DE" i="1">
+                              <a:latin typeface="Cambria Math" panose="02040503050406030204" pitchFamily="18" charset="0"/>
+                              <a:ea typeface="Cambria Math" panose="02040503050406030204" pitchFamily="18" charset="0"/>
+                            </a:rPr>
+                            <m:t>∙</m:t>
+                          </m:r>
+                          <m:sSub>
+                            <m:sSubPr>
+                              <m:ctrlPr>
+                                <a:rPr lang="en-US" i="1">
+                                  <a:latin typeface="Cambria Math" panose="02040503050406030204" pitchFamily="18" charset="0"/>
+                                  <a:ea typeface="Cambria Math" panose="02040503050406030204" pitchFamily="18" charset="0"/>
+                                </a:rPr>
+                              </m:ctrlPr>
+                            </m:sSubPr>
+                            <m:e>
+                              <m:r>
+                                <a:rPr lang="de-DE" i="1">
+                                  <a:latin typeface="Cambria Math" panose="02040503050406030204" pitchFamily="18" charset="0"/>
+                                  <a:ea typeface="Cambria Math" panose="02040503050406030204" pitchFamily="18" charset="0"/>
+                                </a:rPr>
+                                <m:t>𝑣</m:t>
+                              </m:r>
+                            </m:e>
+                            <m:sub>
+                              <m:r>
+                                <a:rPr lang="de-DE" i="1">
+                                  <a:latin typeface="Cambria Math" panose="02040503050406030204" pitchFamily="18" charset="0"/>
+                                  <a:ea typeface="Cambria Math" panose="02040503050406030204" pitchFamily="18" charset="0"/>
+                                </a:rPr>
+                                <m:t>h</m:t>
+                              </m:r>
+                            </m:sub>
+                          </m:sSub>
+                        </m:e>
+                      </m:nary>
+                      <m:r>
+                        <a:rPr lang="de-DE" i="1">
+                          <a:latin typeface="Cambria Math" panose="02040503050406030204" pitchFamily="18" charset="0"/>
+                          <a:ea typeface="Cambria Math" panose="02040503050406030204" pitchFamily="18" charset="0"/>
+                        </a:rPr>
+                        <m:t>=−</m:t>
+                      </m:r>
+                      <m:r>
+                        <a:rPr lang="de-DE" i="1">
+                          <a:latin typeface="Cambria Math" panose="02040503050406030204" pitchFamily="18" charset="0"/>
+                          <a:ea typeface="Cambria Math" panose="02040503050406030204" pitchFamily="18" charset="0"/>
+                        </a:rPr>
+                        <m:t>𝑗</m:t>
+                      </m:r>
+                      <m:sSub>
+                        <m:sSubPr>
+                          <m:ctrlPr>
+                            <a:rPr lang="de-DE" i="1">
+                              <a:latin typeface="Cambria Math" panose="02040503050406030204" pitchFamily="18" charset="0"/>
+                              <a:ea typeface="Cambria Math" panose="02040503050406030204" pitchFamily="18" charset="0"/>
+                            </a:rPr>
+                          </m:ctrlPr>
+                        </m:sSubPr>
+                        <m:e>
+                          <m:r>
+                            <a:rPr lang="de-DE" i="1">
+                              <a:latin typeface="Cambria Math" panose="02040503050406030204" pitchFamily="18" charset="0"/>
+                              <a:ea typeface="Cambria Math" panose="02040503050406030204" pitchFamily="18" charset="0"/>
+                            </a:rPr>
+                            <m:t>𝑘</m:t>
+                          </m:r>
+                        </m:e>
+                        <m:sub>
+                          <m:r>
+                            <a:rPr lang="de-DE" i="1">
+                              <a:latin typeface="Cambria Math" panose="02040503050406030204" pitchFamily="18" charset="0"/>
+                              <a:ea typeface="Cambria Math" panose="02040503050406030204" pitchFamily="18" charset="0"/>
+                            </a:rPr>
+                            <m:t>0</m:t>
+                          </m:r>
+                        </m:sub>
+                      </m:sSub>
+                      <m:sSub>
+                        <m:sSubPr>
+                          <m:ctrlPr>
+                            <a:rPr lang="de-DE" i="1">
+                              <a:latin typeface="Cambria Math" panose="02040503050406030204" pitchFamily="18" charset="0"/>
+                              <a:ea typeface="Cambria Math" panose="02040503050406030204" pitchFamily="18" charset="0"/>
+                            </a:rPr>
+                          </m:ctrlPr>
+                        </m:sSubPr>
+                        <m:e>
+                          <m:r>
+                            <a:rPr lang="de-DE" i="1">
+                              <a:latin typeface="Cambria Math" panose="02040503050406030204" pitchFamily="18" charset="0"/>
+                              <a:ea typeface="Cambria Math" panose="02040503050406030204" pitchFamily="18" charset="0"/>
+                            </a:rPr>
+                            <m:t>𝑍</m:t>
+                          </m:r>
+                        </m:e>
+                        <m:sub>
+                          <m:r>
+                            <a:rPr lang="de-DE" i="1">
+                              <a:latin typeface="Cambria Math" panose="02040503050406030204" pitchFamily="18" charset="0"/>
+                              <a:ea typeface="Cambria Math" panose="02040503050406030204" pitchFamily="18" charset="0"/>
+                            </a:rPr>
+                            <m:t>0</m:t>
+                          </m:r>
+                        </m:sub>
+                      </m:sSub>
+                      <m:nary>
+                        <m:naryPr>
+                          <m:limLoc m:val="undOvr"/>
+                          <m:subHide m:val="on"/>
+                          <m:supHide m:val="on"/>
+                          <m:ctrlPr>
+                            <a:rPr lang="en-US" i="1">
+                              <a:latin typeface="Cambria Math" panose="02040503050406030204" pitchFamily="18" charset="0"/>
+                              <a:ea typeface="Cambria Math" panose="02040503050406030204" pitchFamily="18" charset="0"/>
+                            </a:rPr>
+                          </m:ctrlPr>
+                        </m:naryPr>
+                        <m:sub/>
+                        <m:sup/>
+                        <m:e>
+                          <m:r>
+                            <a:rPr lang="de-DE" i="1">
+                              <a:latin typeface="Cambria Math" panose="02040503050406030204" pitchFamily="18" charset="0"/>
+                              <a:ea typeface="Cambria Math" panose="02040503050406030204" pitchFamily="18" charset="0"/>
+                            </a:rPr>
+                            <m:t>𝑑𝑉</m:t>
+                          </m:r>
+                          <m:sSub>
+                            <m:sSubPr>
+                              <m:ctrlPr>
+                                <a:rPr lang="de-DE" i="1">
+                                  <a:latin typeface="Cambria Math" panose="02040503050406030204" pitchFamily="18" charset="0"/>
+                                  <a:ea typeface="Cambria Math" panose="02040503050406030204" pitchFamily="18" charset="0"/>
+                                </a:rPr>
+                              </m:ctrlPr>
+                            </m:sSubPr>
+                            <m:e>
+                              <m:r>
+                                <a:rPr lang="de-DE" i="1">
+                                  <a:latin typeface="Cambria Math" panose="02040503050406030204" pitchFamily="18" charset="0"/>
+                                  <a:ea typeface="Cambria Math" panose="02040503050406030204" pitchFamily="18" charset="0"/>
+                                </a:rPr>
+                                <m:t> </m:t>
+                              </m:r>
+                              <m:r>
+                                <a:rPr lang="de-DE" i="1">
+                                  <a:latin typeface="Cambria Math" panose="02040503050406030204" pitchFamily="18" charset="0"/>
+                                  <a:ea typeface="Cambria Math" panose="02040503050406030204" pitchFamily="18" charset="0"/>
+                                </a:rPr>
+                                <m:t>𝑗</m:t>
+                              </m:r>
+                            </m:e>
+                            <m:sub>
+                              <m:r>
+                                <a:rPr lang="de-DE" i="1">
+                                  <a:latin typeface="Cambria Math" panose="02040503050406030204" pitchFamily="18" charset="0"/>
+                                  <a:ea typeface="Cambria Math" panose="02040503050406030204" pitchFamily="18" charset="0"/>
+                                </a:rPr>
+                                <m:t>h</m:t>
+                              </m:r>
+                            </m:sub>
+                          </m:sSub>
+                          <m:r>
+                            <a:rPr lang="de-DE" i="1">
+                              <a:latin typeface="Cambria Math" panose="02040503050406030204" pitchFamily="18" charset="0"/>
+                              <a:ea typeface="Cambria Math" panose="02040503050406030204" pitchFamily="18" charset="0"/>
+                            </a:rPr>
+                            <m:t>∙</m:t>
+                          </m:r>
+                          <m:sSub>
+                            <m:sSubPr>
+                              <m:ctrlPr>
+                                <a:rPr lang="en-US" i="1">
+                                  <a:latin typeface="Cambria Math" panose="02040503050406030204" pitchFamily="18" charset="0"/>
+                                  <a:ea typeface="Cambria Math" panose="02040503050406030204" pitchFamily="18" charset="0"/>
+                                </a:rPr>
+                              </m:ctrlPr>
+                            </m:sSubPr>
+                            <m:e>
+                              <m:r>
+                                <a:rPr lang="de-DE" i="1">
+                                  <a:latin typeface="Cambria Math" panose="02040503050406030204" pitchFamily="18" charset="0"/>
+                                  <a:ea typeface="Cambria Math" panose="02040503050406030204" pitchFamily="18" charset="0"/>
+                                </a:rPr>
+                                <m:t>𝑣</m:t>
+                              </m:r>
+                            </m:e>
+                            <m:sub>
+                              <m:r>
+                                <a:rPr lang="de-DE" i="1">
+                                  <a:latin typeface="Cambria Math" panose="02040503050406030204" pitchFamily="18" charset="0"/>
+                                  <a:ea typeface="Cambria Math" panose="02040503050406030204" pitchFamily="18" charset="0"/>
+                                </a:rPr>
+                                <m:t>h</m:t>
+                              </m:r>
+                            </m:sub>
+                          </m:sSub>
+                          <m:r>
+                            <a:rPr lang="de-DE" i="1">
+                              <a:latin typeface="Cambria Math" panose="02040503050406030204" pitchFamily="18" charset="0"/>
+                              <a:ea typeface="Cambria Math" panose="02040503050406030204" pitchFamily="18" charset="0"/>
+                            </a:rPr>
+                            <m:t> </m:t>
+                          </m:r>
+                        </m:e>
+                      </m:nary>
+                      <m:r>
+                        <a:rPr lang="de-DE" b="0" i="1" smtClean="0">
+                          <a:latin typeface="Cambria Math" panose="02040503050406030204" pitchFamily="18" charset="0"/>
+                          <a:ea typeface="Cambria Math" panose="02040503050406030204" pitchFamily="18" charset="0"/>
+                        </a:rPr>
+                        <m:t>−</m:t>
+                      </m:r>
+                    </m:oMath>
+                  </m:oMathPara>
+                </a14:m>
+                <a:endParaRPr lang="en-US" dirty="0"/>
+              </a:p>
+              <a:p>
+                <a:pPr>
+                  <a:lnSpc>
+                    <a:spcPct val="114000"/>
+                  </a:lnSpc>
+                  <a:spcBef>
+                    <a:spcPts val="3600"/>
+                  </a:spcBef>
+                </a:pPr>
+                <a14:m>
+                  <m:oMathPara xmlns:m="http://schemas.openxmlformats.org/officeDocument/2006/math">
+                    <m:oMathParaPr>
+                      <m:jc m:val="left"/>
+                    </m:oMathParaPr>
+                    <m:oMath xmlns:m="http://schemas.openxmlformats.org/officeDocument/2006/math">
+                      <m:nary>
+                        <m:naryPr>
+                          <m:chr m:val="∑"/>
+                          <m:supHide m:val="on"/>
+                          <m:ctrlPr>
+                            <a:rPr lang="de-DE" i="1">
+                              <a:solidFill>
+                                <a:srgbClr val="C00000"/>
+                              </a:solidFill>
+                              <a:latin typeface="Cambria Math" panose="02040503050406030204" pitchFamily="18" charset="0"/>
+                              <a:ea typeface="Cambria Math" panose="02040503050406030204" pitchFamily="18" charset="0"/>
+                            </a:rPr>
+                          </m:ctrlPr>
+                        </m:naryPr>
+                        <m:sub>
+                          <m:r>
+                            <m:rPr>
+                              <m:brk m:alnAt="7"/>
+                            </m:rPr>
+                            <a:rPr lang="de-DE" b="0" i="1">
+                              <a:solidFill>
+                                <a:srgbClr val="C00000"/>
+                              </a:solidFill>
+                              <a:latin typeface="Cambria Math" panose="02040503050406030204" pitchFamily="18" charset="0"/>
+                              <a:ea typeface="Cambria Math" panose="02040503050406030204" pitchFamily="18" charset="0"/>
+                            </a:rPr>
+                            <m:t>𝑚</m:t>
+                          </m:r>
+                        </m:sub>
+                        <m:sup/>
+                        <m:e>
+                          <m:sSubSup>
+                            <m:sSubSupPr>
+                              <m:ctrlPr>
+                                <a:rPr lang="de-DE" i="1">
+                                  <a:solidFill>
+                                    <a:srgbClr val="C00000"/>
+                                  </a:solidFill>
+                                  <a:latin typeface="Cambria Math" panose="02040503050406030204" pitchFamily="18" charset="0"/>
+                                  <a:ea typeface="Cambria Math" panose="02040503050406030204" pitchFamily="18" charset="0"/>
+                                </a:rPr>
+                              </m:ctrlPr>
+                            </m:sSubSupPr>
+                            <m:e>
+                              <m:r>
+                                <a:rPr lang="de-DE" b="0" i="1">
+                                  <a:solidFill>
+                                    <a:srgbClr val="C00000"/>
+                                  </a:solidFill>
+                                  <a:latin typeface="Cambria Math" panose="02040503050406030204" pitchFamily="18" charset="0"/>
+                                  <a:ea typeface="Cambria Math" panose="02040503050406030204" pitchFamily="18" charset="0"/>
+                                </a:rPr>
+                                <m:t>𝑃</m:t>
+                              </m:r>
+                            </m:e>
+                            <m:sub>
+                              <m:r>
+                                <a:rPr lang="de-DE" b="0" i="1">
+                                  <a:solidFill>
+                                    <a:srgbClr val="C00000"/>
+                                  </a:solidFill>
+                                  <a:latin typeface="Cambria Math" panose="02040503050406030204" pitchFamily="18" charset="0"/>
+                                  <a:ea typeface="Cambria Math" panose="02040503050406030204" pitchFamily="18" charset="0"/>
+                                </a:rPr>
+                                <m:t>𝑚</m:t>
+                              </m:r>
+                            </m:sub>
+                            <m:sup>
+                              <m:r>
+                                <a:rPr lang="de-DE" b="0" i="1">
+                                  <a:solidFill>
+                                    <a:srgbClr val="C00000"/>
+                                  </a:solidFill>
+                                  <a:latin typeface="Cambria Math" panose="02040503050406030204" pitchFamily="18" charset="0"/>
+                                  <a:ea typeface="Cambria Math" panose="02040503050406030204" pitchFamily="18" charset="0"/>
+                                </a:rPr>
+                                <m:t>𝑇𝐸</m:t>
+                              </m:r>
+                            </m:sup>
+                          </m:sSubSup>
+                          <m:d>
+                            <m:dPr>
+                              <m:ctrlPr>
+                                <a:rPr lang="de-DE" i="1">
+                                  <a:solidFill>
+                                    <a:srgbClr val="C00000"/>
+                                  </a:solidFill>
+                                  <a:latin typeface="Cambria Math" panose="02040503050406030204" pitchFamily="18" charset="0"/>
+                                  <a:ea typeface="Cambria Math" panose="02040503050406030204" pitchFamily="18" charset="0"/>
+                                </a:rPr>
+                              </m:ctrlPr>
+                            </m:dPr>
+                            <m:e>
+                              <m:sSub>
+                                <m:sSubPr>
+                                  <m:ctrlPr>
+                                    <a:rPr lang="en-US" i="1">
+                                      <a:solidFill>
+                                        <a:srgbClr val="C00000"/>
+                                      </a:solidFill>
+                                      <a:latin typeface="Cambria Math" panose="02040503050406030204" pitchFamily="18" charset="0"/>
+                                      <a:ea typeface="Cambria Math" panose="02040503050406030204" pitchFamily="18" charset="0"/>
+                                    </a:rPr>
+                                  </m:ctrlPr>
+                                </m:sSubPr>
+                                <m:e>
+                                  <m:r>
+                                    <a:rPr lang="de-DE" b="0" i="1">
+                                      <a:solidFill>
+                                        <a:srgbClr val="C00000"/>
+                                      </a:solidFill>
+                                      <a:latin typeface="Cambria Math" panose="02040503050406030204" pitchFamily="18" charset="0"/>
+                                      <a:ea typeface="Cambria Math" panose="02040503050406030204" pitchFamily="18" charset="0"/>
+                                    </a:rPr>
+                                    <m:t>𝑒</m:t>
+                                  </m:r>
+                                </m:e>
+                                <m:sub>
+                                  <m:r>
+                                    <a:rPr lang="de-DE" b="0" i="1">
+                                      <a:solidFill>
+                                        <a:srgbClr val="C00000"/>
+                                      </a:solidFill>
+                                      <a:latin typeface="Cambria Math" panose="02040503050406030204" pitchFamily="18" charset="0"/>
+                                      <a:ea typeface="Cambria Math" panose="02040503050406030204" pitchFamily="18" charset="0"/>
+                                    </a:rPr>
+                                    <m:t>h</m:t>
+                                  </m:r>
+                                </m:sub>
+                              </m:sSub>
+                            </m:e>
+                          </m:d>
+                        </m:e>
+                      </m:nary>
+                      <m:r>
+                        <a:rPr lang="de-DE" b="0" i="1">
+                          <a:solidFill>
+                            <a:srgbClr val="C00000"/>
+                          </a:solidFill>
+                          <a:latin typeface="Cambria Math" panose="02040503050406030204" pitchFamily="18" charset="0"/>
+                          <a:ea typeface="Cambria Math" panose="02040503050406030204" pitchFamily="18" charset="0"/>
+                        </a:rPr>
+                        <m:t>+</m:t>
+                      </m:r>
+                      <m:nary>
+                        <m:naryPr>
+                          <m:chr m:val="∑"/>
+                          <m:supHide m:val="on"/>
+                          <m:ctrlPr>
+                            <a:rPr lang="de-DE" i="1" smtClean="0">
+                              <a:solidFill>
+                                <a:srgbClr val="C00000"/>
+                              </a:solidFill>
+                              <a:latin typeface="Cambria Math" panose="02040503050406030204" pitchFamily="18" charset="0"/>
+                              <a:ea typeface="Cambria Math" panose="02040503050406030204" pitchFamily="18" charset="0"/>
+                            </a:rPr>
+                          </m:ctrlPr>
+                        </m:naryPr>
+                        <m:sub>
+                          <m:r>
+                            <m:rPr>
+                              <m:brk m:alnAt="7"/>
+                            </m:rPr>
+                            <a:rPr lang="de-DE" b="0" i="1">
+                              <a:solidFill>
+                                <a:srgbClr val="C00000"/>
+                              </a:solidFill>
+                              <a:latin typeface="Cambria Math" panose="02040503050406030204" pitchFamily="18" charset="0"/>
+                              <a:ea typeface="Cambria Math" panose="02040503050406030204" pitchFamily="18" charset="0"/>
+                            </a:rPr>
+                            <m:t>𝑚</m:t>
+                          </m:r>
+                        </m:sub>
+                        <m:sup/>
+                        <m:e>
+                          <m:sSubSup>
+                            <m:sSubSupPr>
+                              <m:ctrlPr>
+                                <a:rPr lang="de-DE" i="1">
+                                  <a:solidFill>
+                                    <a:srgbClr val="C00000"/>
+                                  </a:solidFill>
+                                  <a:latin typeface="Cambria Math" panose="02040503050406030204" pitchFamily="18" charset="0"/>
+                                  <a:ea typeface="Cambria Math" panose="02040503050406030204" pitchFamily="18" charset="0"/>
+                                </a:rPr>
+                              </m:ctrlPr>
+                            </m:sSubSupPr>
+                            <m:e>
+                              <m:r>
+                                <a:rPr lang="de-DE" b="0" i="1">
+                                  <a:solidFill>
+                                    <a:srgbClr val="C00000"/>
+                                  </a:solidFill>
+                                  <a:latin typeface="Cambria Math" panose="02040503050406030204" pitchFamily="18" charset="0"/>
+                                  <a:ea typeface="Cambria Math" panose="02040503050406030204" pitchFamily="18" charset="0"/>
+                                </a:rPr>
+                                <m:t>𝑃</m:t>
+                              </m:r>
+                            </m:e>
+                            <m:sub>
+                              <m:r>
+                                <a:rPr lang="de-DE" b="0" i="1">
+                                  <a:solidFill>
+                                    <a:srgbClr val="C00000"/>
+                                  </a:solidFill>
+                                  <a:latin typeface="Cambria Math" panose="02040503050406030204" pitchFamily="18" charset="0"/>
+                                  <a:ea typeface="Cambria Math" panose="02040503050406030204" pitchFamily="18" charset="0"/>
+                                </a:rPr>
+                                <m:t>𝑚</m:t>
+                              </m:r>
+                            </m:sub>
+                            <m:sup>
+                              <m:r>
+                                <a:rPr lang="de-DE" b="0" i="1">
+                                  <a:solidFill>
+                                    <a:srgbClr val="C00000"/>
+                                  </a:solidFill>
+                                  <a:latin typeface="Cambria Math" panose="02040503050406030204" pitchFamily="18" charset="0"/>
+                                  <a:ea typeface="Cambria Math" panose="02040503050406030204" pitchFamily="18" charset="0"/>
+                                </a:rPr>
+                                <m:t>𝑇𝑀</m:t>
+                              </m:r>
+                            </m:sup>
+                          </m:sSubSup>
+                          <m:d>
+                            <m:dPr>
+                              <m:ctrlPr>
+                                <a:rPr lang="de-DE" i="1">
+                                  <a:solidFill>
+                                    <a:srgbClr val="C00000"/>
+                                  </a:solidFill>
+                                  <a:latin typeface="Cambria Math" panose="02040503050406030204" pitchFamily="18" charset="0"/>
+                                  <a:ea typeface="Cambria Math" panose="02040503050406030204" pitchFamily="18" charset="0"/>
+                                </a:rPr>
+                              </m:ctrlPr>
+                            </m:dPr>
+                            <m:e>
+                              <m:sSub>
+                                <m:sSubPr>
+                                  <m:ctrlPr>
+                                    <a:rPr lang="en-US" i="1">
+                                      <a:solidFill>
+                                        <a:srgbClr val="C00000"/>
+                                      </a:solidFill>
+                                      <a:latin typeface="Cambria Math" panose="02040503050406030204" pitchFamily="18" charset="0"/>
+                                      <a:ea typeface="Cambria Math" panose="02040503050406030204" pitchFamily="18" charset="0"/>
+                                    </a:rPr>
+                                  </m:ctrlPr>
+                                </m:sSubPr>
+                                <m:e>
+                                  <m:r>
+                                    <a:rPr lang="de-DE" b="0" i="1">
+                                      <a:solidFill>
+                                        <a:srgbClr val="C00000"/>
+                                      </a:solidFill>
+                                      <a:latin typeface="Cambria Math" panose="02040503050406030204" pitchFamily="18" charset="0"/>
+                                      <a:ea typeface="Cambria Math" panose="02040503050406030204" pitchFamily="18" charset="0"/>
+                                    </a:rPr>
+                                    <m:t>𝑒</m:t>
+                                  </m:r>
+                                </m:e>
+                                <m:sub>
+                                  <m:r>
+                                    <a:rPr lang="de-DE" b="0" i="1">
+                                      <a:solidFill>
+                                        <a:srgbClr val="C00000"/>
+                                      </a:solidFill>
+                                      <a:latin typeface="Cambria Math" panose="02040503050406030204" pitchFamily="18" charset="0"/>
+                                      <a:ea typeface="Cambria Math" panose="02040503050406030204" pitchFamily="18" charset="0"/>
+                                    </a:rPr>
+                                    <m:t>h</m:t>
+                                  </m:r>
+                                </m:sub>
+                              </m:sSub>
+                            </m:e>
+                          </m:d>
+                        </m:e>
+                      </m:nary>
+                      <m:r>
+                        <a:rPr lang="de-DE" b="0" i="1">
+                          <a:solidFill>
+                            <a:srgbClr val="C00000"/>
+                          </a:solidFill>
+                          <a:latin typeface="Cambria Math" panose="02040503050406030204" pitchFamily="18" charset="0"/>
+                          <a:ea typeface="Cambria Math" panose="02040503050406030204" pitchFamily="18" charset="0"/>
+                        </a:rPr>
+                        <m:t>+</m:t>
+                      </m:r>
+                    </m:oMath>
+                  </m:oMathPara>
+                </a14:m>
+                <a:endParaRPr lang="de-DE" i="1" dirty="0">
+                  <a:solidFill>
+                    <a:srgbClr val="C00000"/>
+                  </a:solidFill>
+                  <a:latin typeface="Cambria Math" panose="02040503050406030204" pitchFamily="18" charset="0"/>
+                  <a:ea typeface="Cambria Math" panose="02040503050406030204" pitchFamily="18" charset="0"/>
+                </a:endParaRPr>
+              </a:p>
+              <a:p>
+                <a:pPr>
+                  <a:lnSpc>
+                    <a:spcPct val="114000"/>
+                  </a:lnSpc>
+                  <a:spcBef>
+                    <a:spcPts val="3600"/>
+                  </a:spcBef>
+                </a:pPr>
+                <a14:m>
+                  <m:oMathPara xmlns:m="http://schemas.openxmlformats.org/officeDocument/2006/math">
+                    <m:oMathParaPr>
+                      <m:jc m:val="left"/>
+                    </m:oMathParaPr>
+                    <m:oMath xmlns:m="http://schemas.openxmlformats.org/officeDocument/2006/math">
+                      <m:nary>
+                        <m:naryPr>
+                          <m:ctrlPr>
+                            <a:rPr lang="de-DE" i="1" smtClean="0">
+                              <a:solidFill>
+                                <a:srgbClr val="C00000"/>
+                              </a:solidFill>
+                              <a:latin typeface="Cambria Math" panose="02040503050406030204" pitchFamily="18" charset="0"/>
+                              <a:ea typeface="Cambria Math" panose="02040503050406030204" pitchFamily="18" charset="0"/>
+                            </a:rPr>
+                          </m:ctrlPr>
+                        </m:naryPr>
+                        <m:sub>
+                          <m:sSub>
+                            <m:sSubPr>
+                              <m:ctrlPr>
+                                <a:rPr lang="de-DE" i="1">
+                                  <a:solidFill>
+                                    <a:srgbClr val="C00000"/>
+                                  </a:solidFill>
+                                  <a:latin typeface="Cambria Math" panose="02040503050406030204" pitchFamily="18" charset="0"/>
+                                  <a:ea typeface="Cambria Math" panose="02040503050406030204" pitchFamily="18" charset="0"/>
+                                </a:rPr>
+                              </m:ctrlPr>
+                            </m:sSubPr>
+                            <m:e>
+                              <m:r>
+                                <a:rPr lang="de-DE" b="0" i="1">
+                                  <a:solidFill>
+                                    <a:srgbClr val="C00000"/>
+                                  </a:solidFill>
+                                  <a:latin typeface="Cambria Math" panose="02040503050406030204" pitchFamily="18" charset="0"/>
+                                  <a:ea typeface="Cambria Math" panose="02040503050406030204" pitchFamily="18" charset="0"/>
+                                </a:rPr>
+                                <m:t>𝑆</m:t>
+                              </m:r>
+                            </m:e>
+                            <m:sub>
+                              <m:r>
+                                <a:rPr lang="de-DE" b="0" i="1">
+                                  <a:solidFill>
+                                    <a:srgbClr val="C00000"/>
+                                  </a:solidFill>
+                                  <a:latin typeface="Cambria Math" panose="02040503050406030204" pitchFamily="18" charset="0"/>
+                                  <a:ea typeface="Cambria Math" panose="02040503050406030204" pitchFamily="18" charset="0"/>
+                                </a:rPr>
+                                <m:t>𝑆𝐼𝐵𝐶</m:t>
+                              </m:r>
+                            </m:sub>
+                          </m:sSub>
+                        </m:sub>
+                        <m:sup>
+                          <m:r>
+                            <a:rPr lang="de-DE" b="0" i="1" smtClean="0">
+                              <a:solidFill>
+                                <a:srgbClr val="C00000"/>
+                              </a:solidFill>
+                              <a:latin typeface="Cambria Math" panose="02040503050406030204" pitchFamily="18" charset="0"/>
+                              <a:ea typeface="Cambria Math" panose="02040503050406030204" pitchFamily="18" charset="0"/>
+                            </a:rPr>
+                            <m:t> </m:t>
+                          </m:r>
+                        </m:sup>
+                        <m:e>
+                          <m:r>
+                            <a:rPr lang="de-DE" b="0" i="1">
+                              <a:solidFill>
+                                <a:srgbClr val="C00000"/>
+                              </a:solidFill>
+                              <a:latin typeface="Cambria Math" panose="02040503050406030204" pitchFamily="18" charset="0"/>
+                              <a:ea typeface="Cambria Math" panose="02040503050406030204" pitchFamily="18" charset="0"/>
+                            </a:rPr>
+                            <m:t>𝑑𝑆</m:t>
+                          </m:r>
+                          <m:r>
+                            <a:rPr lang="de-DE" b="0" i="1">
+                              <a:solidFill>
+                                <a:srgbClr val="C00000"/>
+                              </a:solidFill>
+                              <a:latin typeface="Cambria Math" panose="02040503050406030204" pitchFamily="18" charset="0"/>
+                              <a:ea typeface="Cambria Math" panose="02040503050406030204" pitchFamily="18" charset="0"/>
+                            </a:rPr>
+                            <m:t> </m:t>
+                          </m:r>
+                          <m:r>
+                            <a:rPr lang="de-DE" b="0" i="1">
+                              <a:solidFill>
+                                <a:srgbClr val="C00000"/>
+                              </a:solidFill>
+                              <a:latin typeface="Cambria Math" panose="02040503050406030204" pitchFamily="18" charset="0"/>
+                              <a:ea typeface="Cambria Math" panose="02040503050406030204" pitchFamily="18" charset="0"/>
+                            </a:rPr>
+                            <m:t>𝑛</m:t>
+                          </m:r>
+                          <m:r>
+                            <a:rPr lang="de-DE" b="0" i="1">
+                              <a:solidFill>
+                                <a:srgbClr val="C00000"/>
+                              </a:solidFill>
+                              <a:latin typeface="Cambria Math" panose="02040503050406030204" pitchFamily="18" charset="0"/>
+                              <a:ea typeface="Cambria Math" panose="02040503050406030204" pitchFamily="18" charset="0"/>
+                            </a:rPr>
+                            <m:t>∙</m:t>
+                          </m:r>
+                          <m:d>
+                            <m:dPr>
+                              <m:begChr m:val="["/>
+                              <m:endChr m:val="]"/>
+                              <m:ctrlPr>
+                                <a:rPr lang="de-DE" i="1">
+                                  <a:solidFill>
+                                    <a:srgbClr val="C00000"/>
+                                  </a:solidFill>
+                                  <a:latin typeface="Cambria Math" panose="02040503050406030204" pitchFamily="18" charset="0"/>
+                                  <a:ea typeface="Cambria Math" panose="02040503050406030204" pitchFamily="18" charset="0"/>
+                                </a:rPr>
+                              </m:ctrlPr>
+                            </m:dPr>
+                            <m:e>
+                              <m:sSub>
+                                <m:sSubPr>
+                                  <m:ctrlPr>
+                                    <a:rPr lang="en-US" i="1">
+                                      <a:solidFill>
+                                        <a:srgbClr val="C00000"/>
+                                      </a:solidFill>
+                                      <a:latin typeface="Cambria Math" panose="02040503050406030204" pitchFamily="18" charset="0"/>
+                                      <a:ea typeface="Cambria Math" panose="02040503050406030204" pitchFamily="18" charset="0"/>
+                                    </a:rPr>
+                                  </m:ctrlPr>
+                                </m:sSubPr>
+                                <m:e>
+                                  <m:r>
+                                    <a:rPr lang="de-DE" b="0" i="1">
+                                      <a:solidFill>
+                                        <a:srgbClr val="C00000"/>
+                                      </a:solidFill>
+                                      <a:latin typeface="Cambria Math" panose="02040503050406030204" pitchFamily="18" charset="0"/>
+                                      <a:ea typeface="Cambria Math" panose="02040503050406030204" pitchFamily="18" charset="0"/>
+                                    </a:rPr>
+                                    <m:t>𝑣</m:t>
+                                  </m:r>
+                                </m:e>
+                                <m:sub>
+                                  <m:r>
+                                    <a:rPr lang="de-DE" b="0" i="1">
+                                      <a:solidFill>
+                                        <a:srgbClr val="C00000"/>
+                                      </a:solidFill>
+                                      <a:latin typeface="Cambria Math" panose="02040503050406030204" pitchFamily="18" charset="0"/>
+                                      <a:ea typeface="Cambria Math" panose="02040503050406030204" pitchFamily="18" charset="0"/>
+                                    </a:rPr>
+                                    <m:t>h</m:t>
+                                  </m:r>
+                                </m:sub>
+                              </m:sSub>
+                              <m:r>
+                                <a:rPr lang="en-US" b="0" i="1">
+                                  <a:solidFill>
+                                    <a:srgbClr val="C00000"/>
+                                  </a:solidFill>
+                                  <a:latin typeface="Cambria Math" panose="02040503050406030204" pitchFamily="18" charset="0"/>
+                                  <a:ea typeface="Cambria Math" panose="02040503050406030204" pitchFamily="18" charset="0"/>
+                                </a:rPr>
+                                <m:t>×</m:t>
+                              </m:r>
+                              <m:sSup>
+                                <m:sSupPr>
+                                  <m:ctrlPr>
+                                    <a:rPr lang="en-US" i="1">
+                                      <a:solidFill>
+                                        <a:srgbClr val="C00000"/>
+                                      </a:solidFill>
+                                      <a:latin typeface="Cambria Math" panose="02040503050406030204" pitchFamily="18" charset="0"/>
+                                      <a:ea typeface="Cambria Math" panose="02040503050406030204" pitchFamily="18" charset="0"/>
+                                    </a:rPr>
+                                  </m:ctrlPr>
+                                </m:sSupPr>
+                                <m:e>
+                                  <m:r>
+                                    <a:rPr lang="de-DE" b="0" i="1">
+                                      <a:solidFill>
+                                        <a:srgbClr val="C00000"/>
+                                      </a:solidFill>
+                                      <a:latin typeface="Cambria Math" panose="02040503050406030204" pitchFamily="18" charset="0"/>
+                                      <a:ea typeface="Cambria Math" panose="02040503050406030204" pitchFamily="18" charset="0"/>
+                                    </a:rPr>
+                                    <m:t>𝜇</m:t>
+                                  </m:r>
+                                </m:e>
+                                <m:sup>
+                                  <m:r>
+                                    <a:rPr lang="de-DE" b="0" i="1">
+                                      <a:solidFill>
+                                        <a:srgbClr val="C00000"/>
+                                      </a:solidFill>
+                                      <a:latin typeface="Cambria Math" panose="02040503050406030204" pitchFamily="18" charset="0"/>
+                                      <a:ea typeface="Cambria Math" panose="02040503050406030204" pitchFamily="18" charset="0"/>
+                                    </a:rPr>
+                                    <m:t>−1</m:t>
+                                  </m:r>
+                                </m:sup>
+                              </m:sSup>
+                              <m:r>
+                                <a:rPr lang="de-DE" b="0" i="1">
+                                  <a:solidFill>
+                                    <a:srgbClr val="C00000"/>
+                                  </a:solidFill>
+                                  <a:latin typeface="Cambria Math" panose="02040503050406030204" pitchFamily="18" charset="0"/>
+                                  <a:ea typeface="Cambria Math" panose="02040503050406030204" pitchFamily="18" charset="0"/>
+                                </a:rPr>
+                                <m:t> </m:t>
+                              </m:r>
+                              <m:r>
+                                <a:rPr lang="en-US" b="0" i="1">
+                                  <a:solidFill>
+                                    <a:srgbClr val="C00000"/>
+                                  </a:solidFill>
+                                  <a:latin typeface="Cambria Math" panose="02040503050406030204" pitchFamily="18" charset="0"/>
+                                  <a:ea typeface="Cambria Math" panose="02040503050406030204" pitchFamily="18" charset="0"/>
+                                </a:rPr>
+                                <m:t>𝛻</m:t>
+                              </m:r>
+                              <m:r>
+                                <a:rPr lang="en-US" b="0" i="1">
+                                  <a:solidFill>
+                                    <a:srgbClr val="C00000"/>
+                                  </a:solidFill>
+                                  <a:latin typeface="Cambria Math" panose="02040503050406030204" pitchFamily="18" charset="0"/>
+                                  <a:ea typeface="Cambria Math" panose="02040503050406030204" pitchFamily="18" charset="0"/>
+                                </a:rPr>
+                                <m:t>×</m:t>
+                              </m:r>
+                              <m:r>
+                                <a:rPr lang="de-DE" b="0" i="1">
+                                  <a:solidFill>
+                                    <a:srgbClr val="C00000"/>
+                                  </a:solidFill>
+                                  <a:latin typeface="Cambria Math" panose="02040503050406030204" pitchFamily="18" charset="0"/>
+                                  <a:ea typeface="Cambria Math" panose="02040503050406030204" pitchFamily="18" charset="0"/>
+                                </a:rPr>
+                                <m:t>𝐸</m:t>
+                              </m:r>
+                            </m:e>
+                          </m:d>
+                        </m:e>
+                      </m:nary>
+                      <m:r>
+                        <a:rPr lang="de-DE" b="0" i="1" smtClean="0">
+                          <a:solidFill>
+                            <a:srgbClr val="C00000"/>
+                          </a:solidFill>
+                          <a:latin typeface="Cambria Math" panose="02040503050406030204" pitchFamily="18" charset="0"/>
+                          <a:ea typeface="Cambria Math" panose="02040503050406030204" pitchFamily="18" charset="0"/>
+                        </a:rPr>
+                        <m:t>+</m:t>
+                      </m:r>
+                    </m:oMath>
+                  </m:oMathPara>
+                </a14:m>
+                <a:endParaRPr lang="de-DE" i="1" dirty="0">
+                  <a:solidFill>
+                    <a:srgbClr val="C00000"/>
+                  </a:solidFill>
+                  <a:latin typeface="Cambria Math" panose="02040503050406030204" pitchFamily="18" charset="0"/>
+                  <a:ea typeface="Cambria Math" panose="02040503050406030204" pitchFamily="18" charset="0"/>
+                </a:endParaRPr>
+              </a:p>
+              <a:p>
+                <a:pPr>
+                  <a:lnSpc>
+                    <a:spcPct val="114000"/>
+                  </a:lnSpc>
+                  <a:spcBef>
+                    <a:spcPts val="3600"/>
+                  </a:spcBef>
+                </a:pPr>
+                <a14:m>
+                  <m:oMathPara xmlns:m="http://schemas.openxmlformats.org/officeDocument/2006/math">
+                    <m:oMathParaPr>
+                      <m:jc m:val="left"/>
+                    </m:oMathParaPr>
+                    <m:oMath xmlns:m="http://schemas.openxmlformats.org/officeDocument/2006/math">
+                      <m:nary>
+                        <m:naryPr>
+                          <m:chr m:val="∮"/>
+                          <m:ctrlPr>
+                            <a:rPr lang="de-DE" i="1" smtClean="0">
+                              <a:solidFill>
+                                <a:srgbClr val="C00000"/>
+                              </a:solidFill>
+                              <a:latin typeface="Cambria Math" panose="02040503050406030204" pitchFamily="18" charset="0"/>
+                              <a:ea typeface="Cambria Math" panose="02040503050406030204" pitchFamily="18" charset="0"/>
+                            </a:rPr>
+                          </m:ctrlPr>
+                        </m:naryPr>
+                        <m:sub>
+                          <m:sSub>
+                            <m:sSubPr>
+                              <m:ctrlPr>
+                                <a:rPr lang="de-DE" i="1" smtClean="0">
+                                  <a:solidFill>
+                                    <a:srgbClr val="C00000"/>
+                                  </a:solidFill>
+                                  <a:latin typeface="Cambria Math" panose="02040503050406030204" pitchFamily="18" charset="0"/>
+                                  <a:ea typeface="Cambria Math" panose="02040503050406030204" pitchFamily="18" charset="0"/>
+                                </a:rPr>
+                              </m:ctrlPr>
+                            </m:sSubPr>
+                            <m:e>
+                              <m:r>
+                                <a:rPr lang="de-DE" b="0" i="1" smtClean="0">
+                                  <a:solidFill>
+                                    <a:srgbClr val="C00000"/>
+                                  </a:solidFill>
+                                  <a:latin typeface="Cambria Math" panose="02040503050406030204" pitchFamily="18" charset="0"/>
+                                  <a:ea typeface="Cambria Math" panose="02040503050406030204" pitchFamily="18" charset="0"/>
+                                </a:rPr>
+                                <m:t>𝑆</m:t>
+                              </m:r>
+                            </m:e>
+                            <m:sub>
+                              <m:r>
+                                <a:rPr lang="de-DE" b="0" i="1" smtClean="0">
+                                  <a:solidFill>
+                                    <a:srgbClr val="C00000"/>
+                                  </a:solidFill>
+                                  <a:latin typeface="Cambria Math" panose="02040503050406030204" pitchFamily="18" charset="0"/>
+                                  <a:ea typeface="Cambria Math" panose="02040503050406030204" pitchFamily="18" charset="0"/>
+                                </a:rPr>
+                                <m:t>𝑊𝐺</m:t>
+                              </m:r>
+                            </m:sub>
+                          </m:sSub>
+                        </m:sub>
+                        <m:sup>
+                          <m:r>
+                            <a:rPr lang="de-DE" b="0" i="1" smtClean="0">
+                              <a:solidFill>
+                                <a:srgbClr val="C00000"/>
+                              </a:solidFill>
+                              <a:latin typeface="Cambria Math" panose="02040503050406030204" pitchFamily="18" charset="0"/>
+                              <a:ea typeface="Cambria Math" panose="02040503050406030204" pitchFamily="18" charset="0"/>
+                            </a:rPr>
+                            <m:t> </m:t>
+                          </m:r>
+                        </m:sup>
+                        <m:e>
+                          <m:r>
+                            <a:rPr lang="de-DE" b="0" i="1" smtClean="0">
+                              <a:solidFill>
+                                <a:srgbClr val="C00000"/>
+                              </a:solidFill>
+                              <a:latin typeface="Cambria Math" panose="02040503050406030204" pitchFamily="18" charset="0"/>
+                              <a:ea typeface="Cambria Math" panose="02040503050406030204" pitchFamily="18" charset="0"/>
+                            </a:rPr>
+                            <m:t>𝑑𝑆</m:t>
+                          </m:r>
+                          <m:r>
+                            <a:rPr lang="de-DE" b="0" i="1" smtClean="0">
+                              <a:solidFill>
+                                <a:srgbClr val="C00000"/>
+                              </a:solidFill>
+                              <a:latin typeface="Cambria Math" panose="02040503050406030204" pitchFamily="18" charset="0"/>
+                              <a:ea typeface="Cambria Math" panose="02040503050406030204" pitchFamily="18" charset="0"/>
+                            </a:rPr>
+                            <m:t> </m:t>
+                          </m:r>
+                        </m:e>
+                      </m:nary>
+                      <m:r>
+                        <a:rPr lang="de-DE" b="0" i="1" smtClean="0">
+                          <a:solidFill>
+                            <a:srgbClr val="C00000"/>
+                          </a:solidFill>
+                          <a:latin typeface="Cambria Math" panose="02040503050406030204" pitchFamily="18" charset="0"/>
+                          <a:ea typeface="Cambria Math" panose="02040503050406030204" pitchFamily="18" charset="0"/>
+                        </a:rPr>
+                        <m:t>𝑛</m:t>
+                      </m:r>
+                      <m:r>
+                        <a:rPr lang="de-DE" b="0" i="1">
+                          <a:solidFill>
+                            <a:srgbClr val="C00000"/>
+                          </a:solidFill>
+                          <a:latin typeface="Cambria Math" panose="02040503050406030204" pitchFamily="18" charset="0"/>
+                          <a:ea typeface="Cambria Math" panose="02040503050406030204" pitchFamily="18" charset="0"/>
+                        </a:rPr>
+                        <m:t>∙</m:t>
+                      </m:r>
+                      <m:d>
+                        <m:dPr>
+                          <m:begChr m:val="["/>
+                          <m:endChr m:val="]"/>
+                          <m:ctrlPr>
+                            <a:rPr lang="de-DE" i="1" smtClean="0">
+                              <a:solidFill>
+                                <a:srgbClr val="C00000"/>
+                              </a:solidFill>
+                              <a:latin typeface="Cambria Math" panose="02040503050406030204" pitchFamily="18" charset="0"/>
+                              <a:ea typeface="Cambria Math" panose="02040503050406030204" pitchFamily="18" charset="0"/>
+                            </a:rPr>
+                          </m:ctrlPr>
+                        </m:dPr>
+                        <m:e>
+                          <m:sSub>
+                            <m:sSubPr>
+                              <m:ctrlPr>
+                                <a:rPr lang="en-US" i="1">
+                                  <a:solidFill>
+                                    <a:srgbClr val="C00000"/>
+                                  </a:solidFill>
+                                  <a:latin typeface="Cambria Math" panose="02040503050406030204" pitchFamily="18" charset="0"/>
+                                  <a:ea typeface="Cambria Math" panose="02040503050406030204" pitchFamily="18" charset="0"/>
+                                </a:rPr>
+                              </m:ctrlPr>
+                            </m:sSubPr>
+                            <m:e>
+                              <m:r>
+                                <a:rPr lang="de-DE" b="0" i="1">
+                                  <a:solidFill>
+                                    <a:srgbClr val="C00000"/>
+                                  </a:solidFill>
+                                  <a:latin typeface="Cambria Math" panose="02040503050406030204" pitchFamily="18" charset="0"/>
+                                  <a:ea typeface="Cambria Math" panose="02040503050406030204" pitchFamily="18" charset="0"/>
+                                </a:rPr>
+                                <m:t>𝑣</m:t>
+                              </m:r>
+                            </m:e>
+                            <m:sub>
+                              <m:r>
+                                <a:rPr lang="de-DE" b="0" i="1">
+                                  <a:solidFill>
+                                    <a:srgbClr val="C00000"/>
+                                  </a:solidFill>
+                                  <a:latin typeface="Cambria Math" panose="02040503050406030204" pitchFamily="18" charset="0"/>
+                                  <a:ea typeface="Cambria Math" panose="02040503050406030204" pitchFamily="18" charset="0"/>
+                                </a:rPr>
+                                <m:t>h</m:t>
+                              </m:r>
+                            </m:sub>
+                          </m:sSub>
+                          <m:r>
+                            <a:rPr lang="en-US" b="0" i="1">
+                              <a:solidFill>
+                                <a:srgbClr val="C00000"/>
+                              </a:solidFill>
+                              <a:latin typeface="Cambria Math" panose="02040503050406030204" pitchFamily="18" charset="0"/>
+                              <a:ea typeface="Cambria Math" panose="02040503050406030204" pitchFamily="18" charset="0"/>
+                            </a:rPr>
+                            <m:t>×</m:t>
+                          </m:r>
+                          <m:sSup>
+                            <m:sSupPr>
+                              <m:ctrlPr>
+                                <a:rPr lang="en-US" i="1">
+                                  <a:solidFill>
+                                    <a:srgbClr val="C00000"/>
+                                  </a:solidFill>
+                                  <a:latin typeface="Cambria Math" panose="02040503050406030204" pitchFamily="18" charset="0"/>
+                                  <a:ea typeface="Cambria Math" panose="02040503050406030204" pitchFamily="18" charset="0"/>
+                                </a:rPr>
+                              </m:ctrlPr>
+                            </m:sSupPr>
+                            <m:e>
+                              <m:r>
+                                <a:rPr lang="de-DE" b="0" i="1">
+                                  <a:solidFill>
+                                    <a:srgbClr val="C00000"/>
+                                  </a:solidFill>
+                                  <a:latin typeface="Cambria Math" panose="02040503050406030204" pitchFamily="18" charset="0"/>
+                                  <a:ea typeface="Cambria Math" panose="02040503050406030204" pitchFamily="18" charset="0"/>
+                                </a:rPr>
+                                <m:t>𝜇</m:t>
+                              </m:r>
+                            </m:e>
+                            <m:sup>
+                              <m:r>
+                                <a:rPr lang="de-DE" b="0" i="1">
+                                  <a:solidFill>
+                                    <a:srgbClr val="C00000"/>
+                                  </a:solidFill>
+                                  <a:latin typeface="Cambria Math" panose="02040503050406030204" pitchFamily="18" charset="0"/>
+                                  <a:ea typeface="Cambria Math" panose="02040503050406030204" pitchFamily="18" charset="0"/>
+                                </a:rPr>
+                                <m:t>−1</m:t>
+                              </m:r>
+                            </m:sup>
+                          </m:sSup>
+                          <m:r>
+                            <a:rPr lang="de-DE" b="0" i="1">
+                              <a:solidFill>
+                                <a:srgbClr val="C00000"/>
+                              </a:solidFill>
+                              <a:latin typeface="Cambria Math" panose="02040503050406030204" pitchFamily="18" charset="0"/>
+                              <a:ea typeface="Cambria Math" panose="02040503050406030204" pitchFamily="18" charset="0"/>
+                            </a:rPr>
+                            <m:t> </m:t>
+                          </m:r>
+                          <m:r>
+                            <a:rPr lang="en-US" b="0" i="1">
+                              <a:solidFill>
+                                <a:srgbClr val="C00000"/>
+                              </a:solidFill>
+                              <a:latin typeface="Cambria Math" panose="02040503050406030204" pitchFamily="18" charset="0"/>
+                              <a:ea typeface="Cambria Math" panose="02040503050406030204" pitchFamily="18" charset="0"/>
+                            </a:rPr>
+                            <m:t>𝛻</m:t>
+                          </m:r>
+                          <m:r>
+                            <a:rPr lang="en-US" b="0" i="1">
+                              <a:solidFill>
+                                <a:srgbClr val="C00000"/>
+                              </a:solidFill>
+                              <a:latin typeface="Cambria Math" panose="02040503050406030204" pitchFamily="18" charset="0"/>
+                              <a:ea typeface="Cambria Math" panose="02040503050406030204" pitchFamily="18" charset="0"/>
+                            </a:rPr>
+                            <m:t>×</m:t>
+                          </m:r>
+                          <m:sSup>
+                            <m:sSupPr>
+                              <m:ctrlPr>
+                                <a:rPr lang="de-DE" i="1">
+                                  <a:solidFill>
+                                    <a:srgbClr val="C00000"/>
+                                  </a:solidFill>
+                                  <a:latin typeface="Cambria Math" panose="02040503050406030204" pitchFamily="18" charset="0"/>
+                                  <a:ea typeface="Cambria Math" panose="02040503050406030204" pitchFamily="18" charset="0"/>
+                                </a:rPr>
+                              </m:ctrlPr>
+                            </m:sSupPr>
+                            <m:e>
+                              <m:r>
+                                <a:rPr lang="de-DE" b="0" i="1">
+                                  <a:solidFill>
+                                    <a:srgbClr val="C00000"/>
+                                  </a:solidFill>
+                                  <a:latin typeface="Cambria Math" panose="02040503050406030204" pitchFamily="18" charset="0"/>
+                                  <a:ea typeface="Cambria Math" panose="02040503050406030204" pitchFamily="18" charset="0"/>
+                                </a:rPr>
+                                <m:t>𝐸</m:t>
+                              </m:r>
+                            </m:e>
+                            <m:sup>
+                              <m:r>
+                                <a:rPr lang="de-DE" b="0" i="1">
+                                  <a:solidFill>
+                                    <a:srgbClr val="C00000"/>
+                                  </a:solidFill>
+                                  <a:latin typeface="Cambria Math" panose="02040503050406030204" pitchFamily="18" charset="0"/>
+                                  <a:ea typeface="Cambria Math" panose="02040503050406030204" pitchFamily="18" charset="0"/>
+                                </a:rPr>
+                                <m:t>𝑖𝑛𝑐</m:t>
+                              </m:r>
+                            </m:sup>
+                          </m:sSup>
+                        </m:e>
+                      </m:d>
+                      <m:r>
+                        <a:rPr lang="de-DE" b="0" i="1" smtClean="0">
+                          <a:solidFill>
+                            <a:srgbClr val="C00000"/>
+                          </a:solidFill>
+                          <a:latin typeface="Cambria Math" panose="02040503050406030204" pitchFamily="18" charset="0"/>
+                          <a:ea typeface="Cambria Math" panose="02040503050406030204" pitchFamily="18" charset="0"/>
+                        </a:rPr>
+                        <m:t>+</m:t>
+                      </m:r>
+                    </m:oMath>
+                  </m:oMathPara>
+                </a14:m>
+                <a:endParaRPr lang="de-DE" i="1" dirty="0">
+                  <a:solidFill>
+                    <a:srgbClr val="C00000"/>
+                  </a:solidFill>
+                  <a:latin typeface="Cambria Math" panose="02040503050406030204" pitchFamily="18" charset="0"/>
+                  <a:ea typeface="Cambria Math" panose="02040503050406030204" pitchFamily="18" charset="0"/>
+                </a:endParaRPr>
+              </a:p>
+              <a:p>
+                <a:pPr>
+                  <a:lnSpc>
+                    <a:spcPct val="114000"/>
+                  </a:lnSpc>
+                  <a:spcBef>
+                    <a:spcPts val="3600"/>
+                  </a:spcBef>
+                </a:pPr>
+                <a14:m>
+                  <m:oMathPara xmlns:m="http://schemas.openxmlformats.org/officeDocument/2006/math">
+                    <m:oMathParaPr>
+                      <m:jc m:val="left"/>
+                    </m:oMathParaPr>
+                    <m:oMath xmlns:m="http://schemas.openxmlformats.org/officeDocument/2006/math">
+                      <m:nary>
+                        <m:naryPr>
+                          <m:chr m:val="∑"/>
+                          <m:supHide m:val="on"/>
+                          <m:ctrlPr>
+                            <a:rPr lang="de-DE" i="1">
+                              <a:solidFill>
+                                <a:srgbClr val="C00000"/>
+                              </a:solidFill>
+                              <a:latin typeface="Cambria Math" panose="02040503050406030204" pitchFamily="18" charset="0"/>
+                              <a:ea typeface="Cambria Math" panose="02040503050406030204" pitchFamily="18" charset="0"/>
+                            </a:rPr>
+                          </m:ctrlPr>
+                        </m:naryPr>
+                        <m:sub>
+                          <m:r>
+                            <m:rPr>
+                              <m:brk m:alnAt="7"/>
+                            </m:rPr>
+                            <a:rPr lang="de-DE" b="0" i="1">
+                              <a:solidFill>
+                                <a:srgbClr val="C00000"/>
+                              </a:solidFill>
+                              <a:latin typeface="Cambria Math" panose="02040503050406030204" pitchFamily="18" charset="0"/>
+                              <a:ea typeface="Cambria Math" panose="02040503050406030204" pitchFamily="18" charset="0"/>
+                            </a:rPr>
+                            <m:t>𝑚</m:t>
+                          </m:r>
+                        </m:sub>
+                        <m:sup/>
+                        <m:e>
+                          <m:sSubSup>
+                            <m:sSubSupPr>
+                              <m:ctrlPr>
+                                <a:rPr lang="de-DE" i="1" smtClean="0">
+                                  <a:solidFill>
+                                    <a:srgbClr val="C00000"/>
+                                  </a:solidFill>
+                                  <a:latin typeface="Cambria Math" panose="02040503050406030204" pitchFamily="18" charset="0"/>
+                                  <a:ea typeface="Cambria Math" panose="02040503050406030204" pitchFamily="18" charset="0"/>
+                                </a:rPr>
+                              </m:ctrlPr>
+                            </m:sSubSupPr>
+                            <m:e>
+                              <m:r>
+                                <a:rPr lang="de-DE" b="0" i="1" smtClean="0">
+                                  <a:solidFill>
+                                    <a:srgbClr val="C00000"/>
+                                  </a:solidFill>
+                                  <a:latin typeface="Cambria Math" panose="02040503050406030204" pitchFamily="18" charset="0"/>
+                                  <a:ea typeface="Cambria Math" panose="02040503050406030204" pitchFamily="18" charset="0"/>
+                                </a:rPr>
+                                <m:t>𝑈</m:t>
+                              </m:r>
+                            </m:e>
+                            <m:sub>
+                              <m:r>
+                                <a:rPr lang="de-DE" b="0" i="1">
+                                  <a:solidFill>
+                                    <a:srgbClr val="C00000"/>
+                                  </a:solidFill>
+                                  <a:latin typeface="Cambria Math" panose="02040503050406030204" pitchFamily="18" charset="0"/>
+                                  <a:ea typeface="Cambria Math" panose="02040503050406030204" pitchFamily="18" charset="0"/>
+                                </a:rPr>
+                                <m:t>𝑚</m:t>
+                              </m:r>
+                            </m:sub>
+                            <m:sup>
+                              <m:r>
+                                <a:rPr lang="de-DE" b="0" i="1">
+                                  <a:solidFill>
+                                    <a:srgbClr val="C00000"/>
+                                  </a:solidFill>
+                                  <a:latin typeface="Cambria Math" panose="02040503050406030204" pitchFamily="18" charset="0"/>
+                                  <a:ea typeface="Cambria Math" panose="02040503050406030204" pitchFamily="18" charset="0"/>
+                                </a:rPr>
+                                <m:t>𝑇𝐸</m:t>
+                              </m:r>
+                            </m:sup>
+                          </m:sSubSup>
+                        </m:e>
+                      </m:nary>
+                      <m:r>
+                        <a:rPr lang="de-DE" b="0" i="1">
+                          <a:solidFill>
+                            <a:srgbClr val="C00000"/>
+                          </a:solidFill>
+                          <a:latin typeface="Cambria Math" panose="02040503050406030204" pitchFamily="18" charset="0"/>
+                          <a:ea typeface="Cambria Math" panose="02040503050406030204" pitchFamily="18" charset="0"/>
+                        </a:rPr>
+                        <m:t>+</m:t>
+                      </m:r>
+                      <m:nary>
+                        <m:naryPr>
+                          <m:chr m:val="∑"/>
+                          <m:supHide m:val="on"/>
+                          <m:ctrlPr>
+                            <a:rPr lang="de-DE" i="1">
+                              <a:solidFill>
+                                <a:srgbClr val="C00000"/>
+                              </a:solidFill>
+                              <a:latin typeface="Cambria Math" panose="02040503050406030204" pitchFamily="18" charset="0"/>
+                              <a:ea typeface="Cambria Math" panose="02040503050406030204" pitchFamily="18" charset="0"/>
+                            </a:rPr>
+                          </m:ctrlPr>
+                        </m:naryPr>
+                        <m:sub>
+                          <m:r>
+                            <m:rPr>
+                              <m:brk m:alnAt="7"/>
+                            </m:rPr>
+                            <a:rPr lang="de-DE" b="0" i="1">
+                              <a:solidFill>
+                                <a:srgbClr val="C00000"/>
+                              </a:solidFill>
+                              <a:latin typeface="Cambria Math" panose="02040503050406030204" pitchFamily="18" charset="0"/>
+                              <a:ea typeface="Cambria Math" panose="02040503050406030204" pitchFamily="18" charset="0"/>
+                            </a:rPr>
+                            <m:t>𝑚</m:t>
+                          </m:r>
+                        </m:sub>
+                        <m:sup/>
+                        <m:e>
+                          <m:sSubSup>
+                            <m:sSubSupPr>
+                              <m:ctrlPr>
+                                <a:rPr lang="de-DE" i="1">
+                                  <a:solidFill>
+                                    <a:srgbClr val="C00000"/>
+                                  </a:solidFill>
+                                  <a:latin typeface="Cambria Math" panose="02040503050406030204" pitchFamily="18" charset="0"/>
+                                  <a:ea typeface="Cambria Math" panose="02040503050406030204" pitchFamily="18" charset="0"/>
+                                </a:rPr>
+                              </m:ctrlPr>
+                            </m:sSubSupPr>
+                            <m:e>
+                              <m:r>
+                                <a:rPr lang="de-DE" b="0" i="1" smtClean="0">
+                                  <a:solidFill>
+                                    <a:srgbClr val="C00000"/>
+                                  </a:solidFill>
+                                  <a:latin typeface="Cambria Math" panose="02040503050406030204" pitchFamily="18" charset="0"/>
+                                  <a:ea typeface="Cambria Math" panose="02040503050406030204" pitchFamily="18" charset="0"/>
+                                </a:rPr>
+                                <m:t>𝑈</m:t>
+                              </m:r>
+                            </m:e>
+                            <m:sub>
+                              <m:r>
+                                <a:rPr lang="de-DE" b="0" i="1">
+                                  <a:solidFill>
+                                    <a:srgbClr val="C00000"/>
+                                  </a:solidFill>
+                                  <a:latin typeface="Cambria Math" panose="02040503050406030204" pitchFamily="18" charset="0"/>
+                                  <a:ea typeface="Cambria Math" panose="02040503050406030204" pitchFamily="18" charset="0"/>
+                                </a:rPr>
+                                <m:t>𝑚</m:t>
+                              </m:r>
+                            </m:sub>
+                            <m:sup>
+                              <m:r>
+                                <a:rPr lang="de-DE" b="0" i="1">
+                                  <a:solidFill>
+                                    <a:srgbClr val="C00000"/>
+                                  </a:solidFill>
+                                  <a:latin typeface="Cambria Math" panose="02040503050406030204" pitchFamily="18" charset="0"/>
+                                  <a:ea typeface="Cambria Math" panose="02040503050406030204" pitchFamily="18" charset="0"/>
+                                </a:rPr>
+                                <m:t>𝑇𝑀</m:t>
+                              </m:r>
+                            </m:sup>
+                          </m:sSubSup>
+                        </m:e>
+                      </m:nary>
+                    </m:oMath>
+                  </m:oMathPara>
+                </a14:m>
+                <a:endParaRPr lang="en-US" dirty="0">
+                  <a:solidFill>
+                    <a:srgbClr val="FF0000"/>
+                  </a:solidFill>
+                </a:endParaRPr>
+              </a:p>
+            </p:txBody>
+          </p:sp>
+        </mc:Choice>
+        <mc:Fallback>
+          <p:sp>
+            <p:nvSpPr>
+              <p:cNvPr id="8" name="Rechteck 7">
+                <a:extLst>
+                  <a:ext uri="{FF2B5EF4-FFF2-40B4-BE49-F238E27FC236}">
+                    <a16:creationId xmlns:a16="http://schemas.microsoft.com/office/drawing/2014/main" id="{13F6D017-D70C-6003-80DE-170382B36D97}"/>
+                  </a:ext>
+                </a:extLst>
+              </p:cNvPr>
+              <p:cNvSpPr>
+                <a:spLocks noRot="1" noChangeAspect="1" noMove="1" noResize="1" noEditPoints="1" noAdjustHandles="1" noChangeArrowheads="1" noChangeShapeType="1" noTextEdit="1"/>
+              </p:cNvSpPr>
+              <p:nvPr/>
+            </p:nvSpPr>
+            <p:spPr>
+              <a:xfrm>
+                <a:off x="483360" y="2176487"/>
+                <a:ext cx="8744088" cy="3826625"/>
+              </a:xfrm>
+              <a:prstGeom prst="rect">
+                <a:avLst/>
+              </a:prstGeom>
+              <a:blipFill>
+                <a:blip r:embed="rId2"/>
+                <a:stretch>
+                  <a:fillRect/>
+                </a:stretch>
+              </a:blipFill>
+            </p:spPr>
+            <p:txBody>
+              <a:bodyPr/>
+              <a:lstStyle/>
+              <a:p>
+                <a:r>
+                  <a:rPr lang="de-DE">
+                    <a:noFill/>
+                  </a:rPr>
+                  <a:t> </a:t>
+                </a:r>
+              </a:p>
+            </p:txBody>
+          </p:sp>
+        </mc:Fallback>
+      </mc:AlternateContent>
+      <p:sp>
+        <p:nvSpPr>
+          <p:cNvPr id="10" name="Text Box 3">
+            <a:extLst>
+              <a:ext uri="{FF2B5EF4-FFF2-40B4-BE49-F238E27FC236}">
+                <a16:creationId xmlns:a16="http://schemas.microsoft.com/office/drawing/2014/main" id="{0021C948-B5EA-8E9C-E714-992C9B763580}"/>
+              </a:ext>
+            </a:extLst>
+          </p:cNvPr>
+          <p:cNvSpPr txBox="1">
+            <a:spLocks noChangeArrowheads="1"/>
+          </p:cNvSpPr>
+          <p:nvPr/>
+        </p:nvSpPr>
+        <p:spPr bwMode="auto">
+          <a:xfrm>
+            <a:off x="6697225" y="3186583"/>
+            <a:ext cx="2194363" cy="349702"/>
+          </a:xfrm>
+          <a:prstGeom prst="rect">
+            <a:avLst/>
+          </a:prstGeom>
+          <a:noFill/>
+          <a:ln>
+            <a:noFill/>
+          </a:ln>
+          <a:extLst>
+            <a:ext uri="{909E8E84-426E-40DD-AFC4-6F175D3DCCD1}">
+              <a14:hiddenFill xmlns:a14="http://schemas.microsoft.com/office/drawing/2010/main">
+                <a:solidFill>
+                  <a:srgbClr val="FFFFFF"/>
+                </a:solidFill>
+              </a14:hiddenFill>
+            </a:ext>
+            <a:ext uri="{91240B29-F687-4F45-9708-019B960494DF}">
+              <a14:hiddenLine xmlns:a14="http://schemas.microsoft.com/office/drawing/2010/main" w="15875">
+                <a:solidFill>
+                  <a:srgbClr val="000000"/>
+                </a:solidFill>
+                <a:miter lim="800000"/>
+                <a:headEnd/>
+                <a:tailEnd/>
+              </a14:hiddenLine>
+            </a:ext>
+          </a:extLst>
+        </p:spPr>
+        <p:txBody>
+          <a:bodyPr wrap="square" lIns="72000" tIns="36000" rIns="72000" bIns="36000">
+            <a:spAutoFit/>
+          </a:bodyPr>
+          <a:lstStyle>
+            <a:lvl1pPr eaLnBrk="0" hangingPunct="0">
+              <a:defRPr>
+                <a:solidFill>
+                  <a:schemeClr val="tx1"/>
+                </a:solidFill>
+                <a:latin typeface="Arial" charset="0"/>
+              </a:defRPr>
+            </a:lvl1pPr>
+            <a:lvl2pPr marL="742950" indent="-285750" eaLnBrk="0" hangingPunct="0">
+              <a:defRPr>
+                <a:solidFill>
+                  <a:schemeClr val="tx1"/>
+                </a:solidFill>
+                <a:latin typeface="Arial" charset="0"/>
+              </a:defRPr>
+            </a:lvl2pPr>
+            <a:lvl3pPr marL="1143000" indent="-228600" eaLnBrk="0" hangingPunct="0">
+              <a:defRPr>
+                <a:solidFill>
+                  <a:schemeClr val="tx1"/>
+                </a:solidFill>
+                <a:latin typeface="Arial" charset="0"/>
+              </a:defRPr>
+            </a:lvl3pPr>
+            <a:lvl4pPr marL="1600200" indent="-228600" eaLnBrk="0" hangingPunct="0">
+              <a:defRPr>
+                <a:solidFill>
+                  <a:schemeClr val="tx1"/>
+                </a:solidFill>
+                <a:latin typeface="Arial" charset="0"/>
+              </a:defRPr>
+            </a:lvl4pPr>
+            <a:lvl5pPr marL="2057400" indent="-228600" eaLnBrk="0" hangingPunct="0">
+              <a:defRPr>
+                <a:solidFill>
+                  <a:schemeClr val="tx1"/>
+                </a:solidFill>
+                <a:latin typeface="Arial" charset="0"/>
+              </a:defRPr>
+            </a:lvl5pPr>
+            <a:lvl6pPr marL="2514600" indent="-228600" eaLnBrk="0" fontAlgn="base" hangingPunct="0">
+              <a:spcBef>
+                <a:spcPct val="0"/>
+              </a:spcBef>
+              <a:spcAft>
+                <a:spcPct val="0"/>
+              </a:spcAft>
+              <a:defRPr>
+                <a:solidFill>
+                  <a:schemeClr val="tx1"/>
+                </a:solidFill>
+                <a:latin typeface="Arial" charset="0"/>
+              </a:defRPr>
+            </a:lvl6pPr>
+            <a:lvl7pPr marL="2971800" indent="-228600" eaLnBrk="0" fontAlgn="base" hangingPunct="0">
+              <a:spcBef>
+                <a:spcPct val="0"/>
+              </a:spcBef>
+              <a:spcAft>
+                <a:spcPct val="0"/>
+              </a:spcAft>
+              <a:defRPr>
+                <a:solidFill>
+                  <a:schemeClr val="tx1"/>
+                </a:solidFill>
+                <a:latin typeface="Arial" charset="0"/>
+              </a:defRPr>
+            </a:lvl7pPr>
+            <a:lvl8pPr marL="3429000" indent="-228600" eaLnBrk="0" fontAlgn="base" hangingPunct="0">
+              <a:spcBef>
+                <a:spcPct val="0"/>
+              </a:spcBef>
+              <a:spcAft>
+                <a:spcPct val="0"/>
+              </a:spcAft>
+              <a:defRPr>
+                <a:solidFill>
+                  <a:schemeClr val="tx1"/>
+                </a:solidFill>
+                <a:latin typeface="Arial" charset="0"/>
+              </a:defRPr>
+            </a:lvl8pPr>
+            <a:lvl9pPr marL="3886200" indent="-228600" eaLnBrk="0" fontAlgn="base" hangingPunct="0">
+              <a:spcBef>
+                <a:spcPct val="0"/>
+              </a:spcBef>
+              <a:spcAft>
+                <a:spcPct val="0"/>
+              </a:spcAft>
+              <a:defRPr>
+                <a:solidFill>
+                  <a:schemeClr val="tx1"/>
+                </a:solidFill>
+                <a:latin typeface="Arial" charset="0"/>
+              </a:defRPr>
+            </a:lvl9pPr>
+          </a:lstStyle>
+          <a:p>
+            <a:pPr algn="ctr">
+              <a:spcBef>
+                <a:spcPts val="300"/>
+              </a:spcBef>
+              <a:buClr>
+                <a:schemeClr val="tx1"/>
+              </a:buClr>
+              <a:buSzPct val="125000"/>
+              <a:buFont typeface="Symbol" pitchFamily="18" charset="2"/>
+              <a:buNone/>
+            </a:pPr>
+            <a:r>
+              <a:rPr lang="en-US" dirty="0"/>
+              <a:t>Beam current</a:t>
+            </a:r>
+          </a:p>
+        </p:txBody>
+      </p:sp>
+      <p:sp>
+        <p:nvSpPr>
+          <p:cNvPr id="11" name="Text Box 3">
+            <a:extLst>
+              <a:ext uri="{FF2B5EF4-FFF2-40B4-BE49-F238E27FC236}">
+                <a16:creationId xmlns:a16="http://schemas.microsoft.com/office/drawing/2014/main" id="{00D15748-8685-FDE3-C1FF-73071BB1B37D}"/>
+              </a:ext>
+            </a:extLst>
+          </p:cNvPr>
+          <p:cNvSpPr txBox="1">
+            <a:spLocks noChangeArrowheads="1"/>
+          </p:cNvSpPr>
+          <p:nvPr/>
+        </p:nvSpPr>
+        <p:spPr bwMode="auto">
+          <a:xfrm>
+            <a:off x="4083068" y="3970208"/>
+            <a:ext cx="2751490" cy="349702"/>
+          </a:xfrm>
+          <a:prstGeom prst="rect">
+            <a:avLst/>
+          </a:prstGeom>
+          <a:noFill/>
+          <a:ln>
+            <a:noFill/>
+          </a:ln>
+          <a:extLst>
+            <a:ext uri="{909E8E84-426E-40DD-AFC4-6F175D3DCCD1}">
+              <a14:hiddenFill xmlns:a14="http://schemas.microsoft.com/office/drawing/2010/main">
+                <a:solidFill>
+                  <a:srgbClr val="FFFFFF"/>
+                </a:solidFill>
+              </a14:hiddenFill>
+            </a:ext>
+            <a:ext uri="{91240B29-F687-4F45-9708-019B960494DF}">
+              <a14:hiddenLine xmlns:a14="http://schemas.microsoft.com/office/drawing/2010/main" w="15875">
+                <a:solidFill>
+                  <a:srgbClr val="000000"/>
+                </a:solidFill>
+                <a:miter lim="800000"/>
+                <a:headEnd/>
+                <a:tailEnd/>
+              </a14:hiddenLine>
+            </a:ext>
+          </a:extLst>
+        </p:spPr>
+        <p:txBody>
+          <a:bodyPr wrap="square" lIns="72000" tIns="36000" rIns="72000" bIns="36000">
+            <a:spAutoFit/>
+          </a:bodyPr>
+          <a:lstStyle>
+            <a:lvl1pPr eaLnBrk="0" hangingPunct="0">
+              <a:defRPr>
+                <a:solidFill>
+                  <a:schemeClr val="tx1"/>
+                </a:solidFill>
+                <a:latin typeface="Arial" charset="0"/>
+              </a:defRPr>
+            </a:lvl1pPr>
+            <a:lvl2pPr marL="742950" indent="-285750" eaLnBrk="0" hangingPunct="0">
+              <a:defRPr>
+                <a:solidFill>
+                  <a:schemeClr val="tx1"/>
+                </a:solidFill>
+                <a:latin typeface="Arial" charset="0"/>
+              </a:defRPr>
+            </a:lvl2pPr>
+            <a:lvl3pPr marL="1143000" indent="-228600" eaLnBrk="0" hangingPunct="0">
+              <a:defRPr>
+                <a:solidFill>
+                  <a:schemeClr val="tx1"/>
+                </a:solidFill>
+                <a:latin typeface="Arial" charset="0"/>
+              </a:defRPr>
+            </a:lvl3pPr>
+            <a:lvl4pPr marL="1600200" indent="-228600" eaLnBrk="0" hangingPunct="0">
+              <a:defRPr>
+                <a:solidFill>
+                  <a:schemeClr val="tx1"/>
+                </a:solidFill>
+                <a:latin typeface="Arial" charset="0"/>
+              </a:defRPr>
+            </a:lvl4pPr>
+            <a:lvl5pPr marL="2057400" indent="-228600" eaLnBrk="0" hangingPunct="0">
+              <a:defRPr>
+                <a:solidFill>
+                  <a:schemeClr val="tx1"/>
+                </a:solidFill>
+                <a:latin typeface="Arial" charset="0"/>
+              </a:defRPr>
+            </a:lvl5pPr>
+            <a:lvl6pPr marL="2514600" indent="-228600" eaLnBrk="0" fontAlgn="base" hangingPunct="0">
+              <a:spcBef>
+                <a:spcPct val="0"/>
+              </a:spcBef>
+              <a:spcAft>
+                <a:spcPct val="0"/>
+              </a:spcAft>
+              <a:defRPr>
+                <a:solidFill>
+                  <a:schemeClr val="tx1"/>
+                </a:solidFill>
+                <a:latin typeface="Arial" charset="0"/>
+              </a:defRPr>
+            </a:lvl6pPr>
+            <a:lvl7pPr marL="2971800" indent="-228600" eaLnBrk="0" fontAlgn="base" hangingPunct="0">
+              <a:spcBef>
+                <a:spcPct val="0"/>
+              </a:spcBef>
+              <a:spcAft>
+                <a:spcPct val="0"/>
+              </a:spcAft>
+              <a:defRPr>
+                <a:solidFill>
+                  <a:schemeClr val="tx1"/>
+                </a:solidFill>
+                <a:latin typeface="Arial" charset="0"/>
+              </a:defRPr>
+            </a:lvl7pPr>
+            <a:lvl8pPr marL="3429000" indent="-228600" eaLnBrk="0" fontAlgn="base" hangingPunct="0">
+              <a:spcBef>
+                <a:spcPct val="0"/>
+              </a:spcBef>
+              <a:spcAft>
+                <a:spcPct val="0"/>
+              </a:spcAft>
+              <a:defRPr>
+                <a:solidFill>
+                  <a:schemeClr val="tx1"/>
+                </a:solidFill>
+                <a:latin typeface="Arial" charset="0"/>
+              </a:defRPr>
+            </a:lvl8pPr>
+            <a:lvl9pPr marL="3886200" indent="-228600" eaLnBrk="0" fontAlgn="base" hangingPunct="0">
+              <a:spcBef>
+                <a:spcPct val="0"/>
+              </a:spcBef>
+              <a:spcAft>
+                <a:spcPct val="0"/>
+              </a:spcAft>
+              <a:defRPr>
+                <a:solidFill>
+                  <a:schemeClr val="tx1"/>
+                </a:solidFill>
+                <a:latin typeface="Arial" charset="0"/>
+              </a:defRPr>
+            </a:lvl9pPr>
+          </a:lstStyle>
+          <a:p>
+            <a:pPr>
+              <a:spcBef>
+                <a:spcPts val="300"/>
+              </a:spcBef>
+              <a:buClr>
+                <a:schemeClr val="tx1"/>
+              </a:buClr>
+              <a:buSzPct val="125000"/>
+              <a:buFont typeface="Symbol" pitchFamily="18" charset="2"/>
+              <a:buNone/>
+            </a:pPr>
+            <a:r>
+              <a:rPr lang="en-US" dirty="0"/>
+              <a:t>Resistive walls (SIBC)</a:t>
+            </a:r>
+          </a:p>
+        </p:txBody>
+      </p:sp>
+      <p:sp>
+        <p:nvSpPr>
+          <p:cNvPr id="12" name="Text Box 3">
+            <a:extLst>
+              <a:ext uri="{FF2B5EF4-FFF2-40B4-BE49-F238E27FC236}">
+                <a16:creationId xmlns:a16="http://schemas.microsoft.com/office/drawing/2014/main" id="{DBA5F5B0-1056-C085-8E1C-58E04FDE3DE5}"/>
+              </a:ext>
+            </a:extLst>
+          </p:cNvPr>
+          <p:cNvSpPr txBox="1">
+            <a:spLocks noChangeArrowheads="1"/>
+          </p:cNvSpPr>
+          <p:nvPr/>
+        </p:nvSpPr>
+        <p:spPr bwMode="auto">
+          <a:xfrm>
+            <a:off x="4098514" y="4653136"/>
+            <a:ext cx="3574242" cy="349702"/>
+          </a:xfrm>
+          <a:prstGeom prst="rect">
+            <a:avLst/>
+          </a:prstGeom>
+          <a:noFill/>
+          <a:ln>
+            <a:noFill/>
+          </a:ln>
+          <a:extLst>
+            <a:ext uri="{909E8E84-426E-40DD-AFC4-6F175D3DCCD1}">
+              <a14:hiddenFill xmlns:a14="http://schemas.microsoft.com/office/drawing/2010/main">
+                <a:solidFill>
+                  <a:srgbClr val="FFFFFF"/>
+                </a:solidFill>
+              </a14:hiddenFill>
+            </a:ext>
+            <a:ext uri="{91240B29-F687-4F45-9708-019B960494DF}">
+              <a14:hiddenLine xmlns:a14="http://schemas.microsoft.com/office/drawing/2010/main" w="15875">
+                <a:solidFill>
+                  <a:srgbClr val="000000"/>
+                </a:solidFill>
+                <a:miter lim="800000"/>
+                <a:headEnd/>
+                <a:tailEnd/>
+              </a14:hiddenLine>
+            </a:ext>
+          </a:extLst>
+        </p:spPr>
+        <p:txBody>
+          <a:bodyPr wrap="square" lIns="72000" tIns="36000" rIns="72000" bIns="36000">
+            <a:spAutoFit/>
+          </a:bodyPr>
+          <a:lstStyle>
+            <a:lvl1pPr eaLnBrk="0" hangingPunct="0">
+              <a:defRPr>
+                <a:solidFill>
+                  <a:schemeClr val="tx1"/>
+                </a:solidFill>
+                <a:latin typeface="Arial" charset="0"/>
+              </a:defRPr>
+            </a:lvl1pPr>
+            <a:lvl2pPr marL="742950" indent="-285750" eaLnBrk="0" hangingPunct="0">
+              <a:defRPr>
+                <a:solidFill>
+                  <a:schemeClr val="tx1"/>
+                </a:solidFill>
+                <a:latin typeface="Arial" charset="0"/>
+              </a:defRPr>
+            </a:lvl2pPr>
+            <a:lvl3pPr marL="1143000" indent="-228600" eaLnBrk="0" hangingPunct="0">
+              <a:defRPr>
+                <a:solidFill>
+                  <a:schemeClr val="tx1"/>
+                </a:solidFill>
+                <a:latin typeface="Arial" charset="0"/>
+              </a:defRPr>
+            </a:lvl3pPr>
+            <a:lvl4pPr marL="1600200" indent="-228600" eaLnBrk="0" hangingPunct="0">
+              <a:defRPr>
+                <a:solidFill>
+                  <a:schemeClr val="tx1"/>
+                </a:solidFill>
+                <a:latin typeface="Arial" charset="0"/>
+              </a:defRPr>
+            </a:lvl4pPr>
+            <a:lvl5pPr marL="2057400" indent="-228600" eaLnBrk="0" hangingPunct="0">
+              <a:defRPr>
+                <a:solidFill>
+                  <a:schemeClr val="tx1"/>
+                </a:solidFill>
+                <a:latin typeface="Arial" charset="0"/>
+              </a:defRPr>
+            </a:lvl5pPr>
+            <a:lvl6pPr marL="2514600" indent="-228600" eaLnBrk="0" fontAlgn="base" hangingPunct="0">
+              <a:spcBef>
+                <a:spcPct val="0"/>
+              </a:spcBef>
+              <a:spcAft>
+                <a:spcPct val="0"/>
+              </a:spcAft>
+              <a:defRPr>
+                <a:solidFill>
+                  <a:schemeClr val="tx1"/>
+                </a:solidFill>
+                <a:latin typeface="Arial" charset="0"/>
+              </a:defRPr>
+            </a:lvl6pPr>
+            <a:lvl7pPr marL="2971800" indent="-228600" eaLnBrk="0" fontAlgn="base" hangingPunct="0">
+              <a:spcBef>
+                <a:spcPct val="0"/>
+              </a:spcBef>
+              <a:spcAft>
+                <a:spcPct val="0"/>
+              </a:spcAft>
+              <a:defRPr>
+                <a:solidFill>
+                  <a:schemeClr val="tx1"/>
+                </a:solidFill>
+                <a:latin typeface="Arial" charset="0"/>
+              </a:defRPr>
+            </a:lvl7pPr>
+            <a:lvl8pPr marL="3429000" indent="-228600" eaLnBrk="0" fontAlgn="base" hangingPunct="0">
+              <a:spcBef>
+                <a:spcPct val="0"/>
+              </a:spcBef>
+              <a:spcAft>
+                <a:spcPct val="0"/>
+              </a:spcAft>
+              <a:defRPr>
+                <a:solidFill>
+                  <a:schemeClr val="tx1"/>
+                </a:solidFill>
+                <a:latin typeface="Arial" charset="0"/>
+              </a:defRPr>
+            </a:lvl8pPr>
+            <a:lvl9pPr marL="3886200" indent="-228600" eaLnBrk="0" fontAlgn="base" hangingPunct="0">
+              <a:spcBef>
+                <a:spcPct val="0"/>
+              </a:spcBef>
+              <a:spcAft>
+                <a:spcPct val="0"/>
+              </a:spcAft>
+              <a:defRPr>
+                <a:solidFill>
+                  <a:schemeClr val="tx1"/>
+                </a:solidFill>
+                <a:latin typeface="Arial" charset="0"/>
+              </a:defRPr>
+            </a:lvl9pPr>
+          </a:lstStyle>
+          <a:p>
+            <a:pPr>
+              <a:spcBef>
+                <a:spcPts val="300"/>
+              </a:spcBef>
+              <a:buClr>
+                <a:schemeClr val="tx1"/>
+              </a:buClr>
+              <a:buSzPct val="125000"/>
+              <a:buFont typeface="Symbol" pitchFamily="18" charset="2"/>
+              <a:buNone/>
+            </a:pPr>
+            <a:r>
+              <a:rPr lang="en-US" dirty="0"/>
+              <a:t>Incoming beam field at the ports</a:t>
+            </a:r>
+          </a:p>
+        </p:txBody>
+      </p:sp>
+      <p:sp>
+        <p:nvSpPr>
+          <p:cNvPr id="13" name="Text Box 3">
+            <a:extLst>
+              <a:ext uri="{FF2B5EF4-FFF2-40B4-BE49-F238E27FC236}">
+                <a16:creationId xmlns:a16="http://schemas.microsoft.com/office/drawing/2014/main" id="{9CF49F9E-4374-725D-A3E5-C8978C3C6F86}"/>
+              </a:ext>
+            </a:extLst>
+          </p:cNvPr>
+          <p:cNvSpPr txBox="1">
+            <a:spLocks noChangeArrowheads="1"/>
+          </p:cNvSpPr>
+          <p:nvPr/>
+        </p:nvSpPr>
+        <p:spPr bwMode="auto">
+          <a:xfrm>
+            <a:off x="4098514" y="5373660"/>
+            <a:ext cx="3574242" cy="349702"/>
+          </a:xfrm>
+          <a:prstGeom prst="rect">
+            <a:avLst/>
+          </a:prstGeom>
+          <a:noFill/>
+          <a:ln>
+            <a:noFill/>
+          </a:ln>
+          <a:extLst>
+            <a:ext uri="{909E8E84-426E-40DD-AFC4-6F175D3DCCD1}">
+              <a14:hiddenFill xmlns:a14="http://schemas.microsoft.com/office/drawing/2010/main">
+                <a:solidFill>
+                  <a:srgbClr val="FFFFFF"/>
+                </a:solidFill>
+              </a14:hiddenFill>
+            </a:ext>
+            <a:ext uri="{91240B29-F687-4F45-9708-019B960494DF}">
+              <a14:hiddenLine xmlns:a14="http://schemas.microsoft.com/office/drawing/2010/main" w="15875">
+                <a:solidFill>
+                  <a:srgbClr val="000000"/>
+                </a:solidFill>
+                <a:miter lim="800000"/>
+                <a:headEnd/>
+                <a:tailEnd/>
+              </a14:hiddenLine>
+            </a:ext>
+          </a:extLst>
+        </p:spPr>
+        <p:txBody>
+          <a:bodyPr wrap="square" lIns="72000" tIns="36000" rIns="72000" bIns="36000">
+            <a:spAutoFit/>
+          </a:bodyPr>
+          <a:lstStyle>
+            <a:lvl1pPr eaLnBrk="0" hangingPunct="0">
+              <a:defRPr>
+                <a:solidFill>
+                  <a:schemeClr val="tx1"/>
+                </a:solidFill>
+                <a:latin typeface="Arial" charset="0"/>
+              </a:defRPr>
+            </a:lvl1pPr>
+            <a:lvl2pPr marL="742950" indent="-285750" eaLnBrk="0" hangingPunct="0">
+              <a:defRPr>
+                <a:solidFill>
+                  <a:schemeClr val="tx1"/>
+                </a:solidFill>
+                <a:latin typeface="Arial" charset="0"/>
+              </a:defRPr>
+            </a:lvl2pPr>
+            <a:lvl3pPr marL="1143000" indent="-228600" eaLnBrk="0" hangingPunct="0">
+              <a:defRPr>
+                <a:solidFill>
+                  <a:schemeClr val="tx1"/>
+                </a:solidFill>
+                <a:latin typeface="Arial" charset="0"/>
+              </a:defRPr>
+            </a:lvl3pPr>
+            <a:lvl4pPr marL="1600200" indent="-228600" eaLnBrk="0" hangingPunct="0">
+              <a:defRPr>
+                <a:solidFill>
+                  <a:schemeClr val="tx1"/>
+                </a:solidFill>
+                <a:latin typeface="Arial" charset="0"/>
+              </a:defRPr>
+            </a:lvl4pPr>
+            <a:lvl5pPr marL="2057400" indent="-228600" eaLnBrk="0" hangingPunct="0">
+              <a:defRPr>
+                <a:solidFill>
+                  <a:schemeClr val="tx1"/>
+                </a:solidFill>
+                <a:latin typeface="Arial" charset="0"/>
+              </a:defRPr>
+            </a:lvl5pPr>
+            <a:lvl6pPr marL="2514600" indent="-228600" eaLnBrk="0" fontAlgn="base" hangingPunct="0">
+              <a:spcBef>
+                <a:spcPct val="0"/>
+              </a:spcBef>
+              <a:spcAft>
+                <a:spcPct val="0"/>
+              </a:spcAft>
+              <a:defRPr>
+                <a:solidFill>
+                  <a:schemeClr val="tx1"/>
+                </a:solidFill>
+                <a:latin typeface="Arial" charset="0"/>
+              </a:defRPr>
+            </a:lvl6pPr>
+            <a:lvl7pPr marL="2971800" indent="-228600" eaLnBrk="0" fontAlgn="base" hangingPunct="0">
+              <a:spcBef>
+                <a:spcPct val="0"/>
+              </a:spcBef>
+              <a:spcAft>
+                <a:spcPct val="0"/>
+              </a:spcAft>
+              <a:defRPr>
+                <a:solidFill>
+                  <a:schemeClr val="tx1"/>
+                </a:solidFill>
+                <a:latin typeface="Arial" charset="0"/>
+              </a:defRPr>
+            </a:lvl7pPr>
+            <a:lvl8pPr marL="3429000" indent="-228600" eaLnBrk="0" fontAlgn="base" hangingPunct="0">
+              <a:spcBef>
+                <a:spcPct val="0"/>
+              </a:spcBef>
+              <a:spcAft>
+                <a:spcPct val="0"/>
+              </a:spcAft>
+              <a:defRPr>
+                <a:solidFill>
+                  <a:schemeClr val="tx1"/>
+                </a:solidFill>
+                <a:latin typeface="Arial" charset="0"/>
+              </a:defRPr>
+            </a:lvl8pPr>
+            <a:lvl9pPr marL="3886200" indent="-228600" eaLnBrk="0" fontAlgn="base" hangingPunct="0">
+              <a:spcBef>
+                <a:spcPct val="0"/>
+              </a:spcBef>
+              <a:spcAft>
+                <a:spcPct val="0"/>
+              </a:spcAft>
+              <a:defRPr>
+                <a:solidFill>
+                  <a:schemeClr val="tx1"/>
+                </a:solidFill>
+                <a:latin typeface="Arial" charset="0"/>
+              </a:defRPr>
+            </a:lvl9pPr>
+          </a:lstStyle>
+          <a:p>
+            <a:pPr>
+              <a:spcBef>
+                <a:spcPts val="300"/>
+              </a:spcBef>
+              <a:buClr>
+                <a:schemeClr val="tx1"/>
+              </a:buClr>
+              <a:buSzPct val="125000"/>
+              <a:buFont typeface="Symbol" pitchFamily="18" charset="2"/>
+              <a:buNone/>
+            </a:pPr>
+            <a:r>
+              <a:rPr lang="en-US" dirty="0"/>
+              <a:t>Reflected beam field at the ports</a:t>
+            </a:r>
+          </a:p>
+        </p:txBody>
+      </p:sp>
+      <p:sp>
+        <p:nvSpPr>
+          <p:cNvPr id="14" name="Text Box 3">
+            <a:extLst>
+              <a:ext uri="{FF2B5EF4-FFF2-40B4-BE49-F238E27FC236}">
+                <a16:creationId xmlns:a16="http://schemas.microsoft.com/office/drawing/2014/main" id="{CAFA405C-534F-72CB-8A57-A50D2AC21D98}"/>
+              </a:ext>
+            </a:extLst>
+          </p:cNvPr>
+          <p:cNvSpPr txBox="1">
+            <a:spLocks noChangeArrowheads="1"/>
+          </p:cNvSpPr>
+          <p:nvPr/>
+        </p:nvSpPr>
+        <p:spPr bwMode="auto">
+          <a:xfrm>
+            <a:off x="4098514" y="3249138"/>
+            <a:ext cx="2194363" cy="349702"/>
+          </a:xfrm>
+          <a:prstGeom prst="rect">
+            <a:avLst/>
+          </a:prstGeom>
+          <a:noFill/>
+          <a:ln>
+            <a:noFill/>
+          </a:ln>
+          <a:extLst>
+            <a:ext uri="{909E8E84-426E-40DD-AFC4-6F175D3DCCD1}">
+              <a14:hiddenFill xmlns:a14="http://schemas.microsoft.com/office/drawing/2010/main">
+                <a:solidFill>
+                  <a:srgbClr val="FFFFFF"/>
+                </a:solidFill>
+              </a14:hiddenFill>
+            </a:ext>
+            <a:ext uri="{91240B29-F687-4F45-9708-019B960494DF}">
+              <a14:hiddenLine xmlns:a14="http://schemas.microsoft.com/office/drawing/2010/main" w="15875">
+                <a:solidFill>
+                  <a:srgbClr val="000000"/>
+                </a:solidFill>
+                <a:miter lim="800000"/>
+                <a:headEnd/>
+                <a:tailEnd/>
+              </a14:hiddenLine>
+            </a:ext>
+          </a:extLst>
+        </p:spPr>
+        <p:txBody>
+          <a:bodyPr wrap="square" lIns="72000" tIns="36000" rIns="72000" bIns="36000">
+            <a:spAutoFit/>
+          </a:bodyPr>
+          <a:lstStyle>
+            <a:lvl1pPr eaLnBrk="0" hangingPunct="0">
+              <a:defRPr>
+                <a:solidFill>
+                  <a:schemeClr val="tx1"/>
+                </a:solidFill>
+                <a:latin typeface="Arial" charset="0"/>
+              </a:defRPr>
+            </a:lvl1pPr>
+            <a:lvl2pPr marL="742950" indent="-285750" eaLnBrk="0" hangingPunct="0">
+              <a:defRPr>
+                <a:solidFill>
+                  <a:schemeClr val="tx1"/>
+                </a:solidFill>
+                <a:latin typeface="Arial" charset="0"/>
+              </a:defRPr>
+            </a:lvl2pPr>
+            <a:lvl3pPr marL="1143000" indent="-228600" eaLnBrk="0" hangingPunct="0">
+              <a:defRPr>
+                <a:solidFill>
+                  <a:schemeClr val="tx1"/>
+                </a:solidFill>
+                <a:latin typeface="Arial" charset="0"/>
+              </a:defRPr>
+            </a:lvl3pPr>
+            <a:lvl4pPr marL="1600200" indent="-228600" eaLnBrk="0" hangingPunct="0">
+              <a:defRPr>
+                <a:solidFill>
+                  <a:schemeClr val="tx1"/>
+                </a:solidFill>
+                <a:latin typeface="Arial" charset="0"/>
+              </a:defRPr>
+            </a:lvl4pPr>
+            <a:lvl5pPr marL="2057400" indent="-228600" eaLnBrk="0" hangingPunct="0">
+              <a:defRPr>
+                <a:solidFill>
+                  <a:schemeClr val="tx1"/>
+                </a:solidFill>
+                <a:latin typeface="Arial" charset="0"/>
+              </a:defRPr>
+            </a:lvl5pPr>
+            <a:lvl6pPr marL="2514600" indent="-228600" eaLnBrk="0" fontAlgn="base" hangingPunct="0">
+              <a:spcBef>
+                <a:spcPct val="0"/>
+              </a:spcBef>
+              <a:spcAft>
+                <a:spcPct val="0"/>
+              </a:spcAft>
+              <a:defRPr>
+                <a:solidFill>
+                  <a:schemeClr val="tx1"/>
+                </a:solidFill>
+                <a:latin typeface="Arial" charset="0"/>
+              </a:defRPr>
+            </a:lvl6pPr>
+            <a:lvl7pPr marL="2971800" indent="-228600" eaLnBrk="0" fontAlgn="base" hangingPunct="0">
+              <a:spcBef>
+                <a:spcPct val="0"/>
+              </a:spcBef>
+              <a:spcAft>
+                <a:spcPct val="0"/>
+              </a:spcAft>
+              <a:defRPr>
+                <a:solidFill>
+                  <a:schemeClr val="tx1"/>
+                </a:solidFill>
+                <a:latin typeface="Arial" charset="0"/>
+              </a:defRPr>
+            </a:lvl7pPr>
+            <a:lvl8pPr marL="3429000" indent="-228600" eaLnBrk="0" fontAlgn="base" hangingPunct="0">
+              <a:spcBef>
+                <a:spcPct val="0"/>
+              </a:spcBef>
+              <a:spcAft>
+                <a:spcPct val="0"/>
+              </a:spcAft>
+              <a:defRPr>
+                <a:solidFill>
+                  <a:schemeClr val="tx1"/>
+                </a:solidFill>
+                <a:latin typeface="Arial" charset="0"/>
+              </a:defRPr>
+            </a:lvl8pPr>
+            <a:lvl9pPr marL="3886200" indent="-228600" eaLnBrk="0" fontAlgn="base" hangingPunct="0">
+              <a:spcBef>
+                <a:spcPct val="0"/>
+              </a:spcBef>
+              <a:spcAft>
+                <a:spcPct val="0"/>
+              </a:spcAft>
+              <a:defRPr>
+                <a:solidFill>
+                  <a:schemeClr val="tx1"/>
+                </a:solidFill>
+                <a:latin typeface="Arial" charset="0"/>
+              </a:defRPr>
+            </a:lvl9pPr>
+          </a:lstStyle>
+          <a:p>
+            <a:pPr>
+              <a:spcBef>
+                <a:spcPts val="300"/>
+              </a:spcBef>
+              <a:buClr>
+                <a:schemeClr val="tx1"/>
+              </a:buClr>
+              <a:buSzPct val="125000"/>
+              <a:buFont typeface="Symbol" pitchFamily="18" charset="2"/>
+              <a:buNone/>
+            </a:pPr>
+            <a:r>
+              <a:rPr lang="en-US" dirty="0"/>
+              <a:t>Port operators</a:t>
+            </a:r>
+          </a:p>
+        </p:txBody>
+      </p:sp>
+      <p:cxnSp>
+        <p:nvCxnSpPr>
+          <p:cNvPr id="15" name="Gerade Verbindung mit Pfeil 14">
+            <a:extLst>
+              <a:ext uri="{FF2B5EF4-FFF2-40B4-BE49-F238E27FC236}">
+                <a16:creationId xmlns:a16="http://schemas.microsoft.com/office/drawing/2014/main" id="{E1F68916-8665-7BF1-B301-FC2CB2044D95}"/>
+              </a:ext>
+            </a:extLst>
+          </p:cNvPr>
+          <p:cNvCxnSpPr/>
+          <p:nvPr/>
+        </p:nvCxnSpPr>
+        <p:spPr>
+          <a:xfrm>
+            <a:off x="6494585" y="2878570"/>
+            <a:ext cx="533400" cy="424204"/>
+          </a:xfrm>
+          <a:prstGeom prst="straightConnector1">
+            <a:avLst/>
+          </a:prstGeom>
+          <a:ln w="22225">
+            <a:solidFill>
+              <a:schemeClr val="tx1"/>
+            </a:solidFill>
+            <a:headEnd type="stealth" w="lg" len="lg"/>
+            <a:tailEnd type="none"/>
+          </a:ln>
+        </p:spPr>
+        <p:style>
+          <a:lnRef idx="1">
+            <a:schemeClr val="accent1"/>
+          </a:lnRef>
+          <a:fillRef idx="0">
+            <a:schemeClr val="accent1"/>
+          </a:fillRef>
+          <a:effectRef idx="0">
+            <a:schemeClr val="accent1"/>
+          </a:effectRef>
+          <a:fontRef idx="minor">
+            <a:schemeClr val="tx1"/>
+          </a:fontRef>
+        </p:style>
+      </p:cxnSp>
+    </p:spTree>
+    <p:extLst>
+      <p:ext uri="{BB962C8B-B14F-4D97-AF65-F5344CB8AC3E}">
+        <p14:creationId xmlns:p14="http://schemas.microsoft.com/office/powerpoint/2010/main" val="818742975"/>
+      </p:ext>
+    </p:extLst>
+  </p:cSld>
+  <p:clrMapOvr>
+    <a:masterClrMapping/>
+  </p:clrMapOvr>
+</p:sld>
+</file>
+
+<file path=ppt/slides/slide4.xml><?xml version="1.0" encoding="utf-8"?>
+<p:sld xmlns:a="http://schemas.openxmlformats.org/drawingml/2006/main" xmlns:r="http://schemas.openxmlformats.org/officeDocument/2006/relationships" xmlns:p="http://schemas.openxmlformats.org/presentationml/2006/main">
+  <p:cSld>
+    <p:spTree>
+      <p:nvGrpSpPr>
+        <p:cNvPr id="1" name=""/>
+        <p:cNvGrpSpPr/>
+        <p:nvPr/>
+      </p:nvGrpSpPr>
+      <p:grpSpPr>
+        <a:xfrm>
+          <a:off x="0" y="0"/>
+          <a:ext cx="0" cy="0"/>
+          <a:chOff x="0" y="0"/>
+          <a:chExt cx="0" cy="0"/>
+        </a:xfrm>
+      </p:grpSpPr>
+      <p:sp>
+        <p:nvSpPr>
+          <p:cNvPr id="2" name="Titel 1">
+            <a:extLst>
+              <a:ext uri="{FF2B5EF4-FFF2-40B4-BE49-F238E27FC236}">
                 <a16:creationId xmlns:a16="http://schemas.microsoft.com/office/drawing/2014/main" id="{CD0426A4-FC4F-5170-9B91-6DEEAC3BDFA8}"/>
               </a:ext>
             </a:extLst>
@@ -11295,222 +17761,6 @@
               <a:rPr lang="de-DE" dirty="0"/>
               <a:t>Problem Description</a:t>
             </a:r>
-          </a:p>
-        </p:txBody>
-      </p:sp>
-      <p:sp>
-        <p:nvSpPr>
-          <p:cNvPr id="3" name="Inhaltsplatzhalter 2">
-            <a:extLst>
-              <a:ext uri="{FF2B5EF4-FFF2-40B4-BE49-F238E27FC236}">
-                <a16:creationId xmlns:a16="http://schemas.microsoft.com/office/drawing/2014/main" id="{9107C529-1A0C-8B7C-CF61-299D6DC3BEA3}"/>
-              </a:ext>
-            </a:extLst>
-          </p:cNvPr>
-          <p:cNvSpPr>
-            <a:spLocks noGrp="1"/>
-          </p:cNvSpPr>
-          <p:nvPr>
-            <p:ph idx="1"/>
-          </p:nvPr>
-        </p:nvSpPr>
-        <p:spPr>
-          <a:xfrm>
-            <a:off x="245156" y="1426073"/>
-            <a:ext cx="8640763" cy="2310414"/>
-          </a:xfrm>
-        </p:spPr>
-        <p:txBody>
-          <a:bodyPr/>
-          <a:lstStyle/>
-          <a:p>
-            <a:r>
-              <a:rPr lang="de-DE" dirty="0" err="1"/>
-              <a:t>Direct</a:t>
-            </a:r>
-            <a:r>
-              <a:rPr lang="de-DE" dirty="0"/>
-              <a:t> </a:t>
-            </a:r>
-            <a:r>
-              <a:rPr lang="de-DE" dirty="0" err="1"/>
-              <a:t>approach</a:t>
-            </a:r>
-            <a:r>
-              <a:rPr lang="de-DE" dirty="0"/>
-              <a:t> </a:t>
-            </a:r>
-            <a:r>
-              <a:rPr lang="de-DE" dirty="0" err="1"/>
-              <a:t>for</a:t>
-            </a:r>
-            <a:r>
-              <a:rPr lang="de-DE" dirty="0"/>
-              <a:t> </a:t>
-            </a:r>
-            <a:r>
-              <a:rPr lang="de-DE" dirty="0" err="1"/>
-              <a:t>frequency</a:t>
-            </a:r>
-            <a:r>
-              <a:rPr lang="de-DE" dirty="0"/>
-              <a:t> </a:t>
-            </a:r>
-            <a:r>
-              <a:rPr lang="de-DE" dirty="0" err="1"/>
-              <a:t>sweep</a:t>
-            </a:r>
-            <a:r>
-              <a:rPr lang="de-DE" dirty="0"/>
-              <a:t>: </a:t>
-            </a:r>
-            <a:r>
-              <a:rPr lang="de-DE" dirty="0" err="1"/>
-              <a:t>solve</a:t>
-            </a:r>
-            <a:r>
-              <a:rPr lang="de-DE" dirty="0"/>
-              <a:t> </a:t>
-            </a:r>
-            <a:r>
-              <a:rPr lang="de-DE" dirty="0" err="1"/>
-              <a:t>problem</a:t>
-            </a:r>
-            <a:r>
-              <a:rPr lang="de-DE" dirty="0"/>
-              <a:t> in </a:t>
-            </a:r>
-            <a:r>
-              <a:rPr lang="de-DE" dirty="0" err="1"/>
-              <a:t>every</a:t>
-            </a:r>
-            <a:r>
-              <a:rPr lang="de-DE" dirty="0"/>
-              <a:t> relevant </a:t>
-            </a:r>
-            <a:r>
-              <a:rPr lang="de-DE" dirty="0" err="1"/>
-              <a:t>frequency</a:t>
-            </a:r>
-            <a:endParaRPr lang="de-DE" dirty="0"/>
-          </a:p>
-          <a:p>
-            <a:pPr lvl="1"/>
-            <a:r>
-              <a:rPr lang="de-DE" dirty="0"/>
-              <a:t>Large </a:t>
-            </a:r>
-            <a:r>
-              <a:rPr lang="de-DE" dirty="0" err="1"/>
-              <a:t>number</a:t>
-            </a:r>
-            <a:r>
-              <a:rPr lang="de-DE" dirty="0"/>
-              <a:t> </a:t>
-            </a:r>
-            <a:r>
-              <a:rPr lang="de-DE" dirty="0" err="1"/>
-              <a:t>of</a:t>
-            </a:r>
-            <a:r>
-              <a:rPr lang="de-DE" dirty="0"/>
-              <a:t> </a:t>
-            </a:r>
-            <a:r>
-              <a:rPr lang="de-DE" dirty="0" err="1"/>
-              <a:t>resonances</a:t>
-            </a:r>
-            <a:r>
-              <a:rPr lang="de-DE" dirty="0"/>
-              <a:t> in </a:t>
-            </a:r>
-            <a:r>
-              <a:rPr lang="de-DE" dirty="0" err="1"/>
-              <a:t>spectrum</a:t>
-            </a:r>
-            <a:endParaRPr lang="de-DE" dirty="0"/>
-          </a:p>
-          <a:p>
-            <a:pPr lvl="1"/>
-            <a:r>
-              <a:rPr lang="de-DE" dirty="0"/>
-              <a:t>Position and </a:t>
-            </a:r>
-            <a:r>
-              <a:rPr lang="de-DE" dirty="0" err="1"/>
-              <a:t>number</a:t>
-            </a:r>
-            <a:r>
-              <a:rPr lang="de-DE" dirty="0"/>
-              <a:t> </a:t>
-            </a:r>
-            <a:r>
-              <a:rPr lang="de-DE" dirty="0" err="1"/>
-              <a:t>is</a:t>
-            </a:r>
-            <a:r>
-              <a:rPr lang="de-DE" dirty="0"/>
-              <a:t> a priori </a:t>
-            </a:r>
-            <a:r>
-              <a:rPr lang="de-DE" dirty="0" err="1"/>
-              <a:t>unknown</a:t>
-            </a:r>
-            <a:endParaRPr lang="de-DE" dirty="0"/>
-          </a:p>
-          <a:p>
-            <a:pPr lvl="1"/>
-            <a:r>
-              <a:rPr lang="de-DE" dirty="0"/>
-              <a:t>&gt; Large </a:t>
-            </a:r>
-            <a:r>
-              <a:rPr lang="de-DE" dirty="0" err="1"/>
-              <a:t>number</a:t>
-            </a:r>
-            <a:r>
-              <a:rPr lang="de-DE" dirty="0"/>
-              <a:t> </a:t>
-            </a:r>
-            <a:r>
-              <a:rPr lang="de-DE" dirty="0" err="1"/>
-              <a:t>of</a:t>
-            </a:r>
-            <a:r>
-              <a:rPr lang="de-DE" dirty="0"/>
-              <a:t> </a:t>
-            </a:r>
-            <a:r>
-              <a:rPr lang="de-DE" dirty="0" err="1"/>
-              <a:t>model</a:t>
-            </a:r>
-            <a:r>
-              <a:rPr lang="de-DE" dirty="0"/>
-              <a:t> </a:t>
-            </a:r>
-            <a:r>
-              <a:rPr lang="de-DE" dirty="0" err="1"/>
-              <a:t>evaluations</a:t>
-            </a:r>
-            <a:r>
-              <a:rPr lang="de-DE" dirty="0"/>
-              <a:t> </a:t>
-            </a:r>
-            <a:r>
-              <a:rPr lang="de-DE" dirty="0" err="1"/>
-              <a:t>necessary</a:t>
-            </a:r>
-            <a:r>
-              <a:rPr lang="de-DE" dirty="0"/>
-              <a:t> (expensive)</a:t>
-            </a:r>
-          </a:p>
-          <a:p>
-            <a:pPr lvl="1"/>
-            <a:endParaRPr lang="de-DE" dirty="0"/>
-          </a:p>
-          <a:p>
-            <a:endParaRPr lang="de-DE" dirty="0"/>
           </a:p>
         </p:txBody>
       </p:sp>
@@ -11538,7 +17788,7 @@
             <a:fld id="{429C9586-58E4-4FC0-AB55-F3088F3AED5E}" type="slidenum">
               <a:rPr lang="de-DE" smtClean="0"/>
               <a:pPr/>
-              <a:t>3</a:t>
+              <a:t>4</a:t>
             </a:fld>
             <a:endParaRPr lang="de-DE" dirty="0"/>
           </a:p>
@@ -11788,6 +18038,222 @@
           </a:prstGeom>
         </p:spPr>
       </p:pic>
+      <p:sp>
+        <p:nvSpPr>
+          <p:cNvPr id="3" name="Inhaltsplatzhalter 2">
+            <a:extLst>
+              <a:ext uri="{FF2B5EF4-FFF2-40B4-BE49-F238E27FC236}">
+                <a16:creationId xmlns:a16="http://schemas.microsoft.com/office/drawing/2014/main" id="{9107C529-1A0C-8B7C-CF61-299D6DC3BEA3}"/>
+              </a:ext>
+            </a:extLst>
+          </p:cNvPr>
+          <p:cNvSpPr>
+            <a:spLocks noGrp="1"/>
+          </p:cNvSpPr>
+          <p:nvPr>
+            <p:ph idx="1"/>
+          </p:nvPr>
+        </p:nvSpPr>
+        <p:spPr>
+          <a:xfrm>
+            <a:off x="251641" y="1592796"/>
+            <a:ext cx="8640763" cy="2310414"/>
+          </a:xfrm>
+        </p:spPr>
+        <p:txBody>
+          <a:bodyPr/>
+          <a:lstStyle/>
+          <a:p>
+            <a:r>
+              <a:rPr lang="de-DE" dirty="0" err="1"/>
+              <a:t>Direct</a:t>
+            </a:r>
+            <a:r>
+              <a:rPr lang="de-DE" dirty="0"/>
+              <a:t> </a:t>
+            </a:r>
+            <a:r>
+              <a:rPr lang="de-DE" dirty="0" err="1"/>
+              <a:t>approach</a:t>
+            </a:r>
+            <a:r>
+              <a:rPr lang="de-DE" dirty="0"/>
+              <a:t> </a:t>
+            </a:r>
+            <a:r>
+              <a:rPr lang="de-DE" dirty="0" err="1"/>
+              <a:t>for</a:t>
+            </a:r>
+            <a:r>
+              <a:rPr lang="de-DE" dirty="0"/>
+              <a:t> </a:t>
+            </a:r>
+            <a:r>
+              <a:rPr lang="de-DE" dirty="0" err="1"/>
+              <a:t>frequency</a:t>
+            </a:r>
+            <a:r>
+              <a:rPr lang="de-DE" dirty="0"/>
+              <a:t> </a:t>
+            </a:r>
+            <a:r>
+              <a:rPr lang="de-DE" dirty="0" err="1"/>
+              <a:t>sweep</a:t>
+            </a:r>
+            <a:r>
+              <a:rPr lang="de-DE" dirty="0"/>
+              <a:t>: </a:t>
+            </a:r>
+            <a:r>
+              <a:rPr lang="de-DE" dirty="0" err="1"/>
+              <a:t>solve</a:t>
+            </a:r>
+            <a:r>
+              <a:rPr lang="de-DE" dirty="0"/>
+              <a:t> </a:t>
+            </a:r>
+            <a:r>
+              <a:rPr lang="de-DE" dirty="0" err="1"/>
+              <a:t>problem</a:t>
+            </a:r>
+            <a:r>
+              <a:rPr lang="de-DE" dirty="0"/>
+              <a:t> in </a:t>
+            </a:r>
+            <a:r>
+              <a:rPr lang="de-DE" dirty="0" err="1"/>
+              <a:t>every</a:t>
+            </a:r>
+            <a:r>
+              <a:rPr lang="de-DE" dirty="0"/>
+              <a:t> relevant </a:t>
+            </a:r>
+            <a:r>
+              <a:rPr lang="de-DE" dirty="0" err="1"/>
+              <a:t>frequency</a:t>
+            </a:r>
+            <a:endParaRPr lang="de-DE" dirty="0"/>
+          </a:p>
+          <a:p>
+            <a:pPr lvl="1"/>
+            <a:r>
+              <a:rPr lang="de-DE" dirty="0"/>
+              <a:t>Large </a:t>
+            </a:r>
+            <a:r>
+              <a:rPr lang="de-DE" dirty="0" err="1"/>
+              <a:t>number</a:t>
+            </a:r>
+            <a:r>
+              <a:rPr lang="de-DE" dirty="0"/>
+              <a:t> </a:t>
+            </a:r>
+            <a:r>
+              <a:rPr lang="de-DE" dirty="0" err="1"/>
+              <a:t>of</a:t>
+            </a:r>
+            <a:r>
+              <a:rPr lang="de-DE" dirty="0"/>
+              <a:t> </a:t>
+            </a:r>
+            <a:r>
+              <a:rPr lang="de-DE" dirty="0" err="1"/>
+              <a:t>resonances</a:t>
+            </a:r>
+            <a:r>
+              <a:rPr lang="de-DE" dirty="0"/>
+              <a:t> in </a:t>
+            </a:r>
+            <a:r>
+              <a:rPr lang="de-DE" dirty="0" err="1"/>
+              <a:t>spectrum</a:t>
+            </a:r>
+            <a:endParaRPr lang="de-DE" dirty="0"/>
+          </a:p>
+          <a:p>
+            <a:pPr lvl="1"/>
+            <a:r>
+              <a:rPr lang="de-DE" dirty="0"/>
+              <a:t>Position and </a:t>
+            </a:r>
+            <a:r>
+              <a:rPr lang="de-DE" dirty="0" err="1"/>
+              <a:t>number</a:t>
+            </a:r>
+            <a:r>
+              <a:rPr lang="de-DE" dirty="0"/>
+              <a:t> </a:t>
+            </a:r>
+            <a:r>
+              <a:rPr lang="de-DE" dirty="0" err="1"/>
+              <a:t>is</a:t>
+            </a:r>
+            <a:r>
+              <a:rPr lang="de-DE" dirty="0"/>
+              <a:t> a priori </a:t>
+            </a:r>
+            <a:r>
+              <a:rPr lang="de-DE" dirty="0" err="1"/>
+              <a:t>unknown</a:t>
+            </a:r>
+            <a:endParaRPr lang="de-DE" dirty="0"/>
+          </a:p>
+          <a:p>
+            <a:pPr lvl="1"/>
+            <a:r>
+              <a:rPr lang="de-DE" dirty="0"/>
+              <a:t>&gt; Large </a:t>
+            </a:r>
+            <a:r>
+              <a:rPr lang="de-DE" dirty="0" err="1"/>
+              <a:t>number</a:t>
+            </a:r>
+            <a:r>
+              <a:rPr lang="de-DE" dirty="0"/>
+              <a:t> </a:t>
+            </a:r>
+            <a:r>
+              <a:rPr lang="de-DE" dirty="0" err="1"/>
+              <a:t>of</a:t>
+            </a:r>
+            <a:r>
+              <a:rPr lang="de-DE" dirty="0"/>
+              <a:t> </a:t>
+            </a:r>
+            <a:r>
+              <a:rPr lang="de-DE" dirty="0" err="1"/>
+              <a:t>model</a:t>
+            </a:r>
+            <a:r>
+              <a:rPr lang="de-DE" dirty="0"/>
+              <a:t> </a:t>
+            </a:r>
+            <a:r>
+              <a:rPr lang="de-DE" dirty="0" err="1"/>
+              <a:t>evaluations</a:t>
+            </a:r>
+            <a:r>
+              <a:rPr lang="de-DE" dirty="0"/>
+              <a:t> </a:t>
+            </a:r>
+            <a:r>
+              <a:rPr lang="de-DE" dirty="0" err="1"/>
+              <a:t>necessary</a:t>
+            </a:r>
+            <a:r>
+              <a:rPr lang="de-DE" dirty="0"/>
+              <a:t> (expensive)</a:t>
+            </a:r>
+          </a:p>
+          <a:p>
+            <a:pPr lvl="1"/>
+            <a:endParaRPr lang="de-DE" dirty="0"/>
+          </a:p>
+          <a:p>
+            <a:endParaRPr lang="de-DE" dirty="0"/>
+          </a:p>
+        </p:txBody>
+      </p:sp>
     </p:spTree>
     <p:extLst>
       <p:ext uri="{BB962C8B-B14F-4D97-AF65-F5344CB8AC3E}">
@@ -11801,7 +18267,7 @@
 </p:sld>
 </file>
 
-<file path=ppt/slides/slide4.xml><?xml version="1.0" encoding="utf-8"?>
+<file path=ppt/slides/slide5.xml><?xml version="1.0" encoding="utf-8"?>
 <p:sld xmlns:a="http://schemas.openxmlformats.org/drawingml/2006/main" xmlns:r="http://schemas.openxmlformats.org/officeDocument/2006/relationships" xmlns:p="http://schemas.openxmlformats.org/presentationml/2006/main">
   <p:cSld>
     <p:spTree>
@@ -12183,7 +18649,7 @@
             <a:fld id="{429C9586-58E4-4FC0-AB55-F3088F3AED5E}" type="slidenum">
               <a:rPr lang="de-DE" smtClean="0"/>
               <a:pPr/>
-              <a:t>4</a:t>
+              <a:t>5</a:t>
             </a:fld>
             <a:endParaRPr lang="de-DE" dirty="0"/>
           </a:p>
@@ -12260,7 +18726,7 @@
 </p:sld>
 </file>
 
-<file path=ppt/slides/slide5.xml><?xml version="1.0" encoding="utf-8"?>
+<file path=ppt/slides/slide6.xml><?xml version="1.0" encoding="utf-8"?>
 <p:sld xmlns:a="http://schemas.openxmlformats.org/drawingml/2006/main" xmlns:r="http://schemas.openxmlformats.org/officeDocument/2006/relationships" xmlns:p="http://schemas.openxmlformats.org/presentationml/2006/main">
   <p:cSld>
     <p:spTree>
@@ -12313,8 +18779,8 @@
           </a:p>
         </p:txBody>
       </p:sp>
-      <mc:AlternateContent xmlns:mc="http://schemas.openxmlformats.org/markup-compatibility/2006" xmlns:a14="http://schemas.microsoft.com/office/drawing/2010/main">
-        <mc:Choice Requires="a14">
+      <mc:AlternateContent xmlns:mc="http://schemas.openxmlformats.org/markup-compatibility/2006">
+        <mc:Choice xmlns:a14="http://schemas.microsoft.com/office/drawing/2010/main" Requires="a14">
           <p:sp>
             <p:nvSpPr>
               <p:cNvPr id="3" name="Inhaltsplatzhalter 2">
@@ -12337,12 +18803,8 @@
               <a:lstStyle/>
               <a:p>
                 <a:r>
-                  <a:rPr lang="de-DE" dirty="0" err="1"/>
-                  <a:t>Evaluate</a:t>
-                </a:r>
-                <a:r>
                   <a:rPr lang="de-DE" dirty="0"/>
-                  <a:t> </a:t>
+                  <a:t>Evaluate </a:t>
                 </a:r>
                 <a:r>
                   <a:rPr lang="de-DE" dirty="0" err="1"/>
@@ -12679,7 +19141,7 @@
                           <a:rPr lang="de-DE" b="0" i="1" smtClean="0">
                             <a:latin typeface="Cambria Math" panose="02040503050406030204" pitchFamily="18" charset="0"/>
                           </a:rPr>
-                          <m:t>𝑇</m:t>
+                          <m:t>𝐻</m:t>
                         </m:r>
                       </m:sup>
                     </m:sSup>
@@ -12716,7 +19178,7 @@
                           <a:rPr lang="de-DE" b="0" i="1" smtClean="0">
                             <a:latin typeface="Cambria Math" panose="02040503050406030204" pitchFamily="18" charset="0"/>
                           </a:rPr>
-                          <m:t>𝑇</m:t>
+                          <m:t>𝐻</m:t>
                         </m:r>
                       </m:sup>
                     </m:sSup>
@@ -12835,7 +19297,7 @@
             </p:txBody>
           </p:sp>
         </mc:Choice>
-        <mc:Fallback xmlns="">
+        <mc:Fallback>
           <p:sp>
             <p:nvSpPr>
               <p:cNvPr id="3" name="Inhaltsplatzhalter 2">
@@ -12899,7 +19361,7 @@
             <a:fld id="{429C9586-58E4-4FC0-AB55-F3088F3AED5E}" type="slidenum">
               <a:rPr lang="de-DE" smtClean="0"/>
               <a:pPr/>
-              <a:t>5</a:t>
+              <a:t>6</a:t>
             </a:fld>
             <a:endParaRPr lang="de-DE" dirty="0"/>
           </a:p>
@@ -12976,7 +19438,7 @@
 </p:sld>
 </file>
 
-<file path=ppt/slides/slide6.xml><?xml version="1.0" encoding="utf-8"?>
+<file path=ppt/slides/slide7.xml><?xml version="1.0" encoding="utf-8"?>
 <p:sld xmlns:a="http://schemas.openxmlformats.org/drawingml/2006/main" xmlns:r="http://schemas.openxmlformats.org/officeDocument/2006/relationships" xmlns:p="http://schemas.openxmlformats.org/presentationml/2006/main">
   <p:cSld>
     <p:spTree>
@@ -13021,8 +19483,8 @@
           </a:p>
         </p:txBody>
       </p:sp>
-      <mc:AlternateContent xmlns:mc="http://schemas.openxmlformats.org/markup-compatibility/2006" xmlns:a14="http://schemas.microsoft.com/office/drawing/2010/main">
-        <mc:Choice Requires="a14">
+      <mc:AlternateContent xmlns:mc="http://schemas.openxmlformats.org/markup-compatibility/2006">
+        <mc:Choice xmlns:a14="http://schemas.microsoft.com/office/drawing/2010/main" Requires="a14">
           <p:sp>
             <p:nvSpPr>
               <p:cNvPr id="3" name="Inhaltsplatzhalter 2">
@@ -13239,7 +19701,7 @@
                           <a:rPr lang="de-DE" b="0" i="1" smtClean="0">
                             <a:latin typeface="Cambria Math" panose="02040503050406030204" pitchFamily="18" charset="0"/>
                           </a:rPr>
-                          <m:t>𝑇</m:t>
+                          <m:t>𝐻</m:t>
                         </m:r>
                       </m:sup>
                     </m:sSup>
@@ -13368,7 +19830,7 @@
             </p:txBody>
           </p:sp>
         </mc:Choice>
-        <mc:Fallback xmlns="">
+        <mc:Fallback>
           <p:sp>
             <p:nvSpPr>
               <p:cNvPr id="3" name="Inhaltsplatzhalter 2">
@@ -13432,7 +19894,7 @@
             <a:fld id="{429C9586-58E4-4FC0-AB55-F3088F3AED5E}" type="slidenum">
               <a:rPr lang="de-DE" smtClean="0"/>
               <a:pPr/>
-              <a:t>6</a:t>
+              <a:t>7</a:t>
             </a:fld>
             <a:endParaRPr lang="de-DE" dirty="0"/>
           </a:p>
@@ -13509,7 +19971,7 @@
 </p:sld>
 </file>
 
-<file path=ppt/slides/slide7.xml><?xml version="1.0" encoding="utf-8"?>
+<file path=ppt/slides/slide8.xml><?xml version="1.0" encoding="utf-8"?>
 <p:sld xmlns:a="http://schemas.openxmlformats.org/drawingml/2006/main" xmlns:r="http://schemas.openxmlformats.org/officeDocument/2006/relationships" xmlns:p="http://schemas.openxmlformats.org/presentationml/2006/main">
   <p:cSld>
     <p:spTree>
@@ -13578,7 +20040,7 @@
             <a:fld id="{429C9586-58E4-4FC0-AB55-F3088F3AED5E}" type="slidenum">
               <a:rPr lang="de-DE" smtClean="0"/>
               <a:pPr/>
-              <a:t>7</a:t>
+              <a:t>8</a:t>
             </a:fld>
             <a:endParaRPr lang="de-DE" dirty="0"/>
           </a:p>
@@ -14032,7 +20494,7 @@
 </p:sld>
 </file>
 
-<file path=ppt/slides/slide8.xml><?xml version="1.0" encoding="utf-8"?>
+<file path=ppt/slides/slide9.xml><?xml version="1.0" encoding="utf-8"?>
 <p:sld xmlns:a="http://schemas.openxmlformats.org/drawingml/2006/main" xmlns:r="http://schemas.openxmlformats.org/officeDocument/2006/relationships" xmlns:p="http://schemas.openxmlformats.org/presentationml/2006/main">
   <p:cSld>
     <p:spTree>
@@ -14110,7 +20572,7 @@
             <a:fld id="{429C9586-58E4-4FC0-AB55-F3088F3AED5E}" type="slidenum">
               <a:rPr lang="de-DE" smtClean="0"/>
               <a:pPr/>
-              <a:t>8</a:t>
+              <a:t>9</a:t>
             </a:fld>
             <a:endParaRPr lang="de-DE" dirty="0"/>
           </a:p>
@@ -14878,1123 +21340,6 @@
     <p:extLst>
       <p:ext uri="{BB962C8B-B14F-4D97-AF65-F5344CB8AC3E}">
         <p14:creationId xmlns:p14="http://schemas.microsoft.com/office/powerpoint/2010/main" val="4239442239"/>
-      </p:ext>
-    </p:extLst>
-  </p:cSld>
-  <p:clrMapOvr>
-    <a:masterClrMapping/>
-  </p:clrMapOvr>
-</p:sld>
-</file>
-
-<file path=ppt/slides/slide9.xml><?xml version="1.0" encoding="utf-8"?>
-<p:sld xmlns:a="http://schemas.openxmlformats.org/drawingml/2006/main" xmlns:r="http://schemas.openxmlformats.org/officeDocument/2006/relationships" xmlns:p="http://schemas.openxmlformats.org/presentationml/2006/main">
-  <p:cSld>
-    <p:spTree>
-      <p:nvGrpSpPr>
-        <p:cNvPr id="1" name=""/>
-        <p:cNvGrpSpPr/>
-        <p:nvPr/>
-      </p:nvGrpSpPr>
-      <p:grpSpPr>
-        <a:xfrm>
-          <a:off x="0" y="0"/>
-          <a:ext cx="0" cy="0"/>
-          <a:chOff x="0" y="0"/>
-          <a:chExt cx="0" cy="0"/>
-        </a:xfrm>
-      </p:grpSpPr>
-      <p:pic>
-        <p:nvPicPr>
-          <p:cNvPr id="52" name="Grafik 51">
-            <a:extLst>
-              <a:ext uri="{FF2B5EF4-FFF2-40B4-BE49-F238E27FC236}">
-                <a16:creationId xmlns:a16="http://schemas.microsoft.com/office/drawing/2014/main" id="{E2659806-2DB2-01DD-CB42-37303635CF04}"/>
-              </a:ext>
-            </a:extLst>
-          </p:cNvPr>
-          <p:cNvPicPr>
-            <a:picLocks noChangeAspect="1"/>
-          </p:cNvPicPr>
-          <p:nvPr/>
-        </p:nvPicPr>
-        <p:blipFill>
-          <a:blip r:embed="rId2"/>
-          <a:stretch>
-            <a:fillRect/>
-          </a:stretch>
-        </p:blipFill>
-        <p:spPr>
-          <a:xfrm>
-            <a:off x="1670443" y="2680321"/>
-            <a:ext cx="4894541" cy="3727731"/>
-          </a:xfrm>
-          <a:prstGeom prst="rect">
-            <a:avLst/>
-          </a:prstGeom>
-        </p:spPr>
-      </p:pic>
-      <p:sp>
-        <p:nvSpPr>
-          <p:cNvPr id="2" name="Titel 1">
-            <a:extLst>
-              <a:ext uri="{FF2B5EF4-FFF2-40B4-BE49-F238E27FC236}">
-                <a16:creationId xmlns:a16="http://schemas.microsoft.com/office/drawing/2014/main" id="{07080679-BD84-B529-0A15-B98EC5F14C92}"/>
-              </a:ext>
-            </a:extLst>
-          </p:cNvPr>
-          <p:cNvSpPr>
-            <a:spLocks noGrp="1"/>
-          </p:cNvSpPr>
-          <p:nvPr>
-            <p:ph type="title"/>
-          </p:nvPr>
-        </p:nvSpPr>
-        <p:spPr/>
-        <p:txBody>
-          <a:bodyPr/>
-          <a:lstStyle/>
-          <a:p>
-            <a:r>
-              <a:rPr lang="de-DE" dirty="0" err="1"/>
-              <a:t>Results</a:t>
-            </a:r>
-            <a:r>
-              <a:rPr lang="de-DE" dirty="0"/>
-              <a:t> – WG Transition</a:t>
-            </a:r>
-          </a:p>
-        </p:txBody>
-      </p:sp>
-      <p:sp>
-        <p:nvSpPr>
-          <p:cNvPr id="4" name="Foliennummernplatzhalter 3">
-            <a:extLst>
-              <a:ext uri="{FF2B5EF4-FFF2-40B4-BE49-F238E27FC236}">
-                <a16:creationId xmlns:a16="http://schemas.microsoft.com/office/drawing/2014/main" id="{043E8030-0C5E-2FE1-A642-2B202110315C}"/>
-              </a:ext>
-            </a:extLst>
-          </p:cNvPr>
-          <p:cNvSpPr>
-            <a:spLocks noGrp="1"/>
-          </p:cNvSpPr>
-          <p:nvPr>
-            <p:ph type="sldNum" sz="quarter" idx="4"/>
-          </p:nvPr>
-        </p:nvSpPr>
-        <p:spPr/>
-        <p:txBody>
-          <a:bodyPr/>
-          <a:lstStyle/>
-          <a:p>
-            <a:fld id="{429C9586-58E4-4FC0-AB55-F3088F3AED5E}" type="slidenum">
-              <a:rPr lang="de-DE" smtClean="0"/>
-              <a:pPr/>
-              <a:t>9</a:t>
-            </a:fld>
-            <a:endParaRPr lang="de-DE" dirty="0"/>
-          </a:p>
-        </p:txBody>
-      </p:sp>
-      <p:sp>
-        <p:nvSpPr>
-          <p:cNvPr id="5" name="Fußzeilenplatzhalter 4">
-            <a:extLst>
-              <a:ext uri="{FF2B5EF4-FFF2-40B4-BE49-F238E27FC236}">
-                <a16:creationId xmlns:a16="http://schemas.microsoft.com/office/drawing/2014/main" id="{CDA1D5BE-A18C-8529-13E9-8A7AB1AF115C}"/>
-              </a:ext>
-            </a:extLst>
-          </p:cNvPr>
-          <p:cNvSpPr>
-            <a:spLocks noGrp="1"/>
-          </p:cNvSpPr>
-          <p:nvPr>
-            <p:ph type="ftr" sz="quarter" idx="3"/>
-          </p:nvPr>
-        </p:nvSpPr>
-        <p:spPr/>
-        <p:txBody>
-          <a:bodyPr/>
-          <a:lstStyle/>
-          <a:p>
-            <a:r>
-              <a:rPr lang="en-US"/>
-              <a:t>TU Darmstadt | Institut für Teilchenbeschleunigung und Elektromagnetische Felder (TEMF) | Frederik Quetscher</a:t>
-            </a:r>
-            <a:endParaRPr lang="en-US" dirty="0"/>
-          </a:p>
-        </p:txBody>
-      </p:sp>
-      <p:sp>
-        <p:nvSpPr>
-          <p:cNvPr id="6" name="Datumsplatzhalter 5">
-            <a:extLst>
-              <a:ext uri="{FF2B5EF4-FFF2-40B4-BE49-F238E27FC236}">
-                <a16:creationId xmlns:a16="http://schemas.microsoft.com/office/drawing/2014/main" id="{4C7C9944-DC49-8066-1C85-B642DD74EBA1}"/>
-              </a:ext>
-            </a:extLst>
-          </p:cNvPr>
-          <p:cNvSpPr>
-            <a:spLocks noGrp="1"/>
-          </p:cNvSpPr>
-          <p:nvPr>
-            <p:ph type="dt" sz="half" idx="2"/>
-          </p:nvPr>
-        </p:nvSpPr>
-        <p:spPr/>
-        <p:txBody>
-          <a:bodyPr/>
-          <a:lstStyle/>
-          <a:p>
-            <a:r>
-              <a:rPr lang="de-DE"/>
-              <a:t>22.9.2022</a:t>
-            </a:r>
-            <a:endParaRPr lang="de-DE" dirty="0"/>
-          </a:p>
-        </p:txBody>
-      </p:sp>
-      <p:grpSp>
-        <p:nvGrpSpPr>
-          <p:cNvPr id="3" name="Gruppieren 2">
-            <a:extLst>
-              <a:ext uri="{FF2B5EF4-FFF2-40B4-BE49-F238E27FC236}">
-                <a16:creationId xmlns:a16="http://schemas.microsoft.com/office/drawing/2014/main" id="{3309F9C6-8360-07CA-11D4-C46F62D70B72}"/>
-              </a:ext>
-            </a:extLst>
-          </p:cNvPr>
-          <p:cNvGrpSpPr/>
-          <p:nvPr/>
-        </p:nvGrpSpPr>
-        <p:grpSpPr>
-          <a:xfrm>
-            <a:off x="2470404" y="3531878"/>
-            <a:ext cx="4087700" cy="2210670"/>
-            <a:chOff x="2614375" y="2953461"/>
-            <a:chExt cx="5053784" cy="2672663"/>
-          </a:xfrm>
-        </p:grpSpPr>
-        <p:sp>
-          <p:nvSpPr>
-            <p:cNvPr id="9" name="Textfeld 8">
-              <a:extLst>
-                <a:ext uri="{FF2B5EF4-FFF2-40B4-BE49-F238E27FC236}">
-                  <a16:creationId xmlns:a16="http://schemas.microsoft.com/office/drawing/2014/main" id="{07B915B8-4199-98DF-94B9-BADE643D4467}"/>
-                </a:ext>
-              </a:extLst>
-            </p:cNvPr>
-            <p:cNvSpPr txBox="1"/>
-            <p:nvPr/>
-          </p:nvSpPr>
-          <p:spPr>
-            <a:xfrm>
-              <a:off x="2699791" y="2953461"/>
-              <a:ext cx="865881" cy="446516"/>
-            </a:xfrm>
-            <a:prstGeom prst="rect">
-              <a:avLst/>
-            </a:prstGeom>
-            <a:noFill/>
-          </p:spPr>
-          <p:txBody>
-            <a:bodyPr wrap="square" rtlCol="0">
-              <a:spAutoFit/>
-            </a:bodyPr>
-            <a:lstStyle/>
-            <a:p>
-              <a:r>
-                <a:rPr lang="de-DE" dirty="0"/>
-                <a:t>Port</a:t>
-              </a:r>
-            </a:p>
-          </p:txBody>
-        </p:sp>
-        <p:sp>
-          <p:nvSpPr>
-            <p:cNvPr id="10" name="Textfeld 9">
-              <a:extLst>
-                <a:ext uri="{FF2B5EF4-FFF2-40B4-BE49-F238E27FC236}">
-                  <a16:creationId xmlns:a16="http://schemas.microsoft.com/office/drawing/2014/main" id="{50704DE3-584D-4CE7-9461-00786F7BAC3B}"/>
-                </a:ext>
-              </a:extLst>
-            </p:cNvPr>
-            <p:cNvSpPr txBox="1"/>
-            <p:nvPr/>
-          </p:nvSpPr>
-          <p:spPr>
-            <a:xfrm>
-              <a:off x="6866922" y="5179608"/>
-              <a:ext cx="801237" cy="446516"/>
-            </a:xfrm>
-            <a:prstGeom prst="rect">
-              <a:avLst/>
-            </a:prstGeom>
-            <a:noFill/>
-          </p:spPr>
-          <p:txBody>
-            <a:bodyPr wrap="square" rtlCol="0">
-              <a:spAutoFit/>
-            </a:bodyPr>
-            <a:lstStyle/>
-            <a:p>
-              <a:r>
-                <a:rPr lang="de-DE" dirty="0"/>
-                <a:t>Port</a:t>
-              </a:r>
-            </a:p>
-          </p:txBody>
-        </p:sp>
-        <p:sp>
-          <p:nvSpPr>
-            <p:cNvPr id="11" name="Textfeld 10">
-              <a:extLst>
-                <a:ext uri="{FF2B5EF4-FFF2-40B4-BE49-F238E27FC236}">
-                  <a16:creationId xmlns:a16="http://schemas.microsoft.com/office/drawing/2014/main" id="{91FE499A-B139-F0A2-29F9-96F3A378E93C}"/>
-                </a:ext>
-              </a:extLst>
-            </p:cNvPr>
-            <p:cNvSpPr txBox="1"/>
-            <p:nvPr/>
-          </p:nvSpPr>
-          <p:spPr>
-            <a:xfrm>
-              <a:off x="4752020" y="3739182"/>
-              <a:ext cx="1484443" cy="781404"/>
-            </a:xfrm>
-            <a:prstGeom prst="rect">
-              <a:avLst/>
-            </a:prstGeom>
-            <a:noFill/>
-          </p:spPr>
-          <p:txBody>
-            <a:bodyPr wrap="square" rtlCol="0">
-              <a:spAutoFit/>
-            </a:bodyPr>
-            <a:lstStyle/>
-            <a:p>
-              <a:pPr algn="ctr"/>
-              <a:r>
-                <a:rPr lang="de-DE" dirty="0"/>
-                <a:t>Resistive Wall</a:t>
-              </a:r>
-            </a:p>
-          </p:txBody>
-        </p:sp>
-        <p:sp>
-          <p:nvSpPr>
-            <p:cNvPr id="12" name="Textfeld 11">
-              <a:extLst>
-                <a:ext uri="{FF2B5EF4-FFF2-40B4-BE49-F238E27FC236}">
-                  <a16:creationId xmlns:a16="http://schemas.microsoft.com/office/drawing/2014/main" id="{56CAAF0A-5704-95BA-5EBF-F187B136E434}"/>
-                </a:ext>
-              </a:extLst>
-            </p:cNvPr>
-            <p:cNvSpPr txBox="1"/>
-            <p:nvPr/>
-          </p:nvSpPr>
-          <p:spPr>
-            <a:xfrm>
-              <a:off x="2614375" y="3643217"/>
-              <a:ext cx="1040325" cy="446516"/>
-            </a:xfrm>
-            <a:prstGeom prst="rect">
-              <a:avLst/>
-            </a:prstGeom>
-            <a:noFill/>
-          </p:spPr>
-          <p:txBody>
-            <a:bodyPr wrap="square" rtlCol="0">
-              <a:spAutoFit/>
-            </a:bodyPr>
-            <a:lstStyle/>
-            <a:p>
-              <a:pPr algn="ctr"/>
-              <a:r>
-                <a:rPr lang="de-DE" dirty="0"/>
-                <a:t>Beam</a:t>
-              </a:r>
-            </a:p>
-          </p:txBody>
-        </p:sp>
-      </p:grpSp>
-      <p:grpSp>
-        <p:nvGrpSpPr>
-          <p:cNvPr id="48" name="Gruppieren 47">
-            <a:extLst>
-              <a:ext uri="{FF2B5EF4-FFF2-40B4-BE49-F238E27FC236}">
-                <a16:creationId xmlns:a16="http://schemas.microsoft.com/office/drawing/2014/main" id="{7BB159C9-1660-2313-77A5-6523A0095088}"/>
-              </a:ext>
-            </a:extLst>
-          </p:cNvPr>
-          <p:cNvGrpSpPr/>
-          <p:nvPr/>
-        </p:nvGrpSpPr>
-        <p:grpSpPr>
-          <a:xfrm>
-            <a:off x="2675150" y="1534440"/>
-            <a:ext cx="2879562" cy="1113934"/>
-            <a:chOff x="2591780" y="1528344"/>
-            <a:chExt cx="2879562" cy="1113934"/>
-          </a:xfrm>
-        </p:grpSpPr>
-        <p:grpSp>
-          <p:nvGrpSpPr>
-            <p:cNvPr id="20" name="Gruppieren 19">
-              <a:extLst>
-                <a:ext uri="{FF2B5EF4-FFF2-40B4-BE49-F238E27FC236}">
-                  <a16:creationId xmlns:a16="http://schemas.microsoft.com/office/drawing/2014/main" id="{39DDE4CA-41E4-9FE5-6750-FE7FD9C22031}"/>
-                </a:ext>
-              </a:extLst>
-            </p:cNvPr>
-            <p:cNvGrpSpPr/>
-            <p:nvPr/>
-          </p:nvGrpSpPr>
-          <p:grpSpPr>
-            <a:xfrm>
-              <a:off x="3059832" y="1528344"/>
-              <a:ext cx="1872207" cy="1112208"/>
-              <a:chOff x="3385337" y="1528344"/>
-              <a:chExt cx="1293205" cy="1112208"/>
-            </a:xfrm>
-          </p:grpSpPr>
-          <p:sp>
-            <p:nvSpPr>
-              <p:cNvPr id="13" name="Rechteck 12">
-                <a:extLst>
-                  <a:ext uri="{FF2B5EF4-FFF2-40B4-BE49-F238E27FC236}">
-                    <a16:creationId xmlns:a16="http://schemas.microsoft.com/office/drawing/2014/main" id="{22FB64B5-F5BF-C909-C1CC-51838E0CBC06}"/>
-                  </a:ext>
-                </a:extLst>
-              </p:cNvPr>
-              <p:cNvSpPr/>
-              <p:nvPr/>
-            </p:nvSpPr>
-            <p:spPr>
-              <a:xfrm>
-                <a:off x="3385337" y="1529173"/>
-                <a:ext cx="1293204" cy="1106464"/>
-              </a:xfrm>
-              <a:prstGeom prst="rect">
-                <a:avLst/>
-              </a:prstGeom>
-              <a:ln>
-                <a:solidFill>
-                  <a:schemeClr val="bg1"/>
-                </a:solidFill>
-              </a:ln>
-            </p:spPr>
-            <p:style>
-              <a:lnRef idx="2">
-                <a:schemeClr val="accent1">
-                  <a:shade val="50000"/>
-                </a:schemeClr>
-              </a:lnRef>
-              <a:fillRef idx="1">
-                <a:schemeClr val="accent1"/>
-              </a:fillRef>
-              <a:effectRef idx="0">
-                <a:schemeClr val="accent1"/>
-              </a:effectRef>
-              <a:fontRef idx="minor">
-                <a:schemeClr val="lt1"/>
-              </a:fontRef>
-            </p:style>
-            <p:txBody>
-              <a:bodyPr rtlCol="0" anchor="ctr"/>
-              <a:lstStyle/>
-              <a:p>
-                <a:pPr algn="ctr"/>
-                <a:endParaRPr lang="de-DE">
-                  <a:solidFill>
-                    <a:srgbClr val="FFC000"/>
-                  </a:solidFill>
-                </a:endParaRPr>
-              </a:p>
-            </p:txBody>
-          </p:sp>
-          <p:cxnSp>
-            <p:nvCxnSpPr>
-              <p:cNvPr id="14" name="Gerader Verbinder 13">
-                <a:extLst>
-                  <a:ext uri="{FF2B5EF4-FFF2-40B4-BE49-F238E27FC236}">
-                    <a16:creationId xmlns:a16="http://schemas.microsoft.com/office/drawing/2014/main" id="{E69DB7CB-0F24-3B67-BFC2-20AA38AA50FA}"/>
-                  </a:ext>
-                </a:extLst>
-              </p:cNvPr>
-              <p:cNvCxnSpPr>
-                <a:cxnSpLocks/>
-              </p:cNvCxnSpPr>
-              <p:nvPr/>
-            </p:nvCxnSpPr>
-            <p:spPr>
-              <a:xfrm>
-                <a:off x="3387470" y="1528344"/>
-                <a:ext cx="0" cy="1105634"/>
-              </a:xfrm>
-              <a:prstGeom prst="line">
-                <a:avLst/>
-              </a:prstGeom>
-              <a:ln>
-                <a:solidFill>
-                  <a:schemeClr val="bg1">
-                    <a:lumMod val="50000"/>
-                  </a:schemeClr>
-                </a:solidFill>
-                <a:prstDash val="dash"/>
-              </a:ln>
-            </p:spPr>
-            <p:style>
-              <a:lnRef idx="2">
-                <a:schemeClr val="dk1"/>
-              </a:lnRef>
-              <a:fillRef idx="0">
-                <a:schemeClr val="dk1"/>
-              </a:fillRef>
-              <a:effectRef idx="1">
-                <a:schemeClr val="dk1"/>
-              </a:effectRef>
-              <a:fontRef idx="minor">
-                <a:schemeClr val="tx1"/>
-              </a:fontRef>
-            </p:style>
-          </p:cxnSp>
-          <p:cxnSp>
-            <p:nvCxnSpPr>
-              <p:cNvPr id="15" name="Gerader Verbinder 14">
-                <a:extLst>
-                  <a:ext uri="{FF2B5EF4-FFF2-40B4-BE49-F238E27FC236}">
-                    <a16:creationId xmlns:a16="http://schemas.microsoft.com/office/drawing/2014/main" id="{A14C9177-F930-CE30-23B6-DFD1FECB611D}"/>
-                  </a:ext>
-                </a:extLst>
-              </p:cNvPr>
-              <p:cNvCxnSpPr>
-                <a:cxnSpLocks/>
-              </p:cNvCxnSpPr>
-              <p:nvPr/>
-            </p:nvCxnSpPr>
-            <p:spPr>
-              <a:xfrm>
-                <a:off x="4678542" y="1534918"/>
-                <a:ext cx="0" cy="1105634"/>
-              </a:xfrm>
-              <a:prstGeom prst="line">
-                <a:avLst/>
-              </a:prstGeom>
-              <a:ln>
-                <a:solidFill>
-                  <a:schemeClr val="bg1">
-                    <a:lumMod val="50000"/>
-                  </a:schemeClr>
-                </a:solidFill>
-                <a:prstDash val="dash"/>
-              </a:ln>
-            </p:spPr>
-            <p:style>
-              <a:lnRef idx="2">
-                <a:schemeClr val="dk1"/>
-              </a:lnRef>
-              <a:fillRef idx="0">
-                <a:schemeClr val="dk1"/>
-              </a:fillRef>
-              <a:effectRef idx="1">
-                <a:schemeClr val="dk1"/>
-              </a:effectRef>
-              <a:fontRef idx="minor">
-                <a:schemeClr val="tx1"/>
-              </a:fontRef>
-            </p:style>
-          </p:cxnSp>
-        </p:grpSp>
-        <p:sp>
-          <p:nvSpPr>
-            <p:cNvPr id="47" name="Rechteck 46">
-              <a:extLst>
-                <a:ext uri="{FF2B5EF4-FFF2-40B4-BE49-F238E27FC236}">
-                  <a16:creationId xmlns:a16="http://schemas.microsoft.com/office/drawing/2014/main" id="{64BED592-ECDD-0831-0257-4A8FC719B42D}"/>
-                </a:ext>
-              </a:extLst>
-            </p:cNvPr>
-            <p:cNvSpPr/>
-            <p:nvPr/>
-          </p:nvSpPr>
-          <p:spPr>
-            <a:xfrm>
-              <a:off x="3563903" y="2403934"/>
-              <a:ext cx="864081" cy="238344"/>
-            </a:xfrm>
-            <a:prstGeom prst="rect">
-              <a:avLst/>
-            </a:prstGeom>
-            <a:solidFill>
-              <a:schemeClr val="bg1"/>
-            </a:solidFill>
-            <a:ln>
-              <a:solidFill>
-                <a:schemeClr val="bg1"/>
-              </a:solidFill>
-            </a:ln>
-          </p:spPr>
-          <p:style>
-            <a:lnRef idx="2">
-              <a:schemeClr val="accent1">
-                <a:shade val="50000"/>
-              </a:schemeClr>
-            </a:lnRef>
-            <a:fillRef idx="1">
-              <a:schemeClr val="accent1"/>
-            </a:fillRef>
-            <a:effectRef idx="0">
-              <a:schemeClr val="accent1"/>
-            </a:effectRef>
-            <a:fontRef idx="minor">
-              <a:schemeClr val="lt1"/>
-            </a:fontRef>
-          </p:style>
-          <p:txBody>
-            <a:bodyPr rtlCol="0" anchor="ctr"/>
-            <a:lstStyle/>
-            <a:p>
-              <a:pPr algn="ctr"/>
-              <a:endParaRPr lang="de-DE"/>
-            </a:p>
-          </p:txBody>
-        </p:sp>
-        <p:sp>
-          <p:nvSpPr>
-            <p:cNvPr id="46" name="Rechteck 45">
-              <a:extLst>
-                <a:ext uri="{FF2B5EF4-FFF2-40B4-BE49-F238E27FC236}">
-                  <a16:creationId xmlns:a16="http://schemas.microsoft.com/office/drawing/2014/main" id="{BFF8AF1B-6A1B-FF68-9A3C-EBBC8F7AE31D}"/>
-                </a:ext>
-              </a:extLst>
-            </p:cNvPr>
-            <p:cNvSpPr/>
-            <p:nvPr/>
-          </p:nvSpPr>
-          <p:spPr>
-            <a:xfrm>
-              <a:off x="3563888" y="1528345"/>
-              <a:ext cx="864081" cy="238344"/>
-            </a:xfrm>
-            <a:prstGeom prst="rect">
-              <a:avLst/>
-            </a:prstGeom>
-            <a:solidFill>
-              <a:schemeClr val="bg1"/>
-            </a:solidFill>
-            <a:ln>
-              <a:solidFill>
-                <a:schemeClr val="bg1"/>
-              </a:solidFill>
-            </a:ln>
-          </p:spPr>
-          <p:style>
-            <a:lnRef idx="2">
-              <a:schemeClr val="accent1">
-                <a:shade val="50000"/>
-              </a:schemeClr>
-            </a:lnRef>
-            <a:fillRef idx="1">
-              <a:schemeClr val="accent1"/>
-            </a:fillRef>
-            <a:effectRef idx="0">
-              <a:schemeClr val="accent1"/>
-            </a:effectRef>
-            <a:fontRef idx="minor">
-              <a:schemeClr val="lt1"/>
-            </a:fontRef>
-          </p:style>
-          <p:txBody>
-            <a:bodyPr rtlCol="0" anchor="ctr"/>
-            <a:lstStyle/>
-            <a:p>
-              <a:pPr algn="ctr"/>
-              <a:endParaRPr lang="de-DE"/>
-            </a:p>
-          </p:txBody>
-        </p:sp>
-        <p:cxnSp>
-          <p:nvCxnSpPr>
-            <p:cNvPr id="18" name="Gerade Verbindung mit Pfeil 17">
-              <a:extLst>
-                <a:ext uri="{FF2B5EF4-FFF2-40B4-BE49-F238E27FC236}">
-                  <a16:creationId xmlns:a16="http://schemas.microsoft.com/office/drawing/2014/main" id="{E0048044-1D23-D16F-3E02-5AF544D5721C}"/>
-                </a:ext>
-              </a:extLst>
-            </p:cNvPr>
-            <p:cNvCxnSpPr>
-              <a:cxnSpLocks/>
-            </p:cNvCxnSpPr>
-            <p:nvPr/>
-          </p:nvCxnSpPr>
-          <p:spPr>
-            <a:xfrm>
-              <a:off x="2591780" y="2082405"/>
-              <a:ext cx="2879562" cy="0"/>
-            </a:xfrm>
-            <a:prstGeom prst="straightConnector1">
-              <a:avLst/>
-            </a:prstGeom>
-            <a:ln>
-              <a:solidFill>
-                <a:srgbClr val="FF0000"/>
-              </a:solidFill>
-              <a:tailEnd type="triangle"/>
-            </a:ln>
-            <a:effectLst/>
-          </p:spPr>
-          <p:style>
-            <a:lnRef idx="2">
-              <a:schemeClr val="accent1"/>
-            </a:lnRef>
-            <a:fillRef idx="0">
-              <a:schemeClr val="accent1"/>
-            </a:fillRef>
-            <a:effectRef idx="1">
-              <a:schemeClr val="accent1"/>
-            </a:effectRef>
-            <a:fontRef idx="minor">
-              <a:schemeClr val="tx1"/>
-            </a:fontRef>
-          </p:style>
-        </p:cxnSp>
-        <p:grpSp>
-          <p:nvGrpSpPr>
-            <p:cNvPr id="39" name="Gruppieren 38">
-              <a:extLst>
-                <a:ext uri="{FF2B5EF4-FFF2-40B4-BE49-F238E27FC236}">
-                  <a16:creationId xmlns:a16="http://schemas.microsoft.com/office/drawing/2014/main" id="{50CE5F3D-DBE6-CF15-F9F4-165E1F9CB642}"/>
-                </a:ext>
-              </a:extLst>
-            </p:cNvPr>
-            <p:cNvGrpSpPr/>
-            <p:nvPr/>
-          </p:nvGrpSpPr>
-          <p:grpSpPr>
-            <a:xfrm>
-              <a:off x="2644740" y="1528344"/>
-              <a:ext cx="2700298" cy="251046"/>
-              <a:chOff x="2591781" y="1528344"/>
-              <a:chExt cx="2700298" cy="251046"/>
-            </a:xfrm>
-          </p:grpSpPr>
-          <p:cxnSp>
-            <p:nvCxnSpPr>
-              <p:cNvPr id="16" name="Gerader Verbinder 15">
-                <a:extLst>
-                  <a:ext uri="{FF2B5EF4-FFF2-40B4-BE49-F238E27FC236}">
-                    <a16:creationId xmlns:a16="http://schemas.microsoft.com/office/drawing/2014/main" id="{DA95D073-784E-EA49-4DB0-471273B4B0A6}"/>
-                  </a:ext>
-                </a:extLst>
-              </p:cNvPr>
-              <p:cNvCxnSpPr>
-                <a:cxnSpLocks/>
-              </p:cNvCxnSpPr>
-              <p:nvPr/>
-            </p:nvCxnSpPr>
-            <p:spPr>
-              <a:xfrm>
-                <a:off x="2591781" y="1530249"/>
-                <a:ext cx="900099" cy="0"/>
-              </a:xfrm>
-              <a:prstGeom prst="line">
-                <a:avLst/>
-              </a:prstGeom>
-              <a:effectLst/>
-            </p:spPr>
-            <p:style>
-              <a:lnRef idx="2">
-                <a:schemeClr val="dk1"/>
-              </a:lnRef>
-              <a:fillRef idx="0">
-                <a:schemeClr val="dk1"/>
-              </a:fillRef>
-              <a:effectRef idx="1">
-                <a:schemeClr val="dk1"/>
-              </a:effectRef>
-              <a:fontRef idx="minor">
-                <a:schemeClr val="tx1"/>
-              </a:fontRef>
-            </p:style>
-          </p:cxnSp>
-          <p:cxnSp>
-            <p:nvCxnSpPr>
-              <p:cNvPr id="23" name="Gerader Verbinder 22">
-                <a:extLst>
-                  <a:ext uri="{FF2B5EF4-FFF2-40B4-BE49-F238E27FC236}">
-                    <a16:creationId xmlns:a16="http://schemas.microsoft.com/office/drawing/2014/main" id="{FA3B05C8-8866-030A-228F-883A31953B42}"/>
-                  </a:ext>
-                </a:extLst>
-              </p:cNvPr>
-              <p:cNvCxnSpPr>
-                <a:cxnSpLocks/>
-              </p:cNvCxnSpPr>
-              <p:nvPr/>
-            </p:nvCxnSpPr>
-            <p:spPr>
-              <a:xfrm>
-                <a:off x="4391980" y="1529203"/>
-                <a:ext cx="900099" cy="0"/>
-              </a:xfrm>
-              <a:prstGeom prst="line">
-                <a:avLst/>
-              </a:prstGeom>
-              <a:effectLst/>
-            </p:spPr>
-            <p:style>
-              <a:lnRef idx="2">
-                <a:schemeClr val="dk1"/>
-              </a:lnRef>
-              <a:fillRef idx="0">
-                <a:schemeClr val="dk1"/>
-              </a:fillRef>
-              <a:effectRef idx="1">
-                <a:schemeClr val="dk1"/>
-              </a:effectRef>
-              <a:fontRef idx="minor">
-                <a:schemeClr val="tx1"/>
-              </a:fontRef>
-            </p:style>
-          </p:cxnSp>
-          <p:cxnSp>
-            <p:nvCxnSpPr>
-              <p:cNvPr id="24" name="Gerader Verbinder 23">
-                <a:extLst>
-                  <a:ext uri="{FF2B5EF4-FFF2-40B4-BE49-F238E27FC236}">
-                    <a16:creationId xmlns:a16="http://schemas.microsoft.com/office/drawing/2014/main" id="{201DAB10-1DD7-7FCB-FB45-79FEEEF59C13}"/>
-                  </a:ext>
-                </a:extLst>
-              </p:cNvPr>
-              <p:cNvCxnSpPr>
-                <a:cxnSpLocks/>
-              </p:cNvCxnSpPr>
-              <p:nvPr/>
-            </p:nvCxnSpPr>
-            <p:spPr>
-              <a:xfrm>
-                <a:off x="3491880" y="1772816"/>
-                <a:ext cx="900100" cy="0"/>
-              </a:xfrm>
-              <a:prstGeom prst="line">
-                <a:avLst/>
-              </a:prstGeom>
-              <a:effectLst/>
-            </p:spPr>
-            <p:style>
-              <a:lnRef idx="2">
-                <a:schemeClr val="dk1"/>
-              </a:lnRef>
-              <a:fillRef idx="0">
-                <a:schemeClr val="dk1"/>
-              </a:fillRef>
-              <a:effectRef idx="1">
-                <a:schemeClr val="dk1"/>
-              </a:effectRef>
-              <a:fontRef idx="minor">
-                <a:schemeClr val="tx1"/>
-              </a:fontRef>
-            </p:style>
-          </p:cxnSp>
-          <p:cxnSp>
-            <p:nvCxnSpPr>
-              <p:cNvPr id="28" name="Gerader Verbinder 27">
-                <a:extLst>
-                  <a:ext uri="{FF2B5EF4-FFF2-40B4-BE49-F238E27FC236}">
-                    <a16:creationId xmlns:a16="http://schemas.microsoft.com/office/drawing/2014/main" id="{072DE827-4D92-9855-3231-356D0E356151}"/>
-                  </a:ext>
-                </a:extLst>
-              </p:cNvPr>
-              <p:cNvCxnSpPr>
-                <a:cxnSpLocks/>
-              </p:cNvCxnSpPr>
-              <p:nvPr/>
-            </p:nvCxnSpPr>
-            <p:spPr>
-              <a:xfrm flipV="1">
-                <a:off x="3491880" y="1530249"/>
-                <a:ext cx="0" cy="244472"/>
-              </a:xfrm>
-              <a:prstGeom prst="line">
-                <a:avLst/>
-              </a:prstGeom>
-              <a:effectLst/>
-            </p:spPr>
-            <p:style>
-              <a:lnRef idx="2">
-                <a:schemeClr val="dk1"/>
-              </a:lnRef>
-              <a:fillRef idx="0">
-                <a:schemeClr val="dk1"/>
-              </a:fillRef>
-              <a:effectRef idx="1">
-                <a:schemeClr val="dk1"/>
-              </a:effectRef>
-              <a:fontRef idx="minor">
-                <a:schemeClr val="tx1"/>
-              </a:fontRef>
-            </p:style>
-          </p:cxnSp>
-          <p:cxnSp>
-            <p:nvCxnSpPr>
-              <p:cNvPr id="31" name="Gerader Verbinder 30">
-                <a:extLst>
-                  <a:ext uri="{FF2B5EF4-FFF2-40B4-BE49-F238E27FC236}">
-                    <a16:creationId xmlns:a16="http://schemas.microsoft.com/office/drawing/2014/main" id="{A3642BEF-1F78-F5E6-02E6-EF419879B2E9}"/>
-                  </a:ext>
-                </a:extLst>
-              </p:cNvPr>
-              <p:cNvCxnSpPr>
-                <a:cxnSpLocks/>
-              </p:cNvCxnSpPr>
-              <p:nvPr/>
-            </p:nvCxnSpPr>
-            <p:spPr>
-              <a:xfrm flipH="1" flipV="1">
-                <a:off x="4391980" y="1528344"/>
-                <a:ext cx="15" cy="251046"/>
-              </a:xfrm>
-              <a:prstGeom prst="line">
-                <a:avLst/>
-              </a:prstGeom>
-              <a:effectLst/>
-            </p:spPr>
-            <p:style>
-              <a:lnRef idx="2">
-                <a:schemeClr val="dk1"/>
-              </a:lnRef>
-              <a:fillRef idx="0">
-                <a:schemeClr val="dk1"/>
-              </a:fillRef>
-              <a:effectRef idx="1">
-                <a:schemeClr val="dk1"/>
-              </a:effectRef>
-              <a:fontRef idx="minor">
-                <a:schemeClr val="tx1"/>
-              </a:fontRef>
-            </p:style>
-          </p:cxnSp>
-        </p:grpSp>
-        <p:grpSp>
-          <p:nvGrpSpPr>
-            <p:cNvPr id="40" name="Gruppieren 39">
-              <a:extLst>
-                <a:ext uri="{FF2B5EF4-FFF2-40B4-BE49-F238E27FC236}">
-                  <a16:creationId xmlns:a16="http://schemas.microsoft.com/office/drawing/2014/main" id="{40527A8D-87D2-49A4-7AC2-9532533C8669}"/>
-                </a:ext>
-              </a:extLst>
-            </p:cNvPr>
-            <p:cNvGrpSpPr/>
-            <p:nvPr/>
-          </p:nvGrpSpPr>
-          <p:grpSpPr>
-            <a:xfrm flipV="1">
-              <a:off x="2644740" y="2385866"/>
-              <a:ext cx="2700298" cy="251046"/>
-              <a:chOff x="2591781" y="1528344"/>
-              <a:chExt cx="2700298" cy="251046"/>
-            </a:xfrm>
-          </p:grpSpPr>
-          <p:cxnSp>
-            <p:nvCxnSpPr>
-              <p:cNvPr id="41" name="Gerader Verbinder 40">
-                <a:extLst>
-                  <a:ext uri="{FF2B5EF4-FFF2-40B4-BE49-F238E27FC236}">
-                    <a16:creationId xmlns:a16="http://schemas.microsoft.com/office/drawing/2014/main" id="{BDD66C5F-52AE-53BC-0596-2BCC79B4FB30}"/>
-                  </a:ext>
-                </a:extLst>
-              </p:cNvPr>
-              <p:cNvCxnSpPr>
-                <a:cxnSpLocks/>
-              </p:cNvCxnSpPr>
-              <p:nvPr/>
-            </p:nvCxnSpPr>
-            <p:spPr>
-              <a:xfrm>
-                <a:off x="2591781" y="1530249"/>
-                <a:ext cx="900099" cy="0"/>
-              </a:xfrm>
-              <a:prstGeom prst="line">
-                <a:avLst/>
-              </a:prstGeom>
-              <a:effectLst/>
-            </p:spPr>
-            <p:style>
-              <a:lnRef idx="2">
-                <a:schemeClr val="dk1"/>
-              </a:lnRef>
-              <a:fillRef idx="0">
-                <a:schemeClr val="dk1"/>
-              </a:fillRef>
-              <a:effectRef idx="1">
-                <a:schemeClr val="dk1"/>
-              </a:effectRef>
-              <a:fontRef idx="minor">
-                <a:schemeClr val="tx1"/>
-              </a:fontRef>
-            </p:style>
-          </p:cxnSp>
-          <p:cxnSp>
-            <p:nvCxnSpPr>
-              <p:cNvPr id="42" name="Gerader Verbinder 41">
-                <a:extLst>
-                  <a:ext uri="{FF2B5EF4-FFF2-40B4-BE49-F238E27FC236}">
-                    <a16:creationId xmlns:a16="http://schemas.microsoft.com/office/drawing/2014/main" id="{EB625CE2-92D3-F6A4-1B9B-04047212F250}"/>
-                  </a:ext>
-                </a:extLst>
-              </p:cNvPr>
-              <p:cNvCxnSpPr>
-                <a:cxnSpLocks/>
-              </p:cNvCxnSpPr>
-              <p:nvPr/>
-            </p:nvCxnSpPr>
-            <p:spPr>
-              <a:xfrm>
-                <a:off x="4391980" y="1529203"/>
-                <a:ext cx="900099" cy="0"/>
-              </a:xfrm>
-              <a:prstGeom prst="line">
-                <a:avLst/>
-              </a:prstGeom>
-              <a:effectLst/>
-            </p:spPr>
-            <p:style>
-              <a:lnRef idx="2">
-                <a:schemeClr val="dk1"/>
-              </a:lnRef>
-              <a:fillRef idx="0">
-                <a:schemeClr val="dk1"/>
-              </a:fillRef>
-              <a:effectRef idx="1">
-                <a:schemeClr val="dk1"/>
-              </a:effectRef>
-              <a:fontRef idx="minor">
-                <a:schemeClr val="tx1"/>
-              </a:fontRef>
-            </p:style>
-          </p:cxnSp>
-          <p:cxnSp>
-            <p:nvCxnSpPr>
-              <p:cNvPr id="43" name="Gerader Verbinder 42">
-                <a:extLst>
-                  <a:ext uri="{FF2B5EF4-FFF2-40B4-BE49-F238E27FC236}">
-                    <a16:creationId xmlns:a16="http://schemas.microsoft.com/office/drawing/2014/main" id="{85F10597-BEA4-7EE5-2366-5A5C4BAC10B5}"/>
-                  </a:ext>
-                </a:extLst>
-              </p:cNvPr>
-              <p:cNvCxnSpPr>
-                <a:cxnSpLocks/>
-              </p:cNvCxnSpPr>
-              <p:nvPr/>
-            </p:nvCxnSpPr>
-            <p:spPr>
-              <a:xfrm>
-                <a:off x="3491880" y="1772816"/>
-                <a:ext cx="900100" cy="0"/>
-              </a:xfrm>
-              <a:prstGeom prst="line">
-                <a:avLst/>
-              </a:prstGeom>
-              <a:effectLst/>
-            </p:spPr>
-            <p:style>
-              <a:lnRef idx="2">
-                <a:schemeClr val="dk1"/>
-              </a:lnRef>
-              <a:fillRef idx="0">
-                <a:schemeClr val="dk1"/>
-              </a:fillRef>
-              <a:effectRef idx="1">
-                <a:schemeClr val="dk1"/>
-              </a:effectRef>
-              <a:fontRef idx="minor">
-                <a:schemeClr val="tx1"/>
-              </a:fontRef>
-            </p:style>
-          </p:cxnSp>
-          <p:cxnSp>
-            <p:nvCxnSpPr>
-              <p:cNvPr id="44" name="Gerader Verbinder 43">
-                <a:extLst>
-                  <a:ext uri="{FF2B5EF4-FFF2-40B4-BE49-F238E27FC236}">
-                    <a16:creationId xmlns:a16="http://schemas.microsoft.com/office/drawing/2014/main" id="{87BCF431-621E-0932-B4F7-727E111EB088}"/>
-                  </a:ext>
-                </a:extLst>
-              </p:cNvPr>
-              <p:cNvCxnSpPr>
-                <a:cxnSpLocks/>
-              </p:cNvCxnSpPr>
-              <p:nvPr/>
-            </p:nvCxnSpPr>
-            <p:spPr>
-              <a:xfrm flipV="1">
-                <a:off x="3491880" y="1530249"/>
-                <a:ext cx="0" cy="244472"/>
-              </a:xfrm>
-              <a:prstGeom prst="line">
-                <a:avLst/>
-              </a:prstGeom>
-              <a:effectLst/>
-            </p:spPr>
-            <p:style>
-              <a:lnRef idx="2">
-                <a:schemeClr val="dk1"/>
-              </a:lnRef>
-              <a:fillRef idx="0">
-                <a:schemeClr val="dk1"/>
-              </a:fillRef>
-              <a:effectRef idx="1">
-                <a:schemeClr val="dk1"/>
-              </a:effectRef>
-              <a:fontRef idx="minor">
-                <a:schemeClr val="tx1"/>
-              </a:fontRef>
-            </p:style>
-          </p:cxnSp>
-          <p:cxnSp>
-            <p:nvCxnSpPr>
-              <p:cNvPr id="45" name="Gerader Verbinder 44">
-                <a:extLst>
-                  <a:ext uri="{FF2B5EF4-FFF2-40B4-BE49-F238E27FC236}">
-                    <a16:creationId xmlns:a16="http://schemas.microsoft.com/office/drawing/2014/main" id="{F0B57686-7DFC-9C85-3BDF-B51288DFD1BB}"/>
-                  </a:ext>
-                </a:extLst>
-              </p:cNvPr>
-              <p:cNvCxnSpPr>
-                <a:cxnSpLocks/>
-              </p:cNvCxnSpPr>
-              <p:nvPr/>
-            </p:nvCxnSpPr>
-            <p:spPr>
-              <a:xfrm flipH="1" flipV="1">
-                <a:off x="4391980" y="1528344"/>
-                <a:ext cx="15" cy="251046"/>
-              </a:xfrm>
-              <a:prstGeom prst="line">
-                <a:avLst/>
-              </a:prstGeom>
-              <a:effectLst/>
-            </p:spPr>
-            <p:style>
-              <a:lnRef idx="2">
-                <a:schemeClr val="dk1"/>
-              </a:lnRef>
-              <a:fillRef idx="0">
-                <a:schemeClr val="dk1"/>
-              </a:fillRef>
-              <a:effectRef idx="1">
-                <a:schemeClr val="dk1"/>
-              </a:effectRef>
-              <a:fontRef idx="minor">
-                <a:schemeClr val="tx1"/>
-              </a:fontRef>
-            </p:style>
-          </p:cxnSp>
-        </p:grpSp>
-      </p:grpSp>
-    </p:spTree>
-    <p:extLst>
-      <p:ext uri="{BB962C8B-B14F-4D97-AF65-F5344CB8AC3E}">
-        <p14:creationId xmlns:p14="http://schemas.microsoft.com/office/powerpoint/2010/main" val="1750342334"/>
       </p:ext>
     </p:extLst>
   </p:cSld>

--- a/Mor presi.pptx
+++ b/Mor presi.pptx
@@ -3120,7 +3120,7 @@
           <a:p>
             <a:r>
               <a:rPr lang="de-DE" dirty="0"/>
-              <a:t>22.9.2022</a:t>
+              <a:t>25.01.2023</a:t>
             </a:r>
           </a:p>
         </p:txBody>
@@ -3130,6 +3130,22 @@
   <p:clrMapOvr>
     <a:masterClrMapping/>
   </p:clrMapOvr>
+  <p:extLst>
+    <p:ext uri="{DCECCB84-F9BA-43D5-87BE-67443E8EF086}">
+      <p15:sldGuideLst xmlns:p15="http://schemas.microsoft.com/office/powerpoint/2012/main">
+        <p15:guide id="1" orient="horz" pos="2160" userDrawn="1">
+          <p15:clr>
+            <a:srgbClr val="FBAE40"/>
+          </p15:clr>
+        </p15:guide>
+        <p15:guide id="2" pos="2880" userDrawn="1">
+          <p15:clr>
+            <a:srgbClr val="FBAE40"/>
+          </p15:clr>
+        </p15:guide>
+      </p15:sldGuideLst>
+    </p:ext>
+  </p:extLst>
 </p:sldLayout>
 </file>
 
@@ -3393,7 +3409,7 @@
           <a:p>
             <a:r>
               <a:rPr lang="de-DE" dirty="0"/>
-              <a:t>22.9.2022</a:t>
+              <a:t>25.01.2023</a:t>
             </a:r>
           </a:p>
         </p:txBody>
@@ -4311,6 +4327,22 @@
       </a:lvl9pPr>
     </p:otherStyle>
   </p:txStyles>
+  <p:extLst>
+    <p:ext uri="{27BBF7A9-308A-43DC-89C8-2F10F3537804}">
+      <p15:sldGuideLst xmlns:p15="http://schemas.microsoft.com/office/powerpoint/2012/main">
+        <p15:guide id="1" orient="horz" pos="2160" userDrawn="1">
+          <p15:clr>
+            <a:srgbClr val="F26B43"/>
+          </p15:clr>
+        </p15:guide>
+        <p15:guide id="2" pos="2880" userDrawn="1">
+          <p15:clr>
+            <a:srgbClr val="F26B43"/>
+          </p15:clr>
+        </p15:guide>
+      </p15:sldGuideLst>
+    </p:ext>
+  </p:extLst>
 </p:sldMaster>
 </file>
 
@@ -4493,7 +4525,7 @@
           <a:p>
             <a:r>
               <a:rPr lang="de-DE" dirty="0"/>
-              <a:t>20.10.2022</a:t>
+              <a:t>25.01.2023</a:t>
             </a:r>
           </a:p>
         </p:txBody>
@@ -10290,6 +10322,25 @@
             <a:pPr lvl="1"/>
             <a:r>
               <a:rPr lang="de-DE" dirty="0" err="1"/>
+              <a:t>Only</a:t>
+            </a:r>
+            <a:r>
+              <a:rPr lang="de-DE" dirty="0"/>
+              <a:t> check </a:t>
+            </a:r>
+            <a:r>
+              <a:rPr lang="de-DE" dirty="0" err="1"/>
+              <a:t>some</a:t>
+            </a:r>
+            <a:r>
+              <a:rPr lang="de-DE" dirty="0"/>
+              <a:t> DOFs</a:t>
+            </a:r>
+          </a:p>
+          <a:p>
+            <a:pPr lvl="1"/>
+            <a:r>
+              <a:rPr lang="de-DE" dirty="0" err="1"/>
               <a:t>Truncation</a:t>
             </a:r>
             <a:r>
@@ -10338,7 +10389,6 @@
             <a:endParaRPr lang="de-DE" dirty="0"/>
           </a:p>
           <a:p>
-            <a:pPr lvl="1"/>
             <a:r>
               <a:rPr lang="de-DE" dirty="0"/>
               <a:t>Memory </a:t>
@@ -10360,7 +10410,7 @@
               <a:t> </a:t>
             </a:r>
             <a:r>
-              <a:rPr lang="de-DE"/>
+              <a:rPr lang="de-DE" dirty="0" err="1"/>
               <a:t>tradeoff</a:t>
             </a:r>
             <a:endParaRPr lang="de-DE" dirty="0"/>

--- a/Mor presi.pptx
+++ b/Mor presi.pptx
@@ -5,10 +5,10 @@
     <p:sldMasterId id="2147483648" r:id="rId1"/>
   </p:sldMasterIdLst>
   <p:notesMasterIdLst>
-    <p:notesMasterId r:id="rId24"/>
+    <p:notesMasterId r:id="rId25"/>
   </p:notesMasterIdLst>
   <p:handoutMasterIdLst>
-    <p:handoutMasterId r:id="rId25"/>
+    <p:handoutMasterId r:id="rId26"/>
   </p:handoutMasterIdLst>
   <p:sldIdLst>
     <p:sldId id="260" r:id="rId2"/>
@@ -28,16 +28,17 @@
     <p:sldId id="335" r:id="rId16"/>
     <p:sldId id="337" r:id="rId17"/>
     <p:sldId id="336" r:id="rId18"/>
-    <p:sldId id="302" r:id="rId19"/>
-    <p:sldId id="324" r:id="rId20"/>
-    <p:sldId id="329" r:id="rId21"/>
-    <p:sldId id="319" r:id="rId22"/>
-    <p:sldId id="328" r:id="rId23"/>
+    <p:sldId id="698" r:id="rId19"/>
+    <p:sldId id="302" r:id="rId20"/>
+    <p:sldId id="324" r:id="rId21"/>
+    <p:sldId id="329" r:id="rId22"/>
+    <p:sldId id="319" r:id="rId23"/>
+    <p:sldId id="328" r:id="rId24"/>
   </p:sldIdLst>
   <p:sldSz cx="9144000" cy="6858000" type="screen4x3"/>
   <p:notesSz cx="6797675" cy="9926638"/>
   <p:custDataLst>
-    <p:tags r:id="rId26"/>
+    <p:tags r:id="rId27"/>
   </p:custDataLst>
   <p:defaultTextStyle>
     <a:defPPr>
@@ -186,6 +187,7 @@
             <p14:sldId id="335"/>
             <p14:sldId id="337"/>
             <p14:sldId id="336"/>
+            <p14:sldId id="698"/>
             <p14:sldId id="302"/>
             <p14:sldId id="324"/>
             <p14:sldId id="329"/>
@@ -2226,7 +2228,7 @@
               <a:pPr>
                 <a:defRPr/>
               </a:pPr>
-              <a:t>19</a:t>
+              <a:t>20</a:t>
             </a:fld>
             <a:endParaRPr lang="de-DE"/>
           </a:p>
@@ -2374,7 +2376,7 @@
               <a:pPr>
                 <a:defRPr/>
               </a:pPr>
-              <a:t>21</a:t>
+              <a:t>22</a:t>
             </a:fld>
             <a:endParaRPr lang="de-DE"/>
           </a:p>
@@ -2522,7 +2524,7 @@
               <a:pPr>
                 <a:defRPr/>
               </a:pPr>
-              <a:t>22</a:t>
+              <a:t>23</a:t>
             </a:fld>
             <a:endParaRPr lang="de-DE"/>
           </a:p>
@@ -10334,7 +10336,31 @@
             </a:r>
             <a:r>
               <a:rPr lang="de-DE" dirty="0"/>
-              <a:t> DOFs</a:t>
+              <a:t> DOFs  (</a:t>
+            </a:r>
+            <a:r>
+              <a:rPr lang="de-DE" dirty="0" err="1"/>
+              <a:t>Partially</a:t>
+            </a:r>
+            <a:r>
+              <a:rPr lang="de-DE" dirty="0"/>
+              <a:t> </a:t>
+            </a:r>
+            <a:r>
+              <a:rPr lang="de-DE" dirty="0" err="1"/>
+              <a:t>done</a:t>
+            </a:r>
+            <a:r>
+              <a:rPr lang="de-DE" dirty="0"/>
+              <a:t>, </a:t>
+            </a:r>
+            <a:r>
+              <a:rPr lang="de-DE" dirty="0" err="1"/>
+              <a:t>works</a:t>
+            </a:r>
+            <a:r>
+              <a:rPr lang="de-DE" dirty="0"/>
+              <a:t>)</a:t>
             </a:r>
           </a:p>
           <a:p>
@@ -10637,6 +10663,577 @@
           <p:cNvPr id="2" name="Titel 1">
             <a:extLst>
               <a:ext uri="{FF2B5EF4-FFF2-40B4-BE49-F238E27FC236}">
+                <a16:creationId xmlns:a16="http://schemas.microsoft.com/office/drawing/2014/main" id="{09F55D0F-7F7C-D14E-F97A-5DB7492B01E3}"/>
+              </a:ext>
+            </a:extLst>
+          </p:cNvPr>
+          <p:cNvSpPr>
+            <a:spLocks noGrp="1"/>
+          </p:cNvSpPr>
+          <p:nvPr>
+            <p:ph type="title"/>
+          </p:nvPr>
+        </p:nvSpPr>
+        <p:spPr/>
+        <p:txBody>
+          <a:bodyPr/>
+          <a:lstStyle/>
+          <a:p>
+            <a:r>
+              <a:rPr lang="de-DE" dirty="0" err="1"/>
+              <a:t>Only</a:t>
+            </a:r>
+            <a:r>
+              <a:rPr lang="de-DE" dirty="0"/>
+              <a:t> check </a:t>
+            </a:r>
+            <a:r>
+              <a:rPr lang="de-DE" dirty="0" err="1"/>
+              <a:t>some</a:t>
+            </a:r>
+            <a:r>
+              <a:rPr lang="de-DE" dirty="0"/>
+              <a:t> DOFs</a:t>
+            </a:r>
+          </a:p>
+        </p:txBody>
+      </p:sp>
+      <mc:AlternateContent xmlns:mc="http://schemas.openxmlformats.org/markup-compatibility/2006">
+        <mc:Choice xmlns:a14="http://schemas.microsoft.com/office/drawing/2010/main" Requires="a14">
+          <p:sp>
+            <p:nvSpPr>
+              <p:cNvPr id="3" name="Inhaltsplatzhalter 2">
+                <a:extLst>
+                  <a:ext uri="{FF2B5EF4-FFF2-40B4-BE49-F238E27FC236}">
+                    <a16:creationId xmlns:a16="http://schemas.microsoft.com/office/drawing/2014/main" id="{82CDB914-000D-2972-B336-1A534F3C8CB9}"/>
+                  </a:ext>
+                </a:extLst>
+              </p:cNvPr>
+              <p:cNvSpPr>
+                <a:spLocks noGrp="1"/>
+              </p:cNvSpPr>
+              <p:nvPr>
+                <p:ph idx="1"/>
+              </p:nvPr>
+            </p:nvSpPr>
+            <p:spPr/>
+            <p:txBody>
+              <a:bodyPr/>
+              <a:lstStyle/>
+              <a:p>
+                <a14:m>
+                  <m:oMath xmlns:m="http://schemas.openxmlformats.org/officeDocument/2006/math">
+                    <m:sSup>
+                      <m:sSupPr>
+                        <m:ctrlPr>
+                          <a:rPr lang="de-DE" b="0" i="1" smtClean="0">
+                            <a:latin typeface="Cambria Math" panose="02040503050406030204" pitchFamily="18" charset="0"/>
+                          </a:rPr>
+                        </m:ctrlPr>
+                      </m:sSupPr>
+                      <m:e>
+                        <m:r>
+                          <a:rPr lang="de-DE" b="0" i="1" smtClean="0">
+                            <a:latin typeface="Cambria Math" panose="02040503050406030204" pitchFamily="18" charset="0"/>
+                          </a:rPr>
+                          <m:t>𝑟</m:t>
+                        </m:r>
+                        <m:r>
+                          <a:rPr lang="de-DE" b="0" i="1" smtClean="0">
+                            <a:latin typeface="Cambria Math" panose="02040503050406030204" pitchFamily="18" charset="0"/>
+                          </a:rPr>
+                          <m:t>=</m:t>
+                        </m:r>
+                        <m:r>
+                          <a:rPr lang="de-DE" b="0" i="1" smtClean="0">
+                            <a:latin typeface="Cambria Math" panose="02040503050406030204" pitchFamily="18" charset="0"/>
+                          </a:rPr>
+                          <m:t>𝑈</m:t>
+                        </m:r>
+                      </m:e>
+                      <m:sup>
+                        <m:r>
+                          <a:rPr lang="de-DE" b="0" i="1" smtClean="0">
+                            <a:latin typeface="Cambria Math" panose="02040503050406030204" pitchFamily="18" charset="0"/>
+                          </a:rPr>
+                          <m:t>𝐻</m:t>
+                        </m:r>
+                      </m:sup>
+                    </m:sSup>
+                    <m:r>
+                      <a:rPr lang="de-DE" b="0" i="1" smtClean="0">
+                        <a:latin typeface="Cambria Math" panose="02040503050406030204" pitchFamily="18" charset="0"/>
+                      </a:rPr>
+                      <m:t>𝐴𝑈𝑥</m:t>
+                    </m:r>
+                    <m:r>
+                      <a:rPr lang="de-DE" b="0" i="1" smtClean="0">
+                        <a:latin typeface="Cambria Math" panose="02040503050406030204" pitchFamily="18" charset="0"/>
+                      </a:rPr>
+                      <m:t>−</m:t>
+                    </m:r>
+                    <m:sSup>
+                      <m:sSupPr>
+                        <m:ctrlPr>
+                          <a:rPr lang="de-DE" b="0" i="1" smtClean="0">
+                            <a:latin typeface="Cambria Math" panose="02040503050406030204" pitchFamily="18" charset="0"/>
+                          </a:rPr>
+                        </m:ctrlPr>
+                      </m:sSupPr>
+                      <m:e>
+                        <m:r>
+                          <a:rPr lang="de-DE" b="0" i="1" smtClean="0">
+                            <a:latin typeface="Cambria Math" panose="02040503050406030204" pitchFamily="18" charset="0"/>
+                          </a:rPr>
+                          <m:t>𝑈</m:t>
+                        </m:r>
+                      </m:e>
+                      <m:sup>
+                        <m:r>
+                          <a:rPr lang="de-DE" b="0" i="1" smtClean="0">
+                            <a:latin typeface="Cambria Math" panose="02040503050406030204" pitchFamily="18" charset="0"/>
+                          </a:rPr>
+                          <m:t>𝐻</m:t>
+                        </m:r>
+                      </m:sup>
+                    </m:sSup>
+                    <m:r>
+                      <a:rPr lang="de-DE" b="0" i="1" smtClean="0">
+                        <a:latin typeface="Cambria Math" panose="02040503050406030204" pitchFamily="18" charset="0"/>
+                      </a:rPr>
+                      <m:t>𝑏</m:t>
+                    </m:r>
+                  </m:oMath>
+                </a14:m>
+                <a:endParaRPr lang="de-DE" b="0" dirty="0"/>
+              </a:p>
+              <a:p>
+                <a14:m>
+                  <m:oMath xmlns:m="http://schemas.openxmlformats.org/officeDocument/2006/math">
+                    <m:r>
+                      <a:rPr lang="de-DE" b="0" i="1" smtClean="0">
+                        <a:latin typeface="Cambria Math" panose="02040503050406030204" pitchFamily="18" charset="0"/>
+                      </a:rPr>
+                      <m:t>𝑟</m:t>
+                    </m:r>
+                  </m:oMath>
+                </a14:m>
+                <a:r>
+                  <a:rPr lang="de-DE" dirty="0"/>
+                  <a:t> </a:t>
+                </a:r>
+                <a:r>
+                  <a:rPr lang="de-DE" dirty="0" err="1"/>
+                  <a:t>is</a:t>
+                </a:r>
+                <a:r>
+                  <a:rPr lang="de-DE" dirty="0"/>
+                  <a:t> not </a:t>
+                </a:r>
+                <a:r>
+                  <a:rPr lang="de-DE" dirty="0" err="1"/>
+                  <a:t>needed</a:t>
+                </a:r>
+                <a:r>
+                  <a:rPr lang="de-DE" dirty="0"/>
+                  <a:t> in </a:t>
+                </a:r>
+                <a:r>
+                  <a:rPr lang="de-DE" dirty="0" err="1"/>
+                  <a:t>each</a:t>
+                </a:r>
+                <a:r>
+                  <a:rPr lang="de-DE" dirty="0"/>
+                  <a:t> DOF, a </a:t>
+                </a:r>
+                <a:r>
+                  <a:rPr lang="de-DE" dirty="0" err="1"/>
+                  <a:t>selection</a:t>
+                </a:r>
+                <a:r>
+                  <a:rPr lang="de-DE" dirty="0"/>
+                  <a:t> </a:t>
+                </a:r>
+                <a:r>
+                  <a:rPr lang="de-DE" dirty="0" err="1"/>
+                  <a:t>may</a:t>
+                </a:r>
+                <a:r>
+                  <a:rPr lang="de-DE" dirty="0"/>
+                  <a:t> </a:t>
+                </a:r>
+                <a:r>
+                  <a:rPr lang="de-DE" dirty="0" err="1"/>
+                  <a:t>be</a:t>
+                </a:r>
+                <a:r>
+                  <a:rPr lang="de-DE" dirty="0"/>
+                  <a:t> </a:t>
+                </a:r>
+                <a:r>
+                  <a:rPr lang="de-DE" dirty="0" err="1"/>
+                  <a:t>enough</a:t>
+                </a:r>
+                <a:endParaRPr lang="de-DE" dirty="0"/>
+              </a:p>
+              <a:p>
+                <a14:m>
+                  <m:oMath xmlns:m="http://schemas.openxmlformats.org/officeDocument/2006/math">
+                    <m:r>
+                      <a:rPr lang="de-DE" i="1">
+                        <a:latin typeface="Cambria Math" panose="02040503050406030204" pitchFamily="18" charset="0"/>
+                      </a:rPr>
+                      <m:t>𝑟</m:t>
+                    </m:r>
+                  </m:oMath>
+                </a14:m>
+                <a:r>
+                  <a:rPr lang="de-DE" dirty="0"/>
+                  <a:t> </a:t>
+                </a:r>
+                <a:r>
+                  <a:rPr lang="de-DE" dirty="0" err="1"/>
+                  <a:t>is</a:t>
+                </a:r>
+                <a:r>
+                  <a:rPr lang="de-DE" dirty="0"/>
+                  <a:t> </a:t>
+                </a:r>
+                <a:r>
+                  <a:rPr lang="de-DE" dirty="0" err="1"/>
+                  <a:t>only</a:t>
+                </a:r>
+                <a:r>
+                  <a:rPr lang="de-DE" dirty="0"/>
+                  <a:t> </a:t>
+                </a:r>
+                <a:r>
+                  <a:rPr lang="de-DE" dirty="0" err="1"/>
+                  <a:t>needed</a:t>
+                </a:r>
+                <a:r>
+                  <a:rPr lang="de-DE" dirty="0"/>
+                  <a:t> on </a:t>
+                </a:r>
+                <a:r>
+                  <a:rPr lang="de-DE" dirty="0" err="1"/>
+                  <a:t>the</a:t>
+                </a:r>
+                <a:r>
+                  <a:rPr lang="de-DE" dirty="0"/>
+                  <a:t> beam </a:t>
+                </a:r>
+                <a:r>
+                  <a:rPr lang="de-DE" dirty="0" err="1"/>
+                  <a:t>if</a:t>
+                </a:r>
+                <a:r>
+                  <a:rPr lang="de-DE" dirty="0"/>
+                  <a:t> just </a:t>
+                </a:r>
+                <a:r>
+                  <a:rPr lang="de-DE" dirty="0" err="1"/>
+                  <a:t>the</a:t>
+                </a:r>
+                <a:r>
+                  <a:rPr lang="de-DE" dirty="0"/>
+                  <a:t> </a:t>
+                </a:r>
+                <a:r>
+                  <a:rPr lang="de-DE" dirty="0" err="1"/>
+                  <a:t>impedance</a:t>
+                </a:r>
+                <a:r>
+                  <a:rPr lang="de-DE" dirty="0"/>
+                  <a:t> </a:t>
+                </a:r>
+                <a:r>
+                  <a:rPr lang="de-DE" dirty="0" err="1"/>
+                  <a:t>is</a:t>
+                </a:r>
+                <a:r>
+                  <a:rPr lang="de-DE" dirty="0"/>
+                  <a:t> </a:t>
+                </a:r>
+                <a:r>
+                  <a:rPr lang="de-DE" dirty="0" err="1"/>
+                  <a:t>calculated</a:t>
+                </a:r>
+                <a:r>
+                  <a:rPr lang="de-DE" dirty="0"/>
+                  <a:t>, and just on </a:t>
+                </a:r>
+                <a:r>
+                  <a:rPr lang="de-DE" dirty="0" err="1"/>
+                  <a:t>the</a:t>
+                </a:r>
+                <a:r>
+                  <a:rPr lang="de-DE" dirty="0"/>
+                  <a:t> </a:t>
+                </a:r>
+                <a:r>
+                  <a:rPr lang="de-DE" dirty="0" err="1"/>
+                  <a:t>ports</a:t>
+                </a:r>
+                <a:r>
+                  <a:rPr lang="de-DE" dirty="0"/>
+                  <a:t> </a:t>
+                </a:r>
+                <a:r>
+                  <a:rPr lang="de-DE" dirty="0" err="1"/>
+                  <a:t>if</a:t>
+                </a:r>
+                <a:r>
+                  <a:rPr lang="de-DE" dirty="0"/>
+                  <a:t> S-parameters </a:t>
+                </a:r>
+                <a:r>
+                  <a:rPr lang="de-DE" dirty="0" err="1"/>
+                  <a:t>are</a:t>
+                </a:r>
+                <a:r>
+                  <a:rPr lang="de-DE" dirty="0"/>
+                  <a:t> </a:t>
+                </a:r>
+                <a:r>
+                  <a:rPr lang="de-DE" dirty="0" err="1"/>
+                  <a:t>calculated</a:t>
+                </a:r>
+                <a:endParaRPr lang="de-DE" dirty="0"/>
+              </a:p>
+              <a:p>
+                <a:r>
+                  <a:rPr lang="de-DE" dirty="0"/>
+                  <a:t>This </a:t>
+                </a:r>
+                <a:r>
+                  <a:rPr lang="de-DE" dirty="0" err="1"/>
+                  <a:t>requires</a:t>
+                </a:r>
+                <a:r>
+                  <a:rPr lang="de-DE" dirty="0"/>
+                  <a:t> an a posteriori </a:t>
+                </a:r>
+                <a:r>
+                  <a:rPr lang="de-DE" dirty="0" err="1"/>
+                  <a:t>error</a:t>
+                </a:r>
+                <a:r>
+                  <a:rPr lang="de-DE" dirty="0"/>
+                  <a:t> </a:t>
+                </a:r>
+                <a:r>
+                  <a:rPr lang="de-DE" dirty="0" err="1"/>
+                  <a:t>metric</a:t>
+                </a:r>
+                <a:r>
+                  <a:rPr lang="de-DE" dirty="0"/>
+                  <a:t> </a:t>
+                </a:r>
+                <a:r>
+                  <a:rPr lang="de-DE" dirty="0" err="1"/>
+                  <a:t>based</a:t>
+                </a:r>
+                <a:r>
+                  <a:rPr lang="de-DE" dirty="0"/>
+                  <a:t> on </a:t>
+                </a:r>
+                <a:r>
+                  <a:rPr lang="de-DE" dirty="0" err="1"/>
+                  <a:t>the</a:t>
+                </a:r>
+                <a:r>
+                  <a:rPr lang="de-DE" dirty="0"/>
+                  <a:t> </a:t>
+                </a:r>
+                <a:r>
+                  <a:rPr lang="de-DE" dirty="0" err="1"/>
+                  <a:t>impedance</a:t>
+                </a:r>
+                <a:r>
+                  <a:rPr lang="de-DE" dirty="0"/>
+                  <a:t>, not </a:t>
+                </a:r>
+                <a:r>
+                  <a:rPr lang="de-DE" dirty="0" err="1"/>
+                  <a:t>the</a:t>
+                </a:r>
+                <a:r>
+                  <a:rPr lang="de-DE" dirty="0"/>
+                  <a:t> </a:t>
+                </a:r>
+                <a:r>
+                  <a:rPr lang="de-DE"/>
+                  <a:t>field</a:t>
+                </a:r>
+                <a:endParaRPr lang="de-DE" dirty="0"/>
+              </a:p>
+            </p:txBody>
+          </p:sp>
+        </mc:Choice>
+        <mc:Fallback>
+          <p:sp>
+            <p:nvSpPr>
+              <p:cNvPr id="3" name="Inhaltsplatzhalter 2">
+                <a:extLst>
+                  <a:ext uri="{FF2B5EF4-FFF2-40B4-BE49-F238E27FC236}">
+                    <a16:creationId xmlns:a16="http://schemas.microsoft.com/office/drawing/2014/main" id="{82CDB914-000D-2972-B336-1A534F3C8CB9}"/>
+                  </a:ext>
+                </a:extLst>
+              </p:cNvPr>
+              <p:cNvSpPr>
+                <a:spLocks noGrp="1" noRot="1" noChangeAspect="1" noMove="1" noResize="1" noEditPoints="1" noAdjustHandles="1" noChangeArrowheads="1" noChangeShapeType="1" noTextEdit="1"/>
+              </p:cNvSpPr>
+              <p:nvPr>
+                <p:ph idx="1"/>
+              </p:nvPr>
+            </p:nvSpPr>
+            <p:spPr>
+              <a:blipFill>
+                <a:blip r:embed="rId2"/>
+                <a:stretch>
+                  <a:fillRect l="-917" t="-382"/>
+                </a:stretch>
+              </a:blipFill>
+            </p:spPr>
+            <p:txBody>
+              <a:bodyPr/>
+              <a:lstStyle/>
+              <a:p>
+                <a:r>
+                  <a:rPr lang="de-DE">
+                    <a:noFill/>
+                  </a:rPr>
+                  <a:t> </a:t>
+                </a:r>
+              </a:p>
+            </p:txBody>
+          </p:sp>
+        </mc:Fallback>
+      </mc:AlternateContent>
+      <p:sp>
+        <p:nvSpPr>
+          <p:cNvPr id="4" name="Foliennummernplatzhalter 3">
+            <a:extLst>
+              <a:ext uri="{FF2B5EF4-FFF2-40B4-BE49-F238E27FC236}">
+                <a16:creationId xmlns:a16="http://schemas.microsoft.com/office/drawing/2014/main" id="{50BAB88A-89DA-2549-436F-CAAB5DE1FA0B}"/>
+              </a:ext>
+            </a:extLst>
+          </p:cNvPr>
+          <p:cNvSpPr>
+            <a:spLocks noGrp="1"/>
+          </p:cNvSpPr>
+          <p:nvPr>
+            <p:ph type="sldNum" sz="quarter" idx="4"/>
+          </p:nvPr>
+        </p:nvSpPr>
+        <p:spPr/>
+        <p:txBody>
+          <a:bodyPr/>
+          <a:lstStyle/>
+          <a:p>
+            <a:fld id="{429C9586-58E4-4FC0-AB55-F3088F3AED5E}" type="slidenum">
+              <a:rPr lang="de-DE" smtClean="0"/>
+              <a:pPr/>
+              <a:t>18</a:t>
+            </a:fld>
+            <a:endParaRPr lang="de-DE" dirty="0"/>
+          </a:p>
+        </p:txBody>
+      </p:sp>
+      <p:sp>
+        <p:nvSpPr>
+          <p:cNvPr id="5" name="Fußzeilenplatzhalter 4">
+            <a:extLst>
+              <a:ext uri="{FF2B5EF4-FFF2-40B4-BE49-F238E27FC236}">
+                <a16:creationId xmlns:a16="http://schemas.microsoft.com/office/drawing/2014/main" id="{5CBD2DD5-1E6C-FD4A-AAC7-95C6B331D978}"/>
+              </a:ext>
+            </a:extLst>
+          </p:cNvPr>
+          <p:cNvSpPr>
+            <a:spLocks noGrp="1"/>
+          </p:cNvSpPr>
+          <p:nvPr>
+            <p:ph type="ftr" sz="quarter" idx="3"/>
+          </p:nvPr>
+        </p:nvSpPr>
+        <p:spPr/>
+        <p:txBody>
+          <a:bodyPr/>
+          <a:lstStyle/>
+          <a:p>
+            <a:r>
+              <a:rPr lang="en-US"/>
+              <a:t>TU Darmstadt | Institut für Teilchenbeschleunigung und Elektromagnetische Felder (TEMF) | Frederik Quetscher</a:t>
+            </a:r>
+            <a:endParaRPr lang="en-US" dirty="0"/>
+          </a:p>
+        </p:txBody>
+      </p:sp>
+      <p:sp>
+        <p:nvSpPr>
+          <p:cNvPr id="6" name="Datumsplatzhalter 5">
+            <a:extLst>
+              <a:ext uri="{FF2B5EF4-FFF2-40B4-BE49-F238E27FC236}">
+                <a16:creationId xmlns:a16="http://schemas.microsoft.com/office/drawing/2014/main" id="{2764C873-D4E5-10FE-5D52-D2CEE213480F}"/>
+              </a:ext>
+            </a:extLst>
+          </p:cNvPr>
+          <p:cNvSpPr>
+            <a:spLocks noGrp="1"/>
+          </p:cNvSpPr>
+          <p:nvPr>
+            <p:ph type="dt" sz="half" idx="2"/>
+          </p:nvPr>
+        </p:nvSpPr>
+        <p:spPr/>
+        <p:txBody>
+          <a:bodyPr/>
+          <a:lstStyle/>
+          <a:p>
+            <a:r>
+              <a:rPr lang="de-DE"/>
+              <a:t>25.01.2023</a:t>
+            </a:r>
+            <a:endParaRPr lang="de-DE" dirty="0"/>
+          </a:p>
+        </p:txBody>
+      </p:sp>
+    </p:spTree>
+    <p:extLst>
+      <p:ext uri="{BB962C8B-B14F-4D97-AF65-F5344CB8AC3E}">
+        <p14:creationId xmlns:p14="http://schemas.microsoft.com/office/powerpoint/2010/main" val="4231659805"/>
+      </p:ext>
+    </p:extLst>
+  </p:cSld>
+  <p:clrMapOvr>
+    <a:masterClrMapping/>
+  </p:clrMapOvr>
+</p:sld>
+</file>
+
+<file path=ppt/slides/slide19.xml><?xml version="1.0" encoding="utf-8"?>
+<p:sld xmlns:a="http://schemas.openxmlformats.org/drawingml/2006/main" xmlns:r="http://schemas.openxmlformats.org/officeDocument/2006/relationships" xmlns:p="http://schemas.openxmlformats.org/presentationml/2006/main">
+  <p:cSld>
+    <p:spTree>
+      <p:nvGrpSpPr>
+        <p:cNvPr id="1" name=""/>
+        <p:cNvGrpSpPr/>
+        <p:nvPr/>
+      </p:nvGrpSpPr>
+      <p:grpSpPr>
+        <a:xfrm>
+          <a:off x="0" y="0"/>
+          <a:ext cx="0" cy="0"/>
+          <a:chOff x="0" y="0"/>
+          <a:chExt cx="0" cy="0"/>
+        </a:xfrm>
+      </p:grpSpPr>
+      <p:sp>
+        <p:nvSpPr>
+          <p:cNvPr id="2" name="Titel 1">
+            <a:extLst>
+              <a:ext uri="{FF2B5EF4-FFF2-40B4-BE49-F238E27FC236}">
                 <a16:creationId xmlns:a16="http://schemas.microsoft.com/office/drawing/2014/main" id="{F763938D-89CC-19B1-6554-88343BCBD327}"/>
               </a:ext>
             </a:extLst>
@@ -10706,7 +11303,7 @@
             <a:fld id="{429C9586-58E4-4FC0-AB55-F3088F3AED5E}" type="slidenum">
               <a:rPr lang="de-DE" smtClean="0"/>
               <a:pPr/>
-              <a:t>18</a:t>
+              <a:t>19</a:t>
             </a:fld>
             <a:endParaRPr lang="de-DE" dirty="0"/>
           </a:p>
@@ -10828,273 +11425,6 @@
     <p:extLst>
       <p:ext uri="{BB962C8B-B14F-4D97-AF65-F5344CB8AC3E}">
         <p14:creationId xmlns:p14="http://schemas.microsoft.com/office/powerpoint/2010/main" val="754888177"/>
-      </p:ext>
-    </p:extLst>
-  </p:cSld>
-  <p:clrMapOvr>
-    <a:masterClrMapping/>
-  </p:clrMapOvr>
-</p:sld>
-</file>
-
-<file path=ppt/slides/slide19.xml><?xml version="1.0" encoding="utf-8"?>
-<p:sld xmlns:a="http://schemas.openxmlformats.org/drawingml/2006/main" xmlns:r="http://schemas.openxmlformats.org/officeDocument/2006/relationships" xmlns:p="http://schemas.openxmlformats.org/presentationml/2006/main" show="0">
-  <p:cSld>
-    <p:spTree>
-      <p:nvGrpSpPr>
-        <p:cNvPr id="1" name=""/>
-        <p:cNvGrpSpPr/>
-        <p:nvPr/>
-      </p:nvGrpSpPr>
-      <p:grpSpPr>
-        <a:xfrm>
-          <a:off x="0" y="0"/>
-          <a:ext cx="0" cy="0"/>
-          <a:chOff x="0" y="0"/>
-          <a:chExt cx="0" cy="0"/>
-        </a:xfrm>
-      </p:grpSpPr>
-      <p:pic>
-        <p:nvPicPr>
-          <p:cNvPr id="18" name="Grafik 17">
-            <a:extLst>
-              <a:ext uri="{FF2B5EF4-FFF2-40B4-BE49-F238E27FC236}">
-                <a16:creationId xmlns:a16="http://schemas.microsoft.com/office/drawing/2014/main" id="{D7500679-A26D-DAE3-E712-539E175378B9}"/>
-              </a:ext>
-            </a:extLst>
-          </p:cNvPr>
-          <p:cNvPicPr>
-            <a:picLocks noChangeAspect="1"/>
-          </p:cNvPicPr>
-          <p:nvPr/>
-        </p:nvPicPr>
-        <p:blipFill>
-          <a:blip r:embed="rId3" cstate="print">
-            <a:extLst>
-              <a:ext uri="{28A0092B-C50C-407E-A947-70E740481C1C}">
-                <a14:useLocalDpi xmlns:a14="http://schemas.microsoft.com/office/drawing/2010/main" val="0"/>
-              </a:ext>
-            </a:extLst>
-          </a:blip>
-          <a:stretch>
-            <a:fillRect/>
-          </a:stretch>
-        </p:blipFill>
-        <p:spPr>
-          <a:xfrm>
-            <a:off x="810090" y="3526174"/>
-            <a:ext cx="7866366" cy="2949888"/>
-          </a:xfrm>
-          <a:prstGeom prst="rect">
-            <a:avLst/>
-          </a:prstGeom>
-        </p:spPr>
-      </p:pic>
-      <p:sp>
-        <p:nvSpPr>
-          <p:cNvPr id="2" name="Titel 1">
-            <a:extLst>
-              <a:ext uri="{FF2B5EF4-FFF2-40B4-BE49-F238E27FC236}">
-                <a16:creationId xmlns:a16="http://schemas.microsoft.com/office/drawing/2014/main" id="{07080679-BD84-B529-0A15-B98EC5F14C92}"/>
-              </a:ext>
-            </a:extLst>
-          </p:cNvPr>
-          <p:cNvSpPr>
-            <a:spLocks noGrp="1"/>
-          </p:cNvSpPr>
-          <p:nvPr>
-            <p:ph type="title"/>
-          </p:nvPr>
-        </p:nvSpPr>
-        <p:spPr/>
-        <p:txBody>
-          <a:bodyPr/>
-          <a:lstStyle/>
-          <a:p>
-            <a:r>
-              <a:rPr lang="de-DE" dirty="0" err="1"/>
-              <a:t>Results</a:t>
-            </a:r>
-            <a:r>
-              <a:rPr lang="de-DE" dirty="0"/>
-              <a:t> - </a:t>
-            </a:r>
-            <a:r>
-              <a:rPr lang="de-DE" dirty="0" err="1"/>
-              <a:t>Constriction</a:t>
-            </a:r>
-            <a:endParaRPr lang="de-DE" dirty="0"/>
-          </a:p>
-        </p:txBody>
-      </p:sp>
-      <p:sp>
-        <p:nvSpPr>
-          <p:cNvPr id="4" name="Foliennummernplatzhalter 3">
-            <a:extLst>
-              <a:ext uri="{FF2B5EF4-FFF2-40B4-BE49-F238E27FC236}">
-                <a16:creationId xmlns:a16="http://schemas.microsoft.com/office/drawing/2014/main" id="{043E8030-0C5E-2FE1-A642-2B202110315C}"/>
-              </a:ext>
-            </a:extLst>
-          </p:cNvPr>
-          <p:cNvSpPr>
-            <a:spLocks noGrp="1"/>
-          </p:cNvSpPr>
-          <p:nvPr>
-            <p:ph type="sldNum" sz="quarter" idx="4"/>
-          </p:nvPr>
-        </p:nvSpPr>
-        <p:spPr/>
-        <p:txBody>
-          <a:bodyPr/>
-          <a:lstStyle/>
-          <a:p>
-            <a:fld id="{429C9586-58E4-4FC0-AB55-F3088F3AED5E}" type="slidenum">
-              <a:rPr lang="de-DE" smtClean="0"/>
-              <a:pPr/>
-              <a:t>19</a:t>
-            </a:fld>
-            <a:endParaRPr lang="de-DE" dirty="0"/>
-          </a:p>
-        </p:txBody>
-      </p:sp>
-      <p:sp>
-        <p:nvSpPr>
-          <p:cNvPr id="5" name="Fußzeilenplatzhalter 4">
-            <a:extLst>
-              <a:ext uri="{FF2B5EF4-FFF2-40B4-BE49-F238E27FC236}">
-                <a16:creationId xmlns:a16="http://schemas.microsoft.com/office/drawing/2014/main" id="{CDA1D5BE-A18C-8529-13E9-8A7AB1AF115C}"/>
-              </a:ext>
-            </a:extLst>
-          </p:cNvPr>
-          <p:cNvSpPr>
-            <a:spLocks noGrp="1"/>
-          </p:cNvSpPr>
-          <p:nvPr>
-            <p:ph type="ftr" sz="quarter" idx="3"/>
-          </p:nvPr>
-        </p:nvSpPr>
-        <p:spPr/>
-        <p:txBody>
-          <a:bodyPr/>
-          <a:lstStyle/>
-          <a:p>
-            <a:r>
-              <a:rPr lang="en-US"/>
-              <a:t>TU Darmstadt | Institut für Teilchenbeschleunigung und Elektromagnetische Felder (TEMF) | Frederik Quetscher</a:t>
-            </a:r>
-            <a:endParaRPr lang="en-US" dirty="0"/>
-          </a:p>
-        </p:txBody>
-      </p:sp>
-      <p:sp>
-        <p:nvSpPr>
-          <p:cNvPr id="6" name="Datumsplatzhalter 5">
-            <a:extLst>
-              <a:ext uri="{FF2B5EF4-FFF2-40B4-BE49-F238E27FC236}">
-                <a16:creationId xmlns:a16="http://schemas.microsoft.com/office/drawing/2014/main" id="{4C7C9944-DC49-8066-1C85-B642DD74EBA1}"/>
-              </a:ext>
-            </a:extLst>
-          </p:cNvPr>
-          <p:cNvSpPr>
-            <a:spLocks noGrp="1"/>
-          </p:cNvSpPr>
-          <p:nvPr>
-            <p:ph type="dt" sz="half" idx="2"/>
-          </p:nvPr>
-        </p:nvSpPr>
-        <p:spPr/>
-        <p:txBody>
-          <a:bodyPr/>
-          <a:lstStyle/>
-          <a:p>
-            <a:r>
-              <a:rPr lang="de-DE"/>
-              <a:t>22.9.2022</a:t>
-            </a:r>
-            <a:endParaRPr lang="de-DE" dirty="0"/>
-          </a:p>
-        </p:txBody>
-      </p:sp>
-      <p:pic>
-        <p:nvPicPr>
-          <p:cNvPr id="8" name="Grafik 7">
-            <a:extLst>
-              <a:ext uri="{FF2B5EF4-FFF2-40B4-BE49-F238E27FC236}">
-                <a16:creationId xmlns:a16="http://schemas.microsoft.com/office/drawing/2014/main" id="{D12E7920-C9D8-C6D3-EC73-B3AD0924B8C2}"/>
-              </a:ext>
-            </a:extLst>
-          </p:cNvPr>
-          <p:cNvPicPr>
-            <a:picLocks noChangeAspect="1"/>
-          </p:cNvPicPr>
-          <p:nvPr/>
-        </p:nvPicPr>
-        <p:blipFill>
-          <a:blip r:embed="rId4" cstate="print">
-            <a:extLst>
-              <a:ext uri="{28A0092B-C50C-407E-A947-70E740481C1C}">
-                <a14:useLocalDpi xmlns:a14="http://schemas.microsoft.com/office/drawing/2010/main" val="0"/>
-              </a:ext>
-            </a:extLst>
-          </a:blip>
-          <a:stretch>
-            <a:fillRect/>
-          </a:stretch>
-        </p:blipFill>
-        <p:spPr>
-          <a:xfrm rot="5400000">
-            <a:off x="1104701" y="1258883"/>
-            <a:ext cx="1965008" cy="2519242"/>
-          </a:xfrm>
-          <a:prstGeom prst="rect">
-            <a:avLst/>
-          </a:prstGeom>
-        </p:spPr>
-      </p:pic>
-      <p:pic>
-        <p:nvPicPr>
-          <p:cNvPr id="16" name="Grafik 15">
-            <a:extLst>
-              <a:ext uri="{FF2B5EF4-FFF2-40B4-BE49-F238E27FC236}">
-                <a16:creationId xmlns:a16="http://schemas.microsoft.com/office/drawing/2014/main" id="{14105B4A-0DE2-038C-BE00-3DBB6AB073B8}"/>
-              </a:ext>
-            </a:extLst>
-          </p:cNvPr>
-          <p:cNvPicPr>
-            <a:picLocks noChangeAspect="1"/>
-          </p:cNvPicPr>
-          <p:nvPr/>
-        </p:nvPicPr>
-        <p:blipFill>
-          <a:blip r:embed="rId5" cstate="print">
-            <a:extLst>
-              <a:ext uri="{28A0092B-C50C-407E-A947-70E740481C1C}">
-                <a14:useLocalDpi xmlns:a14="http://schemas.microsoft.com/office/drawing/2010/main" val="0"/>
-              </a:ext>
-            </a:extLst>
-          </a:blip>
-          <a:srcRect/>
-          <a:stretch/>
-        </p:blipFill>
-        <p:spPr>
-          <a:xfrm>
-            <a:off x="4032697" y="1520788"/>
-            <a:ext cx="4752528" cy="2376264"/>
-          </a:xfrm>
-          <a:prstGeom prst="rect">
-            <a:avLst/>
-          </a:prstGeom>
-          <a:ln w="15875">
-            <a:solidFill>
-              <a:schemeClr val="tx1"/>
-            </a:solidFill>
-          </a:ln>
-        </p:spPr>
-      </p:pic>
-    </p:spTree>
-    <p:extLst>
-      <p:ext uri="{BB962C8B-B14F-4D97-AF65-F5344CB8AC3E}">
-        <p14:creationId xmlns:p14="http://schemas.microsoft.com/office/powerpoint/2010/main" val="4220527179"/>
       </p:ext>
     </p:extLst>
   </p:cSld>
@@ -13639,6 +13969,273 @@
           <a:chExt cx="0" cy="0"/>
         </a:xfrm>
       </p:grpSpPr>
+      <p:pic>
+        <p:nvPicPr>
+          <p:cNvPr id="18" name="Grafik 17">
+            <a:extLst>
+              <a:ext uri="{FF2B5EF4-FFF2-40B4-BE49-F238E27FC236}">
+                <a16:creationId xmlns:a16="http://schemas.microsoft.com/office/drawing/2014/main" id="{D7500679-A26D-DAE3-E712-539E175378B9}"/>
+              </a:ext>
+            </a:extLst>
+          </p:cNvPr>
+          <p:cNvPicPr>
+            <a:picLocks noChangeAspect="1"/>
+          </p:cNvPicPr>
+          <p:nvPr/>
+        </p:nvPicPr>
+        <p:blipFill>
+          <a:blip r:embed="rId3" cstate="print">
+            <a:extLst>
+              <a:ext uri="{28A0092B-C50C-407E-A947-70E740481C1C}">
+                <a14:useLocalDpi xmlns:a14="http://schemas.microsoft.com/office/drawing/2010/main" val="0"/>
+              </a:ext>
+            </a:extLst>
+          </a:blip>
+          <a:stretch>
+            <a:fillRect/>
+          </a:stretch>
+        </p:blipFill>
+        <p:spPr>
+          <a:xfrm>
+            <a:off x="810090" y="3526174"/>
+            <a:ext cx="7866366" cy="2949888"/>
+          </a:xfrm>
+          <a:prstGeom prst="rect">
+            <a:avLst/>
+          </a:prstGeom>
+        </p:spPr>
+      </p:pic>
+      <p:sp>
+        <p:nvSpPr>
+          <p:cNvPr id="2" name="Titel 1">
+            <a:extLst>
+              <a:ext uri="{FF2B5EF4-FFF2-40B4-BE49-F238E27FC236}">
+                <a16:creationId xmlns:a16="http://schemas.microsoft.com/office/drawing/2014/main" id="{07080679-BD84-B529-0A15-B98EC5F14C92}"/>
+              </a:ext>
+            </a:extLst>
+          </p:cNvPr>
+          <p:cNvSpPr>
+            <a:spLocks noGrp="1"/>
+          </p:cNvSpPr>
+          <p:nvPr>
+            <p:ph type="title"/>
+          </p:nvPr>
+        </p:nvSpPr>
+        <p:spPr/>
+        <p:txBody>
+          <a:bodyPr/>
+          <a:lstStyle/>
+          <a:p>
+            <a:r>
+              <a:rPr lang="de-DE" dirty="0" err="1"/>
+              <a:t>Results</a:t>
+            </a:r>
+            <a:r>
+              <a:rPr lang="de-DE" dirty="0"/>
+              <a:t> - </a:t>
+            </a:r>
+            <a:r>
+              <a:rPr lang="de-DE" dirty="0" err="1"/>
+              <a:t>Constriction</a:t>
+            </a:r>
+            <a:endParaRPr lang="de-DE" dirty="0"/>
+          </a:p>
+        </p:txBody>
+      </p:sp>
+      <p:sp>
+        <p:nvSpPr>
+          <p:cNvPr id="4" name="Foliennummernplatzhalter 3">
+            <a:extLst>
+              <a:ext uri="{FF2B5EF4-FFF2-40B4-BE49-F238E27FC236}">
+                <a16:creationId xmlns:a16="http://schemas.microsoft.com/office/drawing/2014/main" id="{043E8030-0C5E-2FE1-A642-2B202110315C}"/>
+              </a:ext>
+            </a:extLst>
+          </p:cNvPr>
+          <p:cNvSpPr>
+            <a:spLocks noGrp="1"/>
+          </p:cNvSpPr>
+          <p:nvPr>
+            <p:ph type="sldNum" sz="quarter" idx="4"/>
+          </p:nvPr>
+        </p:nvSpPr>
+        <p:spPr/>
+        <p:txBody>
+          <a:bodyPr/>
+          <a:lstStyle/>
+          <a:p>
+            <a:fld id="{429C9586-58E4-4FC0-AB55-F3088F3AED5E}" type="slidenum">
+              <a:rPr lang="de-DE" smtClean="0"/>
+              <a:pPr/>
+              <a:t>20</a:t>
+            </a:fld>
+            <a:endParaRPr lang="de-DE" dirty="0"/>
+          </a:p>
+        </p:txBody>
+      </p:sp>
+      <p:sp>
+        <p:nvSpPr>
+          <p:cNvPr id="5" name="Fußzeilenplatzhalter 4">
+            <a:extLst>
+              <a:ext uri="{FF2B5EF4-FFF2-40B4-BE49-F238E27FC236}">
+                <a16:creationId xmlns:a16="http://schemas.microsoft.com/office/drawing/2014/main" id="{CDA1D5BE-A18C-8529-13E9-8A7AB1AF115C}"/>
+              </a:ext>
+            </a:extLst>
+          </p:cNvPr>
+          <p:cNvSpPr>
+            <a:spLocks noGrp="1"/>
+          </p:cNvSpPr>
+          <p:nvPr>
+            <p:ph type="ftr" sz="quarter" idx="3"/>
+          </p:nvPr>
+        </p:nvSpPr>
+        <p:spPr/>
+        <p:txBody>
+          <a:bodyPr/>
+          <a:lstStyle/>
+          <a:p>
+            <a:r>
+              <a:rPr lang="en-US"/>
+              <a:t>TU Darmstadt | Institut für Teilchenbeschleunigung und Elektromagnetische Felder (TEMF) | Frederik Quetscher</a:t>
+            </a:r>
+            <a:endParaRPr lang="en-US" dirty="0"/>
+          </a:p>
+        </p:txBody>
+      </p:sp>
+      <p:sp>
+        <p:nvSpPr>
+          <p:cNvPr id="6" name="Datumsplatzhalter 5">
+            <a:extLst>
+              <a:ext uri="{FF2B5EF4-FFF2-40B4-BE49-F238E27FC236}">
+                <a16:creationId xmlns:a16="http://schemas.microsoft.com/office/drawing/2014/main" id="{4C7C9944-DC49-8066-1C85-B642DD74EBA1}"/>
+              </a:ext>
+            </a:extLst>
+          </p:cNvPr>
+          <p:cNvSpPr>
+            <a:spLocks noGrp="1"/>
+          </p:cNvSpPr>
+          <p:nvPr>
+            <p:ph type="dt" sz="half" idx="2"/>
+          </p:nvPr>
+        </p:nvSpPr>
+        <p:spPr/>
+        <p:txBody>
+          <a:bodyPr/>
+          <a:lstStyle/>
+          <a:p>
+            <a:r>
+              <a:rPr lang="de-DE"/>
+              <a:t>22.9.2022</a:t>
+            </a:r>
+            <a:endParaRPr lang="de-DE" dirty="0"/>
+          </a:p>
+        </p:txBody>
+      </p:sp>
+      <p:pic>
+        <p:nvPicPr>
+          <p:cNvPr id="8" name="Grafik 7">
+            <a:extLst>
+              <a:ext uri="{FF2B5EF4-FFF2-40B4-BE49-F238E27FC236}">
+                <a16:creationId xmlns:a16="http://schemas.microsoft.com/office/drawing/2014/main" id="{D12E7920-C9D8-C6D3-EC73-B3AD0924B8C2}"/>
+              </a:ext>
+            </a:extLst>
+          </p:cNvPr>
+          <p:cNvPicPr>
+            <a:picLocks noChangeAspect="1"/>
+          </p:cNvPicPr>
+          <p:nvPr/>
+        </p:nvPicPr>
+        <p:blipFill>
+          <a:blip r:embed="rId4" cstate="print">
+            <a:extLst>
+              <a:ext uri="{28A0092B-C50C-407E-A947-70E740481C1C}">
+                <a14:useLocalDpi xmlns:a14="http://schemas.microsoft.com/office/drawing/2010/main" val="0"/>
+              </a:ext>
+            </a:extLst>
+          </a:blip>
+          <a:stretch>
+            <a:fillRect/>
+          </a:stretch>
+        </p:blipFill>
+        <p:spPr>
+          <a:xfrm rot="5400000">
+            <a:off x="1104701" y="1258883"/>
+            <a:ext cx="1965008" cy="2519242"/>
+          </a:xfrm>
+          <a:prstGeom prst="rect">
+            <a:avLst/>
+          </a:prstGeom>
+        </p:spPr>
+      </p:pic>
+      <p:pic>
+        <p:nvPicPr>
+          <p:cNvPr id="16" name="Grafik 15">
+            <a:extLst>
+              <a:ext uri="{FF2B5EF4-FFF2-40B4-BE49-F238E27FC236}">
+                <a16:creationId xmlns:a16="http://schemas.microsoft.com/office/drawing/2014/main" id="{14105B4A-0DE2-038C-BE00-3DBB6AB073B8}"/>
+              </a:ext>
+            </a:extLst>
+          </p:cNvPr>
+          <p:cNvPicPr>
+            <a:picLocks noChangeAspect="1"/>
+          </p:cNvPicPr>
+          <p:nvPr/>
+        </p:nvPicPr>
+        <p:blipFill>
+          <a:blip r:embed="rId5" cstate="print">
+            <a:extLst>
+              <a:ext uri="{28A0092B-C50C-407E-A947-70E740481C1C}">
+                <a14:useLocalDpi xmlns:a14="http://schemas.microsoft.com/office/drawing/2010/main" val="0"/>
+              </a:ext>
+            </a:extLst>
+          </a:blip>
+          <a:srcRect/>
+          <a:stretch/>
+        </p:blipFill>
+        <p:spPr>
+          <a:xfrm>
+            <a:off x="4032697" y="1520788"/>
+            <a:ext cx="4752528" cy="2376264"/>
+          </a:xfrm>
+          <a:prstGeom prst="rect">
+            <a:avLst/>
+          </a:prstGeom>
+          <a:ln w="15875">
+            <a:solidFill>
+              <a:schemeClr val="tx1"/>
+            </a:solidFill>
+          </a:ln>
+        </p:spPr>
+      </p:pic>
+    </p:spTree>
+    <p:extLst>
+      <p:ext uri="{BB962C8B-B14F-4D97-AF65-F5344CB8AC3E}">
+        <p14:creationId xmlns:p14="http://schemas.microsoft.com/office/powerpoint/2010/main" val="4220527179"/>
+      </p:ext>
+    </p:extLst>
+  </p:cSld>
+  <p:clrMapOvr>
+    <a:masterClrMapping/>
+  </p:clrMapOvr>
+</p:sld>
+</file>
+
+<file path=ppt/slides/slide21.xml><?xml version="1.0" encoding="utf-8"?>
+<p:sld xmlns:a="http://schemas.openxmlformats.org/drawingml/2006/main" xmlns:r="http://schemas.openxmlformats.org/officeDocument/2006/relationships" xmlns:p="http://schemas.openxmlformats.org/presentationml/2006/main" show="0">
+  <p:cSld>
+    <p:spTree>
+      <p:nvGrpSpPr>
+        <p:cNvPr id="1" name=""/>
+        <p:cNvGrpSpPr/>
+        <p:nvPr/>
+      </p:nvGrpSpPr>
+      <p:grpSpPr>
+        <a:xfrm>
+          <a:off x="0" y="0"/>
+          <a:ext cx="0" cy="0"/>
+          <a:chOff x="0" y="0"/>
+          <a:chExt cx="0" cy="0"/>
+        </a:xfrm>
+      </p:grpSpPr>
       <p:sp>
         <p:nvSpPr>
           <p:cNvPr id="2" name="Titel 1">
@@ -13700,7 +14297,7 @@
             <a:fld id="{429C9586-58E4-4FC0-AB55-F3088F3AED5E}" type="slidenum">
               <a:rPr lang="de-DE" smtClean="0"/>
               <a:pPr/>
-              <a:t>20</a:t>
+              <a:t>21</a:t>
             </a:fld>
             <a:endParaRPr lang="de-DE" dirty="0"/>
           </a:p>
@@ -13884,7 +14481,7 @@
 </p:sld>
 </file>
 
-<file path=ppt/slides/slide21.xml><?xml version="1.0" encoding="utf-8"?>
+<file path=ppt/slides/slide22.xml><?xml version="1.0" encoding="utf-8"?>
 <p:sld xmlns:a="http://schemas.openxmlformats.org/drawingml/2006/main" xmlns:r="http://schemas.openxmlformats.org/officeDocument/2006/relationships" xmlns:p="http://schemas.openxmlformats.org/presentationml/2006/main" show="0">
   <p:cSld>
     <p:spTree>
@@ -13997,7 +14594,7 @@
             <a:fld id="{429C9586-58E4-4FC0-AB55-F3088F3AED5E}" type="slidenum">
               <a:rPr lang="de-DE" smtClean="0"/>
               <a:pPr/>
-              <a:t>21</a:t>
+              <a:t>22</a:t>
             </a:fld>
             <a:endParaRPr lang="de-DE" dirty="0"/>
           </a:p>
@@ -14343,7 +14940,7 @@
 </p:sld>
 </file>
 
-<file path=ppt/slides/slide22.xml><?xml version="1.0" encoding="utf-8"?>
+<file path=ppt/slides/slide23.xml><?xml version="1.0" encoding="utf-8"?>
 <p:sld xmlns:a="http://schemas.openxmlformats.org/drawingml/2006/main" xmlns:r="http://schemas.openxmlformats.org/officeDocument/2006/relationships" xmlns:p="http://schemas.openxmlformats.org/presentationml/2006/main" show="0">
   <p:cSld>
     <p:spTree>
@@ -14456,7 +15053,7 @@
             <a:fld id="{429C9586-58E4-4FC0-AB55-F3088F3AED5E}" type="slidenum">
               <a:rPr lang="de-DE" smtClean="0"/>
               <a:pPr/>
-              <a:t>22</a:t>
+              <a:t>23</a:t>
             </a:fld>
             <a:endParaRPr lang="de-DE" dirty="0"/>
           </a:p>
